--- a/Placeholder/seminar1/prezentacja/sdm1_Aniserowicz_Michal.pptx
+++ b/Placeholder/seminar1/prezentacja/sdm1_Aniserowicz_Michal.pptx
@@ -5,16 +5,23 @@
     <p:sldMasterId id="2147483660" r:id="rId1"/>
   </p:sldMasterIdLst>
   <p:notesMasterIdLst>
-    <p:notesMasterId r:id="rId9"/>
+    <p:notesMasterId r:id="rId16"/>
   </p:notesMasterIdLst>
   <p:sldIdLst>
     <p:sldId id="256" r:id="rId2"/>
     <p:sldId id="257" r:id="rId3"/>
-    <p:sldId id="259" r:id="rId4"/>
-    <p:sldId id="281" r:id="rId5"/>
-    <p:sldId id="266" r:id="rId6"/>
-    <p:sldId id="271" r:id="rId7"/>
-    <p:sldId id="258" r:id="rId8"/>
+    <p:sldId id="286" r:id="rId4"/>
+    <p:sldId id="282" r:id="rId5"/>
+    <p:sldId id="283" r:id="rId6"/>
+    <p:sldId id="284" r:id="rId7"/>
+    <p:sldId id="285" r:id="rId8"/>
+    <p:sldId id="287" r:id="rId9"/>
+    <p:sldId id="288" r:id="rId10"/>
+    <p:sldId id="289" r:id="rId11"/>
+    <p:sldId id="290" r:id="rId12"/>
+    <p:sldId id="291" r:id="rId13"/>
+    <p:sldId id="271" r:id="rId14"/>
+    <p:sldId id="258" r:id="rId15"/>
   </p:sldIdLst>
   <p:sldSz cx="9144000" cy="6858000" type="screen4x3"/>
   <p:notesSz cx="6858000" cy="9144000"/>
@@ -198,7 +205,7 @@
           <a:p>
             <a:fld id="{8B2438A0-9889-4524-A836-B1F16A347C9A}" type="datetimeFigureOut">
               <a:rPr lang="pl-PL" smtClean="0"/>
-              <a:t>2013-10-20</a:t>
+              <a:t>2013-11-11</a:t>
             </a:fld>
             <a:endParaRPr lang="pl-PL"/>
           </a:p>
@@ -744,7 +751,7 @@
           <a:p>
             <a:fld id="{DF8502F3-6FCB-4412-BC1B-6BD1E19AD95B}" type="datetime1">
               <a:rPr lang="pl-PL" smtClean="0"/>
-              <a:t>2013-10-20</a:t>
+              <a:t>2013-11-11</a:t>
             </a:fld>
             <a:endParaRPr lang="pl-PL"/>
           </a:p>
@@ -913,7 +920,7 @@
           <a:p>
             <a:fld id="{2C3A9CA8-94EC-4527-8F8B-DBD707D01242}" type="datetime1">
               <a:rPr lang="pl-PL" smtClean="0"/>
-              <a:t>2013-10-20</a:t>
+              <a:t>2013-11-11</a:t>
             </a:fld>
             <a:endParaRPr lang="pl-PL"/>
           </a:p>
@@ -1092,7 +1099,7 @@
           <a:p>
             <a:fld id="{B6CEB1C5-C0C6-4424-A29E-91E4E3F5914E}" type="datetime1">
               <a:rPr lang="pl-PL" smtClean="0"/>
-              <a:t>2013-10-20</a:t>
+              <a:t>2013-11-11</a:t>
             </a:fld>
             <a:endParaRPr lang="pl-PL"/>
           </a:p>
@@ -1261,7 +1268,7 @@
           <a:p>
             <a:fld id="{72A5EE3F-7E13-4B6A-B05F-2A1CC7201CC3}" type="datetime1">
               <a:rPr lang="pl-PL" smtClean="0"/>
-              <a:t>2013-10-20</a:t>
+              <a:t>2013-11-11</a:t>
             </a:fld>
             <a:endParaRPr lang="pl-PL"/>
           </a:p>
@@ -1506,7 +1513,7 @@
           <a:p>
             <a:fld id="{E9E8B4A4-D862-4963-A883-5BE55689752D}" type="datetime1">
               <a:rPr lang="pl-PL" smtClean="0"/>
-              <a:t>2013-10-20</a:t>
+              <a:t>2013-11-11</a:t>
             </a:fld>
             <a:endParaRPr lang="pl-PL"/>
           </a:p>
@@ -1793,7 +1800,7 @@
           <a:p>
             <a:fld id="{F83EA0BF-0AC4-4E7D-86B2-1B30987E526B}" type="datetime1">
               <a:rPr lang="pl-PL" smtClean="0"/>
-              <a:t>2013-10-20</a:t>
+              <a:t>2013-11-11</a:t>
             </a:fld>
             <a:endParaRPr lang="pl-PL"/>
           </a:p>
@@ -2226,7 +2233,7 @@
           <a:p>
             <a:fld id="{CEDF3D31-0660-41AD-834D-9D9D939F4607}" type="datetime1">
               <a:rPr lang="pl-PL" smtClean="0"/>
-              <a:t>2013-10-20</a:t>
+              <a:t>2013-11-11</a:t>
             </a:fld>
             <a:endParaRPr lang="pl-PL"/>
           </a:p>
@@ -2343,7 +2350,7 @@
           <a:p>
             <a:fld id="{C26B2FC2-C779-4CA5-A028-34554AA059CA}" type="datetime1">
               <a:rPr lang="pl-PL" smtClean="0"/>
-              <a:t>2013-10-20</a:t>
+              <a:t>2013-11-11</a:t>
             </a:fld>
             <a:endParaRPr lang="pl-PL"/>
           </a:p>
@@ -2437,7 +2444,7 @@
           <a:p>
             <a:fld id="{7290F76F-7CB7-4392-91ED-3475F360F105}" type="datetime1">
               <a:rPr lang="pl-PL" smtClean="0"/>
-              <a:t>2013-10-20</a:t>
+              <a:t>2013-11-11</a:t>
             </a:fld>
             <a:endParaRPr lang="pl-PL"/>
           </a:p>
@@ -2630,7 +2637,7 @@
           <a:p>
             <a:fld id="{DBB97A76-55E0-441A-BB3A-40C4EB3C696C}" type="datetime1">
               <a:rPr lang="pl-PL" smtClean="0"/>
-              <a:t>2013-10-20</a:t>
+              <a:t>2013-11-11</a:t>
             </a:fld>
             <a:endParaRPr lang="pl-PL"/>
           </a:p>
@@ -2952,7 +2959,7 @@
           <a:p>
             <a:fld id="{EA6D46FE-61EF-4578-81F4-2582C0B09E9B}" type="datetime1">
               <a:rPr lang="pl-PL" smtClean="0"/>
-              <a:t>2013-10-20</a:t>
+              <a:t>2013-11-11</a:t>
             </a:fld>
             <a:endParaRPr lang="pl-PL"/>
           </a:p>
@@ -3339,7 +3346,7 @@
           <a:p>
             <a:fld id="{52E6C93D-B0D7-4F37-81A4-6580E5D8BBFF}" type="datetime1">
               <a:rPr lang="pl-PL" smtClean="0"/>
-              <a:t>2013-10-20</a:t>
+              <a:t>2013-11-11</a:t>
             </a:fld>
             <a:endParaRPr lang="pl-PL"/>
           </a:p>
@@ -3695,15 +3702,6 @@
               </a:rPr>
               <a:t>Projekt aplikacji mobilnej umożliwiającej umieszczenie wirtualnej grafiki w rzeczywistym położeniu.</a:t>
             </a:r>
-            <a:endParaRPr lang="pl-PL" sz="4800" dirty="0">
-              <a:effectLst>
-                <a:outerShdw blurRad="38100" dist="38100" dir="2700000" algn="tl">
-                  <a:srgbClr val="000000">
-                    <a:alpha val="43137"/>
-                  </a:srgbClr>
-                </a:outerShdw>
-              </a:effectLst>
-            </a:endParaRPr>
           </a:p>
         </p:txBody>
       </p:sp>
@@ -3747,32 +3745,8 @@
                 </a:solidFill>
                 <a:latin typeface="+mj-lt"/>
               </a:rPr>
-              <a:t>Warszawa, </a:t>
-            </a:r>
-            <a:r>
-              <a:rPr lang="pl-PL" sz="3200" i="1" dirty="0" smtClean="0">
-                <a:solidFill>
-                  <a:schemeClr val="tx2"/>
-                </a:solidFill>
-                <a:latin typeface="+mj-lt"/>
-              </a:rPr>
-              <a:t>20</a:t>
-            </a:r>
-            <a:r>
-              <a:rPr lang="pl-PL" sz="3200" i="1" dirty="0" smtClean="0">
-                <a:solidFill>
-                  <a:schemeClr val="tx2"/>
-                </a:solidFill>
-                <a:latin typeface="+mj-lt"/>
-              </a:rPr>
-              <a:t>.11.2013</a:t>
-            </a:r>
-            <a:endParaRPr lang="pl-PL" sz="3200" i="1" dirty="0" smtClean="0">
-              <a:solidFill>
-                <a:schemeClr val="tx2"/>
-              </a:solidFill>
-              <a:latin typeface="+mj-lt"/>
-            </a:endParaRPr>
+              <a:t>Warszawa, 20.11.2013</a:t>
+            </a:r>
           </a:p>
         </p:txBody>
       </p:sp>
@@ -3807,19 +3781,7 @@
                   </a:outerShdw>
                 </a:effectLst>
               </a:rPr>
-              <a:t>Seminarium dyplomowe </a:t>
-            </a:r>
-            <a:r>
-              <a:rPr lang="pl-PL" sz="1600" dirty="0" smtClean="0">
-                <a:effectLst>
-                  <a:outerShdw blurRad="38100" dist="38100" dir="2700000" algn="tl">
-                    <a:srgbClr val="000000">
-                      <a:alpha val="43137"/>
-                    </a:srgbClr>
-                  </a:outerShdw>
-                </a:effectLst>
-              </a:rPr>
-              <a:t>magisterskie 1</a:t>
+              <a:t>Seminarium dyplomowe magisterskie 1</a:t>
             </a:r>
             <a:endParaRPr lang="pl-PL" sz="1600" dirty="0">
               <a:effectLst>
@@ -3876,7 +3838,7 @@
 </p:sld>
 </file>
 
-<file path=ppt/slides/slide2.xml><?xml version="1.0" encoding="utf-8"?>
+<file path=ppt/slides/slide10.xml><?xml version="1.0" encoding="utf-8"?>
 <p:sld xmlns:a="http://schemas.openxmlformats.org/drawingml/2006/main" xmlns:r="http://schemas.openxmlformats.org/officeDocument/2006/relationships" xmlns:p="http://schemas.openxmlformats.org/presentationml/2006/main">
   <p:cSld>
     <p:spTree>
@@ -3903,13 +3865,18 @@
             <p:ph type="title"/>
           </p:nvPr>
         </p:nvSpPr>
-        <p:spPr/>
+        <p:spPr>
+          <a:xfrm>
+            <a:off x="457200" y="44624"/>
+            <a:ext cx="7620000" cy="1143000"/>
+          </a:xfrm>
+        </p:spPr>
         <p:txBody>
           <a:bodyPr/>
           <a:lstStyle/>
           <a:p>
             <a:r>
-              <a:rPr lang="pl-PL" dirty="0" smtClean="0">
+              <a:rPr lang="pl-PL" sz="4000" dirty="0" smtClean="0">
                 <a:effectLst>
                   <a:outerShdw blurRad="38100" dist="38100" dir="2700000" algn="tl">
                     <a:srgbClr val="000000">
@@ -3918,10 +3885,10 @@
                   </a:outerShdw>
                 </a:effectLst>
               </a:rPr>
-              <a:t>[TODO] </a:t>
-            </a:r>
-            <a:r>
-              <a:rPr lang="pl-PL" dirty="0">
+              <a:t>Canny – </a:t>
+            </a:r>
+            <a:r>
+              <a:rPr lang="pl-PL" sz="4000" dirty="0" smtClean="0">
                 <a:effectLst>
                   <a:outerShdw blurRad="38100" dist="38100" dir="2700000" algn="tl">
                     <a:srgbClr val="000000">
@@ -3930,9 +3897,9 @@
                   </a:outerShdw>
                 </a:effectLst>
               </a:rPr>
-              <a:t>Agenda</a:t>
-            </a:r>
-            <a:endParaRPr lang="pl-PL" dirty="0">
+              <a:t>usunięcie zbędnych pikseli</a:t>
+            </a:r>
+            <a:endParaRPr lang="pl-PL" sz="4000" dirty="0">
               <a:effectLst>
                 <a:outerShdw blurRad="38100" dist="38100" dir="2700000" algn="tl">
                   <a:srgbClr val="000000">
@@ -3954,47 +3921,46 @@
             <p:ph idx="1"/>
           </p:nvPr>
         </p:nvSpPr>
-        <p:spPr/>
+        <p:spPr>
+          <a:xfrm>
+            <a:off x="457200" y="1124744"/>
+            <a:ext cx="7630886" cy="4800600"/>
+          </a:xfrm>
+        </p:spPr>
         <p:txBody>
           <a:bodyPr>
             <a:normAutofit/>
           </a:bodyPr>
           <a:lstStyle/>
           <a:p>
-            <a:r>
-              <a:rPr lang="pl-PL" sz="3200" dirty="0" smtClean="0"/>
-              <a:t>Java i C#</a:t>
-            </a:r>
-          </a:p>
-          <a:p>
-            <a:r>
-              <a:rPr lang="pl-PL" sz="3200" dirty="0" smtClean="0"/>
-              <a:t>Podobieństwa</a:t>
-            </a:r>
-          </a:p>
-          <a:p>
-            <a:r>
-              <a:rPr lang="pl-PL" sz="3200" dirty="0" smtClean="0"/>
-              <a:t>Przykładowy program</a:t>
-            </a:r>
-          </a:p>
-          <a:p>
-            <a:r>
-              <a:rPr lang="pl-PL" sz="3200" dirty="0" smtClean="0"/>
-              <a:t>Różnice</a:t>
-            </a:r>
-          </a:p>
-          <a:p>
-            <a:r>
-              <a:rPr lang="pl-PL" sz="3200" dirty="0" smtClean="0"/>
-              <a:t>Mechanizmy C#</a:t>
-            </a:r>
-          </a:p>
-          <a:p>
-            <a:r>
-              <a:rPr lang="pl-PL" sz="3200" dirty="0" smtClean="0"/>
-              <a:t>Podsumowanie</a:t>
-            </a:r>
+            <a:pPr marL="571500" indent="-457200">
+              <a:buFont typeface="+mj-lt"/>
+              <a:buAutoNum type="arabicPeriod" startAt="3"/>
+            </a:pPr>
+            <a:r>
+              <a:rPr lang="pl-PL" sz="2400" dirty="0" smtClean="0"/>
+              <a:t>Jeśli jasność piksela nie jest większa od jasności obu sąsiadów, piksel ten jest zerowany</a:t>
+            </a:r>
+            <a:endParaRPr lang="pl-PL" sz="2400" dirty="0" smtClean="0"/>
+          </a:p>
+          <a:p>
+            <a:pPr marL="571500" indent="-457200">
+              <a:buAutoNum type="arabicPeriod" startAt="3"/>
+            </a:pPr>
+            <a:r>
+              <a:rPr lang="pl-PL" sz="2400" dirty="0" smtClean="0"/>
+              <a:t>Cel: uzyskanie linii o grubości 1px</a:t>
+            </a:r>
+          </a:p>
+          <a:p>
+            <a:pPr marL="571500" indent="-457200">
+              <a:buAutoNum type="arabicPeriod" startAt="3"/>
+            </a:pPr>
+            <a:r>
+              <a:rPr lang="pl-PL" sz="2400" dirty="0" smtClean="0"/>
+              <a:t>Pozostaje pozbyć się zbyt ciemnych krawędzi</a:t>
+            </a:r>
+            <a:endParaRPr lang="pl-PL" sz="2400" dirty="0" smtClean="0"/>
           </a:p>
         </p:txBody>
       </p:sp>
@@ -4020,7 +3986,7 @@
           <a:p>
             <a:pPr algn="l"/>
             <a:r>
-              <a:rPr lang="pl-PL" sz="1600" dirty="0" smtClean="0">
+              <a:rPr lang="pl-PL" sz="1600" dirty="0">
                 <a:effectLst>
                   <a:outerShdw blurRad="38100" dist="38100" dir="2700000" algn="tl">
                     <a:srgbClr val="000000">
@@ -4029,7 +3995,7 @@
                   </a:outerShdw>
                 </a:effectLst>
               </a:rPr>
-              <a:t>Seminarium dyplomowe inżynierskie</a:t>
+              <a:t>Seminarium dyplomowe magisterskie 1</a:t>
             </a:r>
             <a:endParaRPr lang="pl-PL" sz="1600" dirty="0">
               <a:effectLst>
@@ -4060,467 +4026,36 @@
           <a:p>
             <a:fld id="{A9560CCA-E071-4361-AF3D-B0CE296716D1}" type="slidenum">
               <a:rPr lang="pl-PL" smtClean="0"/>
-              <a:t>2</a:t>
+              <a:t>10</a:t>
             </a:fld>
             <a:endParaRPr lang="pl-PL"/>
           </a:p>
         </p:txBody>
       </p:sp>
-    </p:spTree>
-    <p:extLst>
-      <p:ext uri="{BB962C8B-B14F-4D97-AF65-F5344CB8AC3E}">
-        <p14:creationId xmlns:p14="http://schemas.microsoft.com/office/powerpoint/2010/main" val="4041198895"/>
-      </p:ext>
-    </p:extLst>
-  </p:cSld>
-  <p:clrMapOvr>
-    <a:masterClrMapping/>
-  </p:clrMapOvr>
-  <p:timing>
-    <p:tnLst>
-      <p:par>
-        <p:cTn id="1" dur="indefinite" restart="never" nodeType="tmRoot"/>
-      </p:par>
-    </p:tnLst>
-  </p:timing>
-</p:sld>
-</file>
-
-<file path=ppt/slides/slide3.xml><?xml version="1.0" encoding="utf-8"?>
-<p:sld xmlns:a="http://schemas.openxmlformats.org/drawingml/2006/main" xmlns:r="http://schemas.openxmlformats.org/officeDocument/2006/relationships" xmlns:p="http://schemas.openxmlformats.org/presentationml/2006/main">
-  <p:cSld>
-    <p:spTree>
-      <p:nvGrpSpPr>
-        <p:cNvPr id="1" name=""/>
-        <p:cNvGrpSpPr/>
-        <p:nvPr/>
-      </p:nvGrpSpPr>
-      <p:grpSpPr>
-        <a:xfrm>
-          <a:off x="0" y="0"/>
-          <a:ext cx="0" cy="0"/>
-          <a:chOff x="0" y="0"/>
-          <a:chExt cx="0" cy="0"/>
-        </a:xfrm>
-      </p:grpSpPr>
-      <p:sp>
-        <p:nvSpPr>
-          <p:cNvPr id="2" name="Title 1"/>
-          <p:cNvSpPr>
-            <a:spLocks noGrp="1"/>
-          </p:cNvSpPr>
-          <p:nvPr>
-            <p:ph type="title"/>
-          </p:nvPr>
-        </p:nvSpPr>
-        <p:spPr/>
-        <p:txBody>
-          <a:bodyPr/>
-          <a:lstStyle/>
-          <a:p>
-            <a:r>
-              <a:rPr lang="pl-PL" dirty="0" smtClean="0">
-                <a:effectLst>
-                  <a:outerShdw blurRad="38100" dist="38100" dir="2700000" algn="tl">
-                    <a:srgbClr val="000000">
-                      <a:alpha val="43137"/>
-                    </a:srgbClr>
-                  </a:outerShdw>
-                </a:effectLst>
-              </a:rPr>
-              <a:t>[OLD] Java</a:t>
-            </a:r>
-            <a:endParaRPr lang="pl-PL" dirty="0">
-              <a:effectLst>
-                <a:outerShdw blurRad="38100" dist="38100" dir="2700000" algn="tl">
-                  <a:srgbClr val="000000">
-                    <a:alpha val="43137"/>
-                  </a:srgbClr>
-                </a:outerShdw>
-              </a:effectLst>
-            </a:endParaRPr>
-          </a:p>
-        </p:txBody>
-      </p:sp>
-      <p:sp>
-        <p:nvSpPr>
-          <p:cNvPr id="3" name="Content Placeholder 2"/>
-          <p:cNvSpPr>
-            <a:spLocks noGrp="1"/>
-          </p:cNvSpPr>
-          <p:nvPr>
-            <p:ph idx="1"/>
-          </p:nvPr>
-        </p:nvSpPr>
-        <p:spPr/>
-        <p:txBody>
-          <a:bodyPr>
-            <a:normAutofit/>
-          </a:bodyPr>
-          <a:lstStyle/>
-          <a:p>
-            <a:r>
-              <a:rPr lang="pl-PL" sz="2400" dirty="0"/>
-              <a:t>S</a:t>
-            </a:r>
-            <a:r>
-              <a:rPr lang="pl-PL" sz="2400" dirty="0" smtClean="0"/>
-              <a:t>tworzona </a:t>
-            </a:r>
-            <a:r>
-              <a:rPr lang="pl-PL" sz="2400" dirty="0"/>
-              <a:t>w 1995 roku przez Sun </a:t>
-            </a:r>
-            <a:r>
-              <a:rPr lang="pl-PL" sz="2400" dirty="0" smtClean="0"/>
-              <a:t>Microsystems</a:t>
-            </a:r>
-            <a:endParaRPr lang="pl-PL" sz="2400" dirty="0"/>
-          </a:p>
-          <a:p>
-            <a:r>
-              <a:rPr lang="pl-PL" sz="2400" dirty="0"/>
-              <a:t>O</a:t>
-            </a:r>
-            <a:r>
-              <a:rPr lang="pl-PL" sz="2400" dirty="0" smtClean="0"/>
-              <a:t>d </a:t>
-            </a:r>
-            <a:r>
-              <a:rPr lang="pl-PL" sz="2400" dirty="0"/>
-              <a:t>2010 właścielem jest </a:t>
-            </a:r>
-            <a:r>
-              <a:rPr lang="pl-PL" sz="2400" dirty="0" smtClean="0"/>
-              <a:t>Oracle</a:t>
-            </a:r>
-            <a:endParaRPr lang="pl-PL" sz="2400" dirty="0"/>
-          </a:p>
-          <a:p>
-            <a:r>
-              <a:rPr lang="pl-PL" sz="2400" dirty="0"/>
-              <a:t>O</a:t>
-            </a:r>
-            <a:r>
-              <a:rPr lang="pl-PL" sz="2400" dirty="0" smtClean="0"/>
-              <a:t>parta </a:t>
-            </a:r>
-            <a:r>
-              <a:rPr lang="pl-PL" sz="2400" dirty="0"/>
-              <a:t>na C++ i </a:t>
-            </a:r>
-            <a:r>
-              <a:rPr lang="pl-PL" sz="2400" dirty="0" smtClean="0"/>
-              <a:t>Smalltalk</a:t>
-            </a:r>
-            <a:endParaRPr lang="pl-PL" sz="2400" dirty="0"/>
-          </a:p>
-          <a:p>
-            <a:r>
-              <a:rPr lang="pl-PL" sz="2400" dirty="0"/>
-              <a:t>A</a:t>
-            </a:r>
-            <a:r>
-              <a:rPr lang="pl-PL" sz="2400" dirty="0" smtClean="0"/>
-              <a:t>ktualna </a:t>
-            </a:r>
-            <a:r>
-              <a:rPr lang="pl-PL" sz="2400" dirty="0"/>
-              <a:t>wersja: </a:t>
-            </a:r>
-            <a:r>
-              <a:rPr lang="pl-PL" sz="2400" dirty="0" smtClean="0"/>
-              <a:t>7</a:t>
-            </a:r>
-          </a:p>
-          <a:p>
-            <a:r>
-              <a:rPr lang="pl-PL" sz="2400" dirty="0" smtClean="0"/>
-              <a:t>Platformy:</a:t>
-            </a:r>
-          </a:p>
-          <a:p>
-            <a:pPr lvl="1"/>
-            <a:r>
-              <a:rPr lang="pl-PL" sz="2400" dirty="0" smtClean="0"/>
-              <a:t>Linux</a:t>
-            </a:r>
-          </a:p>
-          <a:p>
-            <a:pPr lvl="1"/>
-            <a:r>
-              <a:rPr lang="pl-PL" sz="2400" dirty="0" smtClean="0"/>
-              <a:t>Unix</a:t>
-            </a:r>
-          </a:p>
-          <a:p>
-            <a:pPr lvl="1"/>
-            <a:r>
-              <a:rPr lang="pl-PL" sz="2400" dirty="0" smtClean="0"/>
-              <a:t>Windows</a:t>
-            </a:r>
-          </a:p>
-          <a:p>
-            <a:pPr lvl="1"/>
-            <a:r>
-              <a:rPr lang="pl-PL" sz="2400" dirty="0" smtClean="0"/>
-              <a:t>Android</a:t>
-            </a:r>
-          </a:p>
-          <a:p>
-            <a:pPr lvl="1"/>
-            <a:r>
-              <a:rPr lang="pl-PL" sz="2400" dirty="0" smtClean="0"/>
-              <a:t>inne</a:t>
-            </a:r>
-            <a:endParaRPr lang="pl-PL" sz="2400" dirty="0"/>
-          </a:p>
-        </p:txBody>
-      </p:sp>
-      <p:sp>
-        <p:nvSpPr>
-          <p:cNvPr id="5" name="Slide Number Placeholder 4"/>
-          <p:cNvSpPr>
-            <a:spLocks noGrp="1"/>
-          </p:cNvSpPr>
-          <p:nvPr>
-            <p:ph type="sldNum" sz="quarter" idx="12"/>
-          </p:nvPr>
-        </p:nvSpPr>
-        <p:spPr/>
-        <p:txBody>
-          <a:bodyPr/>
-          <a:lstStyle/>
-          <a:p>
-            <a:fld id="{A9560CCA-E071-4361-AF3D-B0CE296716D1}" type="slidenum">
-              <a:rPr lang="pl-PL" smtClean="0"/>
-              <a:t>3</a:t>
-            </a:fld>
-            <a:endParaRPr lang="pl-PL"/>
-          </a:p>
-        </p:txBody>
-      </p:sp>
-      <p:sp>
-        <p:nvSpPr>
-          <p:cNvPr id="6" name="Footer Placeholder 7"/>
-          <p:cNvSpPr>
-            <a:spLocks noGrp="1"/>
-          </p:cNvSpPr>
-          <p:nvPr>
-            <p:ph type="ftr" sz="quarter" idx="11"/>
-          </p:nvPr>
-        </p:nvSpPr>
-        <p:spPr>
-          <a:xfrm rot="5400000">
-            <a:off x="6951124" y="1841964"/>
-            <a:ext cx="3672408" cy="365760"/>
-          </a:xfrm>
-        </p:spPr>
-        <p:txBody>
-          <a:bodyPr/>
-          <a:lstStyle/>
-          <a:p>
-            <a:pPr algn="l"/>
-            <a:r>
-              <a:rPr lang="pl-PL" sz="1600" dirty="0" smtClean="0">
-                <a:effectLst>
-                  <a:outerShdw blurRad="38100" dist="38100" dir="2700000" algn="tl">
-                    <a:srgbClr val="000000">
-                      <a:alpha val="43137"/>
-                    </a:srgbClr>
-                  </a:outerShdw>
-                </a:effectLst>
-              </a:rPr>
-              <a:t>Seminarium dyplomowe inżynierskie</a:t>
-            </a:r>
-            <a:endParaRPr lang="pl-PL" sz="1600" dirty="0">
-              <a:effectLst>
-                <a:outerShdw blurRad="38100" dist="38100" dir="2700000" algn="tl">
-                  <a:srgbClr val="000000">
-                    <a:alpha val="43137"/>
-                  </a:srgbClr>
-                </a:outerShdw>
-              </a:effectLst>
-            </a:endParaRPr>
-          </a:p>
-        </p:txBody>
-      </p:sp>
-    </p:spTree>
-    <p:extLst>
-      <p:ext uri="{BB962C8B-B14F-4D97-AF65-F5344CB8AC3E}">
-        <p14:creationId xmlns:p14="http://schemas.microsoft.com/office/powerpoint/2010/main" val="2730003878"/>
-      </p:ext>
-    </p:extLst>
-  </p:cSld>
-  <p:clrMapOvr>
-    <a:masterClrMapping/>
-  </p:clrMapOvr>
-  <p:timing>
-    <p:tnLst>
-      <p:par>
-        <p:cTn id="1" dur="indefinite" restart="never" nodeType="tmRoot"/>
-      </p:par>
-    </p:tnLst>
-  </p:timing>
-</p:sld>
-</file>
-
-<file path=ppt/slides/slide4.xml><?xml version="1.0" encoding="utf-8"?>
-<p:sld xmlns:a="http://schemas.openxmlformats.org/drawingml/2006/main" xmlns:r="http://schemas.openxmlformats.org/officeDocument/2006/relationships" xmlns:p="http://schemas.openxmlformats.org/presentationml/2006/main">
-  <p:cSld>
-    <p:spTree>
-      <p:nvGrpSpPr>
-        <p:cNvPr id="1" name=""/>
-        <p:cNvGrpSpPr/>
-        <p:nvPr/>
-      </p:nvGrpSpPr>
-      <p:grpSpPr>
-        <a:xfrm>
-          <a:off x="0" y="0"/>
-          <a:ext cx="0" cy="0"/>
-          <a:chOff x="0" y="0"/>
-          <a:chExt cx="0" cy="0"/>
-        </a:xfrm>
-      </p:grpSpPr>
-      <p:sp>
-        <p:nvSpPr>
-          <p:cNvPr id="2" name="Title 1"/>
-          <p:cNvSpPr>
-            <a:spLocks noGrp="1"/>
-          </p:cNvSpPr>
-          <p:nvPr>
-            <p:ph type="title"/>
-          </p:nvPr>
-        </p:nvSpPr>
-        <p:spPr/>
-        <p:txBody>
-          <a:bodyPr/>
-          <a:lstStyle/>
-          <a:p>
-            <a:r>
-              <a:rPr lang="pl-PL" dirty="0" smtClean="0">
-                <a:effectLst>
-                  <a:outerShdw blurRad="38100" dist="38100" dir="2700000" algn="tl">
-                    <a:srgbClr val="000000">
-                      <a:alpha val="43137"/>
-                    </a:srgbClr>
-                  </a:outerShdw>
-                </a:effectLst>
-              </a:rPr>
-              <a:t>[OLD] </a:t>
-            </a:r>
-            <a:r>
-              <a:rPr lang="pl-PL" dirty="0">
-                <a:effectLst>
-                  <a:outerShdw blurRad="38100" dist="38100" dir="2700000" algn="tl">
-                    <a:srgbClr val="000000">
-                      <a:alpha val="43137"/>
-                    </a:srgbClr>
-                  </a:outerShdw>
-                </a:effectLst>
-              </a:rPr>
-              <a:t>Przykładowy </a:t>
-            </a:r>
-            <a:r>
-              <a:rPr lang="pl-PL" dirty="0">
-                <a:effectLst>
-                  <a:outerShdw blurRad="38100" dist="38100" dir="2700000" algn="tl">
-                    <a:srgbClr val="000000">
-                      <a:alpha val="43137"/>
-                    </a:srgbClr>
-                  </a:outerShdw>
-                </a:effectLst>
-              </a:rPr>
-              <a:t>program</a:t>
-            </a:r>
-            <a:endParaRPr lang="pl-PL" dirty="0"/>
-          </a:p>
-        </p:txBody>
-      </p:sp>
-      <p:sp>
-        <p:nvSpPr>
-          <p:cNvPr id="3" name="Content Placeholder 2"/>
-          <p:cNvSpPr>
-            <a:spLocks noGrp="1"/>
-          </p:cNvSpPr>
-          <p:nvPr>
-            <p:ph idx="1"/>
-          </p:nvPr>
-        </p:nvSpPr>
-        <p:spPr>
-          <a:xfrm>
-            <a:off x="457200" y="1600200"/>
-            <a:ext cx="7620000" cy="917515"/>
-          </a:xfrm>
-        </p:spPr>
-        <p:txBody>
-          <a:bodyPr>
-            <a:normAutofit/>
-          </a:bodyPr>
-          <a:lstStyle/>
-          <a:p>
-            <a:pPr marL="114300" indent="0">
-              <a:buNone/>
-            </a:pPr>
-            <a:r>
-              <a:rPr lang="pl-PL" sz="2400" dirty="0"/>
-              <a:t>Aplikacja konsolowa wyświetlająca sformatowane dane osób / samochodów / dowolnych innych obiektów</a:t>
-            </a:r>
-            <a:r>
-              <a:rPr lang="pl-PL" sz="2400" dirty="0" smtClean="0"/>
-              <a:t>:</a:t>
-            </a:r>
-            <a:endParaRPr lang="pl-PL" sz="2400" dirty="0"/>
-          </a:p>
-        </p:txBody>
-      </p:sp>
-      <p:sp>
-        <p:nvSpPr>
-          <p:cNvPr id="5" name="Slide Number Placeholder 4"/>
-          <p:cNvSpPr>
-            <a:spLocks noGrp="1"/>
-          </p:cNvSpPr>
-          <p:nvPr>
-            <p:ph type="sldNum" sz="quarter" idx="12"/>
-          </p:nvPr>
-        </p:nvSpPr>
-        <p:spPr/>
-        <p:txBody>
-          <a:bodyPr/>
-          <a:lstStyle/>
-          <a:p>
-            <a:fld id="{A9560CCA-E071-4361-AF3D-B0CE296716D1}" type="slidenum">
-              <a:rPr lang="pl-PL" smtClean="0"/>
-              <a:t>4</a:t>
-            </a:fld>
-            <a:endParaRPr lang="pl-PL"/>
-          </a:p>
-        </p:txBody>
-      </p:sp>
       <p:grpSp>
         <p:nvGrpSpPr>
-          <p:cNvPr id="6" name="Group 5"/>
+          <p:cNvPr id="10" name="Group 9"/>
           <p:cNvGrpSpPr/>
           <p:nvPr/>
         </p:nvGrpSpPr>
         <p:grpSpPr>
           <a:xfrm>
-            <a:off x="691140" y="2517715"/>
-            <a:ext cx="3304796" cy="4079637"/>
-            <a:chOff x="323528" y="2121670"/>
-            <a:chExt cx="3304796" cy="4079637"/>
+            <a:off x="251520" y="3128658"/>
+            <a:ext cx="8064896" cy="3540702"/>
+            <a:chOff x="323528" y="2660605"/>
+            <a:chExt cx="8064896" cy="3540702"/>
           </a:xfrm>
         </p:grpSpPr>
         <p:sp>
           <p:nvSpPr>
-            <p:cNvPr id="7" name="Freeform 6"/>
+            <p:cNvPr id="11" name="Freeform 10"/>
             <p:cNvSpPr/>
             <p:nvPr/>
           </p:nvSpPr>
           <p:spPr>
             <a:xfrm>
-              <a:off x="323528" y="2348875"/>
-              <a:ext cx="3304796" cy="3852432"/>
+              <a:off x="323528" y="2888939"/>
+              <a:ext cx="8064896" cy="3312368"/>
             </a:xfrm>
             <a:custGeom>
               <a:avLst/>
@@ -4633,14 +4168,14 @@
         </p:sp>
         <p:sp>
           <p:nvSpPr>
-            <p:cNvPr id="8" name="Freeform 7"/>
+            <p:cNvPr id="12" name="Freeform 11"/>
             <p:cNvSpPr/>
             <p:nvPr/>
           </p:nvSpPr>
           <p:spPr>
             <a:xfrm>
-              <a:off x="709212" y="2121670"/>
-              <a:ext cx="1334936" cy="444358"/>
+              <a:off x="709212" y="2660605"/>
+              <a:ext cx="3070700" cy="444358"/>
             </a:xfrm>
             <a:custGeom>
               <a:avLst/>
@@ -4772,7 +4307,7 @@
             </a:bodyPr>
             <a:lstStyle/>
             <a:p>
-              <a:pPr lvl="0" algn="l" defTabSz="1066800">
+              <a:pPr lvl="0" defTabSz="1066800">
                 <a:lnSpc>
                   <a:spcPct val="90000"/>
                 </a:lnSpc>
@@ -4793,7 +4328,7 @@
                     </a:outerShdw>
                   </a:effectLst>
                 </a:rPr>
-                <a:t>Eclipse</a:t>
+                <a:t>Przykładowy rezultat</a:t>
               </a:r>
               <a:endParaRPr lang="pl-PL" sz="2400" i="1" kern="1200" dirty="0">
                 <a:effectLst>
@@ -4808,11 +4343,56 @@
           </p:txBody>
         </p:sp>
       </p:grpSp>
+      <p:sp>
+        <p:nvSpPr>
+          <p:cNvPr id="14" name="Right Arrow 13"/>
+          <p:cNvSpPr/>
+          <p:nvPr/>
+        </p:nvSpPr>
+        <p:spPr>
+          <a:xfrm>
+            <a:off x="4039366" y="4882282"/>
+            <a:ext cx="489204" cy="484632"/>
+          </a:xfrm>
+          <a:prstGeom prst="rightArrow">
+            <a:avLst/>
+          </a:prstGeom>
+          <a:ln>
+            <a:solidFill>
+              <a:schemeClr val="bg1"/>
+            </a:solidFill>
+          </a:ln>
+        </p:spPr>
+        <p:style>
+          <a:lnRef idx="2">
+            <a:schemeClr val="accent1">
+              <a:shade val="50000"/>
+            </a:schemeClr>
+          </a:lnRef>
+          <a:fillRef idx="1">
+            <a:schemeClr val="accent1"/>
+          </a:fillRef>
+          <a:effectRef idx="0">
+            <a:schemeClr val="accent1"/>
+          </a:effectRef>
+          <a:fontRef idx="minor">
+            <a:schemeClr val="lt1"/>
+          </a:fontRef>
+        </p:style>
+        <p:txBody>
+          <a:bodyPr rtlCol="0" anchor="ctr"/>
+          <a:lstStyle/>
+          <a:p>
+            <a:pPr algn="ctr"/>
+            <a:endParaRPr lang="pl-PL"/>
+          </a:p>
+        </p:txBody>
+      </p:sp>
       <p:pic>
         <p:nvPicPr>
-          <p:cNvPr id="9" name="Picture 8"/>
+          <p:cNvPr id="15" name="Picture 2" descr="D:\Studia magisterskie\Praca magisterska\repo\Placeholder\seminar1\prezentacja\canny\2.1. gradient.png"/>
           <p:cNvPicPr>
-            <a:picLocks noChangeAspect="1"/>
+            <a:picLocks noChangeAspect="1" noChangeArrowheads="1"/>
           </p:cNvPicPr>
           <p:nvPr/>
         </p:nvPicPr>
@@ -4824,20 +4404,549 @@
               </a:ext>
             </a:extLst>
           </a:blip>
+          <a:srcRect/>
           <a:stretch>
             <a:fillRect/>
           </a:stretch>
         </p:blipFill>
-        <p:spPr>
+        <p:spPr bwMode="auto">
           <a:xfrm>
-            <a:off x="727014" y="3013942"/>
-            <a:ext cx="3196914" cy="3523870"/>
+            <a:off x="462161" y="3803005"/>
+            <a:ext cx="3533775" cy="2650331"/>
           </a:xfrm>
           <a:prstGeom prst="rect">
             <a:avLst/>
           </a:prstGeom>
+          <a:noFill/>
+          <a:extLst>
+            <a:ext uri="{909E8E84-426E-40DD-AFC4-6F175D3DCCD1}">
+              <a14:hiddenFill xmlns:a14="http://schemas.microsoft.com/office/drawing/2010/main">
+                <a:solidFill>
+                  <a:srgbClr val="FFFFFF"/>
+                </a:solidFill>
+              </a14:hiddenFill>
+            </a:ext>
+          </a:extLst>
         </p:spPr>
       </p:pic>
+      <p:pic>
+        <p:nvPicPr>
+          <p:cNvPr id="3074" name="Picture 2" descr="D:\Studia magisterskie\Praca magisterska\repo\Placeholder\seminar1\prezentacja\canny\3.2. krawędzie.png"/>
+          <p:cNvPicPr>
+            <a:picLocks noChangeAspect="1" noChangeArrowheads="1"/>
+          </p:cNvPicPr>
+          <p:nvPr/>
+        </p:nvPicPr>
+        <p:blipFill>
+          <a:blip r:embed="rId3">
+            <a:extLst>
+              <a:ext uri="{28A0092B-C50C-407E-A947-70E740481C1C}">
+                <a14:useLocalDpi xmlns:a14="http://schemas.microsoft.com/office/drawing/2010/main" val="0"/>
+              </a:ext>
+            </a:extLst>
+          </a:blip>
+          <a:srcRect/>
+          <a:stretch>
+            <a:fillRect/>
+          </a:stretch>
+        </p:blipFill>
+        <p:spPr bwMode="auto">
+          <a:xfrm>
+            <a:off x="4562321" y="3799432"/>
+            <a:ext cx="3538071" cy="2650331"/>
+          </a:xfrm>
+          <a:prstGeom prst="rect">
+            <a:avLst/>
+          </a:prstGeom>
+          <a:noFill/>
+          <a:extLst>
+            <a:ext uri="{909E8E84-426E-40DD-AFC4-6F175D3DCCD1}">
+              <a14:hiddenFill xmlns:a14="http://schemas.microsoft.com/office/drawing/2010/main">
+                <a:solidFill>
+                  <a:srgbClr val="FFFFFF"/>
+                </a:solidFill>
+              </a14:hiddenFill>
+            </a:ext>
+          </a:extLst>
+        </p:spPr>
+      </p:pic>
+    </p:spTree>
+    <p:extLst>
+      <p:ext uri="{BB962C8B-B14F-4D97-AF65-F5344CB8AC3E}">
+        <p14:creationId xmlns:p14="http://schemas.microsoft.com/office/powerpoint/2010/main" val="1507109165"/>
+      </p:ext>
+    </p:extLst>
+  </p:cSld>
+  <p:clrMapOvr>
+    <a:masterClrMapping/>
+  </p:clrMapOvr>
+  <p:timing>
+    <p:tnLst>
+      <p:par>
+        <p:cTn id="1" dur="indefinite" restart="never" nodeType="tmRoot"/>
+      </p:par>
+    </p:tnLst>
+  </p:timing>
+</p:sld>
+</file>
+
+<file path=ppt/slides/slide11.xml><?xml version="1.0" encoding="utf-8"?>
+<p:sld xmlns:a="http://schemas.openxmlformats.org/drawingml/2006/main" xmlns:r="http://schemas.openxmlformats.org/officeDocument/2006/relationships" xmlns:p="http://schemas.openxmlformats.org/presentationml/2006/main">
+  <p:cSld>
+    <p:spTree>
+      <p:nvGrpSpPr>
+        <p:cNvPr id="1" name=""/>
+        <p:cNvGrpSpPr/>
+        <p:nvPr/>
+      </p:nvGrpSpPr>
+      <p:grpSpPr>
+        <a:xfrm>
+          <a:off x="0" y="0"/>
+          <a:ext cx="0" cy="0"/>
+          <a:chOff x="0" y="0"/>
+          <a:chExt cx="0" cy="0"/>
+        </a:xfrm>
+      </p:grpSpPr>
+      <p:sp>
+        <p:nvSpPr>
+          <p:cNvPr id="2" name="Title 1"/>
+          <p:cNvSpPr>
+            <a:spLocks noGrp="1"/>
+          </p:cNvSpPr>
+          <p:nvPr>
+            <p:ph type="title"/>
+          </p:nvPr>
+        </p:nvSpPr>
+        <p:spPr>
+          <a:xfrm>
+            <a:off x="457200" y="44624"/>
+            <a:ext cx="7620000" cy="1143000"/>
+          </a:xfrm>
+        </p:spPr>
+        <p:txBody>
+          <a:bodyPr/>
+          <a:lstStyle/>
+          <a:p>
+            <a:r>
+              <a:rPr lang="pl-PL" sz="4000" dirty="0" smtClean="0">
+                <a:effectLst>
+                  <a:outerShdw blurRad="38100" dist="38100" dir="2700000" algn="tl">
+                    <a:srgbClr val="000000">
+                      <a:alpha val="43137"/>
+                    </a:srgbClr>
+                  </a:outerShdw>
+                </a:effectLst>
+              </a:rPr>
+              <a:t>Canny – </a:t>
+            </a:r>
+            <a:r>
+              <a:rPr lang="pl-PL" sz="4000" dirty="0" smtClean="0">
+                <a:effectLst>
+                  <a:outerShdw blurRad="38100" dist="38100" dir="2700000" algn="tl">
+                    <a:srgbClr val="000000">
+                      <a:alpha val="43137"/>
+                    </a:srgbClr>
+                  </a:outerShdw>
+                </a:effectLst>
+              </a:rPr>
+              <a:t>progowanie z histerezą</a:t>
+            </a:r>
+            <a:endParaRPr lang="pl-PL" sz="4000" dirty="0">
+              <a:effectLst>
+                <a:outerShdw blurRad="38100" dist="38100" dir="2700000" algn="tl">
+                  <a:srgbClr val="000000">
+                    <a:alpha val="43137"/>
+                  </a:srgbClr>
+                </a:outerShdw>
+              </a:effectLst>
+            </a:endParaRPr>
+          </a:p>
+        </p:txBody>
+      </p:sp>
+      <p:sp>
+        <p:nvSpPr>
+          <p:cNvPr id="3" name="Content Placeholder 2"/>
+          <p:cNvSpPr>
+            <a:spLocks noGrp="1"/>
+          </p:cNvSpPr>
+          <p:nvPr>
+            <p:ph idx="1"/>
+          </p:nvPr>
+        </p:nvSpPr>
+        <p:spPr>
+          <a:xfrm>
+            <a:off x="457200" y="1124744"/>
+            <a:ext cx="7859216" cy="4800600"/>
+          </a:xfrm>
+        </p:spPr>
+        <p:txBody>
+          <a:bodyPr>
+            <a:normAutofit/>
+          </a:bodyPr>
+          <a:lstStyle/>
+          <a:p>
+            <a:pPr marL="571500" indent="-457200">
+              <a:buFont typeface="+mj-lt"/>
+              <a:buAutoNum type="arabicPeriod"/>
+            </a:pPr>
+            <a:r>
+              <a:rPr lang="pl-PL" sz="2400" dirty="0" smtClean="0"/>
+              <a:t>Określenie dwóch progów: T</a:t>
+            </a:r>
+            <a:r>
+              <a:rPr lang="pl-PL" sz="2400" baseline="-25000" dirty="0"/>
+              <a:t>1</a:t>
+            </a:r>
+            <a:r>
+              <a:rPr lang="pl-PL" sz="2400" dirty="0" smtClean="0"/>
+              <a:t>, T</a:t>
+            </a:r>
+            <a:r>
+              <a:rPr lang="pl-PL" sz="2400" baseline="-25000" dirty="0" smtClean="0"/>
+              <a:t>2</a:t>
+            </a:r>
+            <a:endParaRPr lang="pl-PL" sz="2400" dirty="0" smtClean="0"/>
+          </a:p>
+          <a:p>
+            <a:pPr marL="571500" indent="-457200">
+              <a:buFont typeface="+mj-lt"/>
+              <a:buAutoNum type="arabicPeriod"/>
+            </a:pPr>
+            <a:r>
+              <a:rPr lang="pl-PL" sz="2400" dirty="0"/>
+              <a:t>T</a:t>
+            </a:r>
+            <a:r>
+              <a:rPr lang="pl-PL" sz="2400" baseline="-25000" dirty="0"/>
+              <a:t>1</a:t>
+            </a:r>
+            <a:r>
+              <a:rPr lang="pl-PL" sz="2400" dirty="0"/>
+              <a:t>, T</a:t>
+            </a:r>
+            <a:r>
+              <a:rPr lang="pl-PL" sz="2400" baseline="-25000" dirty="0"/>
+              <a:t>2</a:t>
+            </a:r>
+            <a:r>
+              <a:rPr lang="pl-PL" sz="2400" dirty="0"/>
+              <a:t> </a:t>
+            </a:r>
+            <a:r>
+              <a:rPr lang="pl-PL" sz="2400" dirty="0" smtClean="0"/>
+              <a:t>– parametry  metody</a:t>
+            </a:r>
+          </a:p>
+          <a:p>
+            <a:pPr marL="571500" indent="-457200">
+              <a:buFont typeface="+mj-lt"/>
+              <a:buAutoNum type="arabicPeriod"/>
+            </a:pPr>
+            <a:r>
+              <a:rPr lang="pl-PL" sz="2400" dirty="0" smtClean="0"/>
+              <a:t>Zaakceptowanie </a:t>
+            </a:r>
+            <a:r>
+              <a:rPr lang="pl-PL" sz="2400" dirty="0"/>
+              <a:t>krawędzi, dla których moduł gradientu jest </a:t>
+            </a:r>
+            <a:r>
+              <a:rPr lang="pl-PL" sz="2400" dirty="0" smtClean="0"/>
+              <a:t>&gt; T</a:t>
+            </a:r>
+            <a:r>
+              <a:rPr lang="pl-PL" sz="2400" baseline="-25000" dirty="0"/>
+              <a:t>2</a:t>
+            </a:r>
+            <a:endParaRPr lang="pl-PL" sz="2400" dirty="0" smtClean="0"/>
+          </a:p>
+          <a:p>
+            <a:pPr marL="571500" indent="-457200">
+              <a:buFont typeface="+mj-lt"/>
+              <a:buAutoNum type="arabicPeriod"/>
+            </a:pPr>
+            <a:r>
+              <a:rPr lang="pl-PL" sz="2400" dirty="0" smtClean="0"/>
+              <a:t>Usunięcie krawędzi, dla których moduł gradientu jest </a:t>
+            </a:r>
+            <a:r>
+              <a:rPr lang="pl-PL" sz="2400" dirty="0" smtClean="0"/>
+              <a:t>&lt; T</a:t>
+            </a:r>
+            <a:r>
+              <a:rPr lang="pl-PL" sz="2400" baseline="-25000" dirty="0" smtClean="0"/>
+              <a:t>1</a:t>
+            </a:r>
+            <a:endParaRPr lang="pl-PL" sz="2400" dirty="0" smtClean="0"/>
+          </a:p>
+          <a:p>
+            <a:pPr marL="571500" indent="-457200">
+              <a:buFont typeface="+mj-lt"/>
+              <a:buAutoNum type="arabicPeriod"/>
+            </a:pPr>
+            <a:r>
+              <a:rPr lang="pl-PL" sz="2400" dirty="0" smtClean="0"/>
+              <a:t>Rekurencyjne usunięcie krawędzi, dla których moduł gradientu jest</a:t>
+            </a:r>
+            <a:r>
+              <a:rPr lang="pl-PL" sz="2400" dirty="0"/>
+              <a:t> &lt; </a:t>
+            </a:r>
+            <a:r>
+              <a:rPr lang="pl-PL" sz="2400" dirty="0" smtClean="0"/>
+              <a:t>T</a:t>
+            </a:r>
+            <a:r>
+              <a:rPr lang="pl-PL" sz="2400" baseline="-25000" dirty="0"/>
+              <a:t>2</a:t>
+            </a:r>
+            <a:r>
+              <a:rPr lang="pl-PL" sz="2400" dirty="0" smtClean="0"/>
+              <a:t>, i które nie przylegają do już zaakceptowanej krawędzi</a:t>
+            </a:r>
+            <a:endParaRPr lang="pl-PL" sz="2400" dirty="0" smtClean="0"/>
+          </a:p>
+          <a:p>
+            <a:pPr marL="571500" indent="-457200">
+              <a:buFont typeface="+mj-lt"/>
+              <a:buAutoNum type="arabicPeriod"/>
+            </a:pPr>
+            <a:r>
+              <a:rPr lang="pl-PL" sz="2400" dirty="0" smtClean="0"/>
+              <a:t>Cel: usunięcie ciemnych krawędzi przy zachowaniu ciemnych fragmentów jasnych krawędzi</a:t>
+            </a:r>
+          </a:p>
+        </p:txBody>
+      </p:sp>
+      <p:sp>
+        <p:nvSpPr>
+          <p:cNvPr id="6" name="Footer Placeholder 7"/>
+          <p:cNvSpPr>
+            <a:spLocks noGrp="1"/>
+          </p:cNvSpPr>
+          <p:nvPr>
+            <p:ph type="ftr" sz="quarter" idx="11"/>
+          </p:nvPr>
+        </p:nvSpPr>
+        <p:spPr>
+          <a:xfrm rot="5400000">
+            <a:off x="6951124" y="1841964"/>
+            <a:ext cx="3672408" cy="365760"/>
+          </a:xfrm>
+        </p:spPr>
+        <p:txBody>
+          <a:bodyPr/>
+          <a:lstStyle/>
+          <a:p>
+            <a:pPr algn="l"/>
+            <a:r>
+              <a:rPr lang="pl-PL" sz="1600" dirty="0">
+                <a:effectLst>
+                  <a:outerShdw blurRad="38100" dist="38100" dir="2700000" algn="tl">
+                    <a:srgbClr val="000000">
+                      <a:alpha val="43137"/>
+                    </a:srgbClr>
+                  </a:outerShdw>
+                </a:effectLst>
+              </a:rPr>
+              <a:t>Seminarium dyplomowe magisterskie 1</a:t>
+            </a:r>
+            <a:endParaRPr lang="pl-PL" sz="1600" dirty="0">
+              <a:effectLst>
+                <a:outerShdw blurRad="38100" dist="38100" dir="2700000" algn="tl">
+                  <a:srgbClr val="000000">
+                    <a:alpha val="43137"/>
+                  </a:srgbClr>
+                </a:outerShdw>
+              </a:effectLst>
+            </a:endParaRPr>
+          </a:p>
+        </p:txBody>
+      </p:sp>
+      <p:sp>
+        <p:nvSpPr>
+          <p:cNvPr id="5" name="Slide Number Placeholder 4"/>
+          <p:cNvSpPr>
+            <a:spLocks noGrp="1"/>
+          </p:cNvSpPr>
+          <p:nvPr>
+            <p:ph type="sldNum" sz="quarter" idx="12"/>
+          </p:nvPr>
+        </p:nvSpPr>
+        <p:spPr/>
+        <p:txBody>
+          <a:bodyPr/>
+          <a:lstStyle/>
+          <a:p>
+            <a:fld id="{A9560CCA-E071-4361-AF3D-B0CE296716D1}" type="slidenum">
+              <a:rPr lang="pl-PL" smtClean="0"/>
+              <a:t>11</a:t>
+            </a:fld>
+            <a:endParaRPr lang="pl-PL"/>
+          </a:p>
+        </p:txBody>
+      </p:sp>
+    </p:spTree>
+    <p:extLst>
+      <p:ext uri="{BB962C8B-B14F-4D97-AF65-F5344CB8AC3E}">
+        <p14:creationId xmlns:p14="http://schemas.microsoft.com/office/powerpoint/2010/main" val="802680360"/>
+      </p:ext>
+    </p:extLst>
+  </p:cSld>
+  <p:clrMapOvr>
+    <a:masterClrMapping/>
+  </p:clrMapOvr>
+  <p:timing>
+    <p:tnLst>
+      <p:par>
+        <p:cTn id="1" dur="indefinite" restart="never" nodeType="tmRoot"/>
+      </p:par>
+    </p:tnLst>
+  </p:timing>
+</p:sld>
+</file>
+
+<file path=ppt/slides/slide12.xml><?xml version="1.0" encoding="utf-8"?>
+<p:sld xmlns:a="http://schemas.openxmlformats.org/drawingml/2006/main" xmlns:r="http://schemas.openxmlformats.org/officeDocument/2006/relationships" xmlns:p="http://schemas.openxmlformats.org/presentationml/2006/main">
+  <p:cSld>
+    <p:spTree>
+      <p:nvGrpSpPr>
+        <p:cNvPr id="1" name=""/>
+        <p:cNvGrpSpPr/>
+        <p:nvPr/>
+      </p:nvGrpSpPr>
+      <p:grpSpPr>
+        <a:xfrm>
+          <a:off x="0" y="0"/>
+          <a:ext cx="0" cy="0"/>
+          <a:chOff x="0" y="0"/>
+          <a:chExt cx="0" cy="0"/>
+        </a:xfrm>
+      </p:grpSpPr>
+      <p:sp>
+        <p:nvSpPr>
+          <p:cNvPr id="2" name="Title 1"/>
+          <p:cNvSpPr>
+            <a:spLocks noGrp="1"/>
+          </p:cNvSpPr>
+          <p:nvPr>
+            <p:ph type="title"/>
+          </p:nvPr>
+        </p:nvSpPr>
+        <p:spPr>
+          <a:xfrm>
+            <a:off x="457200" y="44624"/>
+            <a:ext cx="7620000" cy="1143000"/>
+          </a:xfrm>
+        </p:spPr>
+        <p:txBody>
+          <a:bodyPr/>
+          <a:lstStyle/>
+          <a:p>
+            <a:r>
+              <a:rPr lang="pl-PL" sz="4000" dirty="0" smtClean="0">
+                <a:effectLst>
+                  <a:outerShdw blurRad="38100" dist="38100" dir="2700000" algn="tl">
+                    <a:srgbClr val="000000">
+                      <a:alpha val="43137"/>
+                    </a:srgbClr>
+                  </a:outerShdw>
+                </a:effectLst>
+              </a:rPr>
+              <a:t>Canny – </a:t>
+            </a:r>
+            <a:r>
+              <a:rPr lang="pl-PL" sz="4000" dirty="0" smtClean="0">
+                <a:effectLst>
+                  <a:outerShdw blurRad="38100" dist="38100" dir="2700000" algn="tl">
+                    <a:srgbClr val="000000">
+                      <a:alpha val="43137"/>
+                    </a:srgbClr>
+                  </a:outerShdw>
+                </a:effectLst>
+              </a:rPr>
+              <a:t>progowanie z histerezą</a:t>
+            </a:r>
+            <a:endParaRPr lang="pl-PL" sz="4000" dirty="0">
+              <a:effectLst>
+                <a:outerShdw blurRad="38100" dist="38100" dir="2700000" algn="tl">
+                  <a:srgbClr val="000000">
+                    <a:alpha val="43137"/>
+                  </a:srgbClr>
+                </a:outerShdw>
+              </a:effectLst>
+            </a:endParaRPr>
+          </a:p>
+        </p:txBody>
+      </p:sp>
+      <p:sp>
+        <p:nvSpPr>
+          <p:cNvPr id="6" name="Footer Placeholder 7"/>
+          <p:cNvSpPr>
+            <a:spLocks noGrp="1"/>
+          </p:cNvSpPr>
+          <p:nvPr>
+            <p:ph type="ftr" sz="quarter" idx="11"/>
+          </p:nvPr>
+        </p:nvSpPr>
+        <p:spPr>
+          <a:xfrm rot="5400000">
+            <a:off x="6951124" y="1841964"/>
+            <a:ext cx="3672408" cy="365760"/>
+          </a:xfrm>
+        </p:spPr>
+        <p:txBody>
+          <a:bodyPr/>
+          <a:lstStyle/>
+          <a:p>
+            <a:pPr algn="l"/>
+            <a:r>
+              <a:rPr lang="pl-PL" sz="1600" dirty="0">
+                <a:effectLst>
+                  <a:outerShdw blurRad="38100" dist="38100" dir="2700000" algn="tl">
+                    <a:srgbClr val="000000">
+                      <a:alpha val="43137"/>
+                    </a:srgbClr>
+                  </a:outerShdw>
+                </a:effectLst>
+              </a:rPr>
+              <a:t>Seminarium dyplomowe magisterskie 1</a:t>
+            </a:r>
+            <a:endParaRPr lang="pl-PL" sz="1600" dirty="0">
+              <a:effectLst>
+                <a:outerShdw blurRad="38100" dist="38100" dir="2700000" algn="tl">
+                  <a:srgbClr val="000000">
+                    <a:alpha val="43137"/>
+                  </a:srgbClr>
+                </a:outerShdw>
+              </a:effectLst>
+            </a:endParaRPr>
+          </a:p>
+        </p:txBody>
+      </p:sp>
+      <p:sp>
+        <p:nvSpPr>
+          <p:cNvPr id="5" name="Slide Number Placeholder 4"/>
+          <p:cNvSpPr>
+            <a:spLocks noGrp="1"/>
+          </p:cNvSpPr>
+          <p:nvPr>
+            <p:ph type="sldNum" sz="quarter" idx="12"/>
+          </p:nvPr>
+        </p:nvSpPr>
+        <p:spPr/>
+        <p:txBody>
+          <a:bodyPr/>
+          <a:lstStyle/>
+          <a:p>
+            <a:fld id="{A9560CCA-E071-4361-AF3D-B0CE296716D1}" type="slidenum">
+              <a:rPr lang="pl-PL" smtClean="0"/>
+              <a:t>12</a:t>
+            </a:fld>
+            <a:endParaRPr lang="pl-PL"/>
+          </a:p>
+        </p:txBody>
+      </p:sp>
       <p:grpSp>
         <p:nvGrpSpPr>
           <p:cNvPr id="10" name="Group 9"/>
@@ -4846,10 +4955,10 @@
         </p:nvGrpSpPr>
         <p:grpSpPr>
           <a:xfrm>
-            <a:off x="4427984" y="2517715"/>
-            <a:ext cx="3016764" cy="4079637"/>
-            <a:chOff x="323528" y="2121670"/>
-            <a:chExt cx="3016764" cy="4079637"/>
+            <a:off x="285055" y="1034033"/>
+            <a:ext cx="8064896" cy="5688632"/>
+            <a:chOff x="323528" y="2660605"/>
+            <a:chExt cx="8064896" cy="5688632"/>
           </a:xfrm>
         </p:grpSpPr>
         <p:sp>
@@ -4860,8 +4969,8 @@
           </p:nvSpPr>
           <p:spPr>
             <a:xfrm>
-              <a:off x="323528" y="2348875"/>
-              <a:ext cx="3016764" cy="3852432"/>
+              <a:off x="323528" y="2888939"/>
+              <a:ext cx="8064896" cy="5460298"/>
             </a:xfrm>
             <a:custGeom>
               <a:avLst/>
@@ -4980,8 +5089,8 @@
           </p:nvSpPr>
           <p:spPr>
             <a:xfrm>
-              <a:off x="709212" y="2121670"/>
-              <a:ext cx="2055016" cy="444358"/>
+              <a:off x="709211" y="2660605"/>
+              <a:ext cx="3181181" cy="444358"/>
             </a:xfrm>
             <a:custGeom>
               <a:avLst/>
@@ -5113,7 +5222,7 @@
             </a:bodyPr>
             <a:lstStyle/>
             <a:p>
-              <a:pPr lvl="0" algn="l" defTabSz="1066800">
+              <a:pPr lvl="0" defTabSz="1066800">
                 <a:lnSpc>
                   <a:spcPct val="90000"/>
                 </a:lnSpc>
@@ -5134,7 +5243,7 @@
                     </a:outerShdw>
                   </a:effectLst>
                 </a:rPr>
-                <a:t>Visual Studio</a:t>
+                <a:t>Przykładowe rezultay</a:t>
               </a:r>
               <a:endParaRPr lang="pl-PL" sz="2400" i="1" kern="1200" dirty="0">
                 <a:effectLst>
@@ -5149,57 +5258,379 @@
           </p:txBody>
         </p:sp>
       </p:grpSp>
+      <p:sp>
+        <p:nvSpPr>
+          <p:cNvPr id="14" name="Right Arrow 13"/>
+          <p:cNvSpPr/>
+          <p:nvPr/>
+        </p:nvSpPr>
+        <p:spPr>
+          <a:xfrm>
+            <a:off x="4036864" y="2369939"/>
+            <a:ext cx="489204" cy="484632"/>
+          </a:xfrm>
+          <a:prstGeom prst="rightArrow">
+            <a:avLst/>
+          </a:prstGeom>
+          <a:ln>
+            <a:solidFill>
+              <a:schemeClr val="bg1"/>
+            </a:solidFill>
+          </a:ln>
+        </p:spPr>
+        <p:style>
+          <a:lnRef idx="2">
+            <a:schemeClr val="accent1">
+              <a:shade val="50000"/>
+            </a:schemeClr>
+          </a:lnRef>
+          <a:fillRef idx="1">
+            <a:schemeClr val="accent1"/>
+          </a:fillRef>
+          <a:effectRef idx="0">
+            <a:schemeClr val="accent1"/>
+          </a:effectRef>
+          <a:fontRef idx="minor">
+            <a:schemeClr val="lt1"/>
+          </a:fontRef>
+        </p:style>
+        <p:txBody>
+          <a:bodyPr rtlCol="0" anchor="ctr"/>
+          <a:lstStyle/>
+          <a:p>
+            <a:pPr algn="ctr"/>
+            <a:endParaRPr lang="pl-PL"/>
+          </a:p>
+        </p:txBody>
+      </p:sp>
       <p:pic>
         <p:nvPicPr>
-          <p:cNvPr id="13" name="Picture 12"/>
+          <p:cNvPr id="3074" name="Picture 2" descr="D:\Studia magisterskie\Praca magisterska\repo\Placeholder\seminar1\prezentacja\canny\3.2. krawędzie.png"/>
           <p:cNvPicPr>
-            <a:picLocks noChangeAspect="1"/>
+            <a:picLocks noChangeAspect="1" noChangeArrowheads="1"/>
           </p:cNvPicPr>
           <p:nvPr/>
         </p:nvPicPr>
         <p:blipFill>
-          <a:blip r:embed="rId3">
+          <a:blip r:embed="rId2" cstate="print">
             <a:extLst>
               <a:ext uri="{28A0092B-C50C-407E-A947-70E740481C1C}">
                 <a14:useLocalDpi xmlns:a14="http://schemas.microsoft.com/office/drawing/2010/main" val="0"/>
               </a:ext>
             </a:extLst>
           </a:blip>
+          <a:srcRect/>
           <a:stretch>
             <a:fillRect/>
           </a:stretch>
         </p:blipFill>
-        <p:spPr>
+        <p:spPr bwMode="auto">
           <a:xfrm>
-            <a:off x="4572000" y="3027258"/>
-            <a:ext cx="2757400" cy="3543501"/>
+            <a:off x="745898" y="1556792"/>
+            <a:ext cx="2817990" cy="2110926"/>
           </a:xfrm>
           <a:prstGeom prst="rect">
             <a:avLst/>
           </a:prstGeom>
+          <a:noFill/>
+          <a:extLst>
+            <a:ext uri="{909E8E84-426E-40DD-AFC4-6F175D3DCCD1}">
+              <a14:hiddenFill xmlns:a14="http://schemas.microsoft.com/office/drawing/2010/main">
+                <a:solidFill>
+                  <a:srgbClr val="FFFFFF"/>
+                </a:solidFill>
+              </a14:hiddenFill>
+            </a:ext>
+          </a:extLst>
         </p:spPr>
       </p:pic>
-      <p:sp>
-        <p:nvSpPr>
-          <p:cNvPr id="14" name="Footer Placeholder 7"/>
-          <p:cNvSpPr>
-            <a:spLocks noGrp="1"/>
-          </p:cNvSpPr>
-          <p:nvPr>
-            <p:ph type="ftr" sz="quarter" idx="11"/>
-          </p:nvPr>
+      <p:pic>
+        <p:nvPicPr>
+          <p:cNvPr id="4098" name="Picture 2" descr="D:\Studia magisterskie\Praca magisterska\repo\Placeholder\seminar1\prezentacja\canny\4,1. wynik_3_75_125.png"/>
+          <p:cNvPicPr>
+            <a:picLocks noChangeAspect="1" noChangeArrowheads="1"/>
+          </p:cNvPicPr>
+          <p:nvPr/>
+        </p:nvPicPr>
+        <p:blipFill>
+          <a:blip r:embed="rId3" cstate="print">
+            <a:extLst>
+              <a:ext uri="{28A0092B-C50C-407E-A947-70E740481C1C}">
+                <a14:useLocalDpi xmlns:a14="http://schemas.microsoft.com/office/drawing/2010/main" val="0"/>
+              </a:ext>
+            </a:extLst>
+          </a:blip>
+          <a:srcRect/>
+          <a:stretch>
+            <a:fillRect/>
+          </a:stretch>
+        </p:blipFill>
+        <p:spPr bwMode="auto">
+          <a:xfrm>
+            <a:off x="5066378" y="1556792"/>
+            <a:ext cx="2817990" cy="2110926"/>
+          </a:xfrm>
+          <a:prstGeom prst="rect">
+            <a:avLst/>
+          </a:prstGeom>
+          <a:noFill/>
+          <a:extLst>
+            <a:ext uri="{909E8E84-426E-40DD-AFC4-6F175D3DCCD1}">
+              <a14:hiddenFill xmlns:a14="http://schemas.microsoft.com/office/drawing/2010/main">
+                <a:solidFill>
+                  <a:srgbClr val="FFFFFF"/>
+                </a:solidFill>
+              </a14:hiddenFill>
+            </a:ext>
+          </a:extLst>
+        </p:spPr>
+      </p:pic>
+      <p:pic>
+        <p:nvPicPr>
+          <p:cNvPr id="4099" name="Picture 3" descr="D:\Studia magisterskie\Praca magisterska\repo\Placeholder\seminar1\prezentacja\canny\4.2. wynik_1_75_125.png"/>
+          <p:cNvPicPr>
+            <a:picLocks noChangeAspect="1" noChangeArrowheads="1"/>
+          </p:cNvPicPr>
+          <p:nvPr/>
+        </p:nvPicPr>
+        <p:blipFill>
+          <a:blip r:embed="rId4" cstate="print">
+            <a:extLst>
+              <a:ext uri="{28A0092B-C50C-407E-A947-70E740481C1C}">
+                <a14:useLocalDpi xmlns:a14="http://schemas.microsoft.com/office/drawing/2010/main" val="0"/>
+              </a:ext>
+            </a:extLst>
+          </a:blip>
+          <a:srcRect/>
+          <a:stretch>
+            <a:fillRect/>
+          </a:stretch>
+        </p:blipFill>
+        <p:spPr bwMode="auto">
+          <a:xfrm>
+            <a:off x="763559" y="4198394"/>
+            <a:ext cx="2817990" cy="2110926"/>
+          </a:xfrm>
+          <a:prstGeom prst="rect">
+            <a:avLst/>
+          </a:prstGeom>
+          <a:noFill/>
+          <a:extLst>
+            <a:ext uri="{909E8E84-426E-40DD-AFC4-6F175D3DCCD1}">
+              <a14:hiddenFill xmlns:a14="http://schemas.microsoft.com/office/drawing/2010/main">
+                <a:solidFill>
+                  <a:srgbClr val="FFFFFF"/>
+                </a:solidFill>
+              </a14:hiddenFill>
+            </a:ext>
+          </a:extLst>
+        </p:spPr>
+      </p:pic>
+      <p:pic>
+        <p:nvPicPr>
+          <p:cNvPr id="4100" name="Picture 4" descr="D:\Studia magisterskie\Praca magisterska\repo\Placeholder\seminar1\prezentacja\canny\4.3. wynik_3_25_75.png"/>
+          <p:cNvPicPr>
+            <a:picLocks noChangeAspect="1" noChangeArrowheads="1"/>
+          </p:cNvPicPr>
+          <p:nvPr/>
+        </p:nvPicPr>
+        <p:blipFill>
+          <a:blip r:embed="rId5" cstate="print">
+            <a:extLst>
+              <a:ext uri="{28A0092B-C50C-407E-A947-70E740481C1C}">
+                <a14:useLocalDpi xmlns:a14="http://schemas.microsoft.com/office/drawing/2010/main" val="0"/>
+              </a:ext>
+            </a:extLst>
+          </a:blip>
+          <a:srcRect/>
+          <a:stretch>
+            <a:fillRect/>
+          </a:stretch>
+        </p:blipFill>
+        <p:spPr bwMode="auto">
+          <a:xfrm>
+            <a:off x="5076056" y="4198394"/>
+            <a:ext cx="2817990" cy="2110926"/>
+          </a:xfrm>
+          <a:prstGeom prst="rect">
+            <a:avLst/>
+          </a:prstGeom>
+          <a:noFill/>
+          <a:extLst>
+            <a:ext uri="{909E8E84-426E-40DD-AFC4-6F175D3DCCD1}">
+              <a14:hiddenFill xmlns:a14="http://schemas.microsoft.com/office/drawing/2010/main">
+                <a:solidFill>
+                  <a:srgbClr val="FFFFFF"/>
+                </a:solidFill>
+              </a14:hiddenFill>
+            </a:ext>
+          </a:extLst>
+        </p:spPr>
+      </p:pic>
+      <p:sp>
+        <p:nvSpPr>
+          <p:cNvPr id="18" name="Freeform 17"/>
+          <p:cNvSpPr/>
+          <p:nvPr/>
         </p:nvSpPr>
         <p:spPr>
-          <a:xfrm rot="5400000">
-            <a:off x="6951124" y="1841964"/>
-            <a:ext cx="3672408" cy="365760"/>
+          <a:xfrm>
+            <a:off x="5508104" y="3715735"/>
+            <a:ext cx="2016224" cy="325229"/>
           </a:xfrm>
+          <a:custGeom>
+            <a:avLst/>
+            <a:gdLst>
+              <a:gd name="connsiteX0" fmla="*/ 0 w 2483862"/>
+              <a:gd name="connsiteY0" fmla="*/ 74061 h 444358"/>
+              <a:gd name="connsiteX1" fmla="*/ 74061 w 2483862"/>
+              <a:gd name="connsiteY1" fmla="*/ 0 h 444358"/>
+              <a:gd name="connsiteX2" fmla="*/ 2409801 w 2483862"/>
+              <a:gd name="connsiteY2" fmla="*/ 0 h 444358"/>
+              <a:gd name="connsiteX3" fmla="*/ 2483862 w 2483862"/>
+              <a:gd name="connsiteY3" fmla="*/ 74061 h 444358"/>
+              <a:gd name="connsiteX4" fmla="*/ 2483862 w 2483862"/>
+              <a:gd name="connsiteY4" fmla="*/ 370297 h 444358"/>
+              <a:gd name="connsiteX5" fmla="*/ 2409801 w 2483862"/>
+              <a:gd name="connsiteY5" fmla="*/ 444358 h 444358"/>
+              <a:gd name="connsiteX6" fmla="*/ 74061 w 2483862"/>
+              <a:gd name="connsiteY6" fmla="*/ 444358 h 444358"/>
+              <a:gd name="connsiteX7" fmla="*/ 0 w 2483862"/>
+              <a:gd name="connsiteY7" fmla="*/ 370297 h 444358"/>
+              <a:gd name="connsiteX8" fmla="*/ 0 w 2483862"/>
+              <a:gd name="connsiteY8" fmla="*/ 74061 h 444358"/>
+            </a:gdLst>
+            <a:ahLst/>
+            <a:cxnLst>
+              <a:cxn ang="0">
+                <a:pos x="connsiteX0" y="connsiteY0"/>
+              </a:cxn>
+              <a:cxn ang="0">
+                <a:pos x="connsiteX1" y="connsiteY1"/>
+              </a:cxn>
+              <a:cxn ang="0">
+                <a:pos x="connsiteX2" y="connsiteY2"/>
+              </a:cxn>
+              <a:cxn ang="0">
+                <a:pos x="connsiteX3" y="connsiteY3"/>
+              </a:cxn>
+              <a:cxn ang="0">
+                <a:pos x="connsiteX4" y="connsiteY4"/>
+              </a:cxn>
+              <a:cxn ang="0">
+                <a:pos x="connsiteX5" y="connsiteY5"/>
+              </a:cxn>
+              <a:cxn ang="0">
+                <a:pos x="connsiteX6" y="connsiteY6"/>
+              </a:cxn>
+              <a:cxn ang="0">
+                <a:pos x="connsiteX7" y="connsiteY7"/>
+              </a:cxn>
+              <a:cxn ang="0">
+                <a:pos x="connsiteX8" y="connsiteY8"/>
+              </a:cxn>
+            </a:cxnLst>
+            <a:rect l="l" t="t" r="r" b="b"/>
+            <a:pathLst>
+              <a:path w="2483862" h="444358">
+                <a:moveTo>
+                  <a:pt x="0" y="74061"/>
+                </a:moveTo>
+                <a:cubicBezTo>
+                  <a:pt x="0" y="33158"/>
+                  <a:pt x="33158" y="0"/>
+                  <a:pt x="74061" y="0"/>
+                </a:cubicBezTo>
+                <a:lnTo>
+                  <a:pt x="2409801" y="0"/>
+                </a:lnTo>
+                <a:cubicBezTo>
+                  <a:pt x="2450704" y="0"/>
+                  <a:pt x="2483862" y="33158"/>
+                  <a:pt x="2483862" y="74061"/>
+                </a:cubicBezTo>
+                <a:lnTo>
+                  <a:pt x="2483862" y="370297"/>
+                </a:lnTo>
+                <a:cubicBezTo>
+                  <a:pt x="2483862" y="411200"/>
+                  <a:pt x="2450704" y="444358"/>
+                  <a:pt x="2409801" y="444358"/>
+                </a:cubicBezTo>
+                <a:lnTo>
+                  <a:pt x="74061" y="444358"/>
+                </a:lnTo>
+                <a:cubicBezTo>
+                  <a:pt x="33158" y="444358"/>
+                  <a:pt x="0" y="411200"/>
+                  <a:pt x="0" y="370297"/>
+                </a:cubicBezTo>
+                <a:lnTo>
+                  <a:pt x="0" y="74061"/>
+                </a:lnTo>
+                <a:close/>
+              </a:path>
+            </a:pathLst>
+          </a:custGeom>
         </p:spPr>
-        <p:txBody>
-          <a:bodyPr/>
+        <p:style>
+          <a:lnRef idx="2">
+            <a:schemeClr val="lt1">
+              <a:hueOff val="0"/>
+              <a:satOff val="0"/>
+              <a:lumOff val="0"/>
+              <a:alphaOff val="0"/>
+            </a:schemeClr>
+          </a:lnRef>
+          <a:fillRef idx="1">
+            <a:schemeClr val="accent1">
+              <a:hueOff val="0"/>
+              <a:satOff val="0"/>
+              <a:lumOff val="0"/>
+              <a:alphaOff val="0"/>
+            </a:schemeClr>
+          </a:fillRef>
+          <a:effectRef idx="0">
+            <a:schemeClr val="accent1">
+              <a:hueOff val="0"/>
+              <a:satOff val="0"/>
+              <a:lumOff val="0"/>
+              <a:alphaOff val="0"/>
+            </a:schemeClr>
+          </a:effectRef>
+          <a:fontRef idx="minor">
+            <a:schemeClr val="lt1"/>
+          </a:fontRef>
+        </p:style>
+        <p:txBody>
+          <a:bodyPr spcFirstLastPara="0" vert="horz" wrap="square" lIns="225783" tIns="21692" rIns="225783" bIns="21692" numCol="1" spcCol="1270" anchor="ctr" anchorCtr="0">
+            <a:noAutofit/>
+          </a:bodyPr>
           <a:lstStyle/>
           <a:p>
-            <a:pPr algn="l"/>
+            <a:pPr lvl="0" defTabSz="1066800">
+              <a:lnSpc>
+                <a:spcPct val="90000"/>
+              </a:lnSpc>
+              <a:spcBef>
+                <a:spcPct val="0"/>
+              </a:spcBef>
+              <a:spcAft>
+                <a:spcPct val="35000"/>
+              </a:spcAft>
+            </a:pPr>
+            <a:r>
+              <a:rPr lang="el-GR" sz="1600" dirty="0" smtClean="0">
+                <a:effectLst>
+                  <a:outerShdw blurRad="38100" dist="38100" dir="2700000" algn="tl">
+                    <a:srgbClr val="000000">
+                      <a:alpha val="43137"/>
+                    </a:srgbClr>
+                  </a:outerShdw>
+                </a:effectLst>
+              </a:rPr>
+              <a:t>σ</a:t>
+            </a:r>
             <a:r>
               <a:rPr lang="pl-PL" sz="1600" dirty="0" smtClean="0">
                 <a:effectLst>
@@ -5210,9 +5641,57 @@
                   </a:outerShdw>
                 </a:effectLst>
               </a:rPr>
-              <a:t>Seminarium dyplomowe inżynierskie</a:t>
-            </a:r>
-            <a:endParaRPr lang="pl-PL" sz="1600" dirty="0">
+              <a:t>=3, T</a:t>
+            </a:r>
+            <a:r>
+              <a:rPr lang="pl-PL" sz="1600" baseline="-25000" dirty="0">
+                <a:effectLst>
+                  <a:outerShdw blurRad="38100" dist="38100" dir="2700000" algn="tl">
+                    <a:srgbClr val="000000">
+                      <a:alpha val="43137"/>
+                    </a:srgbClr>
+                  </a:outerShdw>
+                </a:effectLst>
+              </a:rPr>
+              <a:t>1</a:t>
+            </a:r>
+            <a:r>
+              <a:rPr lang="pl-PL" sz="1600" dirty="0" smtClean="0">
+                <a:effectLst>
+                  <a:outerShdw blurRad="38100" dist="38100" dir="2700000" algn="tl">
+                    <a:srgbClr val="000000">
+                      <a:alpha val="43137"/>
+                    </a:srgbClr>
+                  </a:outerShdw>
+                </a:effectLst>
+              </a:rPr>
+              <a:t>=75, T</a:t>
+            </a:r>
+            <a:r>
+              <a:rPr lang="pl-PL" sz="1600" baseline="-25000" dirty="0" smtClean="0">
+                <a:effectLst>
+                  <a:outerShdw blurRad="38100" dist="38100" dir="2700000" algn="tl">
+                    <a:srgbClr val="000000">
+                      <a:alpha val="43137"/>
+                    </a:srgbClr>
+                  </a:outerShdw>
+                </a:effectLst>
+              </a:rPr>
+              <a:t>2</a:t>
+            </a:r>
+            <a:r>
+              <a:rPr lang="pl-PL" sz="1600" dirty="0" smtClean="0">
+                <a:effectLst>
+                  <a:outerShdw blurRad="38100" dist="38100" dir="2700000" algn="tl">
+                    <a:srgbClr val="000000">
+                      <a:alpha val="43137"/>
+                    </a:srgbClr>
+                  </a:outerShdw>
+                </a:effectLst>
+              </a:rPr>
+              <a:t>=125</a:t>
+            </a:r>
+            <a:endParaRPr lang="pl-PL" sz="1600" kern="1200" dirty="0">
               <a:effectLst>
                 <a:outerShdw blurRad="38100" dist="38100" dir="2700000" algn="tl">
                   <a:srgbClr val="000000">
@@ -5224,10 +5703,572 @@
           </a:p>
         </p:txBody>
       </p:sp>
+      <p:sp>
+        <p:nvSpPr>
+          <p:cNvPr id="19" name="Freeform 18"/>
+          <p:cNvSpPr/>
+          <p:nvPr/>
+        </p:nvSpPr>
+        <p:spPr>
+          <a:xfrm>
+            <a:off x="1146781" y="6344130"/>
+            <a:ext cx="2016224" cy="325229"/>
+          </a:xfrm>
+          <a:custGeom>
+            <a:avLst/>
+            <a:gdLst>
+              <a:gd name="connsiteX0" fmla="*/ 0 w 2483862"/>
+              <a:gd name="connsiteY0" fmla="*/ 74061 h 444358"/>
+              <a:gd name="connsiteX1" fmla="*/ 74061 w 2483862"/>
+              <a:gd name="connsiteY1" fmla="*/ 0 h 444358"/>
+              <a:gd name="connsiteX2" fmla="*/ 2409801 w 2483862"/>
+              <a:gd name="connsiteY2" fmla="*/ 0 h 444358"/>
+              <a:gd name="connsiteX3" fmla="*/ 2483862 w 2483862"/>
+              <a:gd name="connsiteY3" fmla="*/ 74061 h 444358"/>
+              <a:gd name="connsiteX4" fmla="*/ 2483862 w 2483862"/>
+              <a:gd name="connsiteY4" fmla="*/ 370297 h 444358"/>
+              <a:gd name="connsiteX5" fmla="*/ 2409801 w 2483862"/>
+              <a:gd name="connsiteY5" fmla="*/ 444358 h 444358"/>
+              <a:gd name="connsiteX6" fmla="*/ 74061 w 2483862"/>
+              <a:gd name="connsiteY6" fmla="*/ 444358 h 444358"/>
+              <a:gd name="connsiteX7" fmla="*/ 0 w 2483862"/>
+              <a:gd name="connsiteY7" fmla="*/ 370297 h 444358"/>
+              <a:gd name="connsiteX8" fmla="*/ 0 w 2483862"/>
+              <a:gd name="connsiteY8" fmla="*/ 74061 h 444358"/>
+            </a:gdLst>
+            <a:ahLst/>
+            <a:cxnLst>
+              <a:cxn ang="0">
+                <a:pos x="connsiteX0" y="connsiteY0"/>
+              </a:cxn>
+              <a:cxn ang="0">
+                <a:pos x="connsiteX1" y="connsiteY1"/>
+              </a:cxn>
+              <a:cxn ang="0">
+                <a:pos x="connsiteX2" y="connsiteY2"/>
+              </a:cxn>
+              <a:cxn ang="0">
+                <a:pos x="connsiteX3" y="connsiteY3"/>
+              </a:cxn>
+              <a:cxn ang="0">
+                <a:pos x="connsiteX4" y="connsiteY4"/>
+              </a:cxn>
+              <a:cxn ang="0">
+                <a:pos x="connsiteX5" y="connsiteY5"/>
+              </a:cxn>
+              <a:cxn ang="0">
+                <a:pos x="connsiteX6" y="connsiteY6"/>
+              </a:cxn>
+              <a:cxn ang="0">
+                <a:pos x="connsiteX7" y="connsiteY7"/>
+              </a:cxn>
+              <a:cxn ang="0">
+                <a:pos x="connsiteX8" y="connsiteY8"/>
+              </a:cxn>
+            </a:cxnLst>
+            <a:rect l="l" t="t" r="r" b="b"/>
+            <a:pathLst>
+              <a:path w="2483862" h="444358">
+                <a:moveTo>
+                  <a:pt x="0" y="74061"/>
+                </a:moveTo>
+                <a:cubicBezTo>
+                  <a:pt x="0" y="33158"/>
+                  <a:pt x="33158" y="0"/>
+                  <a:pt x="74061" y="0"/>
+                </a:cubicBezTo>
+                <a:lnTo>
+                  <a:pt x="2409801" y="0"/>
+                </a:lnTo>
+                <a:cubicBezTo>
+                  <a:pt x="2450704" y="0"/>
+                  <a:pt x="2483862" y="33158"/>
+                  <a:pt x="2483862" y="74061"/>
+                </a:cubicBezTo>
+                <a:lnTo>
+                  <a:pt x="2483862" y="370297"/>
+                </a:lnTo>
+                <a:cubicBezTo>
+                  <a:pt x="2483862" y="411200"/>
+                  <a:pt x="2450704" y="444358"/>
+                  <a:pt x="2409801" y="444358"/>
+                </a:cubicBezTo>
+                <a:lnTo>
+                  <a:pt x="74061" y="444358"/>
+                </a:lnTo>
+                <a:cubicBezTo>
+                  <a:pt x="33158" y="444358"/>
+                  <a:pt x="0" y="411200"/>
+                  <a:pt x="0" y="370297"/>
+                </a:cubicBezTo>
+                <a:lnTo>
+                  <a:pt x="0" y="74061"/>
+                </a:lnTo>
+                <a:close/>
+              </a:path>
+            </a:pathLst>
+          </a:custGeom>
+        </p:spPr>
+        <p:style>
+          <a:lnRef idx="2">
+            <a:schemeClr val="lt1">
+              <a:hueOff val="0"/>
+              <a:satOff val="0"/>
+              <a:lumOff val="0"/>
+              <a:alphaOff val="0"/>
+            </a:schemeClr>
+          </a:lnRef>
+          <a:fillRef idx="1">
+            <a:schemeClr val="accent1">
+              <a:hueOff val="0"/>
+              <a:satOff val="0"/>
+              <a:lumOff val="0"/>
+              <a:alphaOff val="0"/>
+            </a:schemeClr>
+          </a:fillRef>
+          <a:effectRef idx="0">
+            <a:schemeClr val="accent1">
+              <a:hueOff val="0"/>
+              <a:satOff val="0"/>
+              <a:lumOff val="0"/>
+              <a:alphaOff val="0"/>
+            </a:schemeClr>
+          </a:effectRef>
+          <a:fontRef idx="minor">
+            <a:schemeClr val="lt1"/>
+          </a:fontRef>
+        </p:style>
+        <p:txBody>
+          <a:bodyPr spcFirstLastPara="0" vert="horz" wrap="square" lIns="225783" tIns="21692" rIns="225783" bIns="21692" numCol="1" spcCol="1270" anchor="ctr" anchorCtr="0">
+            <a:noAutofit/>
+          </a:bodyPr>
+          <a:lstStyle/>
+          <a:p>
+            <a:pPr lvl="0" defTabSz="1066800">
+              <a:lnSpc>
+                <a:spcPct val="90000"/>
+              </a:lnSpc>
+              <a:spcBef>
+                <a:spcPct val="0"/>
+              </a:spcBef>
+              <a:spcAft>
+                <a:spcPct val="35000"/>
+              </a:spcAft>
+            </a:pPr>
+            <a:r>
+              <a:rPr lang="el-GR" sz="1600" dirty="0" smtClean="0">
+                <a:effectLst>
+                  <a:outerShdw blurRad="38100" dist="38100" dir="2700000" algn="tl">
+                    <a:srgbClr val="000000">
+                      <a:alpha val="43137"/>
+                    </a:srgbClr>
+                  </a:outerShdw>
+                </a:effectLst>
+              </a:rPr>
+              <a:t>σ</a:t>
+            </a:r>
+            <a:r>
+              <a:rPr lang="pl-PL" sz="1600" dirty="0" smtClean="0">
+                <a:effectLst>
+                  <a:outerShdw blurRad="38100" dist="38100" dir="2700000" algn="tl">
+                    <a:srgbClr val="000000">
+                      <a:alpha val="43137"/>
+                    </a:srgbClr>
+                  </a:outerShdw>
+                </a:effectLst>
+              </a:rPr>
+              <a:t>=1, T</a:t>
+            </a:r>
+            <a:r>
+              <a:rPr lang="pl-PL" sz="1600" baseline="-25000" dirty="0">
+                <a:effectLst>
+                  <a:outerShdw blurRad="38100" dist="38100" dir="2700000" algn="tl">
+                    <a:srgbClr val="000000">
+                      <a:alpha val="43137"/>
+                    </a:srgbClr>
+                  </a:outerShdw>
+                </a:effectLst>
+              </a:rPr>
+              <a:t>1</a:t>
+            </a:r>
+            <a:r>
+              <a:rPr lang="pl-PL" sz="1600" dirty="0" smtClean="0">
+                <a:effectLst>
+                  <a:outerShdw blurRad="38100" dist="38100" dir="2700000" algn="tl">
+                    <a:srgbClr val="000000">
+                      <a:alpha val="43137"/>
+                    </a:srgbClr>
+                  </a:outerShdw>
+                </a:effectLst>
+              </a:rPr>
+              <a:t>=75, T</a:t>
+            </a:r>
+            <a:r>
+              <a:rPr lang="pl-PL" sz="1600" baseline="-25000" dirty="0" smtClean="0">
+                <a:effectLst>
+                  <a:outerShdw blurRad="38100" dist="38100" dir="2700000" algn="tl">
+                    <a:srgbClr val="000000">
+                      <a:alpha val="43137"/>
+                    </a:srgbClr>
+                  </a:outerShdw>
+                </a:effectLst>
+              </a:rPr>
+              <a:t>2</a:t>
+            </a:r>
+            <a:r>
+              <a:rPr lang="pl-PL" sz="1600" dirty="0" smtClean="0">
+                <a:effectLst>
+                  <a:outerShdw blurRad="38100" dist="38100" dir="2700000" algn="tl">
+                    <a:srgbClr val="000000">
+                      <a:alpha val="43137"/>
+                    </a:srgbClr>
+                  </a:outerShdw>
+                </a:effectLst>
+              </a:rPr>
+              <a:t>=125</a:t>
+            </a:r>
+            <a:endParaRPr lang="pl-PL" sz="1600" kern="1200" dirty="0">
+              <a:effectLst>
+                <a:outerShdw blurRad="38100" dist="38100" dir="2700000" algn="tl">
+                  <a:srgbClr val="000000">
+                    <a:alpha val="43137"/>
+                  </a:srgbClr>
+                </a:outerShdw>
+              </a:effectLst>
+            </a:endParaRPr>
+          </a:p>
+        </p:txBody>
+      </p:sp>
+      <p:sp>
+        <p:nvSpPr>
+          <p:cNvPr id="20" name="Freeform 19"/>
+          <p:cNvSpPr/>
+          <p:nvPr/>
+        </p:nvSpPr>
+        <p:spPr>
+          <a:xfrm>
+            <a:off x="5503265" y="6344129"/>
+            <a:ext cx="1944216" cy="325229"/>
+          </a:xfrm>
+          <a:custGeom>
+            <a:avLst/>
+            <a:gdLst>
+              <a:gd name="connsiteX0" fmla="*/ 0 w 2483862"/>
+              <a:gd name="connsiteY0" fmla="*/ 74061 h 444358"/>
+              <a:gd name="connsiteX1" fmla="*/ 74061 w 2483862"/>
+              <a:gd name="connsiteY1" fmla="*/ 0 h 444358"/>
+              <a:gd name="connsiteX2" fmla="*/ 2409801 w 2483862"/>
+              <a:gd name="connsiteY2" fmla="*/ 0 h 444358"/>
+              <a:gd name="connsiteX3" fmla="*/ 2483862 w 2483862"/>
+              <a:gd name="connsiteY3" fmla="*/ 74061 h 444358"/>
+              <a:gd name="connsiteX4" fmla="*/ 2483862 w 2483862"/>
+              <a:gd name="connsiteY4" fmla="*/ 370297 h 444358"/>
+              <a:gd name="connsiteX5" fmla="*/ 2409801 w 2483862"/>
+              <a:gd name="connsiteY5" fmla="*/ 444358 h 444358"/>
+              <a:gd name="connsiteX6" fmla="*/ 74061 w 2483862"/>
+              <a:gd name="connsiteY6" fmla="*/ 444358 h 444358"/>
+              <a:gd name="connsiteX7" fmla="*/ 0 w 2483862"/>
+              <a:gd name="connsiteY7" fmla="*/ 370297 h 444358"/>
+              <a:gd name="connsiteX8" fmla="*/ 0 w 2483862"/>
+              <a:gd name="connsiteY8" fmla="*/ 74061 h 444358"/>
+            </a:gdLst>
+            <a:ahLst/>
+            <a:cxnLst>
+              <a:cxn ang="0">
+                <a:pos x="connsiteX0" y="connsiteY0"/>
+              </a:cxn>
+              <a:cxn ang="0">
+                <a:pos x="connsiteX1" y="connsiteY1"/>
+              </a:cxn>
+              <a:cxn ang="0">
+                <a:pos x="connsiteX2" y="connsiteY2"/>
+              </a:cxn>
+              <a:cxn ang="0">
+                <a:pos x="connsiteX3" y="connsiteY3"/>
+              </a:cxn>
+              <a:cxn ang="0">
+                <a:pos x="connsiteX4" y="connsiteY4"/>
+              </a:cxn>
+              <a:cxn ang="0">
+                <a:pos x="connsiteX5" y="connsiteY5"/>
+              </a:cxn>
+              <a:cxn ang="0">
+                <a:pos x="connsiteX6" y="connsiteY6"/>
+              </a:cxn>
+              <a:cxn ang="0">
+                <a:pos x="connsiteX7" y="connsiteY7"/>
+              </a:cxn>
+              <a:cxn ang="0">
+                <a:pos x="connsiteX8" y="connsiteY8"/>
+              </a:cxn>
+            </a:cxnLst>
+            <a:rect l="l" t="t" r="r" b="b"/>
+            <a:pathLst>
+              <a:path w="2483862" h="444358">
+                <a:moveTo>
+                  <a:pt x="0" y="74061"/>
+                </a:moveTo>
+                <a:cubicBezTo>
+                  <a:pt x="0" y="33158"/>
+                  <a:pt x="33158" y="0"/>
+                  <a:pt x="74061" y="0"/>
+                </a:cubicBezTo>
+                <a:lnTo>
+                  <a:pt x="2409801" y="0"/>
+                </a:lnTo>
+                <a:cubicBezTo>
+                  <a:pt x="2450704" y="0"/>
+                  <a:pt x="2483862" y="33158"/>
+                  <a:pt x="2483862" y="74061"/>
+                </a:cubicBezTo>
+                <a:lnTo>
+                  <a:pt x="2483862" y="370297"/>
+                </a:lnTo>
+                <a:cubicBezTo>
+                  <a:pt x="2483862" y="411200"/>
+                  <a:pt x="2450704" y="444358"/>
+                  <a:pt x="2409801" y="444358"/>
+                </a:cubicBezTo>
+                <a:lnTo>
+                  <a:pt x="74061" y="444358"/>
+                </a:lnTo>
+                <a:cubicBezTo>
+                  <a:pt x="33158" y="444358"/>
+                  <a:pt x="0" y="411200"/>
+                  <a:pt x="0" y="370297"/>
+                </a:cubicBezTo>
+                <a:lnTo>
+                  <a:pt x="0" y="74061"/>
+                </a:lnTo>
+                <a:close/>
+              </a:path>
+            </a:pathLst>
+          </a:custGeom>
+        </p:spPr>
+        <p:style>
+          <a:lnRef idx="2">
+            <a:schemeClr val="lt1">
+              <a:hueOff val="0"/>
+              <a:satOff val="0"/>
+              <a:lumOff val="0"/>
+              <a:alphaOff val="0"/>
+            </a:schemeClr>
+          </a:lnRef>
+          <a:fillRef idx="1">
+            <a:schemeClr val="accent1">
+              <a:hueOff val="0"/>
+              <a:satOff val="0"/>
+              <a:lumOff val="0"/>
+              <a:alphaOff val="0"/>
+            </a:schemeClr>
+          </a:fillRef>
+          <a:effectRef idx="0">
+            <a:schemeClr val="accent1">
+              <a:hueOff val="0"/>
+              <a:satOff val="0"/>
+              <a:lumOff val="0"/>
+              <a:alphaOff val="0"/>
+            </a:schemeClr>
+          </a:effectRef>
+          <a:fontRef idx="minor">
+            <a:schemeClr val="lt1"/>
+          </a:fontRef>
+        </p:style>
+        <p:txBody>
+          <a:bodyPr spcFirstLastPara="0" vert="horz" wrap="square" lIns="225783" tIns="21692" rIns="225783" bIns="21692" numCol="1" spcCol="1270" anchor="ctr" anchorCtr="0">
+            <a:noAutofit/>
+          </a:bodyPr>
+          <a:lstStyle/>
+          <a:p>
+            <a:pPr lvl="0" defTabSz="1066800">
+              <a:lnSpc>
+                <a:spcPct val="90000"/>
+              </a:lnSpc>
+              <a:spcBef>
+                <a:spcPct val="0"/>
+              </a:spcBef>
+              <a:spcAft>
+                <a:spcPct val="35000"/>
+              </a:spcAft>
+            </a:pPr>
+            <a:r>
+              <a:rPr lang="el-GR" sz="1600" dirty="0" smtClean="0">
+                <a:effectLst>
+                  <a:outerShdw blurRad="38100" dist="38100" dir="2700000" algn="tl">
+                    <a:srgbClr val="000000">
+                      <a:alpha val="43137"/>
+                    </a:srgbClr>
+                  </a:outerShdw>
+                </a:effectLst>
+              </a:rPr>
+              <a:t>σ</a:t>
+            </a:r>
+            <a:r>
+              <a:rPr lang="pl-PL" sz="1600" dirty="0" smtClean="0">
+                <a:effectLst>
+                  <a:outerShdw blurRad="38100" dist="38100" dir="2700000" algn="tl">
+                    <a:srgbClr val="000000">
+                      <a:alpha val="43137"/>
+                    </a:srgbClr>
+                  </a:outerShdw>
+                </a:effectLst>
+              </a:rPr>
+              <a:t>=3, T</a:t>
+            </a:r>
+            <a:r>
+              <a:rPr lang="pl-PL" sz="1600" baseline="-25000" dirty="0" smtClean="0">
+                <a:effectLst>
+                  <a:outerShdw blurRad="38100" dist="38100" dir="2700000" algn="tl">
+                    <a:srgbClr val="000000">
+                      <a:alpha val="43137"/>
+                    </a:srgbClr>
+                  </a:outerShdw>
+                </a:effectLst>
+              </a:rPr>
+              <a:t>1</a:t>
+            </a:r>
+            <a:r>
+              <a:rPr lang="pl-PL" sz="1600" dirty="0" smtClean="0">
+                <a:effectLst>
+                  <a:outerShdw blurRad="38100" dist="38100" dir="2700000" algn="tl">
+                    <a:srgbClr val="000000">
+                      <a:alpha val="43137"/>
+                    </a:srgbClr>
+                  </a:outerShdw>
+                </a:effectLst>
+              </a:rPr>
+              <a:t>=25, T</a:t>
+            </a:r>
+            <a:r>
+              <a:rPr lang="pl-PL" sz="1600" baseline="-25000" dirty="0" smtClean="0">
+                <a:effectLst>
+                  <a:outerShdw blurRad="38100" dist="38100" dir="2700000" algn="tl">
+                    <a:srgbClr val="000000">
+                      <a:alpha val="43137"/>
+                    </a:srgbClr>
+                  </a:outerShdw>
+                </a:effectLst>
+              </a:rPr>
+              <a:t>2</a:t>
+            </a:r>
+            <a:r>
+              <a:rPr lang="pl-PL" sz="1600" dirty="0" smtClean="0">
+                <a:effectLst>
+                  <a:outerShdw blurRad="38100" dist="38100" dir="2700000" algn="tl">
+                    <a:srgbClr val="000000">
+                      <a:alpha val="43137"/>
+                    </a:srgbClr>
+                  </a:outerShdw>
+                </a:effectLst>
+              </a:rPr>
+              <a:t>=75</a:t>
+            </a:r>
+            <a:endParaRPr lang="pl-PL" sz="1600" kern="1200" dirty="0">
+              <a:effectLst>
+                <a:outerShdw blurRad="38100" dist="38100" dir="2700000" algn="tl">
+                  <a:srgbClr val="000000">
+                    <a:alpha val="43137"/>
+                  </a:srgbClr>
+                </a:outerShdw>
+              </a:effectLst>
+            </a:endParaRPr>
+          </a:p>
+        </p:txBody>
+      </p:sp>
+      <p:sp>
+        <p:nvSpPr>
+          <p:cNvPr id="21" name="Right Arrow 20"/>
+          <p:cNvSpPr/>
+          <p:nvPr/>
+        </p:nvSpPr>
+        <p:spPr>
+          <a:xfrm rot="5400000">
+            <a:off x="1950217" y="3679392"/>
+            <a:ext cx="409352" cy="484632"/>
+          </a:xfrm>
+          <a:prstGeom prst="rightArrow">
+            <a:avLst/>
+          </a:prstGeom>
+          <a:ln>
+            <a:solidFill>
+              <a:schemeClr val="bg1"/>
+            </a:solidFill>
+          </a:ln>
+        </p:spPr>
+        <p:style>
+          <a:lnRef idx="2">
+            <a:schemeClr val="accent1">
+              <a:shade val="50000"/>
+            </a:schemeClr>
+          </a:lnRef>
+          <a:fillRef idx="1">
+            <a:schemeClr val="accent1"/>
+          </a:fillRef>
+          <a:effectRef idx="0">
+            <a:schemeClr val="accent1"/>
+          </a:effectRef>
+          <a:fontRef idx="minor">
+            <a:schemeClr val="lt1"/>
+          </a:fontRef>
+        </p:style>
+        <p:txBody>
+          <a:bodyPr rtlCol="0" anchor="ctr"/>
+          <a:lstStyle/>
+          <a:p>
+            <a:pPr algn="ctr"/>
+            <a:endParaRPr lang="pl-PL"/>
+          </a:p>
+        </p:txBody>
+      </p:sp>
+      <p:sp>
+        <p:nvSpPr>
+          <p:cNvPr id="22" name="Right Arrow 21"/>
+          <p:cNvSpPr/>
+          <p:nvPr/>
+        </p:nvSpPr>
+        <p:spPr>
+          <a:xfrm rot="2434950">
+            <a:off x="4036864" y="3673856"/>
+            <a:ext cx="489204" cy="484632"/>
+          </a:xfrm>
+          <a:prstGeom prst="rightArrow">
+            <a:avLst/>
+          </a:prstGeom>
+          <a:ln>
+            <a:solidFill>
+              <a:schemeClr val="bg1"/>
+            </a:solidFill>
+          </a:ln>
+        </p:spPr>
+        <p:style>
+          <a:lnRef idx="2">
+            <a:schemeClr val="accent1">
+              <a:shade val="50000"/>
+            </a:schemeClr>
+          </a:lnRef>
+          <a:fillRef idx="1">
+            <a:schemeClr val="accent1"/>
+          </a:fillRef>
+          <a:effectRef idx="0">
+            <a:schemeClr val="accent1"/>
+          </a:effectRef>
+          <a:fontRef idx="minor">
+            <a:schemeClr val="lt1"/>
+          </a:fontRef>
+        </p:style>
+        <p:txBody>
+          <a:bodyPr rtlCol="0" anchor="ctr"/>
+          <a:lstStyle/>
+          <a:p>
+            <a:pPr algn="ctr"/>
+            <a:endParaRPr lang="pl-PL"/>
+          </a:p>
+        </p:txBody>
+      </p:sp>
     </p:spTree>
     <p:extLst>
       <p:ext uri="{BB962C8B-B14F-4D97-AF65-F5344CB8AC3E}">
-        <p14:creationId xmlns:p14="http://schemas.microsoft.com/office/powerpoint/2010/main" val="804700310"/>
+        <p14:creationId xmlns:p14="http://schemas.microsoft.com/office/powerpoint/2010/main" val="1002518935"/>
       </p:ext>
     </p:extLst>
   </p:cSld>
@@ -5244,7 +6285,7 @@
 </p:sld>
 </file>
 
-<file path=ppt/slides/slide5.xml><?xml version="1.0" encoding="utf-8"?>
+<file path=ppt/slides/slide13.xml><?xml version="1.0" encoding="utf-8"?>
 <p:sld xmlns:a="http://schemas.openxmlformats.org/drawingml/2006/main" xmlns:r="http://schemas.openxmlformats.org/officeDocument/2006/relationships" xmlns:p="http://schemas.openxmlformats.org/presentationml/2006/main">
   <p:cSld>
     <p:spTree>
@@ -5271,13 +6312,18 @@
             <p:ph type="title"/>
           </p:nvPr>
         </p:nvSpPr>
-        <p:spPr/>
+        <p:spPr>
+          <a:xfrm>
+            <a:off x="457200" y="44624"/>
+            <a:ext cx="7620000" cy="1143000"/>
+          </a:xfrm>
+        </p:spPr>
         <p:txBody>
           <a:bodyPr/>
           <a:lstStyle/>
           <a:p>
             <a:r>
-              <a:rPr lang="pl-PL" dirty="0">
+              <a:rPr lang="pl-PL" sz="4000" dirty="0" smtClean="0">
                 <a:effectLst>
                   <a:outerShdw blurRad="38100" dist="38100" dir="2700000" algn="tl">
                     <a:srgbClr val="000000">
@@ -5286,10 +6332,10 @@
                   </a:outerShdw>
                 </a:effectLst>
               </a:rPr>
-              <a:t>[OLD] Metody </a:t>
-            </a:r>
-            <a:r>
-              <a:rPr lang="pl-PL" dirty="0" smtClean="0">
+              <a:t>[TODO] </a:t>
+            </a:r>
+            <a:r>
+              <a:rPr lang="pl-PL" sz="4000" dirty="0">
                 <a:effectLst>
                   <a:outerShdw blurRad="38100" dist="38100" dir="2700000" algn="tl">
                     <a:srgbClr val="000000">
@@ -5298,17 +6344,8 @@
                   </a:outerShdw>
                 </a:effectLst>
               </a:rPr>
-              <a:t>rozszerzające</a:t>
-            </a:r>
-            <a:endParaRPr lang="pl-PL" dirty="0">
-              <a:effectLst>
-                <a:outerShdw blurRad="38100" dist="38100" dir="2700000" algn="tl">
-                  <a:srgbClr val="000000">
-                    <a:alpha val="43137"/>
-                  </a:srgbClr>
-                </a:outerShdw>
-              </a:effectLst>
-            </a:endParaRPr>
+              <a:t>Podsumowanie</a:t>
+            </a:r>
           </a:p>
         </p:txBody>
       </p:sp>
@@ -5329,7 +6366,7 @@
           <a:p>
             <a:fld id="{A9560CCA-E071-4361-AF3D-B0CE296716D1}" type="slidenum">
               <a:rPr lang="pl-PL" smtClean="0"/>
-              <a:t>5</a:t>
+              <a:t>13</a:t>
             </a:fld>
             <a:endParaRPr lang="pl-PL"/>
           </a:p>
@@ -5357,7 +6394,7 @@
           <a:p>
             <a:pPr algn="l"/>
             <a:r>
-              <a:rPr lang="pl-PL" sz="1600" dirty="0" smtClean="0">
+              <a:rPr lang="pl-PL" sz="1600" dirty="0">
                 <a:effectLst>
                   <a:outerShdw blurRad="38100" dist="38100" dir="2700000" algn="tl">
                     <a:srgbClr val="000000">
@@ -5366,7 +6403,7 @@
                   </a:outerShdw>
                 </a:effectLst>
               </a:rPr>
-              <a:t>Seminarium dyplomowe inżynierskie</a:t>
+              <a:t>Seminarium dyplomowe magisterskie 1</a:t>
             </a:r>
             <a:endParaRPr lang="pl-PL" sz="1600" dirty="0">
               <a:effectLst>
@@ -5388,786 +6425,7 @@
         </p:nvGrpSpPr>
         <p:grpSpPr>
           <a:xfrm>
-            <a:off x="331100" y="4317915"/>
-            <a:ext cx="7713692" cy="2207429"/>
-            <a:chOff x="323528" y="2121670"/>
-            <a:chExt cx="7713692" cy="2207429"/>
-          </a:xfrm>
-        </p:grpSpPr>
-        <p:sp>
-          <p:nvSpPr>
-            <p:cNvPr id="8" name="Freeform 7"/>
-            <p:cNvSpPr/>
-            <p:nvPr/>
-          </p:nvSpPr>
-          <p:spPr>
-            <a:xfrm>
-              <a:off x="323528" y="2348875"/>
-              <a:ext cx="7713692" cy="1980224"/>
-            </a:xfrm>
-            <a:custGeom>
-              <a:avLst/>
-              <a:gdLst>
-                <a:gd name="connsiteX0" fmla="*/ 0 w 7713692"/>
-                <a:gd name="connsiteY0" fmla="*/ 0 h 1944224"/>
-                <a:gd name="connsiteX1" fmla="*/ 7713692 w 7713692"/>
-                <a:gd name="connsiteY1" fmla="*/ 0 h 1944224"/>
-                <a:gd name="connsiteX2" fmla="*/ 7713692 w 7713692"/>
-                <a:gd name="connsiteY2" fmla="*/ 1944224 h 1944224"/>
-                <a:gd name="connsiteX3" fmla="*/ 0 w 7713692"/>
-                <a:gd name="connsiteY3" fmla="*/ 1944224 h 1944224"/>
-                <a:gd name="connsiteX4" fmla="*/ 0 w 7713692"/>
-                <a:gd name="connsiteY4" fmla="*/ 0 h 1944224"/>
-              </a:gdLst>
-              <a:ahLst/>
-              <a:cxnLst>
-                <a:cxn ang="0">
-                  <a:pos x="connsiteX0" y="connsiteY0"/>
-                </a:cxn>
-                <a:cxn ang="0">
-                  <a:pos x="connsiteX1" y="connsiteY1"/>
-                </a:cxn>
-                <a:cxn ang="0">
-                  <a:pos x="connsiteX2" y="connsiteY2"/>
-                </a:cxn>
-                <a:cxn ang="0">
-                  <a:pos x="connsiteX3" y="connsiteY3"/>
-                </a:cxn>
-                <a:cxn ang="0">
-                  <a:pos x="connsiteX4" y="connsiteY4"/>
-                </a:cxn>
-              </a:cxnLst>
-              <a:rect l="l" t="t" r="r" b="b"/>
-              <a:pathLst>
-                <a:path w="7713692" h="1944224">
-                  <a:moveTo>
-                    <a:pt x="0" y="0"/>
-                  </a:moveTo>
-                  <a:lnTo>
-                    <a:pt x="7713692" y="0"/>
-                  </a:lnTo>
-                  <a:lnTo>
-                    <a:pt x="7713692" y="1944224"/>
-                  </a:lnTo>
-                  <a:lnTo>
-                    <a:pt x="0" y="1944224"/>
-                  </a:lnTo>
-                  <a:lnTo>
-                    <a:pt x="0" y="0"/>
-                  </a:lnTo>
-                  <a:close/>
-                </a:path>
-              </a:pathLst>
-            </a:custGeom>
-          </p:spPr>
-          <p:style>
-            <a:lnRef idx="2">
-              <a:schemeClr val="accent1">
-                <a:hueOff val="0"/>
-                <a:satOff val="0"/>
-                <a:lumOff val="0"/>
-                <a:alphaOff val="0"/>
-              </a:schemeClr>
-            </a:lnRef>
-            <a:fillRef idx="1">
-              <a:schemeClr val="lt1">
-                <a:alpha val="90000"/>
-                <a:hueOff val="0"/>
-                <a:satOff val="0"/>
-                <a:lumOff val="0"/>
-                <a:alphaOff val="0"/>
-              </a:schemeClr>
-            </a:fillRef>
-            <a:effectRef idx="0">
-              <a:schemeClr val="lt1">
-                <a:alpha val="90000"/>
-                <a:hueOff val="0"/>
-                <a:satOff val="0"/>
-                <a:lumOff val="0"/>
-                <a:alphaOff val="0"/>
-              </a:schemeClr>
-            </a:effectRef>
-            <a:fontRef idx="minor">
-              <a:schemeClr val="dk1">
-                <a:hueOff val="0"/>
-                <a:satOff val="0"/>
-                <a:lumOff val="0"/>
-                <a:alphaOff val="0"/>
-              </a:schemeClr>
-            </a:fontRef>
-          </p:style>
-          <p:txBody>
-            <a:bodyPr spcFirstLastPara="0" vert="horz" wrap="square" lIns="180000" tIns="324000" rIns="180000" bIns="180000" numCol="1" spcCol="1270" anchor="t" anchorCtr="0">
-              <a:noAutofit/>
-            </a:bodyPr>
-            <a:lstStyle/>
-            <a:p>
-              <a:pPr>
-                <a:lnSpc>
-                  <a:spcPts val="2400"/>
-                </a:lnSpc>
-              </a:pPr>
-              <a:r>
-                <a:rPr lang="en-US" sz="2200" dirty="0" smtClean="0">
-                  <a:latin typeface="Consolas" pitchFamily="49" charset="0"/>
-                  <a:cs typeface="Consolas" pitchFamily="49" charset="0"/>
-                </a:rPr>
-                <a:t>public </a:t>
-              </a:r>
-              <a:r>
-                <a:rPr lang="en-US" sz="2200" dirty="0">
-                  <a:latin typeface="Consolas" pitchFamily="49" charset="0"/>
-                  <a:cs typeface="Consolas" pitchFamily="49" charset="0"/>
-                </a:rPr>
-                <a:t>static </a:t>
-              </a:r>
-              <a:r>
-                <a:rPr lang="en-US" sz="2200" dirty="0" err="1">
-                  <a:latin typeface="Consolas" pitchFamily="49" charset="0"/>
-                  <a:cs typeface="Consolas" pitchFamily="49" charset="0"/>
-                </a:rPr>
-                <a:t>bool</a:t>
-              </a:r>
-              <a:r>
-                <a:rPr lang="en-US" sz="2200" dirty="0">
-                  <a:latin typeface="Consolas" pitchFamily="49" charset="0"/>
-                  <a:cs typeface="Consolas" pitchFamily="49" charset="0"/>
-                </a:rPr>
-                <a:t> </a:t>
-              </a:r>
-              <a:r>
-                <a:rPr lang="en-US" sz="2200" dirty="0" err="1">
-                  <a:latin typeface="Consolas" pitchFamily="49" charset="0"/>
-                  <a:cs typeface="Consolas" pitchFamily="49" charset="0"/>
-                </a:rPr>
-                <a:t>IsNullOrEmpty</a:t>
-              </a:r>
-              <a:r>
-                <a:rPr lang="en-US" sz="2200" dirty="0" smtClean="0">
-                  <a:latin typeface="Consolas" pitchFamily="49" charset="0"/>
-                  <a:cs typeface="Consolas" pitchFamily="49" charset="0"/>
-                </a:rPr>
-                <a:t>(</a:t>
-              </a:r>
-              <a:endParaRPr lang="pl-PL" sz="2200" dirty="0" smtClean="0">
-                <a:latin typeface="Consolas" pitchFamily="49" charset="0"/>
-                <a:cs typeface="Consolas" pitchFamily="49" charset="0"/>
-              </a:endParaRPr>
-            </a:p>
-            <a:p>
-              <a:pPr>
-                <a:lnSpc>
-                  <a:spcPts val="2400"/>
-                </a:lnSpc>
-              </a:pPr>
-              <a:r>
-                <a:rPr lang="pl-PL" sz="2200" dirty="0">
-                  <a:latin typeface="Consolas" pitchFamily="49" charset="0"/>
-                  <a:cs typeface="Consolas" pitchFamily="49" charset="0"/>
-                </a:rPr>
-                <a:t> </a:t>
-              </a:r>
-              <a:r>
-                <a:rPr lang="pl-PL" sz="2200" dirty="0" smtClean="0">
-                  <a:latin typeface="Consolas" pitchFamily="49" charset="0"/>
-                  <a:cs typeface="Consolas" pitchFamily="49" charset="0"/>
-                </a:rPr>
-                <a:t>   </a:t>
-              </a:r>
-              <a:r>
-                <a:rPr lang="en-US" sz="2200" b="1" dirty="0" smtClean="0">
-                  <a:effectLst>
-                    <a:outerShdw blurRad="38100" dist="38100" dir="2700000" algn="tl">
-                      <a:srgbClr val="000000">
-                        <a:alpha val="43137"/>
-                      </a:srgbClr>
-                    </a:outerShdw>
-                  </a:effectLst>
-                  <a:latin typeface="Consolas" pitchFamily="49" charset="0"/>
-                  <a:cs typeface="Consolas" pitchFamily="49" charset="0"/>
-                </a:rPr>
-                <a:t>this</a:t>
-              </a:r>
-              <a:r>
-                <a:rPr lang="en-US" sz="2200" dirty="0" smtClean="0">
-                  <a:latin typeface="Consolas" pitchFamily="49" charset="0"/>
-                  <a:cs typeface="Consolas" pitchFamily="49" charset="0"/>
-                </a:rPr>
-                <a:t> </a:t>
-              </a:r>
-              <a:r>
-                <a:rPr lang="en-US" sz="2200" dirty="0">
-                  <a:latin typeface="Consolas" pitchFamily="49" charset="0"/>
-                  <a:cs typeface="Consolas" pitchFamily="49" charset="0"/>
-                </a:rPr>
-                <a:t>string value)</a:t>
-              </a:r>
-            </a:p>
-            <a:p>
-              <a:pPr>
-                <a:lnSpc>
-                  <a:spcPts val="2400"/>
-                </a:lnSpc>
-              </a:pPr>
-              <a:r>
-                <a:rPr lang="en-US" sz="2200" dirty="0">
-                  <a:latin typeface="Consolas" pitchFamily="49" charset="0"/>
-                  <a:cs typeface="Consolas" pitchFamily="49" charset="0"/>
-                </a:rPr>
-                <a:t>{</a:t>
-              </a:r>
-            </a:p>
-            <a:p>
-              <a:pPr>
-                <a:lnSpc>
-                  <a:spcPts val="2400"/>
-                </a:lnSpc>
-              </a:pPr>
-              <a:r>
-                <a:rPr lang="en-US" sz="2200" dirty="0">
-                  <a:latin typeface="Consolas" pitchFamily="49" charset="0"/>
-                  <a:cs typeface="Consolas" pitchFamily="49" charset="0"/>
-                </a:rPr>
-                <a:t>  return value </a:t>
-              </a:r>
-              <a:r>
-                <a:rPr lang="en-US" sz="2200" b="1" dirty="0">
-                  <a:effectLst>
-                    <a:outerShdw blurRad="38100" dist="38100" dir="2700000" algn="tl">
-                      <a:srgbClr val="000000">
-                        <a:alpha val="43137"/>
-                      </a:srgbClr>
-                    </a:outerShdw>
-                  </a:effectLst>
-                  <a:latin typeface="Consolas" pitchFamily="49" charset="0"/>
-                  <a:cs typeface="Consolas" pitchFamily="49" charset="0"/>
-                </a:rPr>
-                <a:t>== null</a:t>
-              </a:r>
-              <a:r>
-                <a:rPr lang="en-US" sz="2200" dirty="0">
-                  <a:latin typeface="Consolas" pitchFamily="49" charset="0"/>
-                  <a:cs typeface="Consolas" pitchFamily="49" charset="0"/>
-                </a:rPr>
-                <a:t> || </a:t>
-              </a:r>
-              <a:r>
-                <a:rPr lang="en-US" sz="2200" dirty="0" err="1" smtClean="0">
-                  <a:latin typeface="Consolas" pitchFamily="49" charset="0"/>
-                  <a:cs typeface="Consolas" pitchFamily="49" charset="0"/>
-                </a:rPr>
-                <a:t>value.Len</a:t>
-              </a:r>
-              <a:r>
-                <a:rPr lang="pl-PL" sz="2200" dirty="0" smtClean="0">
-                  <a:latin typeface="Consolas" pitchFamily="49" charset="0"/>
-                  <a:cs typeface="Consolas" pitchFamily="49" charset="0"/>
-                </a:rPr>
-                <a:t>g</a:t>
-              </a:r>
-              <a:r>
-                <a:rPr lang="en-US" sz="2200" dirty="0" err="1" smtClean="0">
-                  <a:latin typeface="Consolas" pitchFamily="49" charset="0"/>
-                  <a:cs typeface="Consolas" pitchFamily="49" charset="0"/>
-                </a:rPr>
-                <a:t>th</a:t>
-              </a:r>
-              <a:r>
-                <a:rPr lang="en-US" sz="2200" dirty="0" smtClean="0">
-                  <a:latin typeface="Consolas" pitchFamily="49" charset="0"/>
-                  <a:cs typeface="Consolas" pitchFamily="49" charset="0"/>
-                </a:rPr>
-                <a:t> </a:t>
-              </a:r>
-              <a:r>
-                <a:rPr lang="en-US" sz="2200" dirty="0">
-                  <a:latin typeface="Consolas" pitchFamily="49" charset="0"/>
-                  <a:cs typeface="Consolas" pitchFamily="49" charset="0"/>
-                </a:rPr>
-                <a:t>== 0;</a:t>
-              </a:r>
-            </a:p>
-            <a:p>
-              <a:pPr>
-                <a:lnSpc>
-                  <a:spcPts val="2400"/>
-                </a:lnSpc>
-              </a:pPr>
-              <a:r>
-                <a:rPr lang="en-US" sz="2200" dirty="0">
-                  <a:latin typeface="Consolas" pitchFamily="49" charset="0"/>
-                  <a:cs typeface="Consolas" pitchFamily="49" charset="0"/>
-                </a:rPr>
-                <a:t>}</a:t>
-              </a:r>
-            </a:p>
-          </p:txBody>
-        </p:sp>
-        <p:sp>
-          <p:nvSpPr>
-            <p:cNvPr id="9" name="Freeform 8"/>
-            <p:cNvSpPr/>
-            <p:nvPr/>
-          </p:nvSpPr>
-          <p:spPr>
-            <a:xfrm>
-              <a:off x="709212" y="2121670"/>
-              <a:ext cx="3711200" cy="444358"/>
-            </a:xfrm>
-            <a:custGeom>
-              <a:avLst/>
-              <a:gdLst>
-                <a:gd name="connsiteX0" fmla="*/ 0 w 2483862"/>
-                <a:gd name="connsiteY0" fmla="*/ 74061 h 444358"/>
-                <a:gd name="connsiteX1" fmla="*/ 74061 w 2483862"/>
-                <a:gd name="connsiteY1" fmla="*/ 0 h 444358"/>
-                <a:gd name="connsiteX2" fmla="*/ 2409801 w 2483862"/>
-                <a:gd name="connsiteY2" fmla="*/ 0 h 444358"/>
-                <a:gd name="connsiteX3" fmla="*/ 2483862 w 2483862"/>
-                <a:gd name="connsiteY3" fmla="*/ 74061 h 444358"/>
-                <a:gd name="connsiteX4" fmla="*/ 2483862 w 2483862"/>
-                <a:gd name="connsiteY4" fmla="*/ 370297 h 444358"/>
-                <a:gd name="connsiteX5" fmla="*/ 2409801 w 2483862"/>
-                <a:gd name="connsiteY5" fmla="*/ 444358 h 444358"/>
-                <a:gd name="connsiteX6" fmla="*/ 74061 w 2483862"/>
-                <a:gd name="connsiteY6" fmla="*/ 444358 h 444358"/>
-                <a:gd name="connsiteX7" fmla="*/ 0 w 2483862"/>
-                <a:gd name="connsiteY7" fmla="*/ 370297 h 444358"/>
-                <a:gd name="connsiteX8" fmla="*/ 0 w 2483862"/>
-                <a:gd name="connsiteY8" fmla="*/ 74061 h 444358"/>
-              </a:gdLst>
-              <a:ahLst/>
-              <a:cxnLst>
-                <a:cxn ang="0">
-                  <a:pos x="connsiteX0" y="connsiteY0"/>
-                </a:cxn>
-                <a:cxn ang="0">
-                  <a:pos x="connsiteX1" y="connsiteY1"/>
-                </a:cxn>
-                <a:cxn ang="0">
-                  <a:pos x="connsiteX2" y="connsiteY2"/>
-                </a:cxn>
-                <a:cxn ang="0">
-                  <a:pos x="connsiteX3" y="connsiteY3"/>
-                </a:cxn>
-                <a:cxn ang="0">
-                  <a:pos x="connsiteX4" y="connsiteY4"/>
-                </a:cxn>
-                <a:cxn ang="0">
-                  <a:pos x="connsiteX5" y="connsiteY5"/>
-                </a:cxn>
-                <a:cxn ang="0">
-                  <a:pos x="connsiteX6" y="connsiteY6"/>
-                </a:cxn>
-                <a:cxn ang="0">
-                  <a:pos x="connsiteX7" y="connsiteY7"/>
-                </a:cxn>
-                <a:cxn ang="0">
-                  <a:pos x="connsiteX8" y="connsiteY8"/>
-                </a:cxn>
-              </a:cxnLst>
-              <a:rect l="l" t="t" r="r" b="b"/>
-              <a:pathLst>
-                <a:path w="2483862" h="444358">
-                  <a:moveTo>
-                    <a:pt x="0" y="74061"/>
-                  </a:moveTo>
-                  <a:cubicBezTo>
-                    <a:pt x="0" y="33158"/>
-                    <a:pt x="33158" y="0"/>
-                    <a:pt x="74061" y="0"/>
-                  </a:cubicBezTo>
-                  <a:lnTo>
-                    <a:pt x="2409801" y="0"/>
-                  </a:lnTo>
-                  <a:cubicBezTo>
-                    <a:pt x="2450704" y="0"/>
-                    <a:pt x="2483862" y="33158"/>
-                    <a:pt x="2483862" y="74061"/>
-                  </a:cubicBezTo>
-                  <a:lnTo>
-                    <a:pt x="2483862" y="370297"/>
-                  </a:lnTo>
-                  <a:cubicBezTo>
-                    <a:pt x="2483862" y="411200"/>
-                    <a:pt x="2450704" y="444358"/>
-                    <a:pt x="2409801" y="444358"/>
-                  </a:cubicBezTo>
-                  <a:lnTo>
-                    <a:pt x="74061" y="444358"/>
-                  </a:lnTo>
-                  <a:cubicBezTo>
-                    <a:pt x="33158" y="444358"/>
-                    <a:pt x="0" y="411200"/>
-                    <a:pt x="0" y="370297"/>
-                  </a:cubicBezTo>
-                  <a:lnTo>
-                    <a:pt x="0" y="74061"/>
-                  </a:lnTo>
-                  <a:close/>
-                </a:path>
-              </a:pathLst>
-            </a:custGeom>
-          </p:spPr>
-          <p:style>
-            <a:lnRef idx="2">
-              <a:schemeClr val="lt1">
-                <a:hueOff val="0"/>
-                <a:satOff val="0"/>
-                <a:lumOff val="0"/>
-                <a:alphaOff val="0"/>
-              </a:schemeClr>
-            </a:lnRef>
-            <a:fillRef idx="1">
-              <a:schemeClr val="accent1">
-                <a:hueOff val="0"/>
-                <a:satOff val="0"/>
-                <a:lumOff val="0"/>
-                <a:alphaOff val="0"/>
-              </a:schemeClr>
-            </a:fillRef>
-            <a:effectRef idx="0">
-              <a:schemeClr val="accent1">
-                <a:hueOff val="0"/>
-                <a:satOff val="0"/>
-                <a:lumOff val="0"/>
-                <a:alphaOff val="0"/>
-              </a:schemeClr>
-            </a:effectRef>
-            <a:fontRef idx="minor">
-              <a:schemeClr val="lt1"/>
-            </a:fontRef>
-          </p:style>
-          <p:txBody>
-            <a:bodyPr spcFirstLastPara="0" vert="horz" wrap="square" lIns="225783" tIns="21692" rIns="225783" bIns="21692" numCol="1" spcCol="1270" anchor="ctr" anchorCtr="0">
-              <a:noAutofit/>
-            </a:bodyPr>
-            <a:lstStyle/>
-            <a:p>
-              <a:pPr lvl="0" algn="l" defTabSz="1066800">
-                <a:lnSpc>
-                  <a:spcPct val="90000"/>
-                </a:lnSpc>
-                <a:spcBef>
-                  <a:spcPct val="0"/>
-                </a:spcBef>
-                <a:spcAft>
-                  <a:spcPct val="35000"/>
-                </a:spcAft>
-              </a:pPr>
-              <a:r>
-                <a:rPr lang="pl-PL" sz="2400" i="1" dirty="0" smtClean="0">
-                  <a:effectLst>
-                    <a:outerShdw blurRad="38100" dist="38100" dir="2700000" algn="tl">
-                      <a:srgbClr val="000000">
-                        <a:alpha val="43137"/>
-                      </a:srgbClr>
-                    </a:outerShdw>
-                  </a:effectLst>
-                </a:rPr>
-                <a:t>C# – metody rozszerzające</a:t>
-              </a:r>
-              <a:endParaRPr lang="pl-PL" sz="2400" i="1" kern="1200" dirty="0">
-                <a:effectLst>
-                  <a:outerShdw blurRad="38100" dist="38100" dir="2700000" algn="tl">
-                    <a:srgbClr val="000000">
-                      <a:alpha val="43137"/>
-                    </a:srgbClr>
-                  </a:outerShdw>
-                </a:effectLst>
-              </a:endParaRPr>
-            </a:p>
-          </p:txBody>
-        </p:sp>
-      </p:grpSp>
-      <p:sp>
-        <p:nvSpPr>
-          <p:cNvPr id="10" name="Content Placeholder 2"/>
-          <p:cNvSpPr>
-            <a:spLocks noGrp="1"/>
-          </p:cNvSpPr>
-          <p:nvPr>
-            <p:ph idx="1"/>
-          </p:nvPr>
-        </p:nvSpPr>
-        <p:spPr>
-          <a:xfrm>
-            <a:off x="457200" y="1600201"/>
-            <a:ext cx="7620000" cy="2645706"/>
-          </a:xfrm>
-        </p:spPr>
-        <p:txBody>
-          <a:bodyPr>
-            <a:normAutofit lnSpcReduction="10000"/>
-          </a:bodyPr>
-          <a:lstStyle/>
-          <a:p>
-            <a:pPr marL="114300" indent="0">
-              <a:buNone/>
-            </a:pPr>
-            <a:r>
-              <a:rPr lang="pl-PL" sz="2400" dirty="0" smtClean="0"/>
-              <a:t>Metody rozszerzające (ang. </a:t>
-            </a:r>
-            <a:r>
-              <a:rPr lang="pl-PL" sz="2400" i="1" dirty="0" smtClean="0"/>
-              <a:t>extension methods</a:t>
-            </a:r>
-            <a:r>
-              <a:rPr lang="pl-PL" sz="2400" dirty="0" smtClean="0"/>
-              <a:t>):</a:t>
-            </a:r>
-          </a:p>
-          <a:p>
-            <a:r>
-              <a:rPr lang="pl-PL" sz="2400" dirty="0" smtClean="0"/>
-              <a:t>Pozwalają </a:t>
-            </a:r>
-            <a:r>
-              <a:rPr lang="pl-PL" sz="2400" dirty="0"/>
-              <a:t>na </a:t>
-            </a:r>
-            <a:r>
-              <a:rPr lang="pl-PL" sz="2400" dirty="0" smtClean="0"/>
-              <a:t>„dołączenie” </a:t>
-            </a:r>
-            <a:r>
-              <a:rPr lang="pl-PL" sz="2400" dirty="0"/>
-              <a:t>metody do istniejącej klasy (lub </a:t>
-            </a:r>
-            <a:r>
-              <a:rPr lang="pl-PL" sz="2400" dirty="0" smtClean="0"/>
-              <a:t>interfejsu</a:t>
-            </a:r>
-            <a:r>
-              <a:rPr lang="pl-PL" sz="2400" dirty="0"/>
-              <a:t>) bez ingerencji w jej kod </a:t>
-            </a:r>
-            <a:r>
-              <a:rPr lang="pl-PL" sz="2400" dirty="0" smtClean="0"/>
-              <a:t>źródłowy</a:t>
-            </a:r>
-          </a:p>
-          <a:p>
-            <a:r>
-              <a:rPr lang="pl-PL" sz="2400" dirty="0" smtClean="0"/>
-              <a:t>Składnia: metody statyczne, których pierwszy parametr oznaczony jest słowem kluczowym </a:t>
-            </a:r>
-            <a:r>
-              <a:rPr lang="pl-PL" sz="2400" i="1" dirty="0" smtClean="0">
-                <a:effectLst>
-                  <a:outerShdw blurRad="38100" dist="38100" dir="2700000" algn="tl">
-                    <a:srgbClr val="000000">
-                      <a:alpha val="43137"/>
-                    </a:srgbClr>
-                  </a:outerShdw>
-                </a:effectLst>
-              </a:rPr>
-              <a:t>this</a:t>
-            </a:r>
-          </a:p>
-          <a:p>
-            <a:r>
-              <a:rPr lang="pl-PL" sz="2400" dirty="0" smtClean="0"/>
-              <a:t>Można </a:t>
-            </a:r>
-            <a:r>
-              <a:rPr lang="pl-PL" sz="2400" dirty="0"/>
-              <a:t>je wywołać nawet na referencjach mających </a:t>
-            </a:r>
-            <a:r>
-              <a:rPr lang="pl-PL" sz="2400" dirty="0" smtClean="0"/>
-              <a:t>wartość </a:t>
-            </a:r>
-            <a:r>
-              <a:rPr lang="pl-PL" sz="2400" i="1" dirty="0" smtClean="0">
-                <a:effectLst>
-                  <a:outerShdw blurRad="38100" dist="38100" dir="2700000" algn="tl">
-                    <a:srgbClr val="000000">
-                      <a:alpha val="43137"/>
-                    </a:srgbClr>
-                  </a:outerShdw>
-                </a:effectLst>
-              </a:rPr>
-              <a:t>null</a:t>
-            </a:r>
-            <a:endParaRPr lang="pl-PL" sz="2400" i="1" dirty="0">
-              <a:effectLst>
-                <a:outerShdw blurRad="38100" dist="38100" dir="2700000" algn="tl">
-                  <a:srgbClr val="000000">
-                    <a:alpha val="43137"/>
-                  </a:srgbClr>
-                </a:outerShdw>
-              </a:effectLst>
-            </a:endParaRPr>
-          </a:p>
-        </p:txBody>
-      </p:sp>
-    </p:spTree>
-    <p:extLst>
-      <p:ext uri="{BB962C8B-B14F-4D97-AF65-F5344CB8AC3E}">
-        <p14:creationId xmlns:p14="http://schemas.microsoft.com/office/powerpoint/2010/main" val="260403377"/>
-      </p:ext>
-    </p:extLst>
-  </p:cSld>
-  <p:clrMapOvr>
-    <a:masterClrMapping/>
-  </p:clrMapOvr>
-  <p:timing>
-    <p:tnLst>
-      <p:par>
-        <p:cTn id="1" dur="indefinite" restart="never" nodeType="tmRoot"/>
-      </p:par>
-    </p:tnLst>
-  </p:timing>
-</p:sld>
-</file>
-
-<file path=ppt/slides/slide6.xml><?xml version="1.0" encoding="utf-8"?>
-<p:sld xmlns:a="http://schemas.openxmlformats.org/drawingml/2006/main" xmlns:r="http://schemas.openxmlformats.org/officeDocument/2006/relationships" xmlns:p="http://schemas.openxmlformats.org/presentationml/2006/main">
-  <p:cSld>
-    <p:spTree>
-      <p:nvGrpSpPr>
-        <p:cNvPr id="1" name=""/>
-        <p:cNvGrpSpPr/>
-        <p:nvPr/>
-      </p:nvGrpSpPr>
-      <p:grpSpPr>
-        <a:xfrm>
-          <a:off x="0" y="0"/>
-          <a:ext cx="0" cy="0"/>
-          <a:chOff x="0" y="0"/>
-          <a:chExt cx="0" cy="0"/>
-        </a:xfrm>
-      </p:grpSpPr>
-      <p:sp>
-        <p:nvSpPr>
-          <p:cNvPr id="2" name="Title 1"/>
-          <p:cNvSpPr>
-            <a:spLocks noGrp="1"/>
-          </p:cNvSpPr>
-          <p:nvPr>
-            <p:ph type="title"/>
-          </p:nvPr>
-        </p:nvSpPr>
-        <p:spPr/>
-        <p:txBody>
-          <a:bodyPr/>
-          <a:lstStyle/>
-          <a:p>
-            <a:r>
-              <a:rPr lang="pl-PL" dirty="0" smtClean="0">
-                <a:effectLst>
-                  <a:outerShdw blurRad="38100" dist="38100" dir="2700000" algn="tl">
-                    <a:srgbClr val="000000">
-                      <a:alpha val="43137"/>
-                    </a:srgbClr>
-                  </a:outerShdw>
-                </a:effectLst>
-              </a:rPr>
-              <a:t>[TODO] </a:t>
-            </a:r>
-            <a:r>
-              <a:rPr lang="pl-PL" dirty="0">
-                <a:effectLst>
-                  <a:outerShdw blurRad="38100" dist="38100" dir="2700000" algn="tl">
-                    <a:srgbClr val="000000">
-                      <a:alpha val="43137"/>
-                    </a:srgbClr>
-                  </a:outerShdw>
-                </a:effectLst>
-              </a:rPr>
-              <a:t>Podsumowanie</a:t>
-            </a:r>
-            <a:endParaRPr lang="pl-PL" dirty="0">
-              <a:effectLst>
-                <a:outerShdw blurRad="38100" dist="38100" dir="2700000" algn="tl">
-                  <a:srgbClr val="000000">
-                    <a:alpha val="43137"/>
-                  </a:srgbClr>
-                </a:outerShdw>
-              </a:effectLst>
-            </a:endParaRPr>
-          </a:p>
-        </p:txBody>
-      </p:sp>
-      <p:sp>
-        <p:nvSpPr>
-          <p:cNvPr id="5" name="Slide Number Placeholder 4"/>
-          <p:cNvSpPr>
-            <a:spLocks noGrp="1"/>
-          </p:cNvSpPr>
-          <p:nvPr>
-            <p:ph type="sldNum" sz="quarter" idx="12"/>
-          </p:nvPr>
-        </p:nvSpPr>
-        <p:spPr/>
-        <p:txBody>
-          <a:bodyPr/>
-          <a:lstStyle/>
-          <a:p>
-            <a:fld id="{A9560CCA-E071-4361-AF3D-B0CE296716D1}" type="slidenum">
-              <a:rPr lang="pl-PL" smtClean="0"/>
-              <a:t>6</a:t>
-            </a:fld>
-            <a:endParaRPr lang="pl-PL"/>
-          </a:p>
-        </p:txBody>
-      </p:sp>
-      <p:sp>
-        <p:nvSpPr>
-          <p:cNvPr id="6" name="Footer Placeholder 7"/>
-          <p:cNvSpPr>
-            <a:spLocks noGrp="1"/>
-          </p:cNvSpPr>
-          <p:nvPr>
-            <p:ph type="ftr" sz="quarter" idx="11"/>
-          </p:nvPr>
-        </p:nvSpPr>
-        <p:spPr>
-          <a:xfrm rot="5400000">
-            <a:off x="6951124" y="1841964"/>
-            <a:ext cx="3672408" cy="365760"/>
-          </a:xfrm>
-        </p:spPr>
-        <p:txBody>
-          <a:bodyPr/>
-          <a:lstStyle/>
-          <a:p>
-            <a:pPr algn="l"/>
-            <a:r>
-              <a:rPr lang="pl-PL" sz="1600" dirty="0" smtClean="0">
-                <a:effectLst>
-                  <a:outerShdw blurRad="38100" dist="38100" dir="2700000" algn="tl">
-                    <a:srgbClr val="000000">
-                      <a:alpha val="43137"/>
-                    </a:srgbClr>
-                  </a:outerShdw>
-                </a:effectLst>
-              </a:rPr>
-              <a:t>Seminarium dyplomowe inżynierskie</a:t>
-            </a:r>
-            <a:endParaRPr lang="pl-PL" sz="1600" dirty="0">
-              <a:effectLst>
-                <a:outerShdw blurRad="38100" dist="38100" dir="2700000" algn="tl">
-                  <a:srgbClr val="000000">
-                    <a:alpha val="43137"/>
-                  </a:srgbClr>
-                </a:outerShdw>
-              </a:effectLst>
-            </a:endParaRPr>
-          </a:p>
-        </p:txBody>
-      </p:sp>
-      <p:grpSp>
-        <p:nvGrpSpPr>
-          <p:cNvPr id="7" name="Group 6"/>
-          <p:cNvGrpSpPr/>
-          <p:nvPr/>
-        </p:nvGrpSpPr>
-        <p:grpSpPr>
-          <a:xfrm>
-            <a:off x="331100" y="1653619"/>
+            <a:off x="331100" y="1196752"/>
             <a:ext cx="7713692" cy="1631365"/>
             <a:chOff x="323528" y="2121670"/>
             <a:chExt cx="7713692" cy="1631365"/>
@@ -6538,7 +6796,7 @@
         </p:nvSpPr>
         <p:spPr>
           <a:xfrm>
-            <a:off x="457200" y="3645024"/>
+            <a:off x="457200" y="3140968"/>
             <a:ext cx="7620000" cy="2232248"/>
           </a:xfrm>
         </p:spPr>
@@ -6595,6 +6853,2111 @@
     <p:extLst>
       <p:ext uri="{BB962C8B-B14F-4D97-AF65-F5344CB8AC3E}">
         <p14:creationId xmlns:p14="http://schemas.microsoft.com/office/powerpoint/2010/main" val="3278634464"/>
+      </p:ext>
+    </p:extLst>
+  </p:cSld>
+  <p:clrMapOvr>
+    <a:masterClrMapping/>
+  </p:clrMapOvr>
+  <p:timing>
+    <p:tnLst>
+      <p:par>
+        <p:cTn id="1" dur="indefinite" restart="never" nodeType="tmRoot"/>
+      </p:par>
+    </p:tnLst>
+  </p:timing>
+</p:sld>
+</file>
+
+<file path=ppt/slides/slide14.xml><?xml version="1.0" encoding="utf-8"?>
+<p:sld xmlns:a="http://schemas.openxmlformats.org/drawingml/2006/main" xmlns:r="http://schemas.openxmlformats.org/officeDocument/2006/relationships" xmlns:p="http://schemas.openxmlformats.org/presentationml/2006/main">
+  <p:cSld>
+    <p:spTree>
+      <p:nvGrpSpPr>
+        <p:cNvPr id="1" name=""/>
+        <p:cNvGrpSpPr/>
+        <p:nvPr/>
+      </p:nvGrpSpPr>
+      <p:grpSpPr>
+        <a:xfrm>
+          <a:off x="0" y="0"/>
+          <a:ext cx="0" cy="0"/>
+          <a:chOff x="0" y="0"/>
+          <a:chExt cx="0" cy="0"/>
+        </a:xfrm>
+      </p:grpSpPr>
+      <p:sp>
+        <p:nvSpPr>
+          <p:cNvPr id="2" name="Title 1"/>
+          <p:cNvSpPr>
+            <a:spLocks noGrp="1"/>
+          </p:cNvSpPr>
+          <p:nvPr>
+            <p:ph type="title"/>
+          </p:nvPr>
+        </p:nvSpPr>
+        <p:spPr>
+          <a:xfrm>
+            <a:off x="696416" y="2420888"/>
+            <a:ext cx="6611888" cy="1143000"/>
+          </a:xfrm>
+        </p:spPr>
+        <p:txBody>
+          <a:bodyPr/>
+          <a:lstStyle/>
+          <a:p>
+            <a:r>
+              <a:rPr lang="pl-PL" sz="6000" dirty="0" smtClean="0"/>
+              <a:t>Dziękuję za </a:t>
+            </a:r>
+            <a:r>
+              <a:rPr lang="pl-PL" sz="6000" dirty="0"/>
+              <a:t>uwagę</a:t>
+            </a:r>
+          </a:p>
+        </p:txBody>
+      </p:sp>
+      <p:sp>
+        <p:nvSpPr>
+          <p:cNvPr id="6" name="Footer Placeholder 7"/>
+          <p:cNvSpPr>
+            <a:spLocks noGrp="1"/>
+          </p:cNvSpPr>
+          <p:nvPr>
+            <p:ph type="ftr" sz="quarter" idx="11"/>
+          </p:nvPr>
+        </p:nvSpPr>
+        <p:spPr>
+          <a:xfrm rot="5400000">
+            <a:off x="6951124" y="1841964"/>
+            <a:ext cx="3672408" cy="365760"/>
+          </a:xfrm>
+        </p:spPr>
+        <p:txBody>
+          <a:bodyPr/>
+          <a:lstStyle/>
+          <a:p>
+            <a:pPr algn="l"/>
+            <a:r>
+              <a:rPr lang="pl-PL" sz="1600" dirty="0">
+                <a:effectLst>
+                  <a:outerShdw blurRad="38100" dist="38100" dir="2700000" algn="tl">
+                    <a:srgbClr val="000000">
+                      <a:alpha val="43137"/>
+                    </a:srgbClr>
+                  </a:outerShdw>
+                </a:effectLst>
+              </a:rPr>
+              <a:t>Seminarium dyplomowe magisterskie 1</a:t>
+            </a:r>
+            <a:endParaRPr lang="pl-PL" sz="1600" dirty="0">
+              <a:effectLst>
+                <a:outerShdw blurRad="38100" dist="38100" dir="2700000" algn="tl">
+                  <a:srgbClr val="000000">
+                    <a:alpha val="43137"/>
+                  </a:srgbClr>
+                </a:outerShdw>
+              </a:effectLst>
+            </a:endParaRPr>
+          </a:p>
+        </p:txBody>
+      </p:sp>
+      <p:sp>
+        <p:nvSpPr>
+          <p:cNvPr id="5" name="Slide Number Placeholder 4"/>
+          <p:cNvSpPr>
+            <a:spLocks noGrp="1"/>
+          </p:cNvSpPr>
+          <p:nvPr>
+            <p:ph type="sldNum" sz="quarter" idx="12"/>
+          </p:nvPr>
+        </p:nvSpPr>
+        <p:spPr/>
+        <p:txBody>
+          <a:bodyPr/>
+          <a:lstStyle/>
+          <a:p>
+            <a:fld id="{A9560CCA-E071-4361-AF3D-B0CE296716D1}" type="slidenum">
+              <a:rPr lang="pl-PL" smtClean="0"/>
+              <a:t>14</a:t>
+            </a:fld>
+            <a:endParaRPr lang="pl-PL"/>
+          </a:p>
+        </p:txBody>
+      </p:sp>
+      <p:sp>
+        <p:nvSpPr>
+          <p:cNvPr id="4" name="TextBox 3"/>
+          <p:cNvSpPr txBox="1"/>
+          <p:nvPr/>
+        </p:nvSpPr>
+        <p:spPr>
+          <a:xfrm>
+            <a:off x="2771800" y="5674164"/>
+            <a:ext cx="5400600" cy="923330"/>
+          </a:xfrm>
+          <a:prstGeom prst="rect">
+            <a:avLst/>
+          </a:prstGeom>
+          <a:noFill/>
+        </p:spPr>
+        <p:txBody>
+          <a:bodyPr wrap="square" rtlCol="0">
+            <a:spAutoFit/>
+          </a:bodyPr>
+          <a:lstStyle/>
+          <a:p>
+            <a:r>
+              <a:rPr lang="pl-PL" i="1" dirty="0" smtClean="0">
+                <a:solidFill>
+                  <a:schemeClr val="tx2"/>
+                </a:solidFill>
+              </a:rPr>
+              <a:t>Zrzuty ekranu na slajdzie 7. pochodzą z programów:</a:t>
+            </a:r>
+          </a:p>
+          <a:p>
+            <a:pPr marL="285750" indent="-285750">
+              <a:buFontTx/>
+              <a:buChar char="-"/>
+            </a:pPr>
+            <a:r>
+              <a:rPr lang="pl-PL" i="1" dirty="0" smtClean="0">
+                <a:solidFill>
+                  <a:schemeClr val="tx2"/>
+                </a:solidFill>
+              </a:rPr>
+              <a:t>Eclipse SDK 3.7.2</a:t>
+            </a:r>
+          </a:p>
+          <a:p>
+            <a:pPr marL="285750" indent="-285750">
+              <a:buFontTx/>
+              <a:buChar char="-"/>
+            </a:pPr>
+            <a:r>
+              <a:rPr lang="pl-PL" i="1" dirty="0" smtClean="0">
+                <a:solidFill>
+                  <a:schemeClr val="tx2"/>
+                </a:solidFill>
+              </a:rPr>
+              <a:t>Microsoft Visual Studio 2010 Ultimate</a:t>
+            </a:r>
+          </a:p>
+        </p:txBody>
+      </p:sp>
+    </p:spTree>
+    <p:extLst>
+      <p:ext uri="{BB962C8B-B14F-4D97-AF65-F5344CB8AC3E}">
+        <p14:creationId xmlns:p14="http://schemas.microsoft.com/office/powerpoint/2010/main" val="1221185451"/>
+      </p:ext>
+    </p:extLst>
+  </p:cSld>
+  <p:clrMapOvr>
+    <a:masterClrMapping/>
+  </p:clrMapOvr>
+  <p:timing>
+    <p:tnLst>
+      <p:par>
+        <p:cTn id="1" dur="indefinite" restart="never" nodeType="tmRoot"/>
+      </p:par>
+    </p:tnLst>
+  </p:timing>
+</p:sld>
+</file>
+
+<file path=ppt/slides/slide2.xml><?xml version="1.0" encoding="utf-8"?>
+<p:sld xmlns:a="http://schemas.openxmlformats.org/drawingml/2006/main" xmlns:r="http://schemas.openxmlformats.org/officeDocument/2006/relationships" xmlns:p="http://schemas.openxmlformats.org/presentationml/2006/main">
+  <p:cSld>
+    <p:spTree>
+      <p:nvGrpSpPr>
+        <p:cNvPr id="1" name=""/>
+        <p:cNvGrpSpPr/>
+        <p:nvPr/>
+      </p:nvGrpSpPr>
+      <p:grpSpPr>
+        <a:xfrm>
+          <a:off x="0" y="0"/>
+          <a:ext cx="0" cy="0"/>
+          <a:chOff x="0" y="0"/>
+          <a:chExt cx="0" cy="0"/>
+        </a:xfrm>
+      </p:grpSpPr>
+      <p:sp>
+        <p:nvSpPr>
+          <p:cNvPr id="2" name="Title 1"/>
+          <p:cNvSpPr>
+            <a:spLocks noGrp="1"/>
+          </p:cNvSpPr>
+          <p:nvPr>
+            <p:ph type="title"/>
+          </p:nvPr>
+        </p:nvSpPr>
+        <p:spPr/>
+        <p:txBody>
+          <a:bodyPr/>
+          <a:lstStyle/>
+          <a:p>
+            <a:r>
+              <a:rPr lang="pl-PL" dirty="0" smtClean="0">
+                <a:effectLst>
+                  <a:outerShdw blurRad="38100" dist="38100" dir="2700000" algn="tl">
+                    <a:srgbClr val="000000">
+                      <a:alpha val="43137"/>
+                    </a:srgbClr>
+                  </a:outerShdw>
+                </a:effectLst>
+              </a:rPr>
+              <a:t>[TODO] </a:t>
+            </a:r>
+            <a:r>
+              <a:rPr lang="pl-PL" dirty="0">
+                <a:effectLst>
+                  <a:outerShdw blurRad="38100" dist="38100" dir="2700000" algn="tl">
+                    <a:srgbClr val="000000">
+                      <a:alpha val="43137"/>
+                    </a:srgbClr>
+                  </a:outerShdw>
+                </a:effectLst>
+              </a:rPr>
+              <a:t>Agenda</a:t>
+            </a:r>
+          </a:p>
+        </p:txBody>
+      </p:sp>
+      <p:sp>
+        <p:nvSpPr>
+          <p:cNvPr id="3" name="Content Placeholder 2"/>
+          <p:cNvSpPr>
+            <a:spLocks noGrp="1"/>
+          </p:cNvSpPr>
+          <p:nvPr>
+            <p:ph idx="1"/>
+          </p:nvPr>
+        </p:nvSpPr>
+        <p:spPr/>
+        <p:txBody>
+          <a:bodyPr>
+            <a:normAutofit/>
+          </a:bodyPr>
+          <a:lstStyle/>
+          <a:p>
+            <a:r>
+              <a:rPr lang="pl-PL" sz="2800" dirty="0" smtClean="0"/>
+              <a:t>Java i C#</a:t>
+            </a:r>
+          </a:p>
+          <a:p>
+            <a:r>
+              <a:rPr lang="pl-PL" sz="2800" dirty="0" smtClean="0"/>
+              <a:t>Podobieństwa</a:t>
+            </a:r>
+          </a:p>
+          <a:p>
+            <a:r>
+              <a:rPr lang="pl-PL" sz="2800" dirty="0" smtClean="0"/>
+              <a:t>Przykładowy program</a:t>
+            </a:r>
+          </a:p>
+          <a:p>
+            <a:r>
+              <a:rPr lang="pl-PL" sz="2800" dirty="0" smtClean="0"/>
+              <a:t>Różnice</a:t>
+            </a:r>
+          </a:p>
+          <a:p>
+            <a:r>
+              <a:rPr lang="pl-PL" sz="2800" dirty="0" smtClean="0"/>
+              <a:t>Mechanizmy C#</a:t>
+            </a:r>
+          </a:p>
+          <a:p>
+            <a:r>
+              <a:rPr lang="pl-PL" sz="2800" dirty="0" smtClean="0"/>
+              <a:t>Podsumowanie</a:t>
+            </a:r>
+          </a:p>
+        </p:txBody>
+      </p:sp>
+      <p:sp>
+        <p:nvSpPr>
+          <p:cNvPr id="6" name="Footer Placeholder 7"/>
+          <p:cNvSpPr>
+            <a:spLocks noGrp="1"/>
+          </p:cNvSpPr>
+          <p:nvPr>
+            <p:ph type="ftr" sz="quarter" idx="11"/>
+          </p:nvPr>
+        </p:nvSpPr>
+        <p:spPr>
+          <a:xfrm rot="5400000">
+            <a:off x="6951124" y="1841964"/>
+            <a:ext cx="3672408" cy="365760"/>
+          </a:xfrm>
+        </p:spPr>
+        <p:txBody>
+          <a:bodyPr/>
+          <a:lstStyle/>
+          <a:p>
+            <a:pPr algn="l"/>
+            <a:r>
+              <a:rPr lang="pl-PL" sz="1600" dirty="0">
+                <a:effectLst>
+                  <a:outerShdw blurRad="38100" dist="38100" dir="2700000" algn="tl">
+                    <a:srgbClr val="000000">
+                      <a:alpha val="43137"/>
+                    </a:srgbClr>
+                  </a:outerShdw>
+                </a:effectLst>
+              </a:rPr>
+              <a:t>Seminarium dyplomowe magisterskie 1</a:t>
+            </a:r>
+            <a:endParaRPr lang="pl-PL" sz="1600" dirty="0">
+              <a:effectLst>
+                <a:outerShdw blurRad="38100" dist="38100" dir="2700000" algn="tl">
+                  <a:srgbClr val="000000">
+                    <a:alpha val="43137"/>
+                  </a:srgbClr>
+                </a:outerShdw>
+              </a:effectLst>
+            </a:endParaRPr>
+          </a:p>
+        </p:txBody>
+      </p:sp>
+      <p:sp>
+        <p:nvSpPr>
+          <p:cNvPr id="5" name="Slide Number Placeholder 4"/>
+          <p:cNvSpPr>
+            <a:spLocks noGrp="1"/>
+          </p:cNvSpPr>
+          <p:nvPr>
+            <p:ph type="sldNum" sz="quarter" idx="12"/>
+          </p:nvPr>
+        </p:nvSpPr>
+        <p:spPr/>
+        <p:txBody>
+          <a:bodyPr/>
+          <a:lstStyle/>
+          <a:p>
+            <a:fld id="{A9560CCA-E071-4361-AF3D-B0CE296716D1}" type="slidenum">
+              <a:rPr lang="pl-PL" smtClean="0"/>
+              <a:t>2</a:t>
+            </a:fld>
+            <a:endParaRPr lang="pl-PL"/>
+          </a:p>
+        </p:txBody>
+      </p:sp>
+    </p:spTree>
+    <p:extLst>
+      <p:ext uri="{BB962C8B-B14F-4D97-AF65-F5344CB8AC3E}">
+        <p14:creationId xmlns:p14="http://schemas.microsoft.com/office/powerpoint/2010/main" val="4041198895"/>
+      </p:ext>
+    </p:extLst>
+  </p:cSld>
+  <p:clrMapOvr>
+    <a:masterClrMapping/>
+  </p:clrMapOvr>
+  <p:timing>
+    <p:tnLst>
+      <p:par>
+        <p:cTn id="1" dur="indefinite" restart="never" nodeType="tmRoot"/>
+      </p:par>
+    </p:tnLst>
+  </p:timing>
+</p:sld>
+</file>
+
+<file path=ppt/slides/slide3.xml><?xml version="1.0" encoding="utf-8"?>
+<p:sld xmlns:a="http://schemas.openxmlformats.org/drawingml/2006/main" xmlns:r="http://schemas.openxmlformats.org/officeDocument/2006/relationships" xmlns:p="http://schemas.openxmlformats.org/presentationml/2006/main">
+  <p:cSld>
+    <p:spTree>
+      <p:nvGrpSpPr>
+        <p:cNvPr id="1" name=""/>
+        <p:cNvGrpSpPr/>
+        <p:nvPr/>
+      </p:nvGrpSpPr>
+      <p:grpSpPr>
+        <a:xfrm>
+          <a:off x="0" y="0"/>
+          <a:ext cx="0" cy="0"/>
+          <a:chOff x="0" y="0"/>
+          <a:chExt cx="0" cy="0"/>
+        </a:xfrm>
+      </p:grpSpPr>
+      <p:sp>
+        <p:nvSpPr>
+          <p:cNvPr id="2" name="Title 1"/>
+          <p:cNvSpPr>
+            <a:spLocks noGrp="1"/>
+          </p:cNvSpPr>
+          <p:nvPr>
+            <p:ph type="title"/>
+          </p:nvPr>
+        </p:nvSpPr>
+        <p:spPr>
+          <a:xfrm>
+            <a:off x="457200" y="44624"/>
+            <a:ext cx="7620000" cy="1143000"/>
+          </a:xfrm>
+        </p:spPr>
+        <p:txBody>
+          <a:bodyPr/>
+          <a:lstStyle/>
+          <a:p>
+            <a:r>
+              <a:rPr lang="pl-PL" sz="4000" dirty="0" smtClean="0">
+                <a:effectLst>
+                  <a:outerShdw blurRad="38100" dist="38100" dir="2700000" algn="tl">
+                    <a:srgbClr val="000000">
+                      <a:alpha val="43137"/>
+                    </a:srgbClr>
+                  </a:outerShdw>
+                </a:effectLst>
+              </a:rPr>
+              <a:t>Filtrowanie obrazu, splot obrazów</a:t>
+            </a:r>
+            <a:endParaRPr lang="pl-PL" sz="4000" dirty="0">
+              <a:effectLst>
+                <a:outerShdw blurRad="38100" dist="38100" dir="2700000" algn="tl">
+                  <a:srgbClr val="000000">
+                    <a:alpha val="43137"/>
+                  </a:srgbClr>
+                </a:outerShdw>
+              </a:effectLst>
+            </a:endParaRPr>
+          </a:p>
+        </p:txBody>
+      </p:sp>
+      <p:sp>
+        <p:nvSpPr>
+          <p:cNvPr id="3" name="Content Placeholder 2"/>
+          <p:cNvSpPr>
+            <a:spLocks noGrp="1"/>
+          </p:cNvSpPr>
+          <p:nvPr>
+            <p:ph idx="1"/>
+          </p:nvPr>
+        </p:nvSpPr>
+        <p:spPr>
+          <a:xfrm>
+            <a:off x="457200" y="1124744"/>
+            <a:ext cx="7620000" cy="4800600"/>
+          </a:xfrm>
+        </p:spPr>
+        <p:txBody>
+          <a:bodyPr>
+            <a:normAutofit/>
+          </a:bodyPr>
+          <a:lstStyle/>
+          <a:p>
+            <a:r>
+              <a:rPr lang="pl-PL" sz="2400" dirty="0" smtClean="0"/>
+              <a:t>TODO</a:t>
+            </a:r>
+          </a:p>
+          <a:p>
+            <a:r>
+              <a:rPr lang="de-DE" sz="2400" dirty="0"/>
+              <a:t>Krzyż </a:t>
+            </a:r>
+            <a:r>
+              <a:rPr lang="de-DE" sz="2400" dirty="0" smtClean="0"/>
+              <a:t>Robertsa</a:t>
+            </a:r>
+            <a:endParaRPr lang="pl-PL" sz="2400" dirty="0" smtClean="0"/>
+          </a:p>
+          <a:p>
+            <a:r>
+              <a:rPr lang="de-DE" sz="2400" dirty="0" smtClean="0"/>
+              <a:t>Prewitt</a:t>
+            </a:r>
+            <a:endParaRPr lang="pl-PL" sz="2400" dirty="0" smtClean="0"/>
+          </a:p>
+          <a:p>
+            <a:r>
+              <a:rPr lang="de-DE" sz="2400" dirty="0" smtClean="0"/>
+              <a:t>Sobel</a:t>
+            </a:r>
+            <a:endParaRPr lang="pl-PL" sz="2400" dirty="0" smtClean="0"/>
+          </a:p>
+          <a:p>
+            <a:r>
+              <a:rPr lang="de-DE" sz="2400" dirty="0" smtClean="0"/>
+              <a:t>Scharr</a:t>
+            </a:r>
+            <a:endParaRPr lang="pl-PL" sz="2400" dirty="0" smtClean="0"/>
+          </a:p>
+        </p:txBody>
+      </p:sp>
+      <p:sp>
+        <p:nvSpPr>
+          <p:cNvPr id="6" name="Footer Placeholder 7"/>
+          <p:cNvSpPr>
+            <a:spLocks noGrp="1"/>
+          </p:cNvSpPr>
+          <p:nvPr>
+            <p:ph type="ftr" sz="quarter" idx="11"/>
+          </p:nvPr>
+        </p:nvSpPr>
+        <p:spPr>
+          <a:xfrm rot="5400000">
+            <a:off x="6951124" y="1841964"/>
+            <a:ext cx="3672408" cy="365760"/>
+          </a:xfrm>
+        </p:spPr>
+        <p:txBody>
+          <a:bodyPr/>
+          <a:lstStyle/>
+          <a:p>
+            <a:pPr algn="l"/>
+            <a:r>
+              <a:rPr lang="pl-PL" sz="1600" dirty="0">
+                <a:effectLst>
+                  <a:outerShdw blurRad="38100" dist="38100" dir="2700000" algn="tl">
+                    <a:srgbClr val="000000">
+                      <a:alpha val="43137"/>
+                    </a:srgbClr>
+                  </a:outerShdw>
+                </a:effectLst>
+              </a:rPr>
+              <a:t>Seminarium dyplomowe magisterskie 1</a:t>
+            </a:r>
+            <a:endParaRPr lang="pl-PL" sz="1600" dirty="0">
+              <a:effectLst>
+                <a:outerShdw blurRad="38100" dist="38100" dir="2700000" algn="tl">
+                  <a:srgbClr val="000000">
+                    <a:alpha val="43137"/>
+                  </a:srgbClr>
+                </a:outerShdw>
+              </a:effectLst>
+            </a:endParaRPr>
+          </a:p>
+        </p:txBody>
+      </p:sp>
+      <p:sp>
+        <p:nvSpPr>
+          <p:cNvPr id="5" name="Slide Number Placeholder 4"/>
+          <p:cNvSpPr>
+            <a:spLocks noGrp="1"/>
+          </p:cNvSpPr>
+          <p:nvPr>
+            <p:ph type="sldNum" sz="quarter" idx="12"/>
+          </p:nvPr>
+        </p:nvSpPr>
+        <p:spPr/>
+        <p:txBody>
+          <a:bodyPr/>
+          <a:lstStyle/>
+          <a:p>
+            <a:fld id="{A9560CCA-E071-4361-AF3D-B0CE296716D1}" type="slidenum">
+              <a:rPr lang="pl-PL" smtClean="0"/>
+              <a:t>3</a:t>
+            </a:fld>
+            <a:endParaRPr lang="pl-PL"/>
+          </a:p>
+        </p:txBody>
+      </p:sp>
+    </p:spTree>
+    <p:extLst>
+      <p:ext uri="{BB962C8B-B14F-4D97-AF65-F5344CB8AC3E}">
+        <p14:creationId xmlns:p14="http://schemas.microsoft.com/office/powerpoint/2010/main" val="4163093360"/>
+      </p:ext>
+    </p:extLst>
+  </p:cSld>
+  <p:clrMapOvr>
+    <a:masterClrMapping/>
+  </p:clrMapOvr>
+  <p:timing>
+    <p:tnLst>
+      <p:par>
+        <p:cTn id="1" dur="indefinite" restart="never" nodeType="tmRoot"/>
+      </p:par>
+    </p:tnLst>
+  </p:timing>
+</p:sld>
+</file>
+
+<file path=ppt/slides/slide4.xml><?xml version="1.0" encoding="utf-8"?>
+<p:sld xmlns:a="http://schemas.openxmlformats.org/drawingml/2006/main" xmlns:r="http://schemas.openxmlformats.org/officeDocument/2006/relationships" xmlns:p="http://schemas.openxmlformats.org/presentationml/2006/main">
+  <p:cSld>
+    <p:spTree>
+      <p:nvGrpSpPr>
+        <p:cNvPr id="1" name=""/>
+        <p:cNvGrpSpPr/>
+        <p:nvPr/>
+      </p:nvGrpSpPr>
+      <p:grpSpPr>
+        <a:xfrm>
+          <a:off x="0" y="0"/>
+          <a:ext cx="0" cy="0"/>
+          <a:chOff x="0" y="0"/>
+          <a:chExt cx="0" cy="0"/>
+        </a:xfrm>
+      </p:grpSpPr>
+      <p:sp>
+        <p:nvSpPr>
+          <p:cNvPr id="2" name="Title 1"/>
+          <p:cNvSpPr>
+            <a:spLocks noGrp="1"/>
+          </p:cNvSpPr>
+          <p:nvPr>
+            <p:ph type="title"/>
+          </p:nvPr>
+        </p:nvSpPr>
+        <p:spPr>
+          <a:xfrm>
+            <a:off x="457200" y="44624"/>
+            <a:ext cx="7620000" cy="1143000"/>
+          </a:xfrm>
+        </p:spPr>
+        <p:txBody>
+          <a:bodyPr/>
+          <a:lstStyle/>
+          <a:p>
+            <a:r>
+              <a:rPr lang="pl-PL" sz="4000" dirty="0" smtClean="0">
+                <a:effectLst>
+                  <a:outerShdw blurRad="38100" dist="38100" dir="2700000" algn="tl">
+                    <a:srgbClr val="000000">
+                      <a:alpha val="43137"/>
+                    </a:srgbClr>
+                  </a:outerShdw>
+                </a:effectLst>
+              </a:rPr>
+              <a:t>Detekcja krawędzi: Canny</a:t>
+            </a:r>
+            <a:endParaRPr lang="pl-PL" sz="4000" dirty="0">
+              <a:effectLst>
+                <a:outerShdw blurRad="38100" dist="38100" dir="2700000" algn="tl">
+                  <a:srgbClr val="000000">
+                    <a:alpha val="43137"/>
+                  </a:srgbClr>
+                </a:outerShdw>
+              </a:effectLst>
+            </a:endParaRPr>
+          </a:p>
+        </p:txBody>
+      </p:sp>
+      <p:sp>
+        <p:nvSpPr>
+          <p:cNvPr id="3" name="Content Placeholder 2"/>
+          <p:cNvSpPr>
+            <a:spLocks noGrp="1"/>
+          </p:cNvSpPr>
+          <p:nvPr>
+            <p:ph idx="1"/>
+          </p:nvPr>
+        </p:nvSpPr>
+        <p:spPr>
+          <a:xfrm>
+            <a:off x="457200" y="1124744"/>
+            <a:ext cx="7620000" cy="4800600"/>
+          </a:xfrm>
+        </p:spPr>
+        <p:txBody>
+          <a:bodyPr>
+            <a:normAutofit/>
+          </a:bodyPr>
+          <a:lstStyle/>
+          <a:p>
+            <a:r>
+              <a:rPr lang="pl-PL" sz="2400" dirty="0" smtClean="0"/>
+              <a:t>John </a:t>
+            </a:r>
+            <a:r>
+              <a:rPr lang="pl-PL" sz="2400" dirty="0"/>
+              <a:t>F. </a:t>
+            </a:r>
+            <a:r>
+              <a:rPr lang="pl-PL" sz="2400" dirty="0" smtClean="0"/>
+              <a:t>Canny, 1986</a:t>
+            </a:r>
+          </a:p>
+          <a:p>
+            <a:r>
+              <a:rPr lang="pl-PL" sz="2400" dirty="0" smtClean="0"/>
+              <a:t>Cele:</a:t>
+            </a:r>
+          </a:p>
+          <a:p>
+            <a:pPr lvl="1"/>
+            <a:r>
+              <a:rPr lang="pl-PL" sz="2400" dirty="0"/>
+              <a:t>d</a:t>
+            </a:r>
+            <a:r>
+              <a:rPr lang="pl-PL" sz="2400" dirty="0" smtClean="0"/>
+              <a:t>obra detekcja – wykrycie jak największej liczby rzeczywistych krawędzi</a:t>
+            </a:r>
+          </a:p>
+          <a:p>
+            <a:pPr lvl="1"/>
+            <a:r>
+              <a:rPr lang="pl-PL" sz="2400" dirty="0"/>
+              <a:t>d</a:t>
+            </a:r>
+            <a:r>
+              <a:rPr lang="pl-PL" sz="2400" dirty="0" smtClean="0"/>
+              <a:t>obra lokalizacja – oznaczenie danej krawędzi jak najbliżej jej rzeczywistego położenia</a:t>
+            </a:r>
+          </a:p>
+          <a:p>
+            <a:pPr lvl="1"/>
+            <a:r>
+              <a:rPr lang="pl-PL" sz="2400" dirty="0"/>
+              <a:t>m</a:t>
+            </a:r>
+            <a:r>
+              <a:rPr lang="pl-PL" sz="2400" dirty="0" smtClean="0"/>
+              <a:t>inimalna odpowiedź – oznaczenie danej krawędzi tylko raz, brak krawędzi powstałych w wyniku zakłóceń</a:t>
+            </a:r>
+          </a:p>
+        </p:txBody>
+      </p:sp>
+      <p:sp>
+        <p:nvSpPr>
+          <p:cNvPr id="6" name="Footer Placeholder 7"/>
+          <p:cNvSpPr>
+            <a:spLocks noGrp="1"/>
+          </p:cNvSpPr>
+          <p:nvPr>
+            <p:ph type="ftr" sz="quarter" idx="11"/>
+          </p:nvPr>
+        </p:nvSpPr>
+        <p:spPr>
+          <a:xfrm rot="5400000">
+            <a:off x="6951124" y="1841964"/>
+            <a:ext cx="3672408" cy="365760"/>
+          </a:xfrm>
+        </p:spPr>
+        <p:txBody>
+          <a:bodyPr/>
+          <a:lstStyle/>
+          <a:p>
+            <a:pPr algn="l"/>
+            <a:r>
+              <a:rPr lang="pl-PL" sz="1600" dirty="0">
+                <a:effectLst>
+                  <a:outerShdw blurRad="38100" dist="38100" dir="2700000" algn="tl">
+                    <a:srgbClr val="000000">
+                      <a:alpha val="43137"/>
+                    </a:srgbClr>
+                  </a:outerShdw>
+                </a:effectLst>
+              </a:rPr>
+              <a:t>Seminarium dyplomowe magisterskie 1</a:t>
+            </a:r>
+            <a:endParaRPr lang="pl-PL" sz="1600" dirty="0">
+              <a:effectLst>
+                <a:outerShdw blurRad="38100" dist="38100" dir="2700000" algn="tl">
+                  <a:srgbClr val="000000">
+                    <a:alpha val="43137"/>
+                  </a:srgbClr>
+                </a:outerShdw>
+              </a:effectLst>
+            </a:endParaRPr>
+          </a:p>
+        </p:txBody>
+      </p:sp>
+      <p:sp>
+        <p:nvSpPr>
+          <p:cNvPr id="5" name="Slide Number Placeholder 4"/>
+          <p:cNvSpPr>
+            <a:spLocks noGrp="1"/>
+          </p:cNvSpPr>
+          <p:nvPr>
+            <p:ph type="sldNum" sz="quarter" idx="12"/>
+          </p:nvPr>
+        </p:nvSpPr>
+        <p:spPr/>
+        <p:txBody>
+          <a:bodyPr/>
+          <a:lstStyle/>
+          <a:p>
+            <a:fld id="{A9560CCA-E071-4361-AF3D-B0CE296716D1}" type="slidenum">
+              <a:rPr lang="pl-PL" smtClean="0"/>
+              <a:t>4</a:t>
+            </a:fld>
+            <a:endParaRPr lang="pl-PL"/>
+          </a:p>
+        </p:txBody>
+      </p:sp>
+    </p:spTree>
+    <p:extLst>
+      <p:ext uri="{BB962C8B-B14F-4D97-AF65-F5344CB8AC3E}">
+        <p14:creationId xmlns:p14="http://schemas.microsoft.com/office/powerpoint/2010/main" val="1865430074"/>
+      </p:ext>
+    </p:extLst>
+  </p:cSld>
+  <p:clrMapOvr>
+    <a:masterClrMapping/>
+  </p:clrMapOvr>
+  <p:timing>
+    <p:tnLst>
+      <p:par>
+        <p:cTn id="1" dur="indefinite" restart="never" nodeType="tmRoot"/>
+      </p:par>
+    </p:tnLst>
+  </p:timing>
+</p:sld>
+</file>
+
+<file path=ppt/slides/slide5.xml><?xml version="1.0" encoding="utf-8"?>
+<p:sld xmlns:a="http://schemas.openxmlformats.org/drawingml/2006/main" xmlns:r="http://schemas.openxmlformats.org/officeDocument/2006/relationships" xmlns:p="http://schemas.openxmlformats.org/presentationml/2006/main">
+  <p:cSld>
+    <p:spTree>
+      <p:nvGrpSpPr>
+        <p:cNvPr id="1" name=""/>
+        <p:cNvGrpSpPr/>
+        <p:nvPr/>
+      </p:nvGrpSpPr>
+      <p:grpSpPr>
+        <a:xfrm>
+          <a:off x="0" y="0"/>
+          <a:ext cx="0" cy="0"/>
+          <a:chOff x="0" y="0"/>
+          <a:chExt cx="0" cy="0"/>
+        </a:xfrm>
+      </p:grpSpPr>
+      <p:sp>
+        <p:nvSpPr>
+          <p:cNvPr id="2" name="Title 1"/>
+          <p:cNvSpPr>
+            <a:spLocks noGrp="1"/>
+          </p:cNvSpPr>
+          <p:nvPr>
+            <p:ph type="title"/>
+          </p:nvPr>
+        </p:nvSpPr>
+        <p:spPr>
+          <a:xfrm>
+            <a:off x="457200" y="44624"/>
+            <a:ext cx="7620000" cy="1143000"/>
+          </a:xfrm>
+        </p:spPr>
+        <p:txBody>
+          <a:bodyPr/>
+          <a:lstStyle/>
+          <a:p>
+            <a:r>
+              <a:rPr lang="pl-PL" sz="4000" dirty="0" smtClean="0">
+                <a:effectLst>
+                  <a:outerShdw blurRad="38100" dist="38100" dir="2700000" algn="tl">
+                    <a:srgbClr val="000000">
+                      <a:alpha val="43137"/>
+                    </a:srgbClr>
+                  </a:outerShdw>
+                </a:effectLst>
+              </a:rPr>
+              <a:t>Canny – kroki algorytmu</a:t>
+            </a:r>
+            <a:endParaRPr lang="pl-PL" sz="4000" dirty="0">
+              <a:effectLst>
+                <a:outerShdw blurRad="38100" dist="38100" dir="2700000" algn="tl">
+                  <a:srgbClr val="000000">
+                    <a:alpha val="43137"/>
+                  </a:srgbClr>
+                </a:outerShdw>
+              </a:effectLst>
+            </a:endParaRPr>
+          </a:p>
+        </p:txBody>
+      </p:sp>
+      <p:sp>
+        <p:nvSpPr>
+          <p:cNvPr id="3" name="Content Placeholder 2"/>
+          <p:cNvSpPr>
+            <a:spLocks noGrp="1"/>
+          </p:cNvSpPr>
+          <p:nvPr>
+            <p:ph idx="1"/>
+          </p:nvPr>
+        </p:nvSpPr>
+        <p:spPr>
+          <a:xfrm>
+            <a:off x="457200" y="1124744"/>
+            <a:ext cx="7620000" cy="4800600"/>
+          </a:xfrm>
+        </p:spPr>
+        <p:txBody>
+          <a:bodyPr>
+            <a:normAutofit/>
+          </a:bodyPr>
+          <a:lstStyle/>
+          <a:p>
+            <a:pPr marL="571500" indent="-457200">
+              <a:buAutoNum type="arabicPeriod"/>
+            </a:pPr>
+            <a:r>
+              <a:rPr lang="pl-PL" sz="2400" dirty="0" smtClean="0"/>
+              <a:t>Wygładzenie obrazu</a:t>
+            </a:r>
+          </a:p>
+          <a:p>
+            <a:pPr marL="571500" indent="-457200">
+              <a:buAutoNum type="arabicPeriod"/>
+            </a:pPr>
+            <a:r>
+              <a:rPr lang="pl-PL" sz="2400" dirty="0" smtClean="0"/>
+              <a:t>Obliczenie modułu gradientu obrazu</a:t>
+            </a:r>
+          </a:p>
+          <a:p>
+            <a:pPr marL="571500" indent="-457200">
+              <a:buAutoNum type="arabicPeriod"/>
+            </a:pPr>
+            <a:r>
+              <a:rPr lang="pl-PL" sz="2400" dirty="0" smtClean="0"/>
+              <a:t>Usunięcie </a:t>
+            </a:r>
+            <a:r>
+              <a:rPr lang="pl-PL" sz="2400" dirty="0"/>
+              <a:t>niemaksymalnych </a:t>
+            </a:r>
+            <a:r>
+              <a:rPr lang="pl-PL" sz="2400" dirty="0" smtClean="0"/>
+              <a:t>pikseli</a:t>
+            </a:r>
+            <a:endParaRPr lang="pl-PL" sz="2400" dirty="0"/>
+          </a:p>
+          <a:p>
+            <a:pPr marL="571500" indent="-457200">
+              <a:buAutoNum type="arabicPeriod"/>
+            </a:pPr>
+            <a:r>
+              <a:rPr lang="pl-PL" sz="2400" dirty="0"/>
+              <a:t>Progowanie z histerezą</a:t>
+            </a:r>
+            <a:endParaRPr lang="pl-PL" sz="2400" dirty="0" smtClean="0"/>
+          </a:p>
+        </p:txBody>
+      </p:sp>
+      <p:sp>
+        <p:nvSpPr>
+          <p:cNvPr id="6" name="Footer Placeholder 7"/>
+          <p:cNvSpPr>
+            <a:spLocks noGrp="1"/>
+          </p:cNvSpPr>
+          <p:nvPr>
+            <p:ph type="ftr" sz="quarter" idx="11"/>
+          </p:nvPr>
+        </p:nvSpPr>
+        <p:spPr>
+          <a:xfrm rot="5400000">
+            <a:off x="6951124" y="1841964"/>
+            <a:ext cx="3672408" cy="365760"/>
+          </a:xfrm>
+        </p:spPr>
+        <p:txBody>
+          <a:bodyPr/>
+          <a:lstStyle/>
+          <a:p>
+            <a:pPr algn="l"/>
+            <a:r>
+              <a:rPr lang="pl-PL" sz="1600" dirty="0">
+                <a:effectLst>
+                  <a:outerShdw blurRad="38100" dist="38100" dir="2700000" algn="tl">
+                    <a:srgbClr val="000000">
+                      <a:alpha val="43137"/>
+                    </a:srgbClr>
+                  </a:outerShdw>
+                </a:effectLst>
+              </a:rPr>
+              <a:t>Seminarium dyplomowe magisterskie 1</a:t>
+            </a:r>
+            <a:endParaRPr lang="pl-PL" sz="1600" dirty="0">
+              <a:effectLst>
+                <a:outerShdw blurRad="38100" dist="38100" dir="2700000" algn="tl">
+                  <a:srgbClr val="000000">
+                    <a:alpha val="43137"/>
+                  </a:srgbClr>
+                </a:outerShdw>
+              </a:effectLst>
+            </a:endParaRPr>
+          </a:p>
+        </p:txBody>
+      </p:sp>
+      <p:sp>
+        <p:nvSpPr>
+          <p:cNvPr id="5" name="Slide Number Placeholder 4"/>
+          <p:cNvSpPr>
+            <a:spLocks noGrp="1"/>
+          </p:cNvSpPr>
+          <p:nvPr>
+            <p:ph type="sldNum" sz="quarter" idx="12"/>
+          </p:nvPr>
+        </p:nvSpPr>
+        <p:spPr/>
+        <p:txBody>
+          <a:bodyPr/>
+          <a:lstStyle/>
+          <a:p>
+            <a:fld id="{A9560CCA-E071-4361-AF3D-B0CE296716D1}" type="slidenum">
+              <a:rPr lang="pl-PL" smtClean="0"/>
+              <a:t>5</a:t>
+            </a:fld>
+            <a:endParaRPr lang="pl-PL"/>
+          </a:p>
+        </p:txBody>
+      </p:sp>
+      <p:grpSp>
+        <p:nvGrpSpPr>
+          <p:cNvPr id="7" name="Group 6"/>
+          <p:cNvGrpSpPr/>
+          <p:nvPr/>
+        </p:nvGrpSpPr>
+        <p:grpSpPr>
+          <a:xfrm>
+            <a:off x="1907704" y="3056650"/>
+            <a:ext cx="4456924" cy="3540702"/>
+            <a:chOff x="323528" y="2660605"/>
+            <a:chExt cx="4456924" cy="3540702"/>
+          </a:xfrm>
+        </p:grpSpPr>
+        <p:sp>
+          <p:nvSpPr>
+            <p:cNvPr id="8" name="Freeform 7"/>
+            <p:cNvSpPr/>
+            <p:nvPr/>
+          </p:nvSpPr>
+          <p:spPr>
+            <a:xfrm>
+              <a:off x="323528" y="2888939"/>
+              <a:ext cx="4456924" cy="3312368"/>
+            </a:xfrm>
+            <a:custGeom>
+              <a:avLst/>
+              <a:gdLst>
+                <a:gd name="connsiteX0" fmla="*/ 0 w 7713692"/>
+                <a:gd name="connsiteY0" fmla="*/ 0 h 1944224"/>
+                <a:gd name="connsiteX1" fmla="*/ 7713692 w 7713692"/>
+                <a:gd name="connsiteY1" fmla="*/ 0 h 1944224"/>
+                <a:gd name="connsiteX2" fmla="*/ 7713692 w 7713692"/>
+                <a:gd name="connsiteY2" fmla="*/ 1944224 h 1944224"/>
+                <a:gd name="connsiteX3" fmla="*/ 0 w 7713692"/>
+                <a:gd name="connsiteY3" fmla="*/ 1944224 h 1944224"/>
+                <a:gd name="connsiteX4" fmla="*/ 0 w 7713692"/>
+                <a:gd name="connsiteY4" fmla="*/ 0 h 1944224"/>
+              </a:gdLst>
+              <a:ahLst/>
+              <a:cxnLst>
+                <a:cxn ang="0">
+                  <a:pos x="connsiteX0" y="connsiteY0"/>
+                </a:cxn>
+                <a:cxn ang="0">
+                  <a:pos x="connsiteX1" y="connsiteY1"/>
+                </a:cxn>
+                <a:cxn ang="0">
+                  <a:pos x="connsiteX2" y="connsiteY2"/>
+                </a:cxn>
+                <a:cxn ang="0">
+                  <a:pos x="connsiteX3" y="connsiteY3"/>
+                </a:cxn>
+                <a:cxn ang="0">
+                  <a:pos x="connsiteX4" y="connsiteY4"/>
+                </a:cxn>
+              </a:cxnLst>
+              <a:rect l="l" t="t" r="r" b="b"/>
+              <a:pathLst>
+                <a:path w="7713692" h="1944224">
+                  <a:moveTo>
+                    <a:pt x="0" y="0"/>
+                  </a:moveTo>
+                  <a:lnTo>
+                    <a:pt x="7713692" y="0"/>
+                  </a:lnTo>
+                  <a:lnTo>
+                    <a:pt x="7713692" y="1944224"/>
+                  </a:lnTo>
+                  <a:lnTo>
+                    <a:pt x="0" y="1944224"/>
+                  </a:lnTo>
+                  <a:lnTo>
+                    <a:pt x="0" y="0"/>
+                  </a:lnTo>
+                  <a:close/>
+                </a:path>
+              </a:pathLst>
+            </a:custGeom>
+          </p:spPr>
+          <p:style>
+            <a:lnRef idx="2">
+              <a:schemeClr val="accent1">
+                <a:hueOff val="0"/>
+                <a:satOff val="0"/>
+                <a:lumOff val="0"/>
+                <a:alphaOff val="0"/>
+              </a:schemeClr>
+            </a:lnRef>
+            <a:fillRef idx="1">
+              <a:schemeClr val="lt1">
+                <a:alpha val="90000"/>
+                <a:hueOff val="0"/>
+                <a:satOff val="0"/>
+                <a:lumOff val="0"/>
+                <a:alphaOff val="0"/>
+              </a:schemeClr>
+            </a:fillRef>
+            <a:effectRef idx="0">
+              <a:schemeClr val="lt1">
+                <a:alpha val="90000"/>
+                <a:hueOff val="0"/>
+                <a:satOff val="0"/>
+                <a:lumOff val="0"/>
+                <a:alphaOff val="0"/>
+              </a:schemeClr>
+            </a:effectRef>
+            <a:fontRef idx="minor">
+              <a:schemeClr val="dk1">
+                <a:hueOff val="0"/>
+                <a:satOff val="0"/>
+                <a:lumOff val="0"/>
+                <a:alphaOff val="0"/>
+              </a:schemeClr>
+            </a:fontRef>
+          </p:style>
+          <p:txBody>
+            <a:bodyPr spcFirstLastPara="0" vert="horz" wrap="square" lIns="180000" tIns="324000" rIns="180000" bIns="180000" numCol="1" spcCol="1270" anchor="t" anchorCtr="0">
+              <a:noAutofit/>
+            </a:bodyPr>
+            <a:lstStyle/>
+            <a:p>
+              <a:pPr>
+                <a:lnSpc>
+                  <a:spcPts val="2400"/>
+                </a:lnSpc>
+              </a:pPr>
+              <a:endParaRPr lang="en-US" sz="2200" dirty="0">
+                <a:latin typeface="Consolas" pitchFamily="49" charset="0"/>
+                <a:cs typeface="Consolas" pitchFamily="49" charset="0"/>
+              </a:endParaRPr>
+            </a:p>
+          </p:txBody>
+        </p:sp>
+        <p:sp>
+          <p:nvSpPr>
+            <p:cNvPr id="9" name="Freeform 8"/>
+            <p:cNvSpPr/>
+            <p:nvPr/>
+          </p:nvSpPr>
+          <p:spPr>
+            <a:xfrm>
+              <a:off x="709212" y="2660605"/>
+              <a:ext cx="2847104" cy="444358"/>
+            </a:xfrm>
+            <a:custGeom>
+              <a:avLst/>
+              <a:gdLst>
+                <a:gd name="connsiteX0" fmla="*/ 0 w 2483862"/>
+                <a:gd name="connsiteY0" fmla="*/ 74061 h 444358"/>
+                <a:gd name="connsiteX1" fmla="*/ 74061 w 2483862"/>
+                <a:gd name="connsiteY1" fmla="*/ 0 h 444358"/>
+                <a:gd name="connsiteX2" fmla="*/ 2409801 w 2483862"/>
+                <a:gd name="connsiteY2" fmla="*/ 0 h 444358"/>
+                <a:gd name="connsiteX3" fmla="*/ 2483862 w 2483862"/>
+                <a:gd name="connsiteY3" fmla="*/ 74061 h 444358"/>
+                <a:gd name="connsiteX4" fmla="*/ 2483862 w 2483862"/>
+                <a:gd name="connsiteY4" fmla="*/ 370297 h 444358"/>
+                <a:gd name="connsiteX5" fmla="*/ 2409801 w 2483862"/>
+                <a:gd name="connsiteY5" fmla="*/ 444358 h 444358"/>
+                <a:gd name="connsiteX6" fmla="*/ 74061 w 2483862"/>
+                <a:gd name="connsiteY6" fmla="*/ 444358 h 444358"/>
+                <a:gd name="connsiteX7" fmla="*/ 0 w 2483862"/>
+                <a:gd name="connsiteY7" fmla="*/ 370297 h 444358"/>
+                <a:gd name="connsiteX8" fmla="*/ 0 w 2483862"/>
+                <a:gd name="connsiteY8" fmla="*/ 74061 h 444358"/>
+              </a:gdLst>
+              <a:ahLst/>
+              <a:cxnLst>
+                <a:cxn ang="0">
+                  <a:pos x="connsiteX0" y="connsiteY0"/>
+                </a:cxn>
+                <a:cxn ang="0">
+                  <a:pos x="connsiteX1" y="connsiteY1"/>
+                </a:cxn>
+                <a:cxn ang="0">
+                  <a:pos x="connsiteX2" y="connsiteY2"/>
+                </a:cxn>
+                <a:cxn ang="0">
+                  <a:pos x="connsiteX3" y="connsiteY3"/>
+                </a:cxn>
+                <a:cxn ang="0">
+                  <a:pos x="connsiteX4" y="connsiteY4"/>
+                </a:cxn>
+                <a:cxn ang="0">
+                  <a:pos x="connsiteX5" y="connsiteY5"/>
+                </a:cxn>
+                <a:cxn ang="0">
+                  <a:pos x="connsiteX6" y="connsiteY6"/>
+                </a:cxn>
+                <a:cxn ang="0">
+                  <a:pos x="connsiteX7" y="connsiteY7"/>
+                </a:cxn>
+                <a:cxn ang="0">
+                  <a:pos x="connsiteX8" y="connsiteY8"/>
+                </a:cxn>
+              </a:cxnLst>
+              <a:rect l="l" t="t" r="r" b="b"/>
+              <a:pathLst>
+                <a:path w="2483862" h="444358">
+                  <a:moveTo>
+                    <a:pt x="0" y="74061"/>
+                  </a:moveTo>
+                  <a:cubicBezTo>
+                    <a:pt x="0" y="33158"/>
+                    <a:pt x="33158" y="0"/>
+                    <a:pt x="74061" y="0"/>
+                  </a:cubicBezTo>
+                  <a:lnTo>
+                    <a:pt x="2409801" y="0"/>
+                  </a:lnTo>
+                  <a:cubicBezTo>
+                    <a:pt x="2450704" y="0"/>
+                    <a:pt x="2483862" y="33158"/>
+                    <a:pt x="2483862" y="74061"/>
+                  </a:cubicBezTo>
+                  <a:lnTo>
+                    <a:pt x="2483862" y="370297"/>
+                  </a:lnTo>
+                  <a:cubicBezTo>
+                    <a:pt x="2483862" y="411200"/>
+                    <a:pt x="2450704" y="444358"/>
+                    <a:pt x="2409801" y="444358"/>
+                  </a:cubicBezTo>
+                  <a:lnTo>
+                    <a:pt x="74061" y="444358"/>
+                  </a:lnTo>
+                  <a:cubicBezTo>
+                    <a:pt x="33158" y="444358"/>
+                    <a:pt x="0" y="411200"/>
+                    <a:pt x="0" y="370297"/>
+                  </a:cubicBezTo>
+                  <a:lnTo>
+                    <a:pt x="0" y="74061"/>
+                  </a:lnTo>
+                  <a:close/>
+                </a:path>
+              </a:pathLst>
+            </a:custGeom>
+          </p:spPr>
+          <p:style>
+            <a:lnRef idx="2">
+              <a:schemeClr val="lt1">
+                <a:hueOff val="0"/>
+                <a:satOff val="0"/>
+                <a:lumOff val="0"/>
+                <a:alphaOff val="0"/>
+              </a:schemeClr>
+            </a:lnRef>
+            <a:fillRef idx="1">
+              <a:schemeClr val="accent1">
+                <a:hueOff val="0"/>
+                <a:satOff val="0"/>
+                <a:lumOff val="0"/>
+                <a:alphaOff val="0"/>
+              </a:schemeClr>
+            </a:fillRef>
+            <a:effectRef idx="0">
+              <a:schemeClr val="accent1">
+                <a:hueOff val="0"/>
+                <a:satOff val="0"/>
+                <a:lumOff val="0"/>
+                <a:alphaOff val="0"/>
+              </a:schemeClr>
+            </a:effectRef>
+            <a:fontRef idx="minor">
+              <a:schemeClr val="lt1"/>
+            </a:fontRef>
+          </p:style>
+          <p:txBody>
+            <a:bodyPr spcFirstLastPara="0" vert="horz" wrap="square" lIns="225783" tIns="21692" rIns="225783" bIns="21692" numCol="1" spcCol="1270" anchor="ctr" anchorCtr="0">
+              <a:noAutofit/>
+            </a:bodyPr>
+            <a:lstStyle/>
+            <a:p>
+              <a:pPr lvl="0" algn="l" defTabSz="1066800">
+                <a:lnSpc>
+                  <a:spcPct val="90000"/>
+                </a:lnSpc>
+                <a:spcBef>
+                  <a:spcPct val="0"/>
+                </a:spcBef>
+                <a:spcAft>
+                  <a:spcPct val="35000"/>
+                </a:spcAft>
+              </a:pPr>
+              <a:r>
+                <a:rPr lang="pl-PL" sz="2400" i="1" dirty="0" smtClean="0">
+                  <a:effectLst>
+                    <a:outerShdw blurRad="38100" dist="38100" dir="2700000" algn="tl">
+                      <a:srgbClr val="000000">
+                        <a:alpha val="43137"/>
+                      </a:srgbClr>
+                    </a:outerShdw>
+                  </a:effectLst>
+                </a:rPr>
+                <a:t>Przykładowy obraz</a:t>
+              </a:r>
+              <a:endParaRPr lang="pl-PL" sz="2400" i="1" kern="1200" dirty="0">
+                <a:effectLst>
+                  <a:outerShdw blurRad="38100" dist="38100" dir="2700000" algn="tl">
+                    <a:srgbClr val="000000">
+                      <a:alpha val="43137"/>
+                    </a:srgbClr>
+                  </a:outerShdw>
+                </a:effectLst>
+              </a:endParaRPr>
+            </a:p>
+          </p:txBody>
+        </p:sp>
+      </p:grpSp>
+      <p:pic>
+        <p:nvPicPr>
+          <p:cNvPr id="1027" name="Picture 3" descr="D:\Studia magisterskie\Praca magisterska\repo\Placeholder\seminar1\prezentacja\canny\0. init.png"/>
+          <p:cNvPicPr>
+            <a:picLocks noChangeAspect="1" noChangeArrowheads="1"/>
+          </p:cNvPicPr>
+          <p:nvPr/>
+        </p:nvPicPr>
+        <p:blipFill>
+          <a:blip r:embed="rId2">
+            <a:extLst>
+              <a:ext uri="{28A0092B-C50C-407E-A947-70E740481C1C}">
+                <a14:useLocalDpi xmlns:a14="http://schemas.microsoft.com/office/drawing/2010/main" val="0"/>
+              </a:ext>
+            </a:extLst>
+          </a:blip>
+          <a:srcRect/>
+          <a:stretch>
+            <a:fillRect/>
+          </a:stretch>
+        </p:blipFill>
+        <p:spPr bwMode="auto">
+          <a:xfrm>
+            <a:off x="2363773" y="3723853"/>
+            <a:ext cx="3533775" cy="2657475"/>
+          </a:xfrm>
+          <a:prstGeom prst="rect">
+            <a:avLst/>
+          </a:prstGeom>
+          <a:noFill/>
+          <a:extLst>
+            <a:ext uri="{909E8E84-426E-40DD-AFC4-6F175D3DCCD1}">
+              <a14:hiddenFill xmlns:a14="http://schemas.microsoft.com/office/drawing/2010/main">
+                <a:solidFill>
+                  <a:srgbClr val="FFFFFF"/>
+                </a:solidFill>
+              </a14:hiddenFill>
+            </a:ext>
+          </a:extLst>
+        </p:spPr>
+      </p:pic>
+    </p:spTree>
+    <p:extLst>
+      <p:ext uri="{BB962C8B-B14F-4D97-AF65-F5344CB8AC3E}">
+        <p14:creationId xmlns:p14="http://schemas.microsoft.com/office/powerpoint/2010/main" val="3886317842"/>
+      </p:ext>
+    </p:extLst>
+  </p:cSld>
+  <p:clrMapOvr>
+    <a:masterClrMapping/>
+  </p:clrMapOvr>
+  <p:timing>
+    <p:tnLst>
+      <p:par>
+        <p:cTn id="1" dur="indefinite" restart="never" nodeType="tmRoot"/>
+      </p:par>
+    </p:tnLst>
+  </p:timing>
+</p:sld>
+</file>
+
+<file path=ppt/slides/slide6.xml><?xml version="1.0" encoding="utf-8"?>
+<p:sld xmlns:a="http://schemas.openxmlformats.org/drawingml/2006/main" xmlns:r="http://schemas.openxmlformats.org/officeDocument/2006/relationships" xmlns:p="http://schemas.openxmlformats.org/presentationml/2006/main">
+  <p:cSld>
+    <p:spTree>
+      <p:nvGrpSpPr>
+        <p:cNvPr id="1" name=""/>
+        <p:cNvGrpSpPr/>
+        <p:nvPr/>
+      </p:nvGrpSpPr>
+      <p:grpSpPr>
+        <a:xfrm>
+          <a:off x="0" y="0"/>
+          <a:ext cx="0" cy="0"/>
+          <a:chOff x="0" y="0"/>
+          <a:chExt cx="0" cy="0"/>
+        </a:xfrm>
+      </p:grpSpPr>
+      <p:sp>
+        <p:nvSpPr>
+          <p:cNvPr id="2" name="Title 1"/>
+          <p:cNvSpPr>
+            <a:spLocks noGrp="1"/>
+          </p:cNvSpPr>
+          <p:nvPr>
+            <p:ph type="title"/>
+          </p:nvPr>
+        </p:nvSpPr>
+        <p:spPr>
+          <a:xfrm>
+            <a:off x="457200" y="44624"/>
+            <a:ext cx="7620000" cy="1143000"/>
+          </a:xfrm>
+        </p:spPr>
+        <p:txBody>
+          <a:bodyPr/>
+          <a:lstStyle/>
+          <a:p>
+            <a:r>
+              <a:rPr lang="pl-PL" sz="4000" dirty="0" smtClean="0">
+                <a:effectLst>
+                  <a:outerShdw blurRad="38100" dist="38100" dir="2700000" algn="tl">
+                    <a:srgbClr val="000000">
+                      <a:alpha val="43137"/>
+                    </a:srgbClr>
+                  </a:outerShdw>
+                </a:effectLst>
+              </a:rPr>
+              <a:t>Canny – wygładzanie</a:t>
+            </a:r>
+            <a:endParaRPr lang="pl-PL" sz="4000" dirty="0">
+              <a:effectLst>
+                <a:outerShdw blurRad="38100" dist="38100" dir="2700000" algn="tl">
+                  <a:srgbClr val="000000">
+                    <a:alpha val="43137"/>
+                  </a:srgbClr>
+                </a:outerShdw>
+              </a:effectLst>
+            </a:endParaRPr>
+          </a:p>
+        </p:txBody>
+      </p:sp>
+      <p:sp>
+        <p:nvSpPr>
+          <p:cNvPr id="3" name="Content Placeholder 2"/>
+          <p:cNvSpPr>
+            <a:spLocks noGrp="1"/>
+          </p:cNvSpPr>
+          <p:nvPr>
+            <p:ph idx="1"/>
+          </p:nvPr>
+        </p:nvSpPr>
+        <p:spPr>
+          <a:xfrm>
+            <a:off x="457200" y="1124744"/>
+            <a:ext cx="7620000" cy="4800600"/>
+          </a:xfrm>
+        </p:spPr>
+        <p:txBody>
+          <a:bodyPr>
+            <a:normAutofit/>
+          </a:bodyPr>
+          <a:lstStyle/>
+          <a:p>
+            <a:pPr marL="571500" indent="-457200">
+              <a:buAutoNum type="arabicPeriod"/>
+            </a:pPr>
+            <a:r>
+              <a:rPr lang="pl-PL" sz="2400" dirty="0" smtClean="0"/>
+              <a:t>Wygładzenie obrazu filtrem Gaussa</a:t>
+            </a:r>
+          </a:p>
+          <a:p>
+            <a:pPr marL="571500" indent="-457200">
+              <a:buAutoNum type="arabicPeriod"/>
+            </a:pPr>
+            <a:r>
+              <a:rPr lang="pl-PL" sz="2400" dirty="0" smtClean="0"/>
+              <a:t>Odchylenie </a:t>
+            </a:r>
+            <a:r>
+              <a:rPr lang="pl-PL" sz="2400" dirty="0"/>
+              <a:t>standardowe filtru </a:t>
+            </a:r>
+            <a:r>
+              <a:rPr lang="pl-PL" sz="2400" dirty="0" smtClean="0"/>
+              <a:t>(</a:t>
+            </a:r>
+            <a:r>
+              <a:rPr lang="el-GR" sz="2400" dirty="0" smtClean="0"/>
+              <a:t>σ</a:t>
+            </a:r>
+            <a:r>
+              <a:rPr lang="pl-PL" sz="2400" dirty="0" smtClean="0"/>
+              <a:t>) </a:t>
+            </a:r>
+            <a:r>
+              <a:rPr lang="pl-PL" sz="2400" dirty="0"/>
+              <a:t>- parametr </a:t>
+            </a:r>
+            <a:r>
+              <a:rPr lang="pl-PL" sz="2400" dirty="0" smtClean="0"/>
+              <a:t>metody</a:t>
+            </a:r>
+          </a:p>
+          <a:p>
+            <a:pPr marL="571500" indent="-457200">
+              <a:buAutoNum type="arabicPeriod"/>
+            </a:pPr>
+            <a:r>
+              <a:rPr lang="pl-PL" sz="2400" dirty="0" smtClean="0"/>
+              <a:t>Im większe </a:t>
+            </a:r>
+            <a:r>
+              <a:rPr lang="el-GR" sz="2400" dirty="0" smtClean="0"/>
+              <a:t>σ</a:t>
+            </a:r>
+            <a:r>
+              <a:rPr lang="pl-PL" sz="2400" dirty="0" smtClean="0"/>
+              <a:t>, tym mniej fałszywych krawędzi</a:t>
+            </a:r>
+          </a:p>
+          <a:p>
+            <a:pPr marL="571500" indent="-457200">
+              <a:buAutoNum type="arabicPeriod"/>
+            </a:pPr>
+            <a:r>
+              <a:rPr lang="pl-PL" sz="2400" dirty="0" smtClean="0"/>
+              <a:t>Cel: redukcja szumu</a:t>
+            </a:r>
+          </a:p>
+        </p:txBody>
+      </p:sp>
+      <p:sp>
+        <p:nvSpPr>
+          <p:cNvPr id="6" name="Footer Placeholder 7"/>
+          <p:cNvSpPr>
+            <a:spLocks noGrp="1"/>
+          </p:cNvSpPr>
+          <p:nvPr>
+            <p:ph type="ftr" sz="quarter" idx="11"/>
+          </p:nvPr>
+        </p:nvSpPr>
+        <p:spPr>
+          <a:xfrm rot="5400000">
+            <a:off x="6951124" y="1841964"/>
+            <a:ext cx="3672408" cy="365760"/>
+          </a:xfrm>
+        </p:spPr>
+        <p:txBody>
+          <a:bodyPr/>
+          <a:lstStyle/>
+          <a:p>
+            <a:pPr algn="l"/>
+            <a:r>
+              <a:rPr lang="pl-PL" sz="1600" dirty="0">
+                <a:effectLst>
+                  <a:outerShdw blurRad="38100" dist="38100" dir="2700000" algn="tl">
+                    <a:srgbClr val="000000">
+                      <a:alpha val="43137"/>
+                    </a:srgbClr>
+                  </a:outerShdw>
+                </a:effectLst>
+              </a:rPr>
+              <a:t>Seminarium dyplomowe magisterskie 1</a:t>
+            </a:r>
+            <a:endParaRPr lang="pl-PL" sz="1600" dirty="0">
+              <a:effectLst>
+                <a:outerShdw blurRad="38100" dist="38100" dir="2700000" algn="tl">
+                  <a:srgbClr val="000000">
+                    <a:alpha val="43137"/>
+                  </a:srgbClr>
+                </a:outerShdw>
+              </a:effectLst>
+            </a:endParaRPr>
+          </a:p>
+        </p:txBody>
+      </p:sp>
+      <p:sp>
+        <p:nvSpPr>
+          <p:cNvPr id="5" name="Slide Number Placeholder 4"/>
+          <p:cNvSpPr>
+            <a:spLocks noGrp="1"/>
+          </p:cNvSpPr>
+          <p:nvPr>
+            <p:ph type="sldNum" sz="quarter" idx="12"/>
+          </p:nvPr>
+        </p:nvSpPr>
+        <p:spPr/>
+        <p:txBody>
+          <a:bodyPr/>
+          <a:lstStyle/>
+          <a:p>
+            <a:fld id="{A9560CCA-E071-4361-AF3D-B0CE296716D1}" type="slidenum">
+              <a:rPr lang="pl-PL" smtClean="0"/>
+              <a:t>6</a:t>
+            </a:fld>
+            <a:endParaRPr lang="pl-PL"/>
+          </a:p>
+        </p:txBody>
+      </p:sp>
+      <p:grpSp>
+        <p:nvGrpSpPr>
+          <p:cNvPr id="7" name="Group 6"/>
+          <p:cNvGrpSpPr/>
+          <p:nvPr/>
+        </p:nvGrpSpPr>
+        <p:grpSpPr>
+          <a:xfrm>
+            <a:off x="251520" y="3128658"/>
+            <a:ext cx="8064896" cy="3540702"/>
+            <a:chOff x="323528" y="2660605"/>
+            <a:chExt cx="8064896" cy="3540702"/>
+          </a:xfrm>
+        </p:grpSpPr>
+        <p:sp>
+          <p:nvSpPr>
+            <p:cNvPr id="8" name="Freeform 7"/>
+            <p:cNvSpPr/>
+            <p:nvPr/>
+          </p:nvSpPr>
+          <p:spPr>
+            <a:xfrm>
+              <a:off x="323528" y="2888939"/>
+              <a:ext cx="8064896" cy="3312368"/>
+            </a:xfrm>
+            <a:custGeom>
+              <a:avLst/>
+              <a:gdLst>
+                <a:gd name="connsiteX0" fmla="*/ 0 w 7713692"/>
+                <a:gd name="connsiteY0" fmla="*/ 0 h 1944224"/>
+                <a:gd name="connsiteX1" fmla="*/ 7713692 w 7713692"/>
+                <a:gd name="connsiteY1" fmla="*/ 0 h 1944224"/>
+                <a:gd name="connsiteX2" fmla="*/ 7713692 w 7713692"/>
+                <a:gd name="connsiteY2" fmla="*/ 1944224 h 1944224"/>
+                <a:gd name="connsiteX3" fmla="*/ 0 w 7713692"/>
+                <a:gd name="connsiteY3" fmla="*/ 1944224 h 1944224"/>
+                <a:gd name="connsiteX4" fmla="*/ 0 w 7713692"/>
+                <a:gd name="connsiteY4" fmla="*/ 0 h 1944224"/>
+              </a:gdLst>
+              <a:ahLst/>
+              <a:cxnLst>
+                <a:cxn ang="0">
+                  <a:pos x="connsiteX0" y="connsiteY0"/>
+                </a:cxn>
+                <a:cxn ang="0">
+                  <a:pos x="connsiteX1" y="connsiteY1"/>
+                </a:cxn>
+                <a:cxn ang="0">
+                  <a:pos x="connsiteX2" y="connsiteY2"/>
+                </a:cxn>
+                <a:cxn ang="0">
+                  <a:pos x="connsiteX3" y="connsiteY3"/>
+                </a:cxn>
+                <a:cxn ang="0">
+                  <a:pos x="connsiteX4" y="connsiteY4"/>
+                </a:cxn>
+              </a:cxnLst>
+              <a:rect l="l" t="t" r="r" b="b"/>
+              <a:pathLst>
+                <a:path w="7713692" h="1944224">
+                  <a:moveTo>
+                    <a:pt x="0" y="0"/>
+                  </a:moveTo>
+                  <a:lnTo>
+                    <a:pt x="7713692" y="0"/>
+                  </a:lnTo>
+                  <a:lnTo>
+                    <a:pt x="7713692" y="1944224"/>
+                  </a:lnTo>
+                  <a:lnTo>
+                    <a:pt x="0" y="1944224"/>
+                  </a:lnTo>
+                  <a:lnTo>
+                    <a:pt x="0" y="0"/>
+                  </a:lnTo>
+                  <a:close/>
+                </a:path>
+              </a:pathLst>
+            </a:custGeom>
+          </p:spPr>
+          <p:style>
+            <a:lnRef idx="2">
+              <a:schemeClr val="accent1">
+                <a:hueOff val="0"/>
+                <a:satOff val="0"/>
+                <a:lumOff val="0"/>
+                <a:alphaOff val="0"/>
+              </a:schemeClr>
+            </a:lnRef>
+            <a:fillRef idx="1">
+              <a:schemeClr val="lt1">
+                <a:alpha val="90000"/>
+                <a:hueOff val="0"/>
+                <a:satOff val="0"/>
+                <a:lumOff val="0"/>
+                <a:alphaOff val="0"/>
+              </a:schemeClr>
+            </a:fillRef>
+            <a:effectRef idx="0">
+              <a:schemeClr val="lt1">
+                <a:alpha val="90000"/>
+                <a:hueOff val="0"/>
+                <a:satOff val="0"/>
+                <a:lumOff val="0"/>
+                <a:alphaOff val="0"/>
+              </a:schemeClr>
+            </a:effectRef>
+            <a:fontRef idx="minor">
+              <a:schemeClr val="dk1">
+                <a:hueOff val="0"/>
+                <a:satOff val="0"/>
+                <a:lumOff val="0"/>
+                <a:alphaOff val="0"/>
+              </a:schemeClr>
+            </a:fontRef>
+          </p:style>
+          <p:txBody>
+            <a:bodyPr spcFirstLastPara="0" vert="horz" wrap="square" lIns="180000" tIns="324000" rIns="180000" bIns="180000" numCol="1" spcCol="1270" anchor="t" anchorCtr="0">
+              <a:noAutofit/>
+            </a:bodyPr>
+            <a:lstStyle/>
+            <a:p>
+              <a:pPr>
+                <a:lnSpc>
+                  <a:spcPts val="2400"/>
+                </a:lnSpc>
+              </a:pPr>
+              <a:endParaRPr lang="en-US" sz="2200" dirty="0">
+                <a:latin typeface="Consolas" pitchFamily="49" charset="0"/>
+                <a:cs typeface="Consolas" pitchFamily="49" charset="0"/>
+              </a:endParaRPr>
+            </a:p>
+          </p:txBody>
+        </p:sp>
+        <p:sp>
+          <p:nvSpPr>
+            <p:cNvPr id="9" name="Freeform 8"/>
+            <p:cNvSpPr/>
+            <p:nvPr/>
+          </p:nvSpPr>
+          <p:spPr>
+            <a:xfrm>
+              <a:off x="709212" y="2660605"/>
+              <a:ext cx="3934796" cy="444358"/>
+            </a:xfrm>
+            <a:custGeom>
+              <a:avLst/>
+              <a:gdLst>
+                <a:gd name="connsiteX0" fmla="*/ 0 w 2483862"/>
+                <a:gd name="connsiteY0" fmla="*/ 74061 h 444358"/>
+                <a:gd name="connsiteX1" fmla="*/ 74061 w 2483862"/>
+                <a:gd name="connsiteY1" fmla="*/ 0 h 444358"/>
+                <a:gd name="connsiteX2" fmla="*/ 2409801 w 2483862"/>
+                <a:gd name="connsiteY2" fmla="*/ 0 h 444358"/>
+                <a:gd name="connsiteX3" fmla="*/ 2483862 w 2483862"/>
+                <a:gd name="connsiteY3" fmla="*/ 74061 h 444358"/>
+                <a:gd name="connsiteX4" fmla="*/ 2483862 w 2483862"/>
+                <a:gd name="connsiteY4" fmla="*/ 370297 h 444358"/>
+                <a:gd name="connsiteX5" fmla="*/ 2409801 w 2483862"/>
+                <a:gd name="connsiteY5" fmla="*/ 444358 h 444358"/>
+                <a:gd name="connsiteX6" fmla="*/ 74061 w 2483862"/>
+                <a:gd name="connsiteY6" fmla="*/ 444358 h 444358"/>
+                <a:gd name="connsiteX7" fmla="*/ 0 w 2483862"/>
+                <a:gd name="connsiteY7" fmla="*/ 370297 h 444358"/>
+                <a:gd name="connsiteX8" fmla="*/ 0 w 2483862"/>
+                <a:gd name="connsiteY8" fmla="*/ 74061 h 444358"/>
+              </a:gdLst>
+              <a:ahLst/>
+              <a:cxnLst>
+                <a:cxn ang="0">
+                  <a:pos x="connsiteX0" y="connsiteY0"/>
+                </a:cxn>
+                <a:cxn ang="0">
+                  <a:pos x="connsiteX1" y="connsiteY1"/>
+                </a:cxn>
+                <a:cxn ang="0">
+                  <a:pos x="connsiteX2" y="connsiteY2"/>
+                </a:cxn>
+                <a:cxn ang="0">
+                  <a:pos x="connsiteX3" y="connsiteY3"/>
+                </a:cxn>
+                <a:cxn ang="0">
+                  <a:pos x="connsiteX4" y="connsiteY4"/>
+                </a:cxn>
+                <a:cxn ang="0">
+                  <a:pos x="connsiteX5" y="connsiteY5"/>
+                </a:cxn>
+                <a:cxn ang="0">
+                  <a:pos x="connsiteX6" y="connsiteY6"/>
+                </a:cxn>
+                <a:cxn ang="0">
+                  <a:pos x="connsiteX7" y="connsiteY7"/>
+                </a:cxn>
+                <a:cxn ang="0">
+                  <a:pos x="connsiteX8" y="connsiteY8"/>
+                </a:cxn>
+              </a:cxnLst>
+              <a:rect l="l" t="t" r="r" b="b"/>
+              <a:pathLst>
+                <a:path w="2483862" h="444358">
+                  <a:moveTo>
+                    <a:pt x="0" y="74061"/>
+                  </a:moveTo>
+                  <a:cubicBezTo>
+                    <a:pt x="0" y="33158"/>
+                    <a:pt x="33158" y="0"/>
+                    <a:pt x="74061" y="0"/>
+                  </a:cubicBezTo>
+                  <a:lnTo>
+                    <a:pt x="2409801" y="0"/>
+                  </a:lnTo>
+                  <a:cubicBezTo>
+                    <a:pt x="2450704" y="0"/>
+                    <a:pt x="2483862" y="33158"/>
+                    <a:pt x="2483862" y="74061"/>
+                  </a:cubicBezTo>
+                  <a:lnTo>
+                    <a:pt x="2483862" y="370297"/>
+                  </a:lnTo>
+                  <a:cubicBezTo>
+                    <a:pt x="2483862" y="411200"/>
+                    <a:pt x="2450704" y="444358"/>
+                    <a:pt x="2409801" y="444358"/>
+                  </a:cubicBezTo>
+                  <a:lnTo>
+                    <a:pt x="74061" y="444358"/>
+                  </a:lnTo>
+                  <a:cubicBezTo>
+                    <a:pt x="33158" y="444358"/>
+                    <a:pt x="0" y="411200"/>
+                    <a:pt x="0" y="370297"/>
+                  </a:cubicBezTo>
+                  <a:lnTo>
+                    <a:pt x="0" y="74061"/>
+                  </a:lnTo>
+                  <a:close/>
+                </a:path>
+              </a:pathLst>
+            </a:custGeom>
+          </p:spPr>
+          <p:style>
+            <a:lnRef idx="2">
+              <a:schemeClr val="lt1">
+                <a:hueOff val="0"/>
+                <a:satOff val="0"/>
+                <a:lumOff val="0"/>
+                <a:alphaOff val="0"/>
+              </a:schemeClr>
+            </a:lnRef>
+            <a:fillRef idx="1">
+              <a:schemeClr val="accent1">
+                <a:hueOff val="0"/>
+                <a:satOff val="0"/>
+                <a:lumOff val="0"/>
+                <a:alphaOff val="0"/>
+              </a:schemeClr>
+            </a:fillRef>
+            <a:effectRef idx="0">
+              <a:schemeClr val="accent1">
+                <a:hueOff val="0"/>
+                <a:satOff val="0"/>
+                <a:lumOff val="0"/>
+                <a:alphaOff val="0"/>
+              </a:schemeClr>
+            </a:effectRef>
+            <a:fontRef idx="minor">
+              <a:schemeClr val="lt1"/>
+            </a:fontRef>
+          </p:style>
+          <p:txBody>
+            <a:bodyPr spcFirstLastPara="0" vert="horz" wrap="square" lIns="225783" tIns="21692" rIns="225783" bIns="21692" numCol="1" spcCol="1270" anchor="ctr" anchorCtr="0">
+              <a:noAutofit/>
+            </a:bodyPr>
+            <a:lstStyle/>
+            <a:p>
+              <a:pPr lvl="0" defTabSz="1066800">
+                <a:lnSpc>
+                  <a:spcPct val="90000"/>
+                </a:lnSpc>
+                <a:spcBef>
+                  <a:spcPct val="0"/>
+                </a:spcBef>
+                <a:spcAft>
+                  <a:spcPct val="35000"/>
+                </a:spcAft>
+              </a:pPr>
+              <a:r>
+                <a:rPr lang="pl-PL" sz="2400" i="1" dirty="0" smtClean="0">
+                  <a:effectLst>
+                    <a:outerShdw blurRad="38100" dist="38100" dir="2700000" algn="tl">
+                      <a:srgbClr val="000000">
+                        <a:alpha val="43137"/>
+                      </a:srgbClr>
+                    </a:outerShdw>
+                  </a:effectLst>
+                </a:rPr>
+                <a:t>Przykładowy rezultat (</a:t>
+              </a:r>
+              <a:r>
+                <a:rPr lang="el-GR" sz="2400" i="1" dirty="0" smtClean="0">
+                  <a:effectLst>
+                    <a:outerShdw blurRad="38100" dist="38100" dir="2700000" algn="tl">
+                      <a:srgbClr val="000000">
+                        <a:alpha val="43137"/>
+                      </a:srgbClr>
+                    </a:outerShdw>
+                  </a:effectLst>
+                </a:rPr>
+                <a:t>σ</a:t>
+              </a:r>
+              <a:r>
+                <a:rPr lang="pl-PL" sz="2400" i="1" dirty="0" smtClean="0">
+                  <a:effectLst>
+                    <a:outerShdw blurRad="38100" dist="38100" dir="2700000" algn="tl">
+                      <a:srgbClr val="000000">
+                        <a:alpha val="43137"/>
+                      </a:srgbClr>
+                    </a:outerShdw>
+                  </a:effectLst>
+                </a:rPr>
+                <a:t> = 3)</a:t>
+              </a:r>
+              <a:endParaRPr lang="pl-PL" sz="2400" i="1" kern="1200" dirty="0">
+                <a:effectLst>
+                  <a:outerShdw blurRad="38100" dist="38100" dir="2700000" algn="tl">
+                    <a:srgbClr val="000000">
+                      <a:alpha val="43137"/>
+                    </a:srgbClr>
+                  </a:outerShdw>
+                </a:effectLst>
+              </a:endParaRPr>
+            </a:p>
+          </p:txBody>
+        </p:sp>
+      </p:grpSp>
+      <p:pic>
+        <p:nvPicPr>
+          <p:cNvPr id="1027" name="Picture 3" descr="D:\Studia magisterskie\Praca magisterska\repo\Placeholder\seminar1\prezentacja\canny\0. init.png"/>
+          <p:cNvPicPr>
+            <a:picLocks noChangeAspect="1" noChangeArrowheads="1"/>
+          </p:cNvPicPr>
+          <p:nvPr/>
+        </p:nvPicPr>
+        <p:blipFill>
+          <a:blip r:embed="rId2">
+            <a:extLst>
+              <a:ext uri="{28A0092B-C50C-407E-A947-70E740481C1C}">
+                <a14:useLocalDpi xmlns:a14="http://schemas.microsoft.com/office/drawing/2010/main" val="0"/>
+              </a:ext>
+            </a:extLst>
+          </a:blip>
+          <a:srcRect/>
+          <a:stretch>
+            <a:fillRect/>
+          </a:stretch>
+        </p:blipFill>
+        <p:spPr bwMode="auto">
+          <a:xfrm>
+            <a:off x="462161" y="3795861"/>
+            <a:ext cx="3533775" cy="2657475"/>
+          </a:xfrm>
+          <a:prstGeom prst="rect">
+            <a:avLst/>
+          </a:prstGeom>
+          <a:noFill/>
+          <a:extLst>
+            <a:ext uri="{909E8E84-426E-40DD-AFC4-6F175D3DCCD1}">
+              <a14:hiddenFill xmlns:a14="http://schemas.microsoft.com/office/drawing/2010/main">
+                <a:solidFill>
+                  <a:srgbClr val="FFFFFF"/>
+                </a:solidFill>
+              </a14:hiddenFill>
+            </a:ext>
+          </a:extLst>
+        </p:spPr>
+      </p:pic>
+      <p:pic>
+        <p:nvPicPr>
+          <p:cNvPr id="2050" name="Picture 2" descr="D:\Studia magisterskie\Praca magisterska\repo\Placeholder\seminar1\prezentacja\canny\1. gauss.png"/>
+          <p:cNvPicPr>
+            <a:picLocks noChangeAspect="1" noChangeArrowheads="1"/>
+          </p:cNvPicPr>
+          <p:nvPr/>
+        </p:nvPicPr>
+        <p:blipFill>
+          <a:blip r:embed="rId3">
+            <a:extLst>
+              <a:ext uri="{28A0092B-C50C-407E-A947-70E740481C1C}">
+                <a14:useLocalDpi xmlns:a14="http://schemas.microsoft.com/office/drawing/2010/main" val="0"/>
+              </a:ext>
+            </a:extLst>
+          </a:blip>
+          <a:srcRect/>
+          <a:stretch>
+            <a:fillRect/>
+          </a:stretch>
+        </p:blipFill>
+        <p:spPr bwMode="auto">
+          <a:xfrm>
+            <a:off x="4566617" y="3795861"/>
+            <a:ext cx="3533775" cy="2657475"/>
+          </a:xfrm>
+          <a:prstGeom prst="rect">
+            <a:avLst/>
+          </a:prstGeom>
+          <a:noFill/>
+          <a:extLst>
+            <a:ext uri="{909E8E84-426E-40DD-AFC4-6F175D3DCCD1}">
+              <a14:hiddenFill xmlns:a14="http://schemas.microsoft.com/office/drawing/2010/main">
+                <a:solidFill>
+                  <a:srgbClr val="FFFFFF"/>
+                </a:solidFill>
+              </a14:hiddenFill>
+            </a:ext>
+          </a:extLst>
+        </p:spPr>
+      </p:pic>
+      <p:sp>
+        <p:nvSpPr>
+          <p:cNvPr id="4" name="Right Arrow 3"/>
+          <p:cNvSpPr/>
+          <p:nvPr/>
+        </p:nvSpPr>
+        <p:spPr>
+          <a:xfrm>
+            <a:off x="4039366" y="4882282"/>
+            <a:ext cx="489204" cy="484632"/>
+          </a:xfrm>
+          <a:prstGeom prst="rightArrow">
+            <a:avLst/>
+          </a:prstGeom>
+          <a:ln>
+            <a:solidFill>
+              <a:schemeClr val="bg1"/>
+            </a:solidFill>
+          </a:ln>
+        </p:spPr>
+        <p:style>
+          <a:lnRef idx="2">
+            <a:schemeClr val="accent1">
+              <a:shade val="50000"/>
+            </a:schemeClr>
+          </a:lnRef>
+          <a:fillRef idx="1">
+            <a:schemeClr val="accent1"/>
+          </a:fillRef>
+          <a:effectRef idx="0">
+            <a:schemeClr val="accent1"/>
+          </a:effectRef>
+          <a:fontRef idx="minor">
+            <a:schemeClr val="lt1"/>
+          </a:fontRef>
+        </p:style>
+        <p:txBody>
+          <a:bodyPr rtlCol="0" anchor="ctr"/>
+          <a:lstStyle/>
+          <a:p>
+            <a:pPr algn="ctr"/>
+            <a:endParaRPr lang="pl-PL"/>
+          </a:p>
+        </p:txBody>
+      </p:sp>
+    </p:spTree>
+    <p:extLst>
+      <p:ext uri="{BB962C8B-B14F-4D97-AF65-F5344CB8AC3E}">
+        <p14:creationId xmlns:p14="http://schemas.microsoft.com/office/powerpoint/2010/main" val="2800918083"/>
       </p:ext>
     </p:extLst>
   </p:cSld>
@@ -6640,8 +9003,8 @@
         </p:nvSpPr>
         <p:spPr>
           <a:xfrm>
-            <a:off x="696416" y="2420888"/>
-            <a:ext cx="6611888" cy="1143000"/>
+            <a:off x="457200" y="44624"/>
+            <a:ext cx="7620000" cy="1143000"/>
           </a:xfrm>
         </p:spPr>
         <p:txBody>
@@ -6649,39 +9012,7 @@
           <a:lstStyle/>
           <a:p>
             <a:r>
-              <a:rPr lang="pl-PL" sz="6000" dirty="0" smtClean="0"/>
-              <a:t>Dziękuję za </a:t>
-            </a:r>
-            <a:r>
-              <a:rPr lang="pl-PL" sz="6000" dirty="0"/>
-              <a:t>uwagę</a:t>
-            </a:r>
-          </a:p>
-        </p:txBody>
-      </p:sp>
-      <p:sp>
-        <p:nvSpPr>
-          <p:cNvPr id="6" name="Footer Placeholder 7"/>
-          <p:cNvSpPr>
-            <a:spLocks noGrp="1"/>
-          </p:cNvSpPr>
-          <p:nvPr>
-            <p:ph type="ftr" sz="quarter" idx="11"/>
-          </p:nvPr>
-        </p:nvSpPr>
-        <p:spPr>
-          <a:xfrm rot="5400000">
-            <a:off x="6951124" y="1841964"/>
-            <a:ext cx="3672408" cy="365760"/>
-          </a:xfrm>
-        </p:spPr>
-        <p:txBody>
-          <a:bodyPr/>
-          <a:lstStyle/>
-          <a:p>
-            <a:pPr algn="l"/>
-            <a:r>
-              <a:rPr lang="pl-PL" sz="1600" dirty="0" smtClean="0">
+              <a:rPr lang="pl-PL" sz="4000" dirty="0" smtClean="0">
                 <a:effectLst>
                   <a:outerShdw blurRad="38100" dist="38100" dir="2700000" algn="tl">
                     <a:srgbClr val="000000">
@@ -6690,7 +9021,143 @@
                   </a:outerShdw>
                 </a:effectLst>
               </a:rPr>
-              <a:t>Seminarium dyplomowe inżynierskie</a:t>
+              <a:t>Canny – obliczenie gradientu</a:t>
+            </a:r>
+            <a:endParaRPr lang="pl-PL" sz="4000" dirty="0">
+              <a:effectLst>
+                <a:outerShdw blurRad="38100" dist="38100" dir="2700000" algn="tl">
+                  <a:srgbClr val="000000">
+                    <a:alpha val="43137"/>
+                  </a:srgbClr>
+                </a:outerShdw>
+              </a:effectLst>
+            </a:endParaRPr>
+          </a:p>
+        </p:txBody>
+      </p:sp>
+      <p:sp>
+        <p:nvSpPr>
+          <p:cNvPr id="3" name="Content Placeholder 2"/>
+          <p:cNvSpPr>
+            <a:spLocks noGrp="1"/>
+          </p:cNvSpPr>
+          <p:nvPr>
+            <p:ph idx="1"/>
+          </p:nvPr>
+        </p:nvSpPr>
+        <p:spPr>
+          <a:xfrm>
+            <a:off x="457200" y="1124744"/>
+            <a:ext cx="7620000" cy="4800600"/>
+          </a:xfrm>
+        </p:spPr>
+        <p:txBody>
+          <a:bodyPr>
+            <a:normAutofit/>
+          </a:bodyPr>
+          <a:lstStyle/>
+          <a:p>
+            <a:pPr marL="571500" indent="-457200">
+              <a:buAutoNum type="arabicPeriod"/>
+            </a:pPr>
+            <a:r>
+              <a:rPr lang="pl-PL" sz="2400" dirty="0" smtClean="0"/>
+              <a:t>Ponowne filtrowanie obrazu (</a:t>
+            </a:r>
+            <a:r>
+              <a:rPr lang="de-DE" sz="2400" dirty="0" smtClean="0"/>
+              <a:t>Krzyż Robertsa</a:t>
+            </a:r>
+            <a:r>
+              <a:rPr lang="pl-PL" sz="2400" dirty="0" smtClean="0"/>
+              <a:t> /</a:t>
+            </a:r>
+            <a:r>
+              <a:rPr lang="de-DE" sz="2400" dirty="0" smtClean="0"/>
+              <a:t> Prewitt</a:t>
+            </a:r>
+            <a:r>
+              <a:rPr lang="pl-PL" sz="2400" dirty="0" smtClean="0"/>
+              <a:t> /</a:t>
+            </a:r>
+            <a:r>
+              <a:rPr lang="de-DE" sz="2400" dirty="0" smtClean="0"/>
+              <a:t> Sobel</a:t>
+            </a:r>
+            <a:r>
+              <a:rPr lang="pl-PL" sz="2400" dirty="0" smtClean="0"/>
+              <a:t> /</a:t>
+            </a:r>
+            <a:r>
+              <a:rPr lang="de-DE" sz="2400" dirty="0" smtClean="0"/>
+              <a:t> Scharr</a:t>
+            </a:r>
+            <a:r>
+              <a:rPr lang="pl-PL" sz="2400" dirty="0" smtClean="0"/>
+              <a:t>)</a:t>
+            </a:r>
+          </a:p>
+          <a:p>
+            <a:pPr marL="571500" indent="-457200">
+              <a:buAutoNum type="arabicPeriod"/>
+            </a:pPr>
+            <a:r>
+              <a:rPr lang="pl-PL" sz="2400" dirty="0" smtClean="0"/>
+              <a:t>Cel: </a:t>
+            </a:r>
+            <a:r>
+              <a:rPr lang="pl-PL" sz="2400" dirty="0" smtClean="0"/>
+              <a:t>znalezienie potencjalnych</a:t>
+            </a:r>
+            <a:r>
+              <a:rPr lang="pl-PL" sz="2400" dirty="0" smtClean="0"/>
+              <a:t> krawędzi</a:t>
+            </a:r>
+          </a:p>
+          <a:p>
+            <a:pPr marL="571500" indent="-457200">
+              <a:buAutoNum type="arabicPeriod"/>
+            </a:pPr>
+            <a:r>
+              <a:rPr lang="pl-PL" sz="2400" dirty="0" smtClean="0"/>
+              <a:t>Należy zapamiętać kierunek gradientu</a:t>
+            </a:r>
+            <a:endParaRPr lang="pl-PL" sz="2400" dirty="0" smtClean="0"/>
+          </a:p>
+        </p:txBody>
+      </p:sp>
+      <p:sp>
+        <p:nvSpPr>
+          <p:cNvPr id="6" name="Footer Placeholder 7"/>
+          <p:cNvSpPr>
+            <a:spLocks noGrp="1"/>
+          </p:cNvSpPr>
+          <p:nvPr>
+            <p:ph type="ftr" sz="quarter" idx="11"/>
+          </p:nvPr>
+        </p:nvSpPr>
+        <p:spPr>
+          <a:xfrm rot="5400000">
+            <a:off x="6951124" y="1841964"/>
+            <a:ext cx="3672408" cy="365760"/>
+          </a:xfrm>
+        </p:spPr>
+        <p:txBody>
+          <a:bodyPr/>
+          <a:lstStyle/>
+          <a:p>
+            <a:pPr algn="l"/>
+            <a:r>
+              <a:rPr lang="pl-PL" sz="1600" dirty="0">
+                <a:effectLst>
+                  <a:outerShdw blurRad="38100" dist="38100" dir="2700000" algn="tl">
+                    <a:srgbClr val="000000">
+                      <a:alpha val="43137"/>
+                    </a:srgbClr>
+                  </a:outerShdw>
+                </a:effectLst>
+              </a:rPr>
+              <a:t>Seminarium dyplomowe magisterskie 1</a:t>
             </a:r>
             <a:endParaRPr lang="pl-PL" sz="1600" dirty="0">
               <a:effectLst>
@@ -6727,71 +9194,2508 @@
           </a:p>
         </p:txBody>
       </p:sp>
-      <p:sp>
-        <p:nvSpPr>
-          <p:cNvPr id="4" name="TextBox 3"/>
-          <p:cNvSpPr txBox="1"/>
+      <p:grpSp>
+        <p:nvGrpSpPr>
+          <p:cNvPr id="7" name="Group 6"/>
+          <p:cNvGrpSpPr/>
           <p:nvPr/>
-        </p:nvSpPr>
-        <p:spPr>
+        </p:nvGrpSpPr>
+        <p:grpSpPr>
           <a:xfrm>
-            <a:off x="2771800" y="5674164"/>
-            <a:ext cx="5400600" cy="923330"/>
+            <a:off x="251520" y="3128658"/>
+            <a:ext cx="8064896" cy="3540702"/>
+            <a:chOff x="323528" y="2660605"/>
+            <a:chExt cx="8064896" cy="3540702"/>
+          </a:xfrm>
+        </p:grpSpPr>
+        <p:sp>
+          <p:nvSpPr>
+            <p:cNvPr id="8" name="Freeform 7"/>
+            <p:cNvSpPr/>
+            <p:nvPr/>
+          </p:nvSpPr>
+          <p:spPr>
+            <a:xfrm>
+              <a:off x="323528" y="2888939"/>
+              <a:ext cx="8064896" cy="3312368"/>
+            </a:xfrm>
+            <a:custGeom>
+              <a:avLst/>
+              <a:gdLst>
+                <a:gd name="connsiteX0" fmla="*/ 0 w 7713692"/>
+                <a:gd name="connsiteY0" fmla="*/ 0 h 1944224"/>
+                <a:gd name="connsiteX1" fmla="*/ 7713692 w 7713692"/>
+                <a:gd name="connsiteY1" fmla="*/ 0 h 1944224"/>
+                <a:gd name="connsiteX2" fmla="*/ 7713692 w 7713692"/>
+                <a:gd name="connsiteY2" fmla="*/ 1944224 h 1944224"/>
+                <a:gd name="connsiteX3" fmla="*/ 0 w 7713692"/>
+                <a:gd name="connsiteY3" fmla="*/ 1944224 h 1944224"/>
+                <a:gd name="connsiteX4" fmla="*/ 0 w 7713692"/>
+                <a:gd name="connsiteY4" fmla="*/ 0 h 1944224"/>
+              </a:gdLst>
+              <a:ahLst/>
+              <a:cxnLst>
+                <a:cxn ang="0">
+                  <a:pos x="connsiteX0" y="connsiteY0"/>
+                </a:cxn>
+                <a:cxn ang="0">
+                  <a:pos x="connsiteX1" y="connsiteY1"/>
+                </a:cxn>
+                <a:cxn ang="0">
+                  <a:pos x="connsiteX2" y="connsiteY2"/>
+                </a:cxn>
+                <a:cxn ang="0">
+                  <a:pos x="connsiteX3" y="connsiteY3"/>
+                </a:cxn>
+                <a:cxn ang="0">
+                  <a:pos x="connsiteX4" y="connsiteY4"/>
+                </a:cxn>
+              </a:cxnLst>
+              <a:rect l="l" t="t" r="r" b="b"/>
+              <a:pathLst>
+                <a:path w="7713692" h="1944224">
+                  <a:moveTo>
+                    <a:pt x="0" y="0"/>
+                  </a:moveTo>
+                  <a:lnTo>
+                    <a:pt x="7713692" y="0"/>
+                  </a:lnTo>
+                  <a:lnTo>
+                    <a:pt x="7713692" y="1944224"/>
+                  </a:lnTo>
+                  <a:lnTo>
+                    <a:pt x="0" y="1944224"/>
+                  </a:lnTo>
+                  <a:lnTo>
+                    <a:pt x="0" y="0"/>
+                  </a:lnTo>
+                  <a:close/>
+                </a:path>
+              </a:pathLst>
+            </a:custGeom>
+          </p:spPr>
+          <p:style>
+            <a:lnRef idx="2">
+              <a:schemeClr val="accent1">
+                <a:hueOff val="0"/>
+                <a:satOff val="0"/>
+                <a:lumOff val="0"/>
+                <a:alphaOff val="0"/>
+              </a:schemeClr>
+            </a:lnRef>
+            <a:fillRef idx="1">
+              <a:schemeClr val="lt1">
+                <a:alpha val="90000"/>
+                <a:hueOff val="0"/>
+                <a:satOff val="0"/>
+                <a:lumOff val="0"/>
+                <a:alphaOff val="0"/>
+              </a:schemeClr>
+            </a:fillRef>
+            <a:effectRef idx="0">
+              <a:schemeClr val="lt1">
+                <a:alpha val="90000"/>
+                <a:hueOff val="0"/>
+                <a:satOff val="0"/>
+                <a:lumOff val="0"/>
+                <a:alphaOff val="0"/>
+              </a:schemeClr>
+            </a:effectRef>
+            <a:fontRef idx="minor">
+              <a:schemeClr val="dk1">
+                <a:hueOff val="0"/>
+                <a:satOff val="0"/>
+                <a:lumOff val="0"/>
+                <a:alphaOff val="0"/>
+              </a:schemeClr>
+            </a:fontRef>
+          </p:style>
+          <p:txBody>
+            <a:bodyPr spcFirstLastPara="0" vert="horz" wrap="square" lIns="180000" tIns="324000" rIns="180000" bIns="180000" numCol="1" spcCol="1270" anchor="t" anchorCtr="0">
+              <a:noAutofit/>
+            </a:bodyPr>
+            <a:lstStyle/>
+            <a:p>
+              <a:pPr>
+                <a:lnSpc>
+                  <a:spcPts val="2400"/>
+                </a:lnSpc>
+              </a:pPr>
+              <a:endParaRPr lang="en-US" sz="2200" dirty="0">
+                <a:latin typeface="Consolas" pitchFamily="49" charset="0"/>
+                <a:cs typeface="Consolas" pitchFamily="49" charset="0"/>
+              </a:endParaRPr>
+            </a:p>
+          </p:txBody>
+        </p:sp>
+        <p:sp>
+          <p:nvSpPr>
+            <p:cNvPr id="9" name="Freeform 8"/>
+            <p:cNvSpPr/>
+            <p:nvPr/>
+          </p:nvSpPr>
+          <p:spPr>
+            <a:xfrm>
+              <a:off x="709212" y="2660605"/>
+              <a:ext cx="3070700" cy="444358"/>
+            </a:xfrm>
+            <a:custGeom>
+              <a:avLst/>
+              <a:gdLst>
+                <a:gd name="connsiteX0" fmla="*/ 0 w 2483862"/>
+                <a:gd name="connsiteY0" fmla="*/ 74061 h 444358"/>
+                <a:gd name="connsiteX1" fmla="*/ 74061 w 2483862"/>
+                <a:gd name="connsiteY1" fmla="*/ 0 h 444358"/>
+                <a:gd name="connsiteX2" fmla="*/ 2409801 w 2483862"/>
+                <a:gd name="connsiteY2" fmla="*/ 0 h 444358"/>
+                <a:gd name="connsiteX3" fmla="*/ 2483862 w 2483862"/>
+                <a:gd name="connsiteY3" fmla="*/ 74061 h 444358"/>
+                <a:gd name="connsiteX4" fmla="*/ 2483862 w 2483862"/>
+                <a:gd name="connsiteY4" fmla="*/ 370297 h 444358"/>
+                <a:gd name="connsiteX5" fmla="*/ 2409801 w 2483862"/>
+                <a:gd name="connsiteY5" fmla="*/ 444358 h 444358"/>
+                <a:gd name="connsiteX6" fmla="*/ 74061 w 2483862"/>
+                <a:gd name="connsiteY6" fmla="*/ 444358 h 444358"/>
+                <a:gd name="connsiteX7" fmla="*/ 0 w 2483862"/>
+                <a:gd name="connsiteY7" fmla="*/ 370297 h 444358"/>
+                <a:gd name="connsiteX8" fmla="*/ 0 w 2483862"/>
+                <a:gd name="connsiteY8" fmla="*/ 74061 h 444358"/>
+              </a:gdLst>
+              <a:ahLst/>
+              <a:cxnLst>
+                <a:cxn ang="0">
+                  <a:pos x="connsiteX0" y="connsiteY0"/>
+                </a:cxn>
+                <a:cxn ang="0">
+                  <a:pos x="connsiteX1" y="connsiteY1"/>
+                </a:cxn>
+                <a:cxn ang="0">
+                  <a:pos x="connsiteX2" y="connsiteY2"/>
+                </a:cxn>
+                <a:cxn ang="0">
+                  <a:pos x="connsiteX3" y="connsiteY3"/>
+                </a:cxn>
+                <a:cxn ang="0">
+                  <a:pos x="connsiteX4" y="connsiteY4"/>
+                </a:cxn>
+                <a:cxn ang="0">
+                  <a:pos x="connsiteX5" y="connsiteY5"/>
+                </a:cxn>
+                <a:cxn ang="0">
+                  <a:pos x="connsiteX6" y="connsiteY6"/>
+                </a:cxn>
+                <a:cxn ang="0">
+                  <a:pos x="connsiteX7" y="connsiteY7"/>
+                </a:cxn>
+                <a:cxn ang="0">
+                  <a:pos x="connsiteX8" y="connsiteY8"/>
+                </a:cxn>
+              </a:cxnLst>
+              <a:rect l="l" t="t" r="r" b="b"/>
+              <a:pathLst>
+                <a:path w="2483862" h="444358">
+                  <a:moveTo>
+                    <a:pt x="0" y="74061"/>
+                  </a:moveTo>
+                  <a:cubicBezTo>
+                    <a:pt x="0" y="33158"/>
+                    <a:pt x="33158" y="0"/>
+                    <a:pt x="74061" y="0"/>
+                  </a:cubicBezTo>
+                  <a:lnTo>
+                    <a:pt x="2409801" y="0"/>
+                  </a:lnTo>
+                  <a:cubicBezTo>
+                    <a:pt x="2450704" y="0"/>
+                    <a:pt x="2483862" y="33158"/>
+                    <a:pt x="2483862" y="74061"/>
+                  </a:cubicBezTo>
+                  <a:lnTo>
+                    <a:pt x="2483862" y="370297"/>
+                  </a:lnTo>
+                  <a:cubicBezTo>
+                    <a:pt x="2483862" y="411200"/>
+                    <a:pt x="2450704" y="444358"/>
+                    <a:pt x="2409801" y="444358"/>
+                  </a:cubicBezTo>
+                  <a:lnTo>
+                    <a:pt x="74061" y="444358"/>
+                  </a:lnTo>
+                  <a:cubicBezTo>
+                    <a:pt x="33158" y="444358"/>
+                    <a:pt x="0" y="411200"/>
+                    <a:pt x="0" y="370297"/>
+                  </a:cubicBezTo>
+                  <a:lnTo>
+                    <a:pt x="0" y="74061"/>
+                  </a:lnTo>
+                  <a:close/>
+                </a:path>
+              </a:pathLst>
+            </a:custGeom>
+          </p:spPr>
+          <p:style>
+            <a:lnRef idx="2">
+              <a:schemeClr val="lt1">
+                <a:hueOff val="0"/>
+                <a:satOff val="0"/>
+                <a:lumOff val="0"/>
+                <a:alphaOff val="0"/>
+              </a:schemeClr>
+            </a:lnRef>
+            <a:fillRef idx="1">
+              <a:schemeClr val="accent1">
+                <a:hueOff val="0"/>
+                <a:satOff val="0"/>
+                <a:lumOff val="0"/>
+                <a:alphaOff val="0"/>
+              </a:schemeClr>
+            </a:fillRef>
+            <a:effectRef idx="0">
+              <a:schemeClr val="accent1">
+                <a:hueOff val="0"/>
+                <a:satOff val="0"/>
+                <a:lumOff val="0"/>
+                <a:alphaOff val="0"/>
+              </a:schemeClr>
+            </a:effectRef>
+            <a:fontRef idx="minor">
+              <a:schemeClr val="lt1"/>
+            </a:fontRef>
+          </p:style>
+          <p:txBody>
+            <a:bodyPr spcFirstLastPara="0" vert="horz" wrap="square" lIns="225783" tIns="21692" rIns="225783" bIns="21692" numCol="1" spcCol="1270" anchor="ctr" anchorCtr="0">
+              <a:noAutofit/>
+            </a:bodyPr>
+            <a:lstStyle/>
+            <a:p>
+              <a:pPr lvl="0" defTabSz="1066800">
+                <a:lnSpc>
+                  <a:spcPct val="90000"/>
+                </a:lnSpc>
+                <a:spcBef>
+                  <a:spcPct val="0"/>
+                </a:spcBef>
+                <a:spcAft>
+                  <a:spcPct val="35000"/>
+                </a:spcAft>
+              </a:pPr>
+              <a:r>
+                <a:rPr lang="pl-PL" sz="2400" i="1" dirty="0" smtClean="0">
+                  <a:effectLst>
+                    <a:outerShdw blurRad="38100" dist="38100" dir="2700000" algn="tl">
+                      <a:srgbClr val="000000">
+                        <a:alpha val="43137"/>
+                      </a:srgbClr>
+                    </a:outerShdw>
+                  </a:effectLst>
+                </a:rPr>
+                <a:t>Przykładowy rezultat</a:t>
+              </a:r>
+              <a:endParaRPr lang="pl-PL" sz="2400" i="1" kern="1200" dirty="0">
+                <a:effectLst>
+                  <a:outerShdw blurRad="38100" dist="38100" dir="2700000" algn="tl">
+                    <a:srgbClr val="000000">
+                      <a:alpha val="43137"/>
+                    </a:srgbClr>
+                  </a:outerShdw>
+                </a:effectLst>
+              </a:endParaRPr>
+            </a:p>
+          </p:txBody>
+        </p:sp>
+      </p:grpSp>
+      <p:pic>
+        <p:nvPicPr>
+          <p:cNvPr id="2050" name="Picture 2" descr="D:\Studia magisterskie\Praca magisterska\repo\Placeholder\seminar1\prezentacja\canny\1. gauss.png"/>
+          <p:cNvPicPr>
+            <a:picLocks noChangeAspect="1" noChangeArrowheads="1"/>
+          </p:cNvPicPr>
+          <p:nvPr/>
+        </p:nvPicPr>
+        <p:blipFill>
+          <a:blip r:embed="rId2">
+            <a:extLst>
+              <a:ext uri="{28A0092B-C50C-407E-A947-70E740481C1C}">
+                <a14:useLocalDpi xmlns:a14="http://schemas.microsoft.com/office/drawing/2010/main" val="0"/>
+              </a:ext>
+            </a:extLst>
+          </a:blip>
+          <a:srcRect/>
+          <a:stretch>
+            <a:fillRect/>
+          </a:stretch>
+        </p:blipFill>
+        <p:spPr bwMode="auto">
+          <a:xfrm>
+            <a:off x="462161" y="3795861"/>
+            <a:ext cx="3533775" cy="2657475"/>
           </a:xfrm>
           <a:prstGeom prst="rect">
             <a:avLst/>
           </a:prstGeom>
           <a:noFill/>
+          <a:extLst>
+            <a:ext uri="{909E8E84-426E-40DD-AFC4-6F175D3DCCD1}">
+              <a14:hiddenFill xmlns:a14="http://schemas.microsoft.com/office/drawing/2010/main">
+                <a:solidFill>
+                  <a:srgbClr val="FFFFFF"/>
+                </a:solidFill>
+              </a14:hiddenFill>
+            </a:ext>
+          </a:extLst>
         </p:spPr>
-        <p:txBody>
-          <a:bodyPr wrap="square" rtlCol="0">
-            <a:spAutoFit/>
-          </a:bodyPr>
+      </p:pic>
+      <p:sp>
+        <p:nvSpPr>
+          <p:cNvPr id="4" name="Right Arrow 3"/>
+          <p:cNvSpPr/>
+          <p:nvPr/>
+        </p:nvSpPr>
+        <p:spPr>
+          <a:xfrm>
+            <a:off x="4039366" y="4882282"/>
+            <a:ext cx="489204" cy="484632"/>
+          </a:xfrm>
+          <a:prstGeom prst="rightArrow">
+            <a:avLst/>
+          </a:prstGeom>
+          <a:ln>
+            <a:solidFill>
+              <a:schemeClr val="bg1"/>
+            </a:solidFill>
+          </a:ln>
+        </p:spPr>
+        <p:style>
+          <a:lnRef idx="2">
+            <a:schemeClr val="accent1">
+              <a:shade val="50000"/>
+            </a:schemeClr>
+          </a:lnRef>
+          <a:fillRef idx="1">
+            <a:schemeClr val="accent1"/>
+          </a:fillRef>
+          <a:effectRef idx="0">
+            <a:schemeClr val="accent1"/>
+          </a:effectRef>
+          <a:fontRef idx="minor">
+            <a:schemeClr val="lt1"/>
+          </a:fontRef>
+        </p:style>
+        <p:txBody>
+          <a:bodyPr rtlCol="0" anchor="ctr"/>
           <a:lstStyle/>
           <a:p>
-            <a:r>
-              <a:rPr lang="pl-PL" i="1" dirty="0" smtClean="0">
+            <a:pPr algn="ctr"/>
+            <a:endParaRPr lang="pl-PL"/>
+          </a:p>
+        </p:txBody>
+      </p:sp>
+      <p:pic>
+        <p:nvPicPr>
+          <p:cNvPr id="3074" name="Picture 2" descr="D:\Studia magisterskie\Praca magisterska\repo\Placeholder\seminar1\prezentacja\canny\2.1. gradient.png"/>
+          <p:cNvPicPr>
+            <a:picLocks noChangeAspect="1" noChangeArrowheads="1"/>
+          </p:cNvPicPr>
+          <p:nvPr/>
+        </p:nvPicPr>
+        <p:blipFill>
+          <a:blip r:embed="rId3">
+            <a:extLst>
+              <a:ext uri="{28A0092B-C50C-407E-A947-70E740481C1C}">
+                <a14:useLocalDpi xmlns:a14="http://schemas.microsoft.com/office/drawing/2010/main" val="0"/>
+              </a:ext>
+            </a:extLst>
+          </a:blip>
+          <a:srcRect/>
+          <a:stretch>
+            <a:fillRect/>
+          </a:stretch>
+        </p:blipFill>
+        <p:spPr bwMode="auto">
+          <a:xfrm>
+            <a:off x="4572000" y="3803005"/>
+            <a:ext cx="3533775" cy="2650331"/>
+          </a:xfrm>
+          <a:prstGeom prst="rect">
+            <a:avLst/>
+          </a:prstGeom>
+          <a:noFill/>
+          <a:extLst>
+            <a:ext uri="{909E8E84-426E-40DD-AFC4-6F175D3DCCD1}">
+              <a14:hiddenFill xmlns:a14="http://schemas.microsoft.com/office/drawing/2010/main">
                 <a:solidFill>
-                  <a:schemeClr val="tx2"/>
+                  <a:srgbClr val="FFFFFF"/>
                 </a:solidFill>
-              </a:rPr>
-              <a:t>Zrzuty ekranu na slajdzie 7. pochodzą z programów:</a:t>
-            </a:r>
-          </a:p>
-          <a:p>
-            <a:pPr marL="285750" indent="-285750">
-              <a:buFontTx/>
-              <a:buChar char="-"/>
-            </a:pPr>
-            <a:r>
-              <a:rPr lang="pl-PL" i="1" dirty="0" smtClean="0">
-                <a:solidFill>
-                  <a:schemeClr val="tx2"/>
-                </a:solidFill>
-              </a:rPr>
-              <a:t>Eclipse SDK 3.7.2</a:t>
-            </a:r>
-          </a:p>
-          <a:p>
-            <a:pPr marL="285750" indent="-285750">
-              <a:buFontTx/>
-              <a:buChar char="-"/>
-            </a:pPr>
-            <a:r>
-              <a:rPr lang="pl-PL" i="1" dirty="0" smtClean="0">
-                <a:solidFill>
-                  <a:schemeClr val="tx2"/>
-                </a:solidFill>
-              </a:rPr>
-              <a:t>Microsoft Visual Studio 2010 Ultimate</a:t>
-            </a:r>
-          </a:p>
-        </p:txBody>
-      </p:sp>
+              </a14:hiddenFill>
+            </a:ext>
+          </a:extLst>
+        </p:spPr>
+      </p:pic>
     </p:spTree>
     <p:extLst>
       <p:ext uri="{BB962C8B-B14F-4D97-AF65-F5344CB8AC3E}">
-        <p14:creationId xmlns:p14="http://schemas.microsoft.com/office/powerpoint/2010/main" val="1221185451"/>
+        <p14:creationId xmlns:p14="http://schemas.microsoft.com/office/powerpoint/2010/main" val="323157067"/>
+      </p:ext>
+    </p:extLst>
+  </p:cSld>
+  <p:clrMapOvr>
+    <a:masterClrMapping/>
+  </p:clrMapOvr>
+  <p:timing>
+    <p:tnLst>
+      <p:par>
+        <p:cTn id="1" dur="indefinite" restart="never" nodeType="tmRoot"/>
+      </p:par>
+    </p:tnLst>
+  </p:timing>
+</p:sld>
+</file>
+
+<file path=ppt/slides/slide8.xml><?xml version="1.0" encoding="utf-8"?>
+<p:sld xmlns:a="http://schemas.openxmlformats.org/drawingml/2006/main" xmlns:r="http://schemas.openxmlformats.org/officeDocument/2006/relationships" xmlns:p="http://schemas.openxmlformats.org/presentationml/2006/main">
+  <p:cSld>
+    <p:spTree>
+      <p:nvGrpSpPr>
+        <p:cNvPr id="1" name=""/>
+        <p:cNvGrpSpPr/>
+        <p:nvPr/>
+      </p:nvGrpSpPr>
+      <p:grpSpPr>
+        <a:xfrm>
+          <a:off x="0" y="0"/>
+          <a:ext cx="0" cy="0"/>
+          <a:chOff x="0" y="0"/>
+          <a:chExt cx="0" cy="0"/>
+        </a:xfrm>
+      </p:grpSpPr>
+      <p:sp>
+        <p:nvSpPr>
+          <p:cNvPr id="2" name="Title 1"/>
+          <p:cNvSpPr>
+            <a:spLocks noGrp="1"/>
+          </p:cNvSpPr>
+          <p:nvPr>
+            <p:ph type="title"/>
+          </p:nvPr>
+        </p:nvSpPr>
+        <p:spPr>
+          <a:xfrm>
+            <a:off x="457200" y="44624"/>
+            <a:ext cx="7620000" cy="1143000"/>
+          </a:xfrm>
+        </p:spPr>
+        <p:txBody>
+          <a:bodyPr/>
+          <a:lstStyle/>
+          <a:p>
+            <a:r>
+              <a:rPr lang="pl-PL" sz="4000" dirty="0" smtClean="0">
+                <a:effectLst>
+                  <a:outerShdw blurRad="38100" dist="38100" dir="2700000" algn="tl">
+                    <a:srgbClr val="000000">
+                      <a:alpha val="43137"/>
+                    </a:srgbClr>
+                  </a:outerShdw>
+                </a:effectLst>
+              </a:rPr>
+              <a:t>Canny – obliczenie gradientu</a:t>
+            </a:r>
+            <a:endParaRPr lang="pl-PL" sz="4000" dirty="0">
+              <a:effectLst>
+                <a:outerShdw blurRad="38100" dist="38100" dir="2700000" algn="tl">
+                  <a:srgbClr val="000000">
+                    <a:alpha val="43137"/>
+                  </a:srgbClr>
+                </a:outerShdw>
+              </a:effectLst>
+            </a:endParaRPr>
+          </a:p>
+        </p:txBody>
+      </p:sp>
+      <p:sp>
+        <p:nvSpPr>
+          <p:cNvPr id="3" name="Content Placeholder 2"/>
+          <p:cNvSpPr>
+            <a:spLocks noGrp="1"/>
+          </p:cNvSpPr>
+          <p:nvPr>
+            <p:ph idx="1"/>
+          </p:nvPr>
+        </p:nvSpPr>
+        <p:spPr>
+          <a:xfrm>
+            <a:off x="457200" y="1124744"/>
+            <a:ext cx="7620000" cy="4800600"/>
+          </a:xfrm>
+        </p:spPr>
+        <p:txBody>
+          <a:bodyPr>
+            <a:normAutofit/>
+          </a:bodyPr>
+          <a:lstStyle/>
+          <a:p>
+            <a:pPr marL="571500" indent="-457200">
+              <a:buFont typeface="+mj-lt"/>
+              <a:buAutoNum type="arabicPeriod" startAt="4"/>
+            </a:pPr>
+            <a:r>
+              <a:rPr lang="pl-PL" sz="2400" dirty="0" smtClean="0"/>
+              <a:t>Kierunek wyznacza się z dokładnością do 45° (pion, poziom, skosy)</a:t>
+            </a:r>
+          </a:p>
+          <a:p>
+            <a:pPr marL="571500" indent="-457200">
+              <a:buAutoNum type="arabicPeriod" startAt="4"/>
+            </a:pPr>
+            <a:endParaRPr lang="pl-PL" sz="2400" dirty="0" smtClean="0"/>
+          </a:p>
+        </p:txBody>
+      </p:sp>
+      <p:sp>
+        <p:nvSpPr>
+          <p:cNvPr id="6" name="Footer Placeholder 7"/>
+          <p:cNvSpPr>
+            <a:spLocks noGrp="1"/>
+          </p:cNvSpPr>
+          <p:nvPr>
+            <p:ph type="ftr" sz="quarter" idx="11"/>
+          </p:nvPr>
+        </p:nvSpPr>
+        <p:spPr>
+          <a:xfrm rot="5400000">
+            <a:off x="6951124" y="1841964"/>
+            <a:ext cx="3672408" cy="365760"/>
+          </a:xfrm>
+        </p:spPr>
+        <p:txBody>
+          <a:bodyPr/>
+          <a:lstStyle/>
+          <a:p>
+            <a:pPr algn="l"/>
+            <a:r>
+              <a:rPr lang="pl-PL" sz="1600" dirty="0">
+                <a:effectLst>
+                  <a:outerShdw blurRad="38100" dist="38100" dir="2700000" algn="tl">
+                    <a:srgbClr val="000000">
+                      <a:alpha val="43137"/>
+                    </a:srgbClr>
+                  </a:outerShdw>
+                </a:effectLst>
+              </a:rPr>
+              <a:t>Seminarium dyplomowe magisterskie 1</a:t>
+            </a:r>
+            <a:endParaRPr lang="pl-PL" sz="1600" dirty="0">
+              <a:effectLst>
+                <a:outerShdw blurRad="38100" dist="38100" dir="2700000" algn="tl">
+                  <a:srgbClr val="000000">
+                    <a:alpha val="43137"/>
+                  </a:srgbClr>
+                </a:outerShdw>
+              </a:effectLst>
+            </a:endParaRPr>
+          </a:p>
+        </p:txBody>
+      </p:sp>
+      <p:sp>
+        <p:nvSpPr>
+          <p:cNvPr id="5" name="Slide Number Placeholder 4"/>
+          <p:cNvSpPr>
+            <a:spLocks noGrp="1"/>
+          </p:cNvSpPr>
+          <p:nvPr>
+            <p:ph type="sldNum" sz="quarter" idx="12"/>
+          </p:nvPr>
+        </p:nvSpPr>
+        <p:spPr/>
+        <p:txBody>
+          <a:bodyPr/>
+          <a:lstStyle/>
+          <a:p>
+            <a:fld id="{A9560CCA-E071-4361-AF3D-B0CE296716D1}" type="slidenum">
+              <a:rPr lang="pl-PL" smtClean="0"/>
+              <a:t>8</a:t>
+            </a:fld>
+            <a:endParaRPr lang="pl-PL"/>
+          </a:p>
+        </p:txBody>
+      </p:sp>
+      <p:grpSp>
+        <p:nvGrpSpPr>
+          <p:cNvPr id="7" name="Group 6"/>
+          <p:cNvGrpSpPr/>
+          <p:nvPr/>
+        </p:nvGrpSpPr>
+        <p:grpSpPr>
+          <a:xfrm>
+            <a:off x="323528" y="2102860"/>
+            <a:ext cx="8064896" cy="4536504"/>
+            <a:chOff x="323528" y="2660605"/>
+            <a:chExt cx="8064896" cy="4536504"/>
+          </a:xfrm>
+        </p:grpSpPr>
+        <p:sp>
+          <p:nvSpPr>
+            <p:cNvPr id="8" name="Freeform 7"/>
+            <p:cNvSpPr/>
+            <p:nvPr/>
+          </p:nvSpPr>
+          <p:spPr>
+            <a:xfrm>
+              <a:off x="323528" y="2888939"/>
+              <a:ext cx="8064896" cy="4308170"/>
+            </a:xfrm>
+            <a:custGeom>
+              <a:avLst/>
+              <a:gdLst>
+                <a:gd name="connsiteX0" fmla="*/ 0 w 7713692"/>
+                <a:gd name="connsiteY0" fmla="*/ 0 h 1944224"/>
+                <a:gd name="connsiteX1" fmla="*/ 7713692 w 7713692"/>
+                <a:gd name="connsiteY1" fmla="*/ 0 h 1944224"/>
+                <a:gd name="connsiteX2" fmla="*/ 7713692 w 7713692"/>
+                <a:gd name="connsiteY2" fmla="*/ 1944224 h 1944224"/>
+                <a:gd name="connsiteX3" fmla="*/ 0 w 7713692"/>
+                <a:gd name="connsiteY3" fmla="*/ 1944224 h 1944224"/>
+                <a:gd name="connsiteX4" fmla="*/ 0 w 7713692"/>
+                <a:gd name="connsiteY4" fmla="*/ 0 h 1944224"/>
+              </a:gdLst>
+              <a:ahLst/>
+              <a:cxnLst>
+                <a:cxn ang="0">
+                  <a:pos x="connsiteX0" y="connsiteY0"/>
+                </a:cxn>
+                <a:cxn ang="0">
+                  <a:pos x="connsiteX1" y="connsiteY1"/>
+                </a:cxn>
+                <a:cxn ang="0">
+                  <a:pos x="connsiteX2" y="connsiteY2"/>
+                </a:cxn>
+                <a:cxn ang="0">
+                  <a:pos x="connsiteX3" y="connsiteY3"/>
+                </a:cxn>
+                <a:cxn ang="0">
+                  <a:pos x="connsiteX4" y="connsiteY4"/>
+                </a:cxn>
+              </a:cxnLst>
+              <a:rect l="l" t="t" r="r" b="b"/>
+              <a:pathLst>
+                <a:path w="7713692" h="1944224">
+                  <a:moveTo>
+                    <a:pt x="0" y="0"/>
+                  </a:moveTo>
+                  <a:lnTo>
+                    <a:pt x="7713692" y="0"/>
+                  </a:lnTo>
+                  <a:lnTo>
+                    <a:pt x="7713692" y="1944224"/>
+                  </a:lnTo>
+                  <a:lnTo>
+                    <a:pt x="0" y="1944224"/>
+                  </a:lnTo>
+                  <a:lnTo>
+                    <a:pt x="0" y="0"/>
+                  </a:lnTo>
+                  <a:close/>
+                </a:path>
+              </a:pathLst>
+            </a:custGeom>
+          </p:spPr>
+          <p:style>
+            <a:lnRef idx="2">
+              <a:schemeClr val="accent1">
+                <a:hueOff val="0"/>
+                <a:satOff val="0"/>
+                <a:lumOff val="0"/>
+                <a:alphaOff val="0"/>
+              </a:schemeClr>
+            </a:lnRef>
+            <a:fillRef idx="1">
+              <a:schemeClr val="lt1">
+                <a:alpha val="90000"/>
+                <a:hueOff val="0"/>
+                <a:satOff val="0"/>
+                <a:lumOff val="0"/>
+                <a:alphaOff val="0"/>
+              </a:schemeClr>
+            </a:fillRef>
+            <a:effectRef idx="0">
+              <a:schemeClr val="lt1">
+                <a:alpha val="90000"/>
+                <a:hueOff val="0"/>
+                <a:satOff val="0"/>
+                <a:lumOff val="0"/>
+                <a:alphaOff val="0"/>
+              </a:schemeClr>
+            </a:effectRef>
+            <a:fontRef idx="minor">
+              <a:schemeClr val="dk1">
+                <a:hueOff val="0"/>
+                <a:satOff val="0"/>
+                <a:lumOff val="0"/>
+                <a:alphaOff val="0"/>
+              </a:schemeClr>
+            </a:fontRef>
+          </p:style>
+          <p:txBody>
+            <a:bodyPr spcFirstLastPara="0" vert="horz" wrap="square" lIns="180000" tIns="324000" rIns="180000" bIns="180000" numCol="1" spcCol="1270" anchor="t" anchorCtr="0">
+              <a:noAutofit/>
+            </a:bodyPr>
+            <a:lstStyle/>
+            <a:p>
+              <a:pPr>
+                <a:lnSpc>
+                  <a:spcPts val="2400"/>
+                </a:lnSpc>
+              </a:pPr>
+              <a:endParaRPr lang="en-US" sz="2200" dirty="0">
+                <a:latin typeface="Consolas" pitchFamily="49" charset="0"/>
+                <a:cs typeface="Consolas" pitchFamily="49" charset="0"/>
+              </a:endParaRPr>
+            </a:p>
+          </p:txBody>
+        </p:sp>
+        <p:sp>
+          <p:nvSpPr>
+            <p:cNvPr id="9" name="Freeform 8"/>
+            <p:cNvSpPr/>
+            <p:nvPr/>
+          </p:nvSpPr>
+          <p:spPr>
+            <a:xfrm>
+              <a:off x="709212" y="2660605"/>
+              <a:ext cx="3070700" cy="444358"/>
+            </a:xfrm>
+            <a:custGeom>
+              <a:avLst/>
+              <a:gdLst>
+                <a:gd name="connsiteX0" fmla="*/ 0 w 2483862"/>
+                <a:gd name="connsiteY0" fmla="*/ 74061 h 444358"/>
+                <a:gd name="connsiteX1" fmla="*/ 74061 w 2483862"/>
+                <a:gd name="connsiteY1" fmla="*/ 0 h 444358"/>
+                <a:gd name="connsiteX2" fmla="*/ 2409801 w 2483862"/>
+                <a:gd name="connsiteY2" fmla="*/ 0 h 444358"/>
+                <a:gd name="connsiteX3" fmla="*/ 2483862 w 2483862"/>
+                <a:gd name="connsiteY3" fmla="*/ 74061 h 444358"/>
+                <a:gd name="connsiteX4" fmla="*/ 2483862 w 2483862"/>
+                <a:gd name="connsiteY4" fmla="*/ 370297 h 444358"/>
+                <a:gd name="connsiteX5" fmla="*/ 2409801 w 2483862"/>
+                <a:gd name="connsiteY5" fmla="*/ 444358 h 444358"/>
+                <a:gd name="connsiteX6" fmla="*/ 74061 w 2483862"/>
+                <a:gd name="connsiteY6" fmla="*/ 444358 h 444358"/>
+                <a:gd name="connsiteX7" fmla="*/ 0 w 2483862"/>
+                <a:gd name="connsiteY7" fmla="*/ 370297 h 444358"/>
+                <a:gd name="connsiteX8" fmla="*/ 0 w 2483862"/>
+                <a:gd name="connsiteY8" fmla="*/ 74061 h 444358"/>
+              </a:gdLst>
+              <a:ahLst/>
+              <a:cxnLst>
+                <a:cxn ang="0">
+                  <a:pos x="connsiteX0" y="connsiteY0"/>
+                </a:cxn>
+                <a:cxn ang="0">
+                  <a:pos x="connsiteX1" y="connsiteY1"/>
+                </a:cxn>
+                <a:cxn ang="0">
+                  <a:pos x="connsiteX2" y="connsiteY2"/>
+                </a:cxn>
+                <a:cxn ang="0">
+                  <a:pos x="connsiteX3" y="connsiteY3"/>
+                </a:cxn>
+                <a:cxn ang="0">
+                  <a:pos x="connsiteX4" y="connsiteY4"/>
+                </a:cxn>
+                <a:cxn ang="0">
+                  <a:pos x="connsiteX5" y="connsiteY5"/>
+                </a:cxn>
+                <a:cxn ang="0">
+                  <a:pos x="connsiteX6" y="connsiteY6"/>
+                </a:cxn>
+                <a:cxn ang="0">
+                  <a:pos x="connsiteX7" y="connsiteY7"/>
+                </a:cxn>
+                <a:cxn ang="0">
+                  <a:pos x="connsiteX8" y="connsiteY8"/>
+                </a:cxn>
+              </a:cxnLst>
+              <a:rect l="l" t="t" r="r" b="b"/>
+              <a:pathLst>
+                <a:path w="2483862" h="444358">
+                  <a:moveTo>
+                    <a:pt x="0" y="74061"/>
+                  </a:moveTo>
+                  <a:cubicBezTo>
+                    <a:pt x="0" y="33158"/>
+                    <a:pt x="33158" y="0"/>
+                    <a:pt x="74061" y="0"/>
+                  </a:cubicBezTo>
+                  <a:lnTo>
+                    <a:pt x="2409801" y="0"/>
+                  </a:lnTo>
+                  <a:cubicBezTo>
+                    <a:pt x="2450704" y="0"/>
+                    <a:pt x="2483862" y="33158"/>
+                    <a:pt x="2483862" y="74061"/>
+                  </a:cubicBezTo>
+                  <a:lnTo>
+                    <a:pt x="2483862" y="370297"/>
+                  </a:lnTo>
+                  <a:cubicBezTo>
+                    <a:pt x="2483862" y="411200"/>
+                    <a:pt x="2450704" y="444358"/>
+                    <a:pt x="2409801" y="444358"/>
+                  </a:cubicBezTo>
+                  <a:lnTo>
+                    <a:pt x="74061" y="444358"/>
+                  </a:lnTo>
+                  <a:cubicBezTo>
+                    <a:pt x="33158" y="444358"/>
+                    <a:pt x="0" y="411200"/>
+                    <a:pt x="0" y="370297"/>
+                  </a:cubicBezTo>
+                  <a:lnTo>
+                    <a:pt x="0" y="74061"/>
+                  </a:lnTo>
+                  <a:close/>
+                </a:path>
+              </a:pathLst>
+            </a:custGeom>
+          </p:spPr>
+          <p:style>
+            <a:lnRef idx="2">
+              <a:schemeClr val="lt1">
+                <a:hueOff val="0"/>
+                <a:satOff val="0"/>
+                <a:lumOff val="0"/>
+                <a:alphaOff val="0"/>
+              </a:schemeClr>
+            </a:lnRef>
+            <a:fillRef idx="1">
+              <a:schemeClr val="accent1">
+                <a:hueOff val="0"/>
+                <a:satOff val="0"/>
+                <a:lumOff val="0"/>
+                <a:alphaOff val="0"/>
+              </a:schemeClr>
+            </a:fillRef>
+            <a:effectRef idx="0">
+              <a:schemeClr val="accent1">
+                <a:hueOff val="0"/>
+                <a:satOff val="0"/>
+                <a:lumOff val="0"/>
+                <a:alphaOff val="0"/>
+              </a:schemeClr>
+            </a:effectRef>
+            <a:fontRef idx="minor">
+              <a:schemeClr val="lt1"/>
+            </a:fontRef>
+          </p:style>
+          <p:txBody>
+            <a:bodyPr spcFirstLastPara="0" vert="horz" wrap="square" lIns="225783" tIns="21692" rIns="225783" bIns="21692" numCol="1" spcCol="1270" anchor="ctr" anchorCtr="0">
+              <a:noAutofit/>
+            </a:bodyPr>
+            <a:lstStyle/>
+            <a:p>
+              <a:pPr lvl="0" defTabSz="1066800">
+                <a:lnSpc>
+                  <a:spcPct val="90000"/>
+                </a:lnSpc>
+                <a:spcBef>
+                  <a:spcPct val="0"/>
+                </a:spcBef>
+                <a:spcAft>
+                  <a:spcPct val="35000"/>
+                </a:spcAft>
+              </a:pPr>
+              <a:r>
+                <a:rPr lang="pl-PL" sz="2400" i="1" dirty="0" smtClean="0">
+                  <a:effectLst>
+                    <a:outerShdw blurRad="38100" dist="38100" dir="2700000" algn="tl">
+                      <a:srgbClr val="000000">
+                        <a:alpha val="43137"/>
+                      </a:srgbClr>
+                    </a:outerShdw>
+                  </a:effectLst>
+                </a:rPr>
+                <a:t>Przykładowy rezultat</a:t>
+              </a:r>
+              <a:endParaRPr lang="pl-PL" sz="2400" i="1" kern="1200" dirty="0">
+                <a:effectLst>
+                  <a:outerShdw blurRad="38100" dist="38100" dir="2700000" algn="tl">
+                    <a:srgbClr val="000000">
+                      <a:alpha val="43137"/>
+                    </a:srgbClr>
+                  </a:outerShdw>
+                </a:effectLst>
+              </a:endParaRPr>
+            </a:p>
+          </p:txBody>
+        </p:sp>
+      </p:grpSp>
+      <p:pic>
+        <p:nvPicPr>
+          <p:cNvPr id="2050" name="Picture 2" descr="D:\Studia magisterskie\Praca magisterska\repo\Placeholder\seminar1\prezentacja\canny\1. gauss.png"/>
+          <p:cNvPicPr>
+            <a:picLocks noChangeAspect="1" noChangeArrowheads="1"/>
+          </p:cNvPicPr>
+          <p:nvPr/>
+        </p:nvPicPr>
+        <p:blipFill>
+          <a:blip r:embed="rId2">
+            <a:extLst>
+              <a:ext uri="{28A0092B-C50C-407E-A947-70E740481C1C}">
+                <a14:useLocalDpi xmlns:a14="http://schemas.microsoft.com/office/drawing/2010/main" val="0"/>
+              </a:ext>
+            </a:extLst>
+          </a:blip>
+          <a:srcRect/>
+          <a:stretch>
+            <a:fillRect/>
+          </a:stretch>
+        </p:blipFill>
+        <p:spPr bwMode="auto">
+          <a:xfrm>
+            <a:off x="462161" y="2800059"/>
+            <a:ext cx="3533775" cy="2657475"/>
+          </a:xfrm>
+          <a:prstGeom prst="rect">
+            <a:avLst/>
+          </a:prstGeom>
+          <a:noFill/>
+          <a:extLst>
+            <a:ext uri="{909E8E84-426E-40DD-AFC4-6F175D3DCCD1}">
+              <a14:hiddenFill xmlns:a14="http://schemas.microsoft.com/office/drawing/2010/main">
+                <a:solidFill>
+                  <a:srgbClr val="FFFFFF"/>
+                </a:solidFill>
+              </a14:hiddenFill>
+            </a:ext>
+          </a:extLst>
+        </p:spPr>
+      </p:pic>
+      <p:sp>
+        <p:nvSpPr>
+          <p:cNvPr id="4" name="Right Arrow 3"/>
+          <p:cNvSpPr/>
+          <p:nvPr/>
+        </p:nvSpPr>
+        <p:spPr>
+          <a:xfrm>
+            <a:off x="4039366" y="3886480"/>
+            <a:ext cx="489204" cy="484632"/>
+          </a:xfrm>
+          <a:prstGeom prst="rightArrow">
+            <a:avLst/>
+          </a:prstGeom>
+          <a:ln>
+            <a:solidFill>
+              <a:schemeClr val="bg1"/>
+            </a:solidFill>
+          </a:ln>
+        </p:spPr>
+        <p:style>
+          <a:lnRef idx="2">
+            <a:schemeClr val="accent1">
+              <a:shade val="50000"/>
+            </a:schemeClr>
+          </a:lnRef>
+          <a:fillRef idx="1">
+            <a:schemeClr val="accent1"/>
+          </a:fillRef>
+          <a:effectRef idx="0">
+            <a:schemeClr val="accent1"/>
+          </a:effectRef>
+          <a:fontRef idx="minor">
+            <a:schemeClr val="lt1"/>
+          </a:fontRef>
+        </p:style>
+        <p:txBody>
+          <a:bodyPr rtlCol="0" anchor="ctr"/>
+          <a:lstStyle/>
+          <a:p>
+            <a:pPr algn="ctr"/>
+            <a:endParaRPr lang="pl-PL"/>
+          </a:p>
+        </p:txBody>
+      </p:sp>
+      <p:pic>
+        <p:nvPicPr>
+          <p:cNvPr id="1026" name="Picture 2" descr="D:\Studia magisterskie\Praca magisterska\repo\Placeholder\seminar1\prezentacja\canny\2.2. kierunek gradientu.png"/>
+          <p:cNvPicPr>
+            <a:picLocks noChangeAspect="1" noChangeArrowheads="1"/>
+          </p:cNvPicPr>
+          <p:nvPr/>
+        </p:nvPicPr>
+        <p:blipFill>
+          <a:blip r:embed="rId3">
+            <a:extLst>
+              <a:ext uri="{28A0092B-C50C-407E-A947-70E740481C1C}">
+                <a14:useLocalDpi xmlns:a14="http://schemas.microsoft.com/office/drawing/2010/main" val="0"/>
+              </a:ext>
+            </a:extLst>
+          </a:blip>
+          <a:srcRect/>
+          <a:stretch>
+            <a:fillRect/>
+          </a:stretch>
+        </p:blipFill>
+        <p:spPr bwMode="auto">
+          <a:xfrm>
+            <a:off x="4555547" y="2800059"/>
+            <a:ext cx="3533775" cy="2643976"/>
+          </a:xfrm>
+          <a:prstGeom prst="rect">
+            <a:avLst/>
+          </a:prstGeom>
+          <a:noFill/>
+          <a:extLst>
+            <a:ext uri="{909E8E84-426E-40DD-AFC4-6F175D3DCCD1}">
+              <a14:hiddenFill xmlns:a14="http://schemas.microsoft.com/office/drawing/2010/main">
+                <a:solidFill>
+                  <a:srgbClr val="FFFFFF"/>
+                </a:solidFill>
+              </a14:hiddenFill>
+            </a:ext>
+          </a:extLst>
+        </p:spPr>
+      </p:pic>
+      <p:pic>
+        <p:nvPicPr>
+          <p:cNvPr id="1027" name="Picture 3" descr="D:\Studia magisterskie\Praca magisterska\repo\Placeholder\seminar1\prezentacja\canny\2.2. kierunek gradientu_SW_NE.png"/>
+          <p:cNvPicPr>
+            <a:picLocks noChangeAspect="1" noChangeArrowheads="1"/>
+          </p:cNvPicPr>
+          <p:nvPr/>
+        </p:nvPicPr>
+        <p:blipFill>
+          <a:blip r:embed="rId4">
+            <a:extLst>
+              <a:ext uri="{28A0092B-C50C-407E-A947-70E740481C1C}">
+                <a14:useLocalDpi xmlns:a14="http://schemas.microsoft.com/office/drawing/2010/main" val="0"/>
+              </a:ext>
+            </a:extLst>
+          </a:blip>
+          <a:srcRect/>
+          <a:stretch>
+            <a:fillRect/>
+          </a:stretch>
+        </p:blipFill>
+        <p:spPr bwMode="auto">
+          <a:xfrm>
+            <a:off x="4778432" y="5568280"/>
+            <a:ext cx="371475" cy="381000"/>
+          </a:xfrm>
+          <a:prstGeom prst="rect">
+            <a:avLst/>
+          </a:prstGeom>
+          <a:noFill/>
+          <a:extLst>
+            <a:ext uri="{909E8E84-426E-40DD-AFC4-6F175D3DCCD1}">
+              <a14:hiddenFill xmlns:a14="http://schemas.microsoft.com/office/drawing/2010/main">
+                <a:solidFill>
+                  <a:srgbClr val="FFFFFF"/>
+                </a:solidFill>
+              </a14:hiddenFill>
+            </a:ext>
+          </a:extLst>
+        </p:spPr>
+      </p:pic>
+      <p:sp>
+        <p:nvSpPr>
+          <p:cNvPr id="14" name="Freeform 13"/>
+          <p:cNvSpPr/>
+          <p:nvPr/>
+        </p:nvSpPr>
+        <p:spPr>
+          <a:xfrm>
+            <a:off x="5210480" y="5568280"/>
+            <a:ext cx="1257448" cy="381000"/>
+          </a:xfrm>
+          <a:custGeom>
+            <a:avLst/>
+            <a:gdLst>
+              <a:gd name="connsiteX0" fmla="*/ 0 w 2483862"/>
+              <a:gd name="connsiteY0" fmla="*/ 74061 h 444358"/>
+              <a:gd name="connsiteX1" fmla="*/ 74061 w 2483862"/>
+              <a:gd name="connsiteY1" fmla="*/ 0 h 444358"/>
+              <a:gd name="connsiteX2" fmla="*/ 2409801 w 2483862"/>
+              <a:gd name="connsiteY2" fmla="*/ 0 h 444358"/>
+              <a:gd name="connsiteX3" fmla="*/ 2483862 w 2483862"/>
+              <a:gd name="connsiteY3" fmla="*/ 74061 h 444358"/>
+              <a:gd name="connsiteX4" fmla="*/ 2483862 w 2483862"/>
+              <a:gd name="connsiteY4" fmla="*/ 370297 h 444358"/>
+              <a:gd name="connsiteX5" fmla="*/ 2409801 w 2483862"/>
+              <a:gd name="connsiteY5" fmla="*/ 444358 h 444358"/>
+              <a:gd name="connsiteX6" fmla="*/ 74061 w 2483862"/>
+              <a:gd name="connsiteY6" fmla="*/ 444358 h 444358"/>
+              <a:gd name="connsiteX7" fmla="*/ 0 w 2483862"/>
+              <a:gd name="connsiteY7" fmla="*/ 370297 h 444358"/>
+              <a:gd name="connsiteX8" fmla="*/ 0 w 2483862"/>
+              <a:gd name="connsiteY8" fmla="*/ 74061 h 444358"/>
+            </a:gdLst>
+            <a:ahLst/>
+            <a:cxnLst>
+              <a:cxn ang="0">
+                <a:pos x="connsiteX0" y="connsiteY0"/>
+              </a:cxn>
+              <a:cxn ang="0">
+                <a:pos x="connsiteX1" y="connsiteY1"/>
+              </a:cxn>
+              <a:cxn ang="0">
+                <a:pos x="connsiteX2" y="connsiteY2"/>
+              </a:cxn>
+              <a:cxn ang="0">
+                <a:pos x="connsiteX3" y="connsiteY3"/>
+              </a:cxn>
+              <a:cxn ang="0">
+                <a:pos x="connsiteX4" y="connsiteY4"/>
+              </a:cxn>
+              <a:cxn ang="0">
+                <a:pos x="connsiteX5" y="connsiteY5"/>
+              </a:cxn>
+              <a:cxn ang="0">
+                <a:pos x="connsiteX6" y="connsiteY6"/>
+              </a:cxn>
+              <a:cxn ang="0">
+                <a:pos x="connsiteX7" y="connsiteY7"/>
+              </a:cxn>
+              <a:cxn ang="0">
+                <a:pos x="connsiteX8" y="connsiteY8"/>
+              </a:cxn>
+            </a:cxnLst>
+            <a:rect l="l" t="t" r="r" b="b"/>
+            <a:pathLst>
+              <a:path w="2483862" h="444358">
+                <a:moveTo>
+                  <a:pt x="0" y="74061"/>
+                </a:moveTo>
+                <a:cubicBezTo>
+                  <a:pt x="0" y="33158"/>
+                  <a:pt x="33158" y="0"/>
+                  <a:pt x="74061" y="0"/>
+                </a:cubicBezTo>
+                <a:lnTo>
+                  <a:pt x="2409801" y="0"/>
+                </a:lnTo>
+                <a:cubicBezTo>
+                  <a:pt x="2450704" y="0"/>
+                  <a:pt x="2483862" y="33158"/>
+                  <a:pt x="2483862" y="74061"/>
+                </a:cubicBezTo>
+                <a:lnTo>
+                  <a:pt x="2483862" y="370297"/>
+                </a:lnTo>
+                <a:cubicBezTo>
+                  <a:pt x="2483862" y="411200"/>
+                  <a:pt x="2450704" y="444358"/>
+                  <a:pt x="2409801" y="444358"/>
+                </a:cubicBezTo>
+                <a:lnTo>
+                  <a:pt x="74061" y="444358"/>
+                </a:lnTo>
+                <a:cubicBezTo>
+                  <a:pt x="33158" y="444358"/>
+                  <a:pt x="0" y="411200"/>
+                  <a:pt x="0" y="370297"/>
+                </a:cubicBezTo>
+                <a:lnTo>
+                  <a:pt x="0" y="74061"/>
+                </a:lnTo>
+                <a:close/>
+              </a:path>
+            </a:pathLst>
+          </a:custGeom>
+        </p:spPr>
+        <p:style>
+          <a:lnRef idx="2">
+            <a:schemeClr val="lt1">
+              <a:hueOff val="0"/>
+              <a:satOff val="0"/>
+              <a:lumOff val="0"/>
+              <a:alphaOff val="0"/>
+            </a:schemeClr>
+          </a:lnRef>
+          <a:fillRef idx="1">
+            <a:schemeClr val="accent1">
+              <a:hueOff val="0"/>
+              <a:satOff val="0"/>
+              <a:lumOff val="0"/>
+              <a:alphaOff val="0"/>
+            </a:schemeClr>
+          </a:fillRef>
+          <a:effectRef idx="0">
+            <a:schemeClr val="accent1">
+              <a:hueOff val="0"/>
+              <a:satOff val="0"/>
+              <a:lumOff val="0"/>
+              <a:alphaOff val="0"/>
+            </a:schemeClr>
+          </a:effectRef>
+          <a:fontRef idx="minor">
+            <a:schemeClr val="lt1"/>
+          </a:fontRef>
+        </p:style>
+        <p:txBody>
+          <a:bodyPr spcFirstLastPara="0" vert="horz" wrap="square" lIns="225783" tIns="21692" rIns="225783" bIns="21692" numCol="1" spcCol="1270" anchor="ctr" anchorCtr="0">
+            <a:noAutofit/>
+          </a:bodyPr>
+          <a:lstStyle/>
+          <a:p>
+            <a:pPr lvl="0" defTabSz="1066800">
+              <a:lnSpc>
+                <a:spcPct val="90000"/>
+              </a:lnSpc>
+              <a:spcBef>
+                <a:spcPct val="0"/>
+              </a:spcBef>
+              <a:spcAft>
+                <a:spcPct val="35000"/>
+              </a:spcAft>
+            </a:pPr>
+            <a:r>
+              <a:rPr lang="pl-PL" sz="2000" dirty="0" smtClean="0">
+                <a:effectLst>
+                  <a:outerShdw blurRad="38100" dist="38100" dir="2700000" algn="tl">
+                    <a:srgbClr val="000000">
+                      <a:alpha val="43137"/>
+                    </a:srgbClr>
+                  </a:outerShdw>
+                </a:effectLst>
+              </a:rPr>
+              <a:t>SW-NE</a:t>
+            </a:r>
+            <a:endParaRPr lang="pl-PL" sz="2000" kern="1200" dirty="0">
+              <a:effectLst>
+                <a:outerShdw blurRad="38100" dist="38100" dir="2700000" algn="tl">
+                  <a:srgbClr val="000000">
+                    <a:alpha val="43137"/>
+                  </a:srgbClr>
+                </a:outerShdw>
+              </a:effectLst>
+            </a:endParaRPr>
+          </a:p>
+        </p:txBody>
+      </p:sp>
+      <p:pic>
+        <p:nvPicPr>
+          <p:cNvPr id="1028" name="Picture 4" descr="D:\Studia magisterskie\Praca magisterska\repo\Placeholder\seminar1\prezentacja\canny\2.2. kierunek gradientu_E_W.png"/>
+          <p:cNvPicPr>
+            <a:picLocks noChangeAspect="1" noChangeArrowheads="1"/>
+          </p:cNvPicPr>
+          <p:nvPr/>
+        </p:nvPicPr>
+        <p:blipFill>
+          <a:blip r:embed="rId5">
+            <a:extLst>
+              <a:ext uri="{28A0092B-C50C-407E-A947-70E740481C1C}">
+                <a14:useLocalDpi xmlns:a14="http://schemas.microsoft.com/office/drawing/2010/main" val="0"/>
+              </a:ext>
+            </a:extLst>
+          </a:blip>
+          <a:srcRect/>
+          <a:stretch>
+            <a:fillRect/>
+          </a:stretch>
+        </p:blipFill>
+        <p:spPr bwMode="auto">
+          <a:xfrm>
+            <a:off x="6664966" y="5568280"/>
+            <a:ext cx="371475" cy="381000"/>
+          </a:xfrm>
+          <a:prstGeom prst="rect">
+            <a:avLst/>
+          </a:prstGeom>
+          <a:noFill/>
+          <a:extLst>
+            <a:ext uri="{909E8E84-426E-40DD-AFC4-6F175D3DCCD1}">
+              <a14:hiddenFill xmlns:a14="http://schemas.microsoft.com/office/drawing/2010/main">
+                <a:solidFill>
+                  <a:srgbClr val="FFFFFF"/>
+                </a:solidFill>
+              </a14:hiddenFill>
+            </a:ext>
+          </a:extLst>
+        </p:spPr>
+      </p:pic>
+      <p:pic>
+        <p:nvPicPr>
+          <p:cNvPr id="1029" name="Picture 5" descr="D:\Studia magisterskie\Praca magisterska\repo\Placeholder\seminar1\prezentacja\canny\2.2. kierunek gradientu_SE_NW.png"/>
+          <p:cNvPicPr>
+            <a:picLocks noChangeAspect="1" noChangeArrowheads="1"/>
+          </p:cNvPicPr>
+          <p:nvPr/>
+        </p:nvPicPr>
+        <p:blipFill>
+          <a:blip r:embed="rId6">
+            <a:extLst>
+              <a:ext uri="{28A0092B-C50C-407E-A947-70E740481C1C}">
+                <a14:useLocalDpi xmlns:a14="http://schemas.microsoft.com/office/drawing/2010/main" val="0"/>
+              </a:ext>
+            </a:extLst>
+          </a:blip>
+          <a:srcRect/>
+          <a:stretch>
+            <a:fillRect/>
+          </a:stretch>
+        </p:blipFill>
+        <p:spPr bwMode="auto">
+          <a:xfrm>
+            <a:off x="4778432" y="6072336"/>
+            <a:ext cx="371475" cy="381000"/>
+          </a:xfrm>
+          <a:prstGeom prst="rect">
+            <a:avLst/>
+          </a:prstGeom>
+          <a:noFill/>
+          <a:extLst>
+            <a:ext uri="{909E8E84-426E-40DD-AFC4-6F175D3DCCD1}">
+              <a14:hiddenFill xmlns:a14="http://schemas.microsoft.com/office/drawing/2010/main">
+                <a:solidFill>
+                  <a:srgbClr val="FFFFFF"/>
+                </a:solidFill>
+              </a14:hiddenFill>
+            </a:ext>
+          </a:extLst>
+        </p:spPr>
+      </p:pic>
+      <p:pic>
+        <p:nvPicPr>
+          <p:cNvPr id="1030" name="Picture 6" descr="D:\Studia magisterskie\Praca magisterska\repo\Placeholder\seminar1\prezentacja\canny\2.2. kierunek gradientu_N_S.png"/>
+          <p:cNvPicPr>
+            <a:picLocks noChangeAspect="1" noChangeArrowheads="1"/>
+          </p:cNvPicPr>
+          <p:nvPr/>
+        </p:nvPicPr>
+        <p:blipFill>
+          <a:blip r:embed="rId7">
+            <a:extLst>
+              <a:ext uri="{28A0092B-C50C-407E-A947-70E740481C1C}">
+                <a14:useLocalDpi xmlns:a14="http://schemas.microsoft.com/office/drawing/2010/main" val="0"/>
+              </a:ext>
+            </a:extLst>
+          </a:blip>
+          <a:srcRect/>
+          <a:stretch>
+            <a:fillRect/>
+          </a:stretch>
+        </p:blipFill>
+        <p:spPr bwMode="auto">
+          <a:xfrm>
+            <a:off x="6660232" y="6072336"/>
+            <a:ext cx="371475" cy="381000"/>
+          </a:xfrm>
+          <a:prstGeom prst="rect">
+            <a:avLst/>
+          </a:prstGeom>
+          <a:noFill/>
+          <a:extLst>
+            <a:ext uri="{909E8E84-426E-40DD-AFC4-6F175D3DCCD1}">
+              <a14:hiddenFill xmlns:a14="http://schemas.microsoft.com/office/drawing/2010/main">
+                <a:solidFill>
+                  <a:srgbClr val="FFFFFF"/>
+                </a:solidFill>
+              </a14:hiddenFill>
+            </a:ext>
+          </a:extLst>
+        </p:spPr>
+      </p:pic>
+      <p:sp>
+        <p:nvSpPr>
+          <p:cNvPr id="18" name="Freeform 17"/>
+          <p:cNvSpPr/>
+          <p:nvPr/>
+        </p:nvSpPr>
+        <p:spPr>
+          <a:xfrm>
+            <a:off x="7092280" y="5568280"/>
+            <a:ext cx="897408" cy="381000"/>
+          </a:xfrm>
+          <a:custGeom>
+            <a:avLst/>
+            <a:gdLst>
+              <a:gd name="connsiteX0" fmla="*/ 0 w 2483862"/>
+              <a:gd name="connsiteY0" fmla="*/ 74061 h 444358"/>
+              <a:gd name="connsiteX1" fmla="*/ 74061 w 2483862"/>
+              <a:gd name="connsiteY1" fmla="*/ 0 h 444358"/>
+              <a:gd name="connsiteX2" fmla="*/ 2409801 w 2483862"/>
+              <a:gd name="connsiteY2" fmla="*/ 0 h 444358"/>
+              <a:gd name="connsiteX3" fmla="*/ 2483862 w 2483862"/>
+              <a:gd name="connsiteY3" fmla="*/ 74061 h 444358"/>
+              <a:gd name="connsiteX4" fmla="*/ 2483862 w 2483862"/>
+              <a:gd name="connsiteY4" fmla="*/ 370297 h 444358"/>
+              <a:gd name="connsiteX5" fmla="*/ 2409801 w 2483862"/>
+              <a:gd name="connsiteY5" fmla="*/ 444358 h 444358"/>
+              <a:gd name="connsiteX6" fmla="*/ 74061 w 2483862"/>
+              <a:gd name="connsiteY6" fmla="*/ 444358 h 444358"/>
+              <a:gd name="connsiteX7" fmla="*/ 0 w 2483862"/>
+              <a:gd name="connsiteY7" fmla="*/ 370297 h 444358"/>
+              <a:gd name="connsiteX8" fmla="*/ 0 w 2483862"/>
+              <a:gd name="connsiteY8" fmla="*/ 74061 h 444358"/>
+            </a:gdLst>
+            <a:ahLst/>
+            <a:cxnLst>
+              <a:cxn ang="0">
+                <a:pos x="connsiteX0" y="connsiteY0"/>
+              </a:cxn>
+              <a:cxn ang="0">
+                <a:pos x="connsiteX1" y="connsiteY1"/>
+              </a:cxn>
+              <a:cxn ang="0">
+                <a:pos x="connsiteX2" y="connsiteY2"/>
+              </a:cxn>
+              <a:cxn ang="0">
+                <a:pos x="connsiteX3" y="connsiteY3"/>
+              </a:cxn>
+              <a:cxn ang="0">
+                <a:pos x="connsiteX4" y="connsiteY4"/>
+              </a:cxn>
+              <a:cxn ang="0">
+                <a:pos x="connsiteX5" y="connsiteY5"/>
+              </a:cxn>
+              <a:cxn ang="0">
+                <a:pos x="connsiteX6" y="connsiteY6"/>
+              </a:cxn>
+              <a:cxn ang="0">
+                <a:pos x="connsiteX7" y="connsiteY7"/>
+              </a:cxn>
+              <a:cxn ang="0">
+                <a:pos x="connsiteX8" y="connsiteY8"/>
+              </a:cxn>
+            </a:cxnLst>
+            <a:rect l="l" t="t" r="r" b="b"/>
+            <a:pathLst>
+              <a:path w="2483862" h="444358">
+                <a:moveTo>
+                  <a:pt x="0" y="74061"/>
+                </a:moveTo>
+                <a:cubicBezTo>
+                  <a:pt x="0" y="33158"/>
+                  <a:pt x="33158" y="0"/>
+                  <a:pt x="74061" y="0"/>
+                </a:cubicBezTo>
+                <a:lnTo>
+                  <a:pt x="2409801" y="0"/>
+                </a:lnTo>
+                <a:cubicBezTo>
+                  <a:pt x="2450704" y="0"/>
+                  <a:pt x="2483862" y="33158"/>
+                  <a:pt x="2483862" y="74061"/>
+                </a:cubicBezTo>
+                <a:lnTo>
+                  <a:pt x="2483862" y="370297"/>
+                </a:lnTo>
+                <a:cubicBezTo>
+                  <a:pt x="2483862" y="411200"/>
+                  <a:pt x="2450704" y="444358"/>
+                  <a:pt x="2409801" y="444358"/>
+                </a:cubicBezTo>
+                <a:lnTo>
+                  <a:pt x="74061" y="444358"/>
+                </a:lnTo>
+                <a:cubicBezTo>
+                  <a:pt x="33158" y="444358"/>
+                  <a:pt x="0" y="411200"/>
+                  <a:pt x="0" y="370297"/>
+                </a:cubicBezTo>
+                <a:lnTo>
+                  <a:pt x="0" y="74061"/>
+                </a:lnTo>
+                <a:close/>
+              </a:path>
+            </a:pathLst>
+          </a:custGeom>
+        </p:spPr>
+        <p:style>
+          <a:lnRef idx="2">
+            <a:schemeClr val="lt1">
+              <a:hueOff val="0"/>
+              <a:satOff val="0"/>
+              <a:lumOff val="0"/>
+              <a:alphaOff val="0"/>
+            </a:schemeClr>
+          </a:lnRef>
+          <a:fillRef idx="1">
+            <a:schemeClr val="accent1">
+              <a:hueOff val="0"/>
+              <a:satOff val="0"/>
+              <a:lumOff val="0"/>
+              <a:alphaOff val="0"/>
+            </a:schemeClr>
+          </a:fillRef>
+          <a:effectRef idx="0">
+            <a:schemeClr val="accent1">
+              <a:hueOff val="0"/>
+              <a:satOff val="0"/>
+              <a:lumOff val="0"/>
+              <a:alphaOff val="0"/>
+            </a:schemeClr>
+          </a:effectRef>
+          <a:fontRef idx="minor">
+            <a:schemeClr val="lt1"/>
+          </a:fontRef>
+        </p:style>
+        <p:txBody>
+          <a:bodyPr spcFirstLastPara="0" vert="horz" wrap="square" lIns="225783" tIns="21692" rIns="225783" bIns="21692" numCol="1" spcCol="1270" anchor="ctr" anchorCtr="0">
+            <a:noAutofit/>
+          </a:bodyPr>
+          <a:lstStyle/>
+          <a:p>
+            <a:pPr lvl="0" defTabSz="1066800">
+              <a:lnSpc>
+                <a:spcPct val="90000"/>
+              </a:lnSpc>
+              <a:spcBef>
+                <a:spcPct val="0"/>
+              </a:spcBef>
+              <a:spcAft>
+                <a:spcPct val="35000"/>
+              </a:spcAft>
+            </a:pPr>
+            <a:r>
+              <a:rPr lang="pl-PL" sz="2000" dirty="0" smtClean="0">
+                <a:effectLst>
+                  <a:outerShdw blurRad="38100" dist="38100" dir="2700000" algn="tl">
+                    <a:srgbClr val="000000">
+                      <a:alpha val="43137"/>
+                    </a:srgbClr>
+                  </a:outerShdw>
+                </a:effectLst>
+              </a:rPr>
+              <a:t>E-W</a:t>
+            </a:r>
+            <a:endParaRPr lang="pl-PL" sz="2000" kern="1200" dirty="0">
+              <a:effectLst>
+                <a:outerShdw blurRad="38100" dist="38100" dir="2700000" algn="tl">
+                  <a:srgbClr val="000000">
+                    <a:alpha val="43137"/>
+                  </a:srgbClr>
+                </a:outerShdw>
+              </a:effectLst>
+            </a:endParaRPr>
+          </a:p>
+        </p:txBody>
+      </p:sp>
+      <p:sp>
+        <p:nvSpPr>
+          <p:cNvPr id="19" name="Freeform 18"/>
+          <p:cNvSpPr/>
+          <p:nvPr/>
+        </p:nvSpPr>
+        <p:spPr>
+          <a:xfrm>
+            <a:off x="5210480" y="6072336"/>
+            <a:ext cx="1257448" cy="381000"/>
+          </a:xfrm>
+          <a:custGeom>
+            <a:avLst/>
+            <a:gdLst>
+              <a:gd name="connsiteX0" fmla="*/ 0 w 2483862"/>
+              <a:gd name="connsiteY0" fmla="*/ 74061 h 444358"/>
+              <a:gd name="connsiteX1" fmla="*/ 74061 w 2483862"/>
+              <a:gd name="connsiteY1" fmla="*/ 0 h 444358"/>
+              <a:gd name="connsiteX2" fmla="*/ 2409801 w 2483862"/>
+              <a:gd name="connsiteY2" fmla="*/ 0 h 444358"/>
+              <a:gd name="connsiteX3" fmla="*/ 2483862 w 2483862"/>
+              <a:gd name="connsiteY3" fmla="*/ 74061 h 444358"/>
+              <a:gd name="connsiteX4" fmla="*/ 2483862 w 2483862"/>
+              <a:gd name="connsiteY4" fmla="*/ 370297 h 444358"/>
+              <a:gd name="connsiteX5" fmla="*/ 2409801 w 2483862"/>
+              <a:gd name="connsiteY5" fmla="*/ 444358 h 444358"/>
+              <a:gd name="connsiteX6" fmla="*/ 74061 w 2483862"/>
+              <a:gd name="connsiteY6" fmla="*/ 444358 h 444358"/>
+              <a:gd name="connsiteX7" fmla="*/ 0 w 2483862"/>
+              <a:gd name="connsiteY7" fmla="*/ 370297 h 444358"/>
+              <a:gd name="connsiteX8" fmla="*/ 0 w 2483862"/>
+              <a:gd name="connsiteY8" fmla="*/ 74061 h 444358"/>
+            </a:gdLst>
+            <a:ahLst/>
+            <a:cxnLst>
+              <a:cxn ang="0">
+                <a:pos x="connsiteX0" y="connsiteY0"/>
+              </a:cxn>
+              <a:cxn ang="0">
+                <a:pos x="connsiteX1" y="connsiteY1"/>
+              </a:cxn>
+              <a:cxn ang="0">
+                <a:pos x="connsiteX2" y="connsiteY2"/>
+              </a:cxn>
+              <a:cxn ang="0">
+                <a:pos x="connsiteX3" y="connsiteY3"/>
+              </a:cxn>
+              <a:cxn ang="0">
+                <a:pos x="connsiteX4" y="connsiteY4"/>
+              </a:cxn>
+              <a:cxn ang="0">
+                <a:pos x="connsiteX5" y="connsiteY5"/>
+              </a:cxn>
+              <a:cxn ang="0">
+                <a:pos x="connsiteX6" y="connsiteY6"/>
+              </a:cxn>
+              <a:cxn ang="0">
+                <a:pos x="connsiteX7" y="connsiteY7"/>
+              </a:cxn>
+              <a:cxn ang="0">
+                <a:pos x="connsiteX8" y="connsiteY8"/>
+              </a:cxn>
+            </a:cxnLst>
+            <a:rect l="l" t="t" r="r" b="b"/>
+            <a:pathLst>
+              <a:path w="2483862" h="444358">
+                <a:moveTo>
+                  <a:pt x="0" y="74061"/>
+                </a:moveTo>
+                <a:cubicBezTo>
+                  <a:pt x="0" y="33158"/>
+                  <a:pt x="33158" y="0"/>
+                  <a:pt x="74061" y="0"/>
+                </a:cubicBezTo>
+                <a:lnTo>
+                  <a:pt x="2409801" y="0"/>
+                </a:lnTo>
+                <a:cubicBezTo>
+                  <a:pt x="2450704" y="0"/>
+                  <a:pt x="2483862" y="33158"/>
+                  <a:pt x="2483862" y="74061"/>
+                </a:cubicBezTo>
+                <a:lnTo>
+                  <a:pt x="2483862" y="370297"/>
+                </a:lnTo>
+                <a:cubicBezTo>
+                  <a:pt x="2483862" y="411200"/>
+                  <a:pt x="2450704" y="444358"/>
+                  <a:pt x="2409801" y="444358"/>
+                </a:cubicBezTo>
+                <a:lnTo>
+                  <a:pt x="74061" y="444358"/>
+                </a:lnTo>
+                <a:cubicBezTo>
+                  <a:pt x="33158" y="444358"/>
+                  <a:pt x="0" y="411200"/>
+                  <a:pt x="0" y="370297"/>
+                </a:cubicBezTo>
+                <a:lnTo>
+                  <a:pt x="0" y="74061"/>
+                </a:lnTo>
+                <a:close/>
+              </a:path>
+            </a:pathLst>
+          </a:custGeom>
+        </p:spPr>
+        <p:style>
+          <a:lnRef idx="2">
+            <a:schemeClr val="lt1">
+              <a:hueOff val="0"/>
+              <a:satOff val="0"/>
+              <a:lumOff val="0"/>
+              <a:alphaOff val="0"/>
+            </a:schemeClr>
+          </a:lnRef>
+          <a:fillRef idx="1">
+            <a:schemeClr val="accent1">
+              <a:hueOff val="0"/>
+              <a:satOff val="0"/>
+              <a:lumOff val="0"/>
+              <a:alphaOff val="0"/>
+            </a:schemeClr>
+          </a:fillRef>
+          <a:effectRef idx="0">
+            <a:schemeClr val="accent1">
+              <a:hueOff val="0"/>
+              <a:satOff val="0"/>
+              <a:lumOff val="0"/>
+              <a:alphaOff val="0"/>
+            </a:schemeClr>
+          </a:effectRef>
+          <a:fontRef idx="minor">
+            <a:schemeClr val="lt1"/>
+          </a:fontRef>
+        </p:style>
+        <p:txBody>
+          <a:bodyPr spcFirstLastPara="0" vert="horz" wrap="square" lIns="225783" tIns="21692" rIns="225783" bIns="21692" numCol="1" spcCol="1270" anchor="ctr" anchorCtr="0">
+            <a:noAutofit/>
+          </a:bodyPr>
+          <a:lstStyle/>
+          <a:p>
+            <a:pPr lvl="0" defTabSz="1066800">
+              <a:lnSpc>
+                <a:spcPct val="90000"/>
+              </a:lnSpc>
+              <a:spcBef>
+                <a:spcPct val="0"/>
+              </a:spcBef>
+              <a:spcAft>
+                <a:spcPct val="35000"/>
+              </a:spcAft>
+            </a:pPr>
+            <a:r>
+              <a:rPr lang="pl-PL" sz="2000" dirty="0" smtClean="0">
+                <a:effectLst>
+                  <a:outerShdw blurRad="38100" dist="38100" dir="2700000" algn="tl">
+                    <a:srgbClr val="000000">
+                      <a:alpha val="43137"/>
+                    </a:srgbClr>
+                  </a:outerShdw>
+                </a:effectLst>
+              </a:rPr>
+              <a:t>SE-NW</a:t>
+            </a:r>
+            <a:endParaRPr lang="pl-PL" sz="2000" kern="1200" dirty="0">
+              <a:effectLst>
+                <a:outerShdw blurRad="38100" dist="38100" dir="2700000" algn="tl">
+                  <a:srgbClr val="000000">
+                    <a:alpha val="43137"/>
+                  </a:srgbClr>
+                </a:outerShdw>
+              </a:effectLst>
+            </a:endParaRPr>
+          </a:p>
+        </p:txBody>
+      </p:sp>
+      <p:sp>
+        <p:nvSpPr>
+          <p:cNvPr id="20" name="Freeform 19"/>
+          <p:cNvSpPr/>
+          <p:nvPr/>
+        </p:nvSpPr>
+        <p:spPr>
+          <a:xfrm>
+            <a:off x="7092280" y="6072336"/>
+            <a:ext cx="897408" cy="381000"/>
+          </a:xfrm>
+          <a:custGeom>
+            <a:avLst/>
+            <a:gdLst>
+              <a:gd name="connsiteX0" fmla="*/ 0 w 2483862"/>
+              <a:gd name="connsiteY0" fmla="*/ 74061 h 444358"/>
+              <a:gd name="connsiteX1" fmla="*/ 74061 w 2483862"/>
+              <a:gd name="connsiteY1" fmla="*/ 0 h 444358"/>
+              <a:gd name="connsiteX2" fmla="*/ 2409801 w 2483862"/>
+              <a:gd name="connsiteY2" fmla="*/ 0 h 444358"/>
+              <a:gd name="connsiteX3" fmla="*/ 2483862 w 2483862"/>
+              <a:gd name="connsiteY3" fmla="*/ 74061 h 444358"/>
+              <a:gd name="connsiteX4" fmla="*/ 2483862 w 2483862"/>
+              <a:gd name="connsiteY4" fmla="*/ 370297 h 444358"/>
+              <a:gd name="connsiteX5" fmla="*/ 2409801 w 2483862"/>
+              <a:gd name="connsiteY5" fmla="*/ 444358 h 444358"/>
+              <a:gd name="connsiteX6" fmla="*/ 74061 w 2483862"/>
+              <a:gd name="connsiteY6" fmla="*/ 444358 h 444358"/>
+              <a:gd name="connsiteX7" fmla="*/ 0 w 2483862"/>
+              <a:gd name="connsiteY7" fmla="*/ 370297 h 444358"/>
+              <a:gd name="connsiteX8" fmla="*/ 0 w 2483862"/>
+              <a:gd name="connsiteY8" fmla="*/ 74061 h 444358"/>
+            </a:gdLst>
+            <a:ahLst/>
+            <a:cxnLst>
+              <a:cxn ang="0">
+                <a:pos x="connsiteX0" y="connsiteY0"/>
+              </a:cxn>
+              <a:cxn ang="0">
+                <a:pos x="connsiteX1" y="connsiteY1"/>
+              </a:cxn>
+              <a:cxn ang="0">
+                <a:pos x="connsiteX2" y="connsiteY2"/>
+              </a:cxn>
+              <a:cxn ang="0">
+                <a:pos x="connsiteX3" y="connsiteY3"/>
+              </a:cxn>
+              <a:cxn ang="0">
+                <a:pos x="connsiteX4" y="connsiteY4"/>
+              </a:cxn>
+              <a:cxn ang="0">
+                <a:pos x="connsiteX5" y="connsiteY5"/>
+              </a:cxn>
+              <a:cxn ang="0">
+                <a:pos x="connsiteX6" y="connsiteY6"/>
+              </a:cxn>
+              <a:cxn ang="0">
+                <a:pos x="connsiteX7" y="connsiteY7"/>
+              </a:cxn>
+              <a:cxn ang="0">
+                <a:pos x="connsiteX8" y="connsiteY8"/>
+              </a:cxn>
+            </a:cxnLst>
+            <a:rect l="l" t="t" r="r" b="b"/>
+            <a:pathLst>
+              <a:path w="2483862" h="444358">
+                <a:moveTo>
+                  <a:pt x="0" y="74061"/>
+                </a:moveTo>
+                <a:cubicBezTo>
+                  <a:pt x="0" y="33158"/>
+                  <a:pt x="33158" y="0"/>
+                  <a:pt x="74061" y="0"/>
+                </a:cubicBezTo>
+                <a:lnTo>
+                  <a:pt x="2409801" y="0"/>
+                </a:lnTo>
+                <a:cubicBezTo>
+                  <a:pt x="2450704" y="0"/>
+                  <a:pt x="2483862" y="33158"/>
+                  <a:pt x="2483862" y="74061"/>
+                </a:cubicBezTo>
+                <a:lnTo>
+                  <a:pt x="2483862" y="370297"/>
+                </a:lnTo>
+                <a:cubicBezTo>
+                  <a:pt x="2483862" y="411200"/>
+                  <a:pt x="2450704" y="444358"/>
+                  <a:pt x="2409801" y="444358"/>
+                </a:cubicBezTo>
+                <a:lnTo>
+                  <a:pt x="74061" y="444358"/>
+                </a:lnTo>
+                <a:cubicBezTo>
+                  <a:pt x="33158" y="444358"/>
+                  <a:pt x="0" y="411200"/>
+                  <a:pt x="0" y="370297"/>
+                </a:cubicBezTo>
+                <a:lnTo>
+                  <a:pt x="0" y="74061"/>
+                </a:lnTo>
+                <a:close/>
+              </a:path>
+            </a:pathLst>
+          </a:custGeom>
+        </p:spPr>
+        <p:style>
+          <a:lnRef idx="2">
+            <a:schemeClr val="lt1">
+              <a:hueOff val="0"/>
+              <a:satOff val="0"/>
+              <a:lumOff val="0"/>
+              <a:alphaOff val="0"/>
+            </a:schemeClr>
+          </a:lnRef>
+          <a:fillRef idx="1">
+            <a:schemeClr val="accent1">
+              <a:hueOff val="0"/>
+              <a:satOff val="0"/>
+              <a:lumOff val="0"/>
+              <a:alphaOff val="0"/>
+            </a:schemeClr>
+          </a:fillRef>
+          <a:effectRef idx="0">
+            <a:schemeClr val="accent1">
+              <a:hueOff val="0"/>
+              <a:satOff val="0"/>
+              <a:lumOff val="0"/>
+              <a:alphaOff val="0"/>
+            </a:schemeClr>
+          </a:effectRef>
+          <a:fontRef idx="minor">
+            <a:schemeClr val="lt1"/>
+          </a:fontRef>
+        </p:style>
+        <p:txBody>
+          <a:bodyPr spcFirstLastPara="0" vert="horz" wrap="square" lIns="225783" tIns="21692" rIns="225783" bIns="21692" numCol="1" spcCol="1270" anchor="ctr" anchorCtr="0">
+            <a:noAutofit/>
+          </a:bodyPr>
+          <a:lstStyle/>
+          <a:p>
+            <a:pPr lvl="0" defTabSz="1066800">
+              <a:lnSpc>
+                <a:spcPct val="90000"/>
+              </a:lnSpc>
+              <a:spcBef>
+                <a:spcPct val="0"/>
+              </a:spcBef>
+              <a:spcAft>
+                <a:spcPct val="35000"/>
+              </a:spcAft>
+            </a:pPr>
+            <a:r>
+              <a:rPr lang="pl-PL" sz="2000" dirty="0" smtClean="0">
+                <a:effectLst>
+                  <a:outerShdw blurRad="38100" dist="38100" dir="2700000" algn="tl">
+                    <a:srgbClr val="000000">
+                      <a:alpha val="43137"/>
+                    </a:srgbClr>
+                  </a:outerShdw>
+                </a:effectLst>
+              </a:rPr>
+              <a:t>N</a:t>
+            </a:r>
+            <a:r>
+              <a:rPr lang="pl-PL" sz="2000" dirty="0" smtClean="0">
+                <a:effectLst>
+                  <a:outerShdw blurRad="38100" dist="38100" dir="2700000" algn="tl">
+                    <a:srgbClr val="000000">
+                      <a:alpha val="43137"/>
+                    </a:srgbClr>
+                  </a:outerShdw>
+                </a:effectLst>
+              </a:rPr>
+              <a:t>-S</a:t>
+            </a:r>
+            <a:endParaRPr lang="pl-PL" sz="2000" kern="1200" dirty="0">
+              <a:effectLst>
+                <a:outerShdw blurRad="38100" dist="38100" dir="2700000" algn="tl">
+                  <a:srgbClr val="000000">
+                    <a:alpha val="43137"/>
+                  </a:srgbClr>
+                </a:outerShdw>
+              </a:effectLst>
+            </a:endParaRPr>
+          </a:p>
+        </p:txBody>
+      </p:sp>
+    </p:spTree>
+    <p:extLst>
+      <p:ext uri="{BB962C8B-B14F-4D97-AF65-F5344CB8AC3E}">
+        <p14:creationId xmlns:p14="http://schemas.microsoft.com/office/powerpoint/2010/main" val="2857580261"/>
+      </p:ext>
+    </p:extLst>
+  </p:cSld>
+  <p:clrMapOvr>
+    <a:masterClrMapping/>
+  </p:clrMapOvr>
+  <p:timing>
+    <p:tnLst>
+      <p:par>
+        <p:cTn id="1" dur="indefinite" restart="never" nodeType="tmRoot"/>
+      </p:par>
+    </p:tnLst>
+  </p:timing>
+</p:sld>
+</file>
+
+<file path=ppt/slides/slide9.xml><?xml version="1.0" encoding="utf-8"?>
+<p:sld xmlns:a="http://schemas.openxmlformats.org/drawingml/2006/main" xmlns:r="http://schemas.openxmlformats.org/officeDocument/2006/relationships" xmlns:p="http://schemas.openxmlformats.org/presentationml/2006/main">
+  <p:cSld>
+    <p:spTree>
+      <p:nvGrpSpPr>
+        <p:cNvPr id="1" name=""/>
+        <p:cNvGrpSpPr/>
+        <p:nvPr/>
+      </p:nvGrpSpPr>
+      <p:grpSpPr>
+        <a:xfrm>
+          <a:off x="0" y="0"/>
+          <a:ext cx="0" cy="0"/>
+          <a:chOff x="0" y="0"/>
+          <a:chExt cx="0" cy="0"/>
+        </a:xfrm>
+      </p:grpSpPr>
+      <p:sp>
+        <p:nvSpPr>
+          <p:cNvPr id="2" name="Title 1"/>
+          <p:cNvSpPr>
+            <a:spLocks noGrp="1"/>
+          </p:cNvSpPr>
+          <p:nvPr>
+            <p:ph type="title"/>
+          </p:nvPr>
+        </p:nvSpPr>
+        <p:spPr>
+          <a:xfrm>
+            <a:off x="457200" y="44624"/>
+            <a:ext cx="7620000" cy="1143000"/>
+          </a:xfrm>
+        </p:spPr>
+        <p:txBody>
+          <a:bodyPr/>
+          <a:lstStyle/>
+          <a:p>
+            <a:r>
+              <a:rPr lang="pl-PL" sz="4000" dirty="0" smtClean="0">
+                <a:effectLst>
+                  <a:outerShdw blurRad="38100" dist="38100" dir="2700000" algn="tl">
+                    <a:srgbClr val="000000">
+                      <a:alpha val="43137"/>
+                    </a:srgbClr>
+                  </a:outerShdw>
+                </a:effectLst>
+              </a:rPr>
+              <a:t>Canny – </a:t>
+            </a:r>
+            <a:r>
+              <a:rPr lang="pl-PL" sz="4000" dirty="0" smtClean="0">
+                <a:effectLst>
+                  <a:outerShdw blurRad="38100" dist="38100" dir="2700000" algn="tl">
+                    <a:srgbClr val="000000">
+                      <a:alpha val="43137"/>
+                    </a:srgbClr>
+                  </a:outerShdw>
+                </a:effectLst>
+              </a:rPr>
+              <a:t>usunięcie zbędnych pikseli</a:t>
+            </a:r>
+            <a:endParaRPr lang="pl-PL" sz="4000" dirty="0">
+              <a:effectLst>
+                <a:outerShdw blurRad="38100" dist="38100" dir="2700000" algn="tl">
+                  <a:srgbClr val="000000">
+                    <a:alpha val="43137"/>
+                  </a:srgbClr>
+                </a:outerShdw>
+              </a:effectLst>
+            </a:endParaRPr>
+          </a:p>
+        </p:txBody>
+      </p:sp>
+      <p:sp>
+        <p:nvSpPr>
+          <p:cNvPr id="3" name="Content Placeholder 2"/>
+          <p:cNvSpPr>
+            <a:spLocks noGrp="1"/>
+          </p:cNvSpPr>
+          <p:nvPr>
+            <p:ph idx="1"/>
+          </p:nvPr>
+        </p:nvSpPr>
+        <p:spPr>
+          <a:xfrm>
+            <a:off x="457200" y="1124744"/>
+            <a:ext cx="7630886" cy="4800600"/>
+          </a:xfrm>
+        </p:spPr>
+        <p:txBody>
+          <a:bodyPr>
+            <a:normAutofit/>
+          </a:bodyPr>
+          <a:lstStyle/>
+          <a:p>
+            <a:pPr marL="571500" indent="-457200">
+              <a:buAutoNum type="arabicPeriod"/>
+            </a:pPr>
+            <a:r>
+              <a:rPr lang="pl-PL" sz="2400" dirty="0" smtClean="0"/>
+              <a:t>Porównanie każdego pikela z dwoma pikselami sąsiednimi</a:t>
+            </a:r>
+          </a:p>
+          <a:p>
+            <a:pPr marL="571500" indent="-457200">
+              <a:buAutoNum type="arabicPeriod"/>
+            </a:pPr>
+            <a:r>
+              <a:rPr lang="pl-PL" sz="2400" dirty="0" smtClean="0"/>
+              <a:t>Piksele sąsiednie wyznaczane na podstawie informacji o kierunku gradientu</a:t>
+            </a:r>
+          </a:p>
+        </p:txBody>
+      </p:sp>
+      <p:sp>
+        <p:nvSpPr>
+          <p:cNvPr id="6" name="Footer Placeholder 7"/>
+          <p:cNvSpPr>
+            <a:spLocks noGrp="1"/>
+          </p:cNvSpPr>
+          <p:nvPr>
+            <p:ph type="ftr" sz="quarter" idx="11"/>
+          </p:nvPr>
+        </p:nvSpPr>
+        <p:spPr>
+          <a:xfrm rot="5400000">
+            <a:off x="6951124" y="1841964"/>
+            <a:ext cx="3672408" cy="365760"/>
+          </a:xfrm>
+        </p:spPr>
+        <p:txBody>
+          <a:bodyPr/>
+          <a:lstStyle/>
+          <a:p>
+            <a:pPr algn="l"/>
+            <a:r>
+              <a:rPr lang="pl-PL" sz="1600" dirty="0">
+                <a:effectLst>
+                  <a:outerShdw blurRad="38100" dist="38100" dir="2700000" algn="tl">
+                    <a:srgbClr val="000000">
+                      <a:alpha val="43137"/>
+                    </a:srgbClr>
+                  </a:outerShdw>
+                </a:effectLst>
+              </a:rPr>
+              <a:t>Seminarium dyplomowe magisterskie 1</a:t>
+            </a:r>
+            <a:endParaRPr lang="pl-PL" sz="1600" dirty="0">
+              <a:effectLst>
+                <a:outerShdw blurRad="38100" dist="38100" dir="2700000" algn="tl">
+                  <a:srgbClr val="000000">
+                    <a:alpha val="43137"/>
+                  </a:srgbClr>
+                </a:outerShdw>
+              </a:effectLst>
+            </a:endParaRPr>
+          </a:p>
+        </p:txBody>
+      </p:sp>
+      <p:sp>
+        <p:nvSpPr>
+          <p:cNvPr id="5" name="Slide Number Placeholder 4"/>
+          <p:cNvSpPr>
+            <a:spLocks noGrp="1"/>
+          </p:cNvSpPr>
+          <p:nvPr>
+            <p:ph type="sldNum" sz="quarter" idx="12"/>
+          </p:nvPr>
+        </p:nvSpPr>
+        <p:spPr/>
+        <p:txBody>
+          <a:bodyPr/>
+          <a:lstStyle/>
+          <a:p>
+            <a:fld id="{A9560CCA-E071-4361-AF3D-B0CE296716D1}" type="slidenum">
+              <a:rPr lang="pl-PL" smtClean="0"/>
+              <a:t>9</a:t>
+            </a:fld>
+            <a:endParaRPr lang="pl-PL"/>
+          </a:p>
+        </p:txBody>
+      </p:sp>
+      <p:grpSp>
+        <p:nvGrpSpPr>
+          <p:cNvPr id="7" name="Group 6"/>
+          <p:cNvGrpSpPr/>
+          <p:nvPr/>
+        </p:nvGrpSpPr>
+        <p:grpSpPr>
+          <a:xfrm>
+            <a:off x="1475656" y="3356992"/>
+            <a:ext cx="5544616" cy="2748614"/>
+            <a:chOff x="323528" y="2660605"/>
+            <a:chExt cx="5544616" cy="2748614"/>
+          </a:xfrm>
+        </p:grpSpPr>
+        <p:sp>
+          <p:nvSpPr>
+            <p:cNvPr id="8" name="Freeform 7"/>
+            <p:cNvSpPr/>
+            <p:nvPr/>
+          </p:nvSpPr>
+          <p:spPr>
+            <a:xfrm>
+              <a:off x="323528" y="2888939"/>
+              <a:ext cx="5544616" cy="2520280"/>
+            </a:xfrm>
+            <a:custGeom>
+              <a:avLst/>
+              <a:gdLst>
+                <a:gd name="connsiteX0" fmla="*/ 0 w 7713692"/>
+                <a:gd name="connsiteY0" fmla="*/ 0 h 1944224"/>
+                <a:gd name="connsiteX1" fmla="*/ 7713692 w 7713692"/>
+                <a:gd name="connsiteY1" fmla="*/ 0 h 1944224"/>
+                <a:gd name="connsiteX2" fmla="*/ 7713692 w 7713692"/>
+                <a:gd name="connsiteY2" fmla="*/ 1944224 h 1944224"/>
+                <a:gd name="connsiteX3" fmla="*/ 0 w 7713692"/>
+                <a:gd name="connsiteY3" fmla="*/ 1944224 h 1944224"/>
+                <a:gd name="connsiteX4" fmla="*/ 0 w 7713692"/>
+                <a:gd name="connsiteY4" fmla="*/ 0 h 1944224"/>
+              </a:gdLst>
+              <a:ahLst/>
+              <a:cxnLst>
+                <a:cxn ang="0">
+                  <a:pos x="connsiteX0" y="connsiteY0"/>
+                </a:cxn>
+                <a:cxn ang="0">
+                  <a:pos x="connsiteX1" y="connsiteY1"/>
+                </a:cxn>
+                <a:cxn ang="0">
+                  <a:pos x="connsiteX2" y="connsiteY2"/>
+                </a:cxn>
+                <a:cxn ang="0">
+                  <a:pos x="connsiteX3" y="connsiteY3"/>
+                </a:cxn>
+                <a:cxn ang="0">
+                  <a:pos x="connsiteX4" y="connsiteY4"/>
+                </a:cxn>
+              </a:cxnLst>
+              <a:rect l="l" t="t" r="r" b="b"/>
+              <a:pathLst>
+                <a:path w="7713692" h="1944224">
+                  <a:moveTo>
+                    <a:pt x="0" y="0"/>
+                  </a:moveTo>
+                  <a:lnTo>
+                    <a:pt x="7713692" y="0"/>
+                  </a:lnTo>
+                  <a:lnTo>
+                    <a:pt x="7713692" y="1944224"/>
+                  </a:lnTo>
+                  <a:lnTo>
+                    <a:pt x="0" y="1944224"/>
+                  </a:lnTo>
+                  <a:lnTo>
+                    <a:pt x="0" y="0"/>
+                  </a:lnTo>
+                  <a:close/>
+                </a:path>
+              </a:pathLst>
+            </a:custGeom>
+          </p:spPr>
+          <p:style>
+            <a:lnRef idx="2">
+              <a:schemeClr val="accent1">
+                <a:hueOff val="0"/>
+                <a:satOff val="0"/>
+                <a:lumOff val="0"/>
+                <a:alphaOff val="0"/>
+              </a:schemeClr>
+            </a:lnRef>
+            <a:fillRef idx="1">
+              <a:schemeClr val="lt1">
+                <a:alpha val="90000"/>
+                <a:hueOff val="0"/>
+                <a:satOff val="0"/>
+                <a:lumOff val="0"/>
+                <a:alphaOff val="0"/>
+              </a:schemeClr>
+            </a:fillRef>
+            <a:effectRef idx="0">
+              <a:schemeClr val="lt1">
+                <a:alpha val="90000"/>
+                <a:hueOff val="0"/>
+                <a:satOff val="0"/>
+                <a:lumOff val="0"/>
+                <a:alphaOff val="0"/>
+              </a:schemeClr>
+            </a:effectRef>
+            <a:fontRef idx="minor">
+              <a:schemeClr val="dk1">
+                <a:hueOff val="0"/>
+                <a:satOff val="0"/>
+                <a:lumOff val="0"/>
+                <a:alphaOff val="0"/>
+              </a:schemeClr>
+            </a:fontRef>
+          </p:style>
+          <p:txBody>
+            <a:bodyPr spcFirstLastPara="0" vert="horz" wrap="square" lIns="180000" tIns="324000" rIns="180000" bIns="180000" numCol="1" spcCol="1270" anchor="t" anchorCtr="0">
+              <a:noAutofit/>
+            </a:bodyPr>
+            <a:lstStyle/>
+            <a:p>
+              <a:pPr>
+                <a:lnSpc>
+                  <a:spcPts val="2400"/>
+                </a:lnSpc>
+              </a:pPr>
+              <a:endParaRPr lang="en-US" sz="2200" dirty="0">
+                <a:latin typeface="Consolas" pitchFamily="49" charset="0"/>
+                <a:cs typeface="Consolas" pitchFamily="49" charset="0"/>
+              </a:endParaRPr>
+            </a:p>
+          </p:txBody>
+        </p:sp>
+        <p:sp>
+          <p:nvSpPr>
+            <p:cNvPr id="9" name="Freeform 8"/>
+            <p:cNvSpPr/>
+            <p:nvPr/>
+          </p:nvSpPr>
+          <p:spPr>
+            <a:xfrm>
+              <a:off x="709212" y="2660605"/>
+              <a:ext cx="1558532" cy="444358"/>
+            </a:xfrm>
+            <a:custGeom>
+              <a:avLst/>
+              <a:gdLst>
+                <a:gd name="connsiteX0" fmla="*/ 0 w 2483862"/>
+                <a:gd name="connsiteY0" fmla="*/ 74061 h 444358"/>
+                <a:gd name="connsiteX1" fmla="*/ 74061 w 2483862"/>
+                <a:gd name="connsiteY1" fmla="*/ 0 h 444358"/>
+                <a:gd name="connsiteX2" fmla="*/ 2409801 w 2483862"/>
+                <a:gd name="connsiteY2" fmla="*/ 0 h 444358"/>
+                <a:gd name="connsiteX3" fmla="*/ 2483862 w 2483862"/>
+                <a:gd name="connsiteY3" fmla="*/ 74061 h 444358"/>
+                <a:gd name="connsiteX4" fmla="*/ 2483862 w 2483862"/>
+                <a:gd name="connsiteY4" fmla="*/ 370297 h 444358"/>
+                <a:gd name="connsiteX5" fmla="*/ 2409801 w 2483862"/>
+                <a:gd name="connsiteY5" fmla="*/ 444358 h 444358"/>
+                <a:gd name="connsiteX6" fmla="*/ 74061 w 2483862"/>
+                <a:gd name="connsiteY6" fmla="*/ 444358 h 444358"/>
+                <a:gd name="connsiteX7" fmla="*/ 0 w 2483862"/>
+                <a:gd name="connsiteY7" fmla="*/ 370297 h 444358"/>
+                <a:gd name="connsiteX8" fmla="*/ 0 w 2483862"/>
+                <a:gd name="connsiteY8" fmla="*/ 74061 h 444358"/>
+              </a:gdLst>
+              <a:ahLst/>
+              <a:cxnLst>
+                <a:cxn ang="0">
+                  <a:pos x="connsiteX0" y="connsiteY0"/>
+                </a:cxn>
+                <a:cxn ang="0">
+                  <a:pos x="connsiteX1" y="connsiteY1"/>
+                </a:cxn>
+                <a:cxn ang="0">
+                  <a:pos x="connsiteX2" y="connsiteY2"/>
+                </a:cxn>
+                <a:cxn ang="0">
+                  <a:pos x="connsiteX3" y="connsiteY3"/>
+                </a:cxn>
+                <a:cxn ang="0">
+                  <a:pos x="connsiteX4" y="connsiteY4"/>
+                </a:cxn>
+                <a:cxn ang="0">
+                  <a:pos x="connsiteX5" y="connsiteY5"/>
+                </a:cxn>
+                <a:cxn ang="0">
+                  <a:pos x="connsiteX6" y="connsiteY6"/>
+                </a:cxn>
+                <a:cxn ang="0">
+                  <a:pos x="connsiteX7" y="connsiteY7"/>
+                </a:cxn>
+                <a:cxn ang="0">
+                  <a:pos x="connsiteX8" y="connsiteY8"/>
+                </a:cxn>
+              </a:cxnLst>
+              <a:rect l="l" t="t" r="r" b="b"/>
+              <a:pathLst>
+                <a:path w="2483862" h="444358">
+                  <a:moveTo>
+                    <a:pt x="0" y="74061"/>
+                  </a:moveTo>
+                  <a:cubicBezTo>
+                    <a:pt x="0" y="33158"/>
+                    <a:pt x="33158" y="0"/>
+                    <a:pt x="74061" y="0"/>
+                  </a:cubicBezTo>
+                  <a:lnTo>
+                    <a:pt x="2409801" y="0"/>
+                  </a:lnTo>
+                  <a:cubicBezTo>
+                    <a:pt x="2450704" y="0"/>
+                    <a:pt x="2483862" y="33158"/>
+                    <a:pt x="2483862" y="74061"/>
+                  </a:cubicBezTo>
+                  <a:lnTo>
+                    <a:pt x="2483862" y="370297"/>
+                  </a:lnTo>
+                  <a:cubicBezTo>
+                    <a:pt x="2483862" y="411200"/>
+                    <a:pt x="2450704" y="444358"/>
+                    <a:pt x="2409801" y="444358"/>
+                  </a:cubicBezTo>
+                  <a:lnTo>
+                    <a:pt x="74061" y="444358"/>
+                  </a:lnTo>
+                  <a:cubicBezTo>
+                    <a:pt x="33158" y="444358"/>
+                    <a:pt x="0" y="411200"/>
+                    <a:pt x="0" y="370297"/>
+                  </a:cubicBezTo>
+                  <a:lnTo>
+                    <a:pt x="0" y="74061"/>
+                  </a:lnTo>
+                  <a:close/>
+                </a:path>
+              </a:pathLst>
+            </a:custGeom>
+          </p:spPr>
+          <p:style>
+            <a:lnRef idx="2">
+              <a:schemeClr val="lt1">
+                <a:hueOff val="0"/>
+                <a:satOff val="0"/>
+                <a:lumOff val="0"/>
+                <a:alphaOff val="0"/>
+              </a:schemeClr>
+            </a:lnRef>
+            <a:fillRef idx="1">
+              <a:schemeClr val="accent1">
+                <a:hueOff val="0"/>
+                <a:satOff val="0"/>
+                <a:lumOff val="0"/>
+                <a:alphaOff val="0"/>
+              </a:schemeClr>
+            </a:fillRef>
+            <a:effectRef idx="0">
+              <a:schemeClr val="accent1">
+                <a:hueOff val="0"/>
+                <a:satOff val="0"/>
+                <a:lumOff val="0"/>
+                <a:alphaOff val="0"/>
+              </a:schemeClr>
+            </a:effectRef>
+            <a:fontRef idx="minor">
+              <a:schemeClr val="lt1"/>
+            </a:fontRef>
+          </p:style>
+          <p:txBody>
+            <a:bodyPr spcFirstLastPara="0" vert="horz" wrap="square" lIns="225783" tIns="21692" rIns="225783" bIns="21692" numCol="1" spcCol="1270" anchor="ctr" anchorCtr="0">
+              <a:noAutofit/>
+            </a:bodyPr>
+            <a:lstStyle/>
+            <a:p>
+              <a:pPr lvl="0" algn="l" defTabSz="1066800">
+                <a:lnSpc>
+                  <a:spcPct val="90000"/>
+                </a:lnSpc>
+                <a:spcBef>
+                  <a:spcPct val="0"/>
+                </a:spcBef>
+                <a:spcAft>
+                  <a:spcPct val="35000"/>
+                </a:spcAft>
+              </a:pPr>
+              <a:r>
+                <a:rPr lang="pl-PL" sz="2400" i="1" dirty="0" smtClean="0">
+                  <a:effectLst>
+                    <a:outerShdw blurRad="38100" dist="38100" dir="2700000" algn="tl">
+                      <a:srgbClr val="000000">
+                        <a:alpha val="43137"/>
+                      </a:srgbClr>
+                    </a:outerShdw>
+                  </a:effectLst>
+                </a:rPr>
+                <a:t>Przykład</a:t>
+              </a:r>
+              <a:endParaRPr lang="pl-PL" sz="2400" i="1" kern="1200" dirty="0">
+                <a:effectLst>
+                  <a:outerShdw blurRad="38100" dist="38100" dir="2700000" algn="tl">
+                    <a:srgbClr val="000000">
+                      <a:alpha val="43137"/>
+                    </a:srgbClr>
+                  </a:outerShdw>
+                </a:effectLst>
+              </a:endParaRPr>
+            </a:p>
+          </p:txBody>
+        </p:sp>
+      </p:grpSp>
+      <p:pic>
+        <p:nvPicPr>
+          <p:cNvPr id="2051" name="Picture 3" descr="D:\Studia magisterskie\Praca magisterska\repo\Placeholder\seminar1\prezentacja\canny\3.1. piksele.png"/>
+          <p:cNvPicPr>
+            <a:picLocks noChangeAspect="1" noChangeArrowheads="1"/>
+          </p:cNvPicPr>
+          <p:nvPr/>
+        </p:nvPicPr>
+        <p:blipFill>
+          <a:blip r:embed="rId2">
+            <a:extLst>
+              <a:ext uri="{28A0092B-C50C-407E-A947-70E740481C1C}">
+                <a14:useLocalDpi xmlns:a14="http://schemas.microsoft.com/office/drawing/2010/main" val="0"/>
+              </a:ext>
+            </a:extLst>
+          </a:blip>
+          <a:srcRect/>
+          <a:stretch>
+            <a:fillRect/>
+          </a:stretch>
+        </p:blipFill>
+        <p:spPr bwMode="auto">
+          <a:xfrm>
+            <a:off x="1547664" y="3956007"/>
+            <a:ext cx="5391150" cy="1933575"/>
+          </a:xfrm>
+          <a:prstGeom prst="rect">
+            <a:avLst/>
+          </a:prstGeom>
+          <a:noFill/>
+          <a:extLst>
+            <a:ext uri="{909E8E84-426E-40DD-AFC4-6F175D3DCCD1}">
+              <a14:hiddenFill xmlns:a14="http://schemas.microsoft.com/office/drawing/2010/main">
+                <a:solidFill>
+                  <a:srgbClr val="FFFFFF"/>
+                </a:solidFill>
+              </a14:hiddenFill>
+            </a:ext>
+          </a:extLst>
+        </p:spPr>
+      </p:pic>
+    </p:spTree>
+    <p:extLst>
+      <p:ext uri="{BB962C8B-B14F-4D97-AF65-F5344CB8AC3E}">
+        <p14:creationId xmlns:p14="http://schemas.microsoft.com/office/powerpoint/2010/main" val="3087322603"/>
       </p:ext>
     </p:extLst>
   </p:cSld>

--- a/Placeholder/seminar1/prezentacja/sdm1_Aniserowicz_Michal.pptx
+++ b/Placeholder/seminar1/prezentacja/sdm1_Aniserowicz_Michal.pptx
@@ -5,23 +5,25 @@
     <p:sldMasterId id="2147483660" r:id="rId1"/>
   </p:sldMasterIdLst>
   <p:notesMasterIdLst>
-    <p:notesMasterId r:id="rId16"/>
+    <p:notesMasterId r:id="rId18"/>
   </p:notesMasterIdLst>
   <p:sldIdLst>
     <p:sldId id="256" r:id="rId2"/>
     <p:sldId id="257" r:id="rId3"/>
     <p:sldId id="286" r:id="rId4"/>
-    <p:sldId id="282" r:id="rId5"/>
-    <p:sldId id="283" r:id="rId6"/>
-    <p:sldId id="284" r:id="rId7"/>
-    <p:sldId id="285" r:id="rId8"/>
-    <p:sldId id="287" r:id="rId9"/>
-    <p:sldId id="288" r:id="rId10"/>
-    <p:sldId id="289" r:id="rId11"/>
-    <p:sldId id="290" r:id="rId12"/>
-    <p:sldId id="291" r:id="rId13"/>
-    <p:sldId id="271" r:id="rId14"/>
-    <p:sldId id="258" r:id="rId15"/>
+    <p:sldId id="292" r:id="rId5"/>
+    <p:sldId id="293" r:id="rId6"/>
+    <p:sldId id="282" r:id="rId7"/>
+    <p:sldId id="283" r:id="rId8"/>
+    <p:sldId id="284" r:id="rId9"/>
+    <p:sldId id="285" r:id="rId10"/>
+    <p:sldId id="287" r:id="rId11"/>
+    <p:sldId id="288" r:id="rId12"/>
+    <p:sldId id="289" r:id="rId13"/>
+    <p:sldId id="290" r:id="rId14"/>
+    <p:sldId id="291" r:id="rId15"/>
+    <p:sldId id="271" r:id="rId16"/>
+    <p:sldId id="258" r:id="rId17"/>
   </p:sldIdLst>
   <p:sldSz cx="9144000" cy="6858000" type="screen4x3"/>
   <p:notesSz cx="6858000" cy="9144000"/>
@@ -3885,19 +3887,7 @@
                   </a:outerShdw>
                 </a:effectLst>
               </a:rPr>
-              <a:t>Canny – </a:t>
-            </a:r>
-            <a:r>
-              <a:rPr lang="pl-PL" sz="4000" dirty="0" smtClean="0">
-                <a:effectLst>
-                  <a:outerShdw blurRad="38100" dist="38100" dir="2700000" algn="tl">
-                    <a:srgbClr val="000000">
-                      <a:alpha val="43137"/>
-                    </a:srgbClr>
-                  </a:outerShdw>
-                </a:effectLst>
-              </a:rPr>
-              <a:t>usunięcie zbędnych pikseli</a:t>
+              <a:t>Canny – obliczenie gradientu</a:t>
             </a:r>
             <a:endParaRPr lang="pl-PL" sz="4000" dirty="0">
               <a:effectLst>
@@ -3924,7 +3914,7 @@
         <p:spPr>
           <a:xfrm>
             <a:off x="457200" y="1124744"/>
-            <a:ext cx="7630886" cy="4800600"/>
+            <a:ext cx="7620000" cy="4800600"/>
           </a:xfrm>
         </p:spPr>
         <p:txBody>
@@ -3935,31 +3925,17 @@
           <a:p>
             <a:pPr marL="571500" indent="-457200">
               <a:buFont typeface="+mj-lt"/>
-              <a:buAutoNum type="arabicPeriod" startAt="3"/>
+              <a:buAutoNum type="arabicPeriod" startAt="4"/>
             </a:pPr>
             <a:r>
               <a:rPr lang="pl-PL" sz="2400" dirty="0" smtClean="0"/>
-              <a:t>Jeśli jasność piksela nie jest większa od jasności obu sąsiadów, piksel ten jest zerowany</a:t>
-            </a:r>
-            <a:endParaRPr lang="pl-PL" sz="2400" dirty="0" smtClean="0"/>
+              <a:t>Kierunek wyznacza się z dokładnością do 45° (pion, poziom, skosy)</a:t>
+            </a:r>
           </a:p>
           <a:p>
             <a:pPr marL="571500" indent="-457200">
-              <a:buAutoNum type="arabicPeriod" startAt="3"/>
+              <a:buAutoNum type="arabicPeriod" startAt="4"/>
             </a:pPr>
-            <a:r>
-              <a:rPr lang="pl-PL" sz="2400" dirty="0" smtClean="0"/>
-              <a:t>Cel: uzyskanie linii o grubości 1px</a:t>
-            </a:r>
-          </a:p>
-          <a:p>
-            <a:pPr marL="571500" indent="-457200">
-              <a:buAutoNum type="arabicPeriod" startAt="3"/>
-            </a:pPr>
-            <a:r>
-              <a:rPr lang="pl-PL" sz="2400" dirty="0" smtClean="0"/>
-              <a:t>Pozostaje pozbyć się zbyt ciemnych krawędzi</a:t>
-            </a:r>
             <a:endParaRPr lang="pl-PL" sz="2400" dirty="0" smtClean="0"/>
           </a:p>
         </p:txBody>
@@ -3997,15 +3973,6 @@
               </a:rPr>
               <a:t>Seminarium dyplomowe magisterskie 1</a:t>
             </a:r>
-            <a:endParaRPr lang="pl-PL" sz="1600" dirty="0">
-              <a:effectLst>
-                <a:outerShdw blurRad="38100" dist="38100" dir="2700000" algn="tl">
-                  <a:srgbClr val="000000">
-                    <a:alpha val="43137"/>
-                  </a:srgbClr>
-                </a:outerShdw>
-              </a:effectLst>
-            </a:endParaRPr>
           </a:p>
         </p:txBody>
       </p:sp>
@@ -4034,28 +4001,28 @@
       </p:sp>
       <p:grpSp>
         <p:nvGrpSpPr>
-          <p:cNvPr id="10" name="Group 9"/>
+          <p:cNvPr id="7" name="Group 6"/>
           <p:cNvGrpSpPr/>
           <p:nvPr/>
         </p:nvGrpSpPr>
         <p:grpSpPr>
           <a:xfrm>
-            <a:off x="251520" y="3128658"/>
-            <a:ext cx="8064896" cy="3540702"/>
+            <a:off x="323528" y="2102860"/>
+            <a:ext cx="8064896" cy="4536504"/>
             <a:chOff x="323528" y="2660605"/>
-            <a:chExt cx="8064896" cy="3540702"/>
+            <a:chExt cx="8064896" cy="4536504"/>
           </a:xfrm>
         </p:grpSpPr>
         <p:sp>
           <p:nvSpPr>
-            <p:cNvPr id="11" name="Freeform 10"/>
+            <p:cNvPr id="8" name="Freeform 7"/>
             <p:cNvSpPr/>
             <p:nvPr/>
           </p:nvSpPr>
           <p:spPr>
             <a:xfrm>
               <a:off x="323528" y="2888939"/>
-              <a:ext cx="8064896" cy="3312368"/>
+              <a:ext cx="8064896" cy="4308170"/>
             </a:xfrm>
             <a:custGeom>
               <a:avLst/>
@@ -4168,7 +4135,7 @@
         </p:sp>
         <p:sp>
           <p:nvSpPr>
-            <p:cNvPr id="12" name="Freeform 11"/>
+            <p:cNvPr id="9" name="Freeform 8"/>
             <p:cNvSpPr/>
             <p:nvPr/>
           </p:nvSpPr>
@@ -4343,6 +4310,2036 @@
           </p:txBody>
         </p:sp>
       </p:grpSp>
+      <p:pic>
+        <p:nvPicPr>
+          <p:cNvPr id="2050" name="Picture 2" descr="D:\Studia magisterskie\Praca magisterska\repo\Placeholder\seminar1\prezentacja\canny\1. gauss.png"/>
+          <p:cNvPicPr>
+            <a:picLocks noChangeAspect="1" noChangeArrowheads="1"/>
+          </p:cNvPicPr>
+          <p:nvPr/>
+        </p:nvPicPr>
+        <p:blipFill>
+          <a:blip r:embed="rId2">
+            <a:extLst>
+              <a:ext uri="{28A0092B-C50C-407E-A947-70E740481C1C}">
+                <a14:useLocalDpi xmlns:a14="http://schemas.microsoft.com/office/drawing/2010/main" val="0"/>
+              </a:ext>
+            </a:extLst>
+          </a:blip>
+          <a:srcRect/>
+          <a:stretch>
+            <a:fillRect/>
+          </a:stretch>
+        </p:blipFill>
+        <p:spPr bwMode="auto">
+          <a:xfrm>
+            <a:off x="462161" y="2800059"/>
+            <a:ext cx="3533775" cy="2657475"/>
+          </a:xfrm>
+          <a:prstGeom prst="rect">
+            <a:avLst/>
+          </a:prstGeom>
+          <a:noFill/>
+          <a:extLst>
+            <a:ext uri="{909E8E84-426E-40DD-AFC4-6F175D3DCCD1}">
+              <a14:hiddenFill xmlns:a14="http://schemas.microsoft.com/office/drawing/2010/main">
+                <a:solidFill>
+                  <a:srgbClr val="FFFFFF"/>
+                </a:solidFill>
+              </a14:hiddenFill>
+            </a:ext>
+          </a:extLst>
+        </p:spPr>
+      </p:pic>
+      <p:sp>
+        <p:nvSpPr>
+          <p:cNvPr id="4" name="Right Arrow 3"/>
+          <p:cNvSpPr/>
+          <p:nvPr/>
+        </p:nvSpPr>
+        <p:spPr>
+          <a:xfrm>
+            <a:off x="4039366" y="3886480"/>
+            <a:ext cx="489204" cy="484632"/>
+          </a:xfrm>
+          <a:prstGeom prst="rightArrow">
+            <a:avLst/>
+          </a:prstGeom>
+          <a:ln>
+            <a:solidFill>
+              <a:schemeClr val="bg1"/>
+            </a:solidFill>
+          </a:ln>
+        </p:spPr>
+        <p:style>
+          <a:lnRef idx="2">
+            <a:schemeClr val="accent1">
+              <a:shade val="50000"/>
+            </a:schemeClr>
+          </a:lnRef>
+          <a:fillRef idx="1">
+            <a:schemeClr val="accent1"/>
+          </a:fillRef>
+          <a:effectRef idx="0">
+            <a:schemeClr val="accent1"/>
+          </a:effectRef>
+          <a:fontRef idx="minor">
+            <a:schemeClr val="lt1"/>
+          </a:fontRef>
+        </p:style>
+        <p:txBody>
+          <a:bodyPr rtlCol="0" anchor="ctr"/>
+          <a:lstStyle/>
+          <a:p>
+            <a:pPr algn="ctr"/>
+            <a:endParaRPr lang="pl-PL"/>
+          </a:p>
+        </p:txBody>
+      </p:sp>
+      <p:pic>
+        <p:nvPicPr>
+          <p:cNvPr id="1026" name="Picture 2" descr="D:\Studia magisterskie\Praca magisterska\repo\Placeholder\seminar1\prezentacja\canny\2.2. kierunek gradientu.png"/>
+          <p:cNvPicPr>
+            <a:picLocks noChangeAspect="1" noChangeArrowheads="1"/>
+          </p:cNvPicPr>
+          <p:nvPr/>
+        </p:nvPicPr>
+        <p:blipFill>
+          <a:blip r:embed="rId3">
+            <a:extLst>
+              <a:ext uri="{28A0092B-C50C-407E-A947-70E740481C1C}">
+                <a14:useLocalDpi xmlns:a14="http://schemas.microsoft.com/office/drawing/2010/main" val="0"/>
+              </a:ext>
+            </a:extLst>
+          </a:blip>
+          <a:srcRect/>
+          <a:stretch>
+            <a:fillRect/>
+          </a:stretch>
+        </p:blipFill>
+        <p:spPr bwMode="auto">
+          <a:xfrm>
+            <a:off x="4555547" y="2800059"/>
+            <a:ext cx="3533775" cy="2643976"/>
+          </a:xfrm>
+          <a:prstGeom prst="rect">
+            <a:avLst/>
+          </a:prstGeom>
+          <a:noFill/>
+          <a:extLst>
+            <a:ext uri="{909E8E84-426E-40DD-AFC4-6F175D3DCCD1}">
+              <a14:hiddenFill xmlns:a14="http://schemas.microsoft.com/office/drawing/2010/main">
+                <a:solidFill>
+                  <a:srgbClr val="FFFFFF"/>
+                </a:solidFill>
+              </a14:hiddenFill>
+            </a:ext>
+          </a:extLst>
+        </p:spPr>
+      </p:pic>
+      <p:pic>
+        <p:nvPicPr>
+          <p:cNvPr id="1027" name="Picture 3" descr="D:\Studia magisterskie\Praca magisterska\repo\Placeholder\seminar1\prezentacja\canny\2.2. kierunek gradientu_SW_NE.png"/>
+          <p:cNvPicPr>
+            <a:picLocks noChangeAspect="1" noChangeArrowheads="1"/>
+          </p:cNvPicPr>
+          <p:nvPr/>
+        </p:nvPicPr>
+        <p:blipFill>
+          <a:blip r:embed="rId4">
+            <a:extLst>
+              <a:ext uri="{28A0092B-C50C-407E-A947-70E740481C1C}">
+                <a14:useLocalDpi xmlns:a14="http://schemas.microsoft.com/office/drawing/2010/main" val="0"/>
+              </a:ext>
+            </a:extLst>
+          </a:blip>
+          <a:srcRect/>
+          <a:stretch>
+            <a:fillRect/>
+          </a:stretch>
+        </p:blipFill>
+        <p:spPr bwMode="auto">
+          <a:xfrm>
+            <a:off x="4745120" y="5568280"/>
+            <a:ext cx="371475" cy="381000"/>
+          </a:xfrm>
+          <a:prstGeom prst="rect">
+            <a:avLst/>
+          </a:prstGeom>
+          <a:noFill/>
+          <a:extLst>
+            <a:ext uri="{909E8E84-426E-40DD-AFC4-6F175D3DCCD1}">
+              <a14:hiddenFill xmlns:a14="http://schemas.microsoft.com/office/drawing/2010/main">
+                <a:solidFill>
+                  <a:srgbClr val="FFFFFF"/>
+                </a:solidFill>
+              </a14:hiddenFill>
+            </a:ext>
+          </a:extLst>
+        </p:spPr>
+      </p:pic>
+      <p:sp>
+        <p:nvSpPr>
+          <p:cNvPr id="14" name="Freeform 13"/>
+          <p:cNvSpPr/>
+          <p:nvPr/>
+        </p:nvSpPr>
+        <p:spPr>
+          <a:xfrm>
+            <a:off x="5177168" y="5568280"/>
+            <a:ext cx="1257448" cy="381000"/>
+          </a:xfrm>
+          <a:custGeom>
+            <a:avLst/>
+            <a:gdLst>
+              <a:gd name="connsiteX0" fmla="*/ 0 w 2483862"/>
+              <a:gd name="connsiteY0" fmla="*/ 74061 h 444358"/>
+              <a:gd name="connsiteX1" fmla="*/ 74061 w 2483862"/>
+              <a:gd name="connsiteY1" fmla="*/ 0 h 444358"/>
+              <a:gd name="connsiteX2" fmla="*/ 2409801 w 2483862"/>
+              <a:gd name="connsiteY2" fmla="*/ 0 h 444358"/>
+              <a:gd name="connsiteX3" fmla="*/ 2483862 w 2483862"/>
+              <a:gd name="connsiteY3" fmla="*/ 74061 h 444358"/>
+              <a:gd name="connsiteX4" fmla="*/ 2483862 w 2483862"/>
+              <a:gd name="connsiteY4" fmla="*/ 370297 h 444358"/>
+              <a:gd name="connsiteX5" fmla="*/ 2409801 w 2483862"/>
+              <a:gd name="connsiteY5" fmla="*/ 444358 h 444358"/>
+              <a:gd name="connsiteX6" fmla="*/ 74061 w 2483862"/>
+              <a:gd name="connsiteY6" fmla="*/ 444358 h 444358"/>
+              <a:gd name="connsiteX7" fmla="*/ 0 w 2483862"/>
+              <a:gd name="connsiteY7" fmla="*/ 370297 h 444358"/>
+              <a:gd name="connsiteX8" fmla="*/ 0 w 2483862"/>
+              <a:gd name="connsiteY8" fmla="*/ 74061 h 444358"/>
+            </a:gdLst>
+            <a:ahLst/>
+            <a:cxnLst>
+              <a:cxn ang="0">
+                <a:pos x="connsiteX0" y="connsiteY0"/>
+              </a:cxn>
+              <a:cxn ang="0">
+                <a:pos x="connsiteX1" y="connsiteY1"/>
+              </a:cxn>
+              <a:cxn ang="0">
+                <a:pos x="connsiteX2" y="connsiteY2"/>
+              </a:cxn>
+              <a:cxn ang="0">
+                <a:pos x="connsiteX3" y="connsiteY3"/>
+              </a:cxn>
+              <a:cxn ang="0">
+                <a:pos x="connsiteX4" y="connsiteY4"/>
+              </a:cxn>
+              <a:cxn ang="0">
+                <a:pos x="connsiteX5" y="connsiteY5"/>
+              </a:cxn>
+              <a:cxn ang="0">
+                <a:pos x="connsiteX6" y="connsiteY6"/>
+              </a:cxn>
+              <a:cxn ang="0">
+                <a:pos x="connsiteX7" y="connsiteY7"/>
+              </a:cxn>
+              <a:cxn ang="0">
+                <a:pos x="connsiteX8" y="connsiteY8"/>
+              </a:cxn>
+            </a:cxnLst>
+            <a:rect l="l" t="t" r="r" b="b"/>
+            <a:pathLst>
+              <a:path w="2483862" h="444358">
+                <a:moveTo>
+                  <a:pt x="0" y="74061"/>
+                </a:moveTo>
+                <a:cubicBezTo>
+                  <a:pt x="0" y="33158"/>
+                  <a:pt x="33158" y="0"/>
+                  <a:pt x="74061" y="0"/>
+                </a:cubicBezTo>
+                <a:lnTo>
+                  <a:pt x="2409801" y="0"/>
+                </a:lnTo>
+                <a:cubicBezTo>
+                  <a:pt x="2450704" y="0"/>
+                  <a:pt x="2483862" y="33158"/>
+                  <a:pt x="2483862" y="74061"/>
+                </a:cubicBezTo>
+                <a:lnTo>
+                  <a:pt x="2483862" y="370297"/>
+                </a:lnTo>
+                <a:cubicBezTo>
+                  <a:pt x="2483862" y="411200"/>
+                  <a:pt x="2450704" y="444358"/>
+                  <a:pt x="2409801" y="444358"/>
+                </a:cubicBezTo>
+                <a:lnTo>
+                  <a:pt x="74061" y="444358"/>
+                </a:lnTo>
+                <a:cubicBezTo>
+                  <a:pt x="33158" y="444358"/>
+                  <a:pt x="0" y="411200"/>
+                  <a:pt x="0" y="370297"/>
+                </a:cubicBezTo>
+                <a:lnTo>
+                  <a:pt x="0" y="74061"/>
+                </a:lnTo>
+                <a:close/>
+              </a:path>
+            </a:pathLst>
+          </a:custGeom>
+        </p:spPr>
+        <p:style>
+          <a:lnRef idx="2">
+            <a:schemeClr val="lt1">
+              <a:hueOff val="0"/>
+              <a:satOff val="0"/>
+              <a:lumOff val="0"/>
+              <a:alphaOff val="0"/>
+            </a:schemeClr>
+          </a:lnRef>
+          <a:fillRef idx="1">
+            <a:schemeClr val="accent1">
+              <a:hueOff val="0"/>
+              <a:satOff val="0"/>
+              <a:lumOff val="0"/>
+              <a:alphaOff val="0"/>
+            </a:schemeClr>
+          </a:fillRef>
+          <a:effectRef idx="0">
+            <a:schemeClr val="accent1">
+              <a:hueOff val="0"/>
+              <a:satOff val="0"/>
+              <a:lumOff val="0"/>
+              <a:alphaOff val="0"/>
+            </a:schemeClr>
+          </a:effectRef>
+          <a:fontRef idx="minor">
+            <a:schemeClr val="lt1"/>
+          </a:fontRef>
+        </p:style>
+        <p:txBody>
+          <a:bodyPr spcFirstLastPara="0" vert="horz" wrap="square" lIns="225783" tIns="21692" rIns="225783" bIns="21692" numCol="1" spcCol="1270" anchor="ctr" anchorCtr="0">
+            <a:noAutofit/>
+          </a:bodyPr>
+          <a:lstStyle/>
+          <a:p>
+            <a:pPr lvl="0" defTabSz="1066800">
+              <a:lnSpc>
+                <a:spcPct val="90000"/>
+              </a:lnSpc>
+              <a:spcBef>
+                <a:spcPct val="0"/>
+              </a:spcBef>
+              <a:spcAft>
+                <a:spcPct val="35000"/>
+              </a:spcAft>
+            </a:pPr>
+            <a:r>
+              <a:rPr lang="pl-PL" sz="2000" dirty="0" smtClean="0">
+                <a:effectLst>
+                  <a:outerShdw blurRad="38100" dist="38100" dir="2700000" algn="tl">
+                    <a:srgbClr val="000000">
+                      <a:alpha val="43137"/>
+                    </a:srgbClr>
+                  </a:outerShdw>
+                </a:effectLst>
+              </a:rPr>
+              <a:t>SW-NE</a:t>
+            </a:r>
+            <a:endParaRPr lang="pl-PL" sz="2000" kern="1200" dirty="0">
+              <a:effectLst>
+                <a:outerShdw blurRad="38100" dist="38100" dir="2700000" algn="tl">
+                  <a:srgbClr val="000000">
+                    <a:alpha val="43137"/>
+                  </a:srgbClr>
+                </a:outerShdw>
+              </a:effectLst>
+            </a:endParaRPr>
+          </a:p>
+        </p:txBody>
+      </p:sp>
+      <p:pic>
+        <p:nvPicPr>
+          <p:cNvPr id="1028" name="Picture 4" descr="D:\Studia magisterskie\Praca magisterska\repo\Placeholder\seminar1\prezentacja\canny\2.2. kierunek gradientu_E_W.png"/>
+          <p:cNvPicPr>
+            <a:picLocks noChangeAspect="1" noChangeArrowheads="1"/>
+          </p:cNvPicPr>
+          <p:nvPr/>
+        </p:nvPicPr>
+        <p:blipFill>
+          <a:blip r:embed="rId5">
+            <a:extLst>
+              <a:ext uri="{28A0092B-C50C-407E-A947-70E740481C1C}">
+                <a14:useLocalDpi xmlns:a14="http://schemas.microsoft.com/office/drawing/2010/main" val="0"/>
+              </a:ext>
+            </a:extLst>
+          </a:blip>
+          <a:srcRect/>
+          <a:stretch>
+            <a:fillRect/>
+          </a:stretch>
+        </p:blipFill>
+        <p:spPr bwMode="auto">
+          <a:xfrm>
+            <a:off x="6631654" y="5568280"/>
+            <a:ext cx="371475" cy="381000"/>
+          </a:xfrm>
+          <a:prstGeom prst="rect">
+            <a:avLst/>
+          </a:prstGeom>
+          <a:noFill/>
+          <a:extLst>
+            <a:ext uri="{909E8E84-426E-40DD-AFC4-6F175D3DCCD1}">
+              <a14:hiddenFill xmlns:a14="http://schemas.microsoft.com/office/drawing/2010/main">
+                <a:solidFill>
+                  <a:srgbClr val="FFFFFF"/>
+                </a:solidFill>
+              </a14:hiddenFill>
+            </a:ext>
+          </a:extLst>
+        </p:spPr>
+      </p:pic>
+      <p:pic>
+        <p:nvPicPr>
+          <p:cNvPr id="1029" name="Picture 5" descr="D:\Studia magisterskie\Praca magisterska\repo\Placeholder\seminar1\prezentacja\canny\2.2. kierunek gradientu_SE_NW.png"/>
+          <p:cNvPicPr>
+            <a:picLocks noChangeAspect="1" noChangeArrowheads="1"/>
+          </p:cNvPicPr>
+          <p:nvPr/>
+        </p:nvPicPr>
+        <p:blipFill>
+          <a:blip r:embed="rId6">
+            <a:extLst>
+              <a:ext uri="{28A0092B-C50C-407E-A947-70E740481C1C}">
+                <a14:useLocalDpi xmlns:a14="http://schemas.microsoft.com/office/drawing/2010/main" val="0"/>
+              </a:ext>
+            </a:extLst>
+          </a:blip>
+          <a:srcRect/>
+          <a:stretch>
+            <a:fillRect/>
+          </a:stretch>
+        </p:blipFill>
+        <p:spPr bwMode="auto">
+          <a:xfrm>
+            <a:off x="4745120" y="6072336"/>
+            <a:ext cx="371475" cy="381000"/>
+          </a:xfrm>
+          <a:prstGeom prst="rect">
+            <a:avLst/>
+          </a:prstGeom>
+          <a:noFill/>
+          <a:extLst>
+            <a:ext uri="{909E8E84-426E-40DD-AFC4-6F175D3DCCD1}">
+              <a14:hiddenFill xmlns:a14="http://schemas.microsoft.com/office/drawing/2010/main">
+                <a:solidFill>
+                  <a:srgbClr val="FFFFFF"/>
+                </a:solidFill>
+              </a14:hiddenFill>
+            </a:ext>
+          </a:extLst>
+        </p:spPr>
+      </p:pic>
+      <p:pic>
+        <p:nvPicPr>
+          <p:cNvPr id="1030" name="Picture 6" descr="D:\Studia magisterskie\Praca magisterska\repo\Placeholder\seminar1\prezentacja\canny\2.2. kierunek gradientu_N_S.png"/>
+          <p:cNvPicPr>
+            <a:picLocks noChangeAspect="1" noChangeArrowheads="1"/>
+          </p:cNvPicPr>
+          <p:nvPr/>
+        </p:nvPicPr>
+        <p:blipFill>
+          <a:blip r:embed="rId7">
+            <a:extLst>
+              <a:ext uri="{28A0092B-C50C-407E-A947-70E740481C1C}">
+                <a14:useLocalDpi xmlns:a14="http://schemas.microsoft.com/office/drawing/2010/main" val="0"/>
+              </a:ext>
+            </a:extLst>
+          </a:blip>
+          <a:srcRect/>
+          <a:stretch>
+            <a:fillRect/>
+          </a:stretch>
+        </p:blipFill>
+        <p:spPr bwMode="auto">
+          <a:xfrm>
+            <a:off x="6626920" y="6072336"/>
+            <a:ext cx="371475" cy="381000"/>
+          </a:xfrm>
+          <a:prstGeom prst="rect">
+            <a:avLst/>
+          </a:prstGeom>
+          <a:noFill/>
+          <a:extLst>
+            <a:ext uri="{909E8E84-426E-40DD-AFC4-6F175D3DCCD1}">
+              <a14:hiddenFill xmlns:a14="http://schemas.microsoft.com/office/drawing/2010/main">
+                <a:solidFill>
+                  <a:srgbClr val="FFFFFF"/>
+                </a:solidFill>
+              </a14:hiddenFill>
+            </a:ext>
+          </a:extLst>
+        </p:spPr>
+      </p:pic>
+      <p:sp>
+        <p:nvSpPr>
+          <p:cNvPr id="18" name="Freeform 17"/>
+          <p:cNvSpPr/>
+          <p:nvPr/>
+        </p:nvSpPr>
+        <p:spPr>
+          <a:xfrm>
+            <a:off x="7058968" y="5568280"/>
+            <a:ext cx="897408" cy="381000"/>
+          </a:xfrm>
+          <a:custGeom>
+            <a:avLst/>
+            <a:gdLst>
+              <a:gd name="connsiteX0" fmla="*/ 0 w 2483862"/>
+              <a:gd name="connsiteY0" fmla="*/ 74061 h 444358"/>
+              <a:gd name="connsiteX1" fmla="*/ 74061 w 2483862"/>
+              <a:gd name="connsiteY1" fmla="*/ 0 h 444358"/>
+              <a:gd name="connsiteX2" fmla="*/ 2409801 w 2483862"/>
+              <a:gd name="connsiteY2" fmla="*/ 0 h 444358"/>
+              <a:gd name="connsiteX3" fmla="*/ 2483862 w 2483862"/>
+              <a:gd name="connsiteY3" fmla="*/ 74061 h 444358"/>
+              <a:gd name="connsiteX4" fmla="*/ 2483862 w 2483862"/>
+              <a:gd name="connsiteY4" fmla="*/ 370297 h 444358"/>
+              <a:gd name="connsiteX5" fmla="*/ 2409801 w 2483862"/>
+              <a:gd name="connsiteY5" fmla="*/ 444358 h 444358"/>
+              <a:gd name="connsiteX6" fmla="*/ 74061 w 2483862"/>
+              <a:gd name="connsiteY6" fmla="*/ 444358 h 444358"/>
+              <a:gd name="connsiteX7" fmla="*/ 0 w 2483862"/>
+              <a:gd name="connsiteY7" fmla="*/ 370297 h 444358"/>
+              <a:gd name="connsiteX8" fmla="*/ 0 w 2483862"/>
+              <a:gd name="connsiteY8" fmla="*/ 74061 h 444358"/>
+            </a:gdLst>
+            <a:ahLst/>
+            <a:cxnLst>
+              <a:cxn ang="0">
+                <a:pos x="connsiteX0" y="connsiteY0"/>
+              </a:cxn>
+              <a:cxn ang="0">
+                <a:pos x="connsiteX1" y="connsiteY1"/>
+              </a:cxn>
+              <a:cxn ang="0">
+                <a:pos x="connsiteX2" y="connsiteY2"/>
+              </a:cxn>
+              <a:cxn ang="0">
+                <a:pos x="connsiteX3" y="connsiteY3"/>
+              </a:cxn>
+              <a:cxn ang="0">
+                <a:pos x="connsiteX4" y="connsiteY4"/>
+              </a:cxn>
+              <a:cxn ang="0">
+                <a:pos x="connsiteX5" y="connsiteY5"/>
+              </a:cxn>
+              <a:cxn ang="0">
+                <a:pos x="connsiteX6" y="connsiteY6"/>
+              </a:cxn>
+              <a:cxn ang="0">
+                <a:pos x="connsiteX7" y="connsiteY7"/>
+              </a:cxn>
+              <a:cxn ang="0">
+                <a:pos x="connsiteX8" y="connsiteY8"/>
+              </a:cxn>
+            </a:cxnLst>
+            <a:rect l="l" t="t" r="r" b="b"/>
+            <a:pathLst>
+              <a:path w="2483862" h="444358">
+                <a:moveTo>
+                  <a:pt x="0" y="74061"/>
+                </a:moveTo>
+                <a:cubicBezTo>
+                  <a:pt x="0" y="33158"/>
+                  <a:pt x="33158" y="0"/>
+                  <a:pt x="74061" y="0"/>
+                </a:cubicBezTo>
+                <a:lnTo>
+                  <a:pt x="2409801" y="0"/>
+                </a:lnTo>
+                <a:cubicBezTo>
+                  <a:pt x="2450704" y="0"/>
+                  <a:pt x="2483862" y="33158"/>
+                  <a:pt x="2483862" y="74061"/>
+                </a:cubicBezTo>
+                <a:lnTo>
+                  <a:pt x="2483862" y="370297"/>
+                </a:lnTo>
+                <a:cubicBezTo>
+                  <a:pt x="2483862" y="411200"/>
+                  <a:pt x="2450704" y="444358"/>
+                  <a:pt x="2409801" y="444358"/>
+                </a:cubicBezTo>
+                <a:lnTo>
+                  <a:pt x="74061" y="444358"/>
+                </a:lnTo>
+                <a:cubicBezTo>
+                  <a:pt x="33158" y="444358"/>
+                  <a:pt x="0" y="411200"/>
+                  <a:pt x="0" y="370297"/>
+                </a:cubicBezTo>
+                <a:lnTo>
+                  <a:pt x="0" y="74061"/>
+                </a:lnTo>
+                <a:close/>
+              </a:path>
+            </a:pathLst>
+          </a:custGeom>
+        </p:spPr>
+        <p:style>
+          <a:lnRef idx="2">
+            <a:schemeClr val="lt1">
+              <a:hueOff val="0"/>
+              <a:satOff val="0"/>
+              <a:lumOff val="0"/>
+              <a:alphaOff val="0"/>
+            </a:schemeClr>
+          </a:lnRef>
+          <a:fillRef idx="1">
+            <a:schemeClr val="accent1">
+              <a:hueOff val="0"/>
+              <a:satOff val="0"/>
+              <a:lumOff val="0"/>
+              <a:alphaOff val="0"/>
+            </a:schemeClr>
+          </a:fillRef>
+          <a:effectRef idx="0">
+            <a:schemeClr val="accent1">
+              <a:hueOff val="0"/>
+              <a:satOff val="0"/>
+              <a:lumOff val="0"/>
+              <a:alphaOff val="0"/>
+            </a:schemeClr>
+          </a:effectRef>
+          <a:fontRef idx="minor">
+            <a:schemeClr val="lt1"/>
+          </a:fontRef>
+        </p:style>
+        <p:txBody>
+          <a:bodyPr spcFirstLastPara="0" vert="horz" wrap="square" lIns="225783" tIns="21692" rIns="225783" bIns="21692" numCol="1" spcCol="1270" anchor="ctr" anchorCtr="0">
+            <a:noAutofit/>
+          </a:bodyPr>
+          <a:lstStyle/>
+          <a:p>
+            <a:pPr lvl="0" defTabSz="1066800">
+              <a:lnSpc>
+                <a:spcPct val="90000"/>
+              </a:lnSpc>
+              <a:spcBef>
+                <a:spcPct val="0"/>
+              </a:spcBef>
+              <a:spcAft>
+                <a:spcPct val="35000"/>
+              </a:spcAft>
+            </a:pPr>
+            <a:r>
+              <a:rPr lang="pl-PL" sz="2000" dirty="0" smtClean="0">
+                <a:effectLst>
+                  <a:outerShdw blurRad="38100" dist="38100" dir="2700000" algn="tl">
+                    <a:srgbClr val="000000">
+                      <a:alpha val="43137"/>
+                    </a:srgbClr>
+                  </a:outerShdw>
+                </a:effectLst>
+              </a:rPr>
+              <a:t>E-W</a:t>
+            </a:r>
+            <a:endParaRPr lang="pl-PL" sz="2000" kern="1200" dirty="0">
+              <a:effectLst>
+                <a:outerShdw blurRad="38100" dist="38100" dir="2700000" algn="tl">
+                  <a:srgbClr val="000000">
+                    <a:alpha val="43137"/>
+                  </a:srgbClr>
+                </a:outerShdw>
+              </a:effectLst>
+            </a:endParaRPr>
+          </a:p>
+        </p:txBody>
+      </p:sp>
+      <p:sp>
+        <p:nvSpPr>
+          <p:cNvPr id="19" name="Freeform 18"/>
+          <p:cNvSpPr/>
+          <p:nvPr/>
+        </p:nvSpPr>
+        <p:spPr>
+          <a:xfrm>
+            <a:off x="5177168" y="6072336"/>
+            <a:ext cx="1257448" cy="381000"/>
+          </a:xfrm>
+          <a:custGeom>
+            <a:avLst/>
+            <a:gdLst>
+              <a:gd name="connsiteX0" fmla="*/ 0 w 2483862"/>
+              <a:gd name="connsiteY0" fmla="*/ 74061 h 444358"/>
+              <a:gd name="connsiteX1" fmla="*/ 74061 w 2483862"/>
+              <a:gd name="connsiteY1" fmla="*/ 0 h 444358"/>
+              <a:gd name="connsiteX2" fmla="*/ 2409801 w 2483862"/>
+              <a:gd name="connsiteY2" fmla="*/ 0 h 444358"/>
+              <a:gd name="connsiteX3" fmla="*/ 2483862 w 2483862"/>
+              <a:gd name="connsiteY3" fmla="*/ 74061 h 444358"/>
+              <a:gd name="connsiteX4" fmla="*/ 2483862 w 2483862"/>
+              <a:gd name="connsiteY4" fmla="*/ 370297 h 444358"/>
+              <a:gd name="connsiteX5" fmla="*/ 2409801 w 2483862"/>
+              <a:gd name="connsiteY5" fmla="*/ 444358 h 444358"/>
+              <a:gd name="connsiteX6" fmla="*/ 74061 w 2483862"/>
+              <a:gd name="connsiteY6" fmla="*/ 444358 h 444358"/>
+              <a:gd name="connsiteX7" fmla="*/ 0 w 2483862"/>
+              <a:gd name="connsiteY7" fmla="*/ 370297 h 444358"/>
+              <a:gd name="connsiteX8" fmla="*/ 0 w 2483862"/>
+              <a:gd name="connsiteY8" fmla="*/ 74061 h 444358"/>
+            </a:gdLst>
+            <a:ahLst/>
+            <a:cxnLst>
+              <a:cxn ang="0">
+                <a:pos x="connsiteX0" y="connsiteY0"/>
+              </a:cxn>
+              <a:cxn ang="0">
+                <a:pos x="connsiteX1" y="connsiteY1"/>
+              </a:cxn>
+              <a:cxn ang="0">
+                <a:pos x="connsiteX2" y="connsiteY2"/>
+              </a:cxn>
+              <a:cxn ang="0">
+                <a:pos x="connsiteX3" y="connsiteY3"/>
+              </a:cxn>
+              <a:cxn ang="0">
+                <a:pos x="connsiteX4" y="connsiteY4"/>
+              </a:cxn>
+              <a:cxn ang="0">
+                <a:pos x="connsiteX5" y="connsiteY5"/>
+              </a:cxn>
+              <a:cxn ang="0">
+                <a:pos x="connsiteX6" y="connsiteY6"/>
+              </a:cxn>
+              <a:cxn ang="0">
+                <a:pos x="connsiteX7" y="connsiteY7"/>
+              </a:cxn>
+              <a:cxn ang="0">
+                <a:pos x="connsiteX8" y="connsiteY8"/>
+              </a:cxn>
+            </a:cxnLst>
+            <a:rect l="l" t="t" r="r" b="b"/>
+            <a:pathLst>
+              <a:path w="2483862" h="444358">
+                <a:moveTo>
+                  <a:pt x="0" y="74061"/>
+                </a:moveTo>
+                <a:cubicBezTo>
+                  <a:pt x="0" y="33158"/>
+                  <a:pt x="33158" y="0"/>
+                  <a:pt x="74061" y="0"/>
+                </a:cubicBezTo>
+                <a:lnTo>
+                  <a:pt x="2409801" y="0"/>
+                </a:lnTo>
+                <a:cubicBezTo>
+                  <a:pt x="2450704" y="0"/>
+                  <a:pt x="2483862" y="33158"/>
+                  <a:pt x="2483862" y="74061"/>
+                </a:cubicBezTo>
+                <a:lnTo>
+                  <a:pt x="2483862" y="370297"/>
+                </a:lnTo>
+                <a:cubicBezTo>
+                  <a:pt x="2483862" y="411200"/>
+                  <a:pt x="2450704" y="444358"/>
+                  <a:pt x="2409801" y="444358"/>
+                </a:cubicBezTo>
+                <a:lnTo>
+                  <a:pt x="74061" y="444358"/>
+                </a:lnTo>
+                <a:cubicBezTo>
+                  <a:pt x="33158" y="444358"/>
+                  <a:pt x="0" y="411200"/>
+                  <a:pt x="0" y="370297"/>
+                </a:cubicBezTo>
+                <a:lnTo>
+                  <a:pt x="0" y="74061"/>
+                </a:lnTo>
+                <a:close/>
+              </a:path>
+            </a:pathLst>
+          </a:custGeom>
+        </p:spPr>
+        <p:style>
+          <a:lnRef idx="2">
+            <a:schemeClr val="lt1">
+              <a:hueOff val="0"/>
+              <a:satOff val="0"/>
+              <a:lumOff val="0"/>
+              <a:alphaOff val="0"/>
+            </a:schemeClr>
+          </a:lnRef>
+          <a:fillRef idx="1">
+            <a:schemeClr val="accent1">
+              <a:hueOff val="0"/>
+              <a:satOff val="0"/>
+              <a:lumOff val="0"/>
+              <a:alphaOff val="0"/>
+            </a:schemeClr>
+          </a:fillRef>
+          <a:effectRef idx="0">
+            <a:schemeClr val="accent1">
+              <a:hueOff val="0"/>
+              <a:satOff val="0"/>
+              <a:lumOff val="0"/>
+              <a:alphaOff val="0"/>
+            </a:schemeClr>
+          </a:effectRef>
+          <a:fontRef idx="minor">
+            <a:schemeClr val="lt1"/>
+          </a:fontRef>
+        </p:style>
+        <p:txBody>
+          <a:bodyPr spcFirstLastPara="0" vert="horz" wrap="square" lIns="225783" tIns="21692" rIns="225783" bIns="21692" numCol="1" spcCol="1270" anchor="ctr" anchorCtr="0">
+            <a:noAutofit/>
+          </a:bodyPr>
+          <a:lstStyle/>
+          <a:p>
+            <a:pPr lvl="0" defTabSz="1066800">
+              <a:lnSpc>
+                <a:spcPct val="90000"/>
+              </a:lnSpc>
+              <a:spcBef>
+                <a:spcPct val="0"/>
+              </a:spcBef>
+              <a:spcAft>
+                <a:spcPct val="35000"/>
+              </a:spcAft>
+            </a:pPr>
+            <a:r>
+              <a:rPr lang="pl-PL" sz="2000" dirty="0" smtClean="0">
+                <a:effectLst>
+                  <a:outerShdw blurRad="38100" dist="38100" dir="2700000" algn="tl">
+                    <a:srgbClr val="000000">
+                      <a:alpha val="43137"/>
+                    </a:srgbClr>
+                  </a:outerShdw>
+                </a:effectLst>
+              </a:rPr>
+              <a:t>SE-NW</a:t>
+            </a:r>
+            <a:endParaRPr lang="pl-PL" sz="2000" kern="1200" dirty="0">
+              <a:effectLst>
+                <a:outerShdw blurRad="38100" dist="38100" dir="2700000" algn="tl">
+                  <a:srgbClr val="000000">
+                    <a:alpha val="43137"/>
+                  </a:srgbClr>
+                </a:outerShdw>
+              </a:effectLst>
+            </a:endParaRPr>
+          </a:p>
+        </p:txBody>
+      </p:sp>
+      <p:sp>
+        <p:nvSpPr>
+          <p:cNvPr id="20" name="Freeform 19"/>
+          <p:cNvSpPr/>
+          <p:nvPr/>
+        </p:nvSpPr>
+        <p:spPr>
+          <a:xfrm>
+            <a:off x="7058968" y="6072336"/>
+            <a:ext cx="897408" cy="381000"/>
+          </a:xfrm>
+          <a:custGeom>
+            <a:avLst/>
+            <a:gdLst>
+              <a:gd name="connsiteX0" fmla="*/ 0 w 2483862"/>
+              <a:gd name="connsiteY0" fmla="*/ 74061 h 444358"/>
+              <a:gd name="connsiteX1" fmla="*/ 74061 w 2483862"/>
+              <a:gd name="connsiteY1" fmla="*/ 0 h 444358"/>
+              <a:gd name="connsiteX2" fmla="*/ 2409801 w 2483862"/>
+              <a:gd name="connsiteY2" fmla="*/ 0 h 444358"/>
+              <a:gd name="connsiteX3" fmla="*/ 2483862 w 2483862"/>
+              <a:gd name="connsiteY3" fmla="*/ 74061 h 444358"/>
+              <a:gd name="connsiteX4" fmla="*/ 2483862 w 2483862"/>
+              <a:gd name="connsiteY4" fmla="*/ 370297 h 444358"/>
+              <a:gd name="connsiteX5" fmla="*/ 2409801 w 2483862"/>
+              <a:gd name="connsiteY5" fmla="*/ 444358 h 444358"/>
+              <a:gd name="connsiteX6" fmla="*/ 74061 w 2483862"/>
+              <a:gd name="connsiteY6" fmla="*/ 444358 h 444358"/>
+              <a:gd name="connsiteX7" fmla="*/ 0 w 2483862"/>
+              <a:gd name="connsiteY7" fmla="*/ 370297 h 444358"/>
+              <a:gd name="connsiteX8" fmla="*/ 0 w 2483862"/>
+              <a:gd name="connsiteY8" fmla="*/ 74061 h 444358"/>
+            </a:gdLst>
+            <a:ahLst/>
+            <a:cxnLst>
+              <a:cxn ang="0">
+                <a:pos x="connsiteX0" y="connsiteY0"/>
+              </a:cxn>
+              <a:cxn ang="0">
+                <a:pos x="connsiteX1" y="connsiteY1"/>
+              </a:cxn>
+              <a:cxn ang="0">
+                <a:pos x="connsiteX2" y="connsiteY2"/>
+              </a:cxn>
+              <a:cxn ang="0">
+                <a:pos x="connsiteX3" y="connsiteY3"/>
+              </a:cxn>
+              <a:cxn ang="0">
+                <a:pos x="connsiteX4" y="connsiteY4"/>
+              </a:cxn>
+              <a:cxn ang="0">
+                <a:pos x="connsiteX5" y="connsiteY5"/>
+              </a:cxn>
+              <a:cxn ang="0">
+                <a:pos x="connsiteX6" y="connsiteY6"/>
+              </a:cxn>
+              <a:cxn ang="0">
+                <a:pos x="connsiteX7" y="connsiteY7"/>
+              </a:cxn>
+              <a:cxn ang="0">
+                <a:pos x="connsiteX8" y="connsiteY8"/>
+              </a:cxn>
+            </a:cxnLst>
+            <a:rect l="l" t="t" r="r" b="b"/>
+            <a:pathLst>
+              <a:path w="2483862" h="444358">
+                <a:moveTo>
+                  <a:pt x="0" y="74061"/>
+                </a:moveTo>
+                <a:cubicBezTo>
+                  <a:pt x="0" y="33158"/>
+                  <a:pt x="33158" y="0"/>
+                  <a:pt x="74061" y="0"/>
+                </a:cubicBezTo>
+                <a:lnTo>
+                  <a:pt x="2409801" y="0"/>
+                </a:lnTo>
+                <a:cubicBezTo>
+                  <a:pt x="2450704" y="0"/>
+                  <a:pt x="2483862" y="33158"/>
+                  <a:pt x="2483862" y="74061"/>
+                </a:cubicBezTo>
+                <a:lnTo>
+                  <a:pt x="2483862" y="370297"/>
+                </a:lnTo>
+                <a:cubicBezTo>
+                  <a:pt x="2483862" y="411200"/>
+                  <a:pt x="2450704" y="444358"/>
+                  <a:pt x="2409801" y="444358"/>
+                </a:cubicBezTo>
+                <a:lnTo>
+                  <a:pt x="74061" y="444358"/>
+                </a:lnTo>
+                <a:cubicBezTo>
+                  <a:pt x="33158" y="444358"/>
+                  <a:pt x="0" y="411200"/>
+                  <a:pt x="0" y="370297"/>
+                </a:cubicBezTo>
+                <a:lnTo>
+                  <a:pt x="0" y="74061"/>
+                </a:lnTo>
+                <a:close/>
+              </a:path>
+            </a:pathLst>
+          </a:custGeom>
+        </p:spPr>
+        <p:style>
+          <a:lnRef idx="2">
+            <a:schemeClr val="lt1">
+              <a:hueOff val="0"/>
+              <a:satOff val="0"/>
+              <a:lumOff val="0"/>
+              <a:alphaOff val="0"/>
+            </a:schemeClr>
+          </a:lnRef>
+          <a:fillRef idx="1">
+            <a:schemeClr val="accent1">
+              <a:hueOff val="0"/>
+              <a:satOff val="0"/>
+              <a:lumOff val="0"/>
+              <a:alphaOff val="0"/>
+            </a:schemeClr>
+          </a:fillRef>
+          <a:effectRef idx="0">
+            <a:schemeClr val="accent1">
+              <a:hueOff val="0"/>
+              <a:satOff val="0"/>
+              <a:lumOff val="0"/>
+              <a:alphaOff val="0"/>
+            </a:schemeClr>
+          </a:effectRef>
+          <a:fontRef idx="minor">
+            <a:schemeClr val="lt1"/>
+          </a:fontRef>
+        </p:style>
+        <p:txBody>
+          <a:bodyPr spcFirstLastPara="0" vert="horz" wrap="square" lIns="225783" tIns="21692" rIns="225783" bIns="21692" numCol="1" spcCol="1270" anchor="ctr" anchorCtr="0">
+            <a:noAutofit/>
+          </a:bodyPr>
+          <a:lstStyle/>
+          <a:p>
+            <a:pPr lvl="0" defTabSz="1066800">
+              <a:lnSpc>
+                <a:spcPct val="90000"/>
+              </a:lnSpc>
+              <a:spcBef>
+                <a:spcPct val="0"/>
+              </a:spcBef>
+              <a:spcAft>
+                <a:spcPct val="35000"/>
+              </a:spcAft>
+            </a:pPr>
+            <a:r>
+              <a:rPr lang="pl-PL" sz="2000" dirty="0" smtClean="0">
+                <a:effectLst>
+                  <a:outerShdw blurRad="38100" dist="38100" dir="2700000" algn="tl">
+                    <a:srgbClr val="000000">
+                      <a:alpha val="43137"/>
+                    </a:srgbClr>
+                  </a:outerShdw>
+                </a:effectLst>
+              </a:rPr>
+              <a:t>N-S</a:t>
+            </a:r>
+            <a:endParaRPr lang="pl-PL" sz="2000" kern="1200" dirty="0">
+              <a:effectLst>
+                <a:outerShdw blurRad="38100" dist="38100" dir="2700000" algn="tl">
+                  <a:srgbClr val="000000">
+                    <a:alpha val="43137"/>
+                  </a:srgbClr>
+                </a:outerShdw>
+              </a:effectLst>
+            </a:endParaRPr>
+          </a:p>
+        </p:txBody>
+      </p:sp>
+    </p:spTree>
+    <p:extLst>
+      <p:ext uri="{BB962C8B-B14F-4D97-AF65-F5344CB8AC3E}">
+        <p14:creationId xmlns:p14="http://schemas.microsoft.com/office/powerpoint/2010/main" val="2857580261"/>
+      </p:ext>
+    </p:extLst>
+  </p:cSld>
+  <p:clrMapOvr>
+    <a:masterClrMapping/>
+  </p:clrMapOvr>
+  <p:timing>
+    <p:tnLst>
+      <p:par>
+        <p:cTn id="1" dur="indefinite" restart="never" nodeType="tmRoot"/>
+      </p:par>
+    </p:tnLst>
+  </p:timing>
+</p:sld>
+</file>
+
+<file path=ppt/slides/slide11.xml><?xml version="1.0" encoding="utf-8"?>
+<p:sld xmlns:a="http://schemas.openxmlformats.org/drawingml/2006/main" xmlns:r="http://schemas.openxmlformats.org/officeDocument/2006/relationships" xmlns:p="http://schemas.openxmlformats.org/presentationml/2006/main">
+  <p:cSld>
+    <p:spTree>
+      <p:nvGrpSpPr>
+        <p:cNvPr id="1" name=""/>
+        <p:cNvGrpSpPr/>
+        <p:nvPr/>
+      </p:nvGrpSpPr>
+      <p:grpSpPr>
+        <a:xfrm>
+          <a:off x="0" y="0"/>
+          <a:ext cx="0" cy="0"/>
+          <a:chOff x="0" y="0"/>
+          <a:chExt cx="0" cy="0"/>
+        </a:xfrm>
+      </p:grpSpPr>
+      <p:sp>
+        <p:nvSpPr>
+          <p:cNvPr id="2" name="Title 1"/>
+          <p:cNvSpPr>
+            <a:spLocks noGrp="1"/>
+          </p:cNvSpPr>
+          <p:nvPr>
+            <p:ph type="title"/>
+          </p:nvPr>
+        </p:nvSpPr>
+        <p:spPr>
+          <a:xfrm>
+            <a:off x="457200" y="44624"/>
+            <a:ext cx="7620000" cy="1143000"/>
+          </a:xfrm>
+        </p:spPr>
+        <p:txBody>
+          <a:bodyPr/>
+          <a:lstStyle/>
+          <a:p>
+            <a:r>
+              <a:rPr lang="pl-PL" sz="4000" dirty="0" smtClean="0">
+                <a:effectLst>
+                  <a:outerShdw blurRad="38100" dist="38100" dir="2700000" algn="tl">
+                    <a:srgbClr val="000000">
+                      <a:alpha val="43137"/>
+                    </a:srgbClr>
+                  </a:outerShdw>
+                </a:effectLst>
+              </a:rPr>
+              <a:t>Canny – usunięcie zbędnych pikseli</a:t>
+            </a:r>
+            <a:endParaRPr lang="pl-PL" sz="4000" dirty="0">
+              <a:effectLst>
+                <a:outerShdw blurRad="38100" dist="38100" dir="2700000" algn="tl">
+                  <a:srgbClr val="000000">
+                    <a:alpha val="43137"/>
+                  </a:srgbClr>
+                </a:outerShdw>
+              </a:effectLst>
+            </a:endParaRPr>
+          </a:p>
+        </p:txBody>
+      </p:sp>
+      <p:sp>
+        <p:nvSpPr>
+          <p:cNvPr id="3" name="Content Placeholder 2"/>
+          <p:cNvSpPr>
+            <a:spLocks noGrp="1"/>
+          </p:cNvSpPr>
+          <p:nvPr>
+            <p:ph idx="1"/>
+          </p:nvPr>
+        </p:nvSpPr>
+        <p:spPr>
+          <a:xfrm>
+            <a:off x="457200" y="1124744"/>
+            <a:ext cx="7630886" cy="4800600"/>
+          </a:xfrm>
+        </p:spPr>
+        <p:txBody>
+          <a:bodyPr>
+            <a:normAutofit/>
+          </a:bodyPr>
+          <a:lstStyle/>
+          <a:p>
+            <a:pPr marL="571500" indent="-457200">
+              <a:buAutoNum type="arabicPeriod"/>
+            </a:pPr>
+            <a:r>
+              <a:rPr lang="pl-PL" sz="2400" dirty="0" smtClean="0"/>
+              <a:t>Porównanie każdego pikela z dwoma pikselami sąsiednimi</a:t>
+            </a:r>
+          </a:p>
+          <a:p>
+            <a:pPr marL="571500" indent="-457200">
+              <a:buAutoNum type="arabicPeriod"/>
+            </a:pPr>
+            <a:r>
+              <a:rPr lang="pl-PL" sz="2400" dirty="0" smtClean="0"/>
+              <a:t>Piksele sąsiednie wyznaczane na podstawie informacji o kierunku gradientu</a:t>
+            </a:r>
+          </a:p>
+        </p:txBody>
+      </p:sp>
+      <p:sp>
+        <p:nvSpPr>
+          <p:cNvPr id="6" name="Footer Placeholder 7"/>
+          <p:cNvSpPr>
+            <a:spLocks noGrp="1"/>
+          </p:cNvSpPr>
+          <p:nvPr>
+            <p:ph type="ftr" sz="quarter" idx="11"/>
+          </p:nvPr>
+        </p:nvSpPr>
+        <p:spPr>
+          <a:xfrm rot="5400000">
+            <a:off x="6951124" y="1841964"/>
+            <a:ext cx="3672408" cy="365760"/>
+          </a:xfrm>
+        </p:spPr>
+        <p:txBody>
+          <a:bodyPr/>
+          <a:lstStyle/>
+          <a:p>
+            <a:pPr algn="l"/>
+            <a:r>
+              <a:rPr lang="pl-PL" sz="1600" dirty="0">
+                <a:effectLst>
+                  <a:outerShdw blurRad="38100" dist="38100" dir="2700000" algn="tl">
+                    <a:srgbClr val="000000">
+                      <a:alpha val="43137"/>
+                    </a:srgbClr>
+                  </a:outerShdw>
+                </a:effectLst>
+              </a:rPr>
+              <a:t>Seminarium dyplomowe magisterskie 1</a:t>
+            </a:r>
+          </a:p>
+        </p:txBody>
+      </p:sp>
+      <p:sp>
+        <p:nvSpPr>
+          <p:cNvPr id="5" name="Slide Number Placeholder 4"/>
+          <p:cNvSpPr>
+            <a:spLocks noGrp="1"/>
+          </p:cNvSpPr>
+          <p:nvPr>
+            <p:ph type="sldNum" sz="quarter" idx="12"/>
+          </p:nvPr>
+        </p:nvSpPr>
+        <p:spPr/>
+        <p:txBody>
+          <a:bodyPr/>
+          <a:lstStyle/>
+          <a:p>
+            <a:fld id="{A9560CCA-E071-4361-AF3D-B0CE296716D1}" type="slidenum">
+              <a:rPr lang="pl-PL" smtClean="0"/>
+              <a:t>11</a:t>
+            </a:fld>
+            <a:endParaRPr lang="pl-PL"/>
+          </a:p>
+        </p:txBody>
+      </p:sp>
+      <p:grpSp>
+        <p:nvGrpSpPr>
+          <p:cNvPr id="7" name="Group 6"/>
+          <p:cNvGrpSpPr/>
+          <p:nvPr/>
+        </p:nvGrpSpPr>
+        <p:grpSpPr>
+          <a:xfrm>
+            <a:off x="1475656" y="3356992"/>
+            <a:ext cx="5544616" cy="2748614"/>
+            <a:chOff x="323528" y="2660605"/>
+            <a:chExt cx="5544616" cy="2748614"/>
+          </a:xfrm>
+        </p:grpSpPr>
+        <p:sp>
+          <p:nvSpPr>
+            <p:cNvPr id="8" name="Freeform 7"/>
+            <p:cNvSpPr/>
+            <p:nvPr/>
+          </p:nvSpPr>
+          <p:spPr>
+            <a:xfrm>
+              <a:off x="323528" y="2888939"/>
+              <a:ext cx="5544616" cy="2520280"/>
+            </a:xfrm>
+            <a:custGeom>
+              <a:avLst/>
+              <a:gdLst>
+                <a:gd name="connsiteX0" fmla="*/ 0 w 7713692"/>
+                <a:gd name="connsiteY0" fmla="*/ 0 h 1944224"/>
+                <a:gd name="connsiteX1" fmla="*/ 7713692 w 7713692"/>
+                <a:gd name="connsiteY1" fmla="*/ 0 h 1944224"/>
+                <a:gd name="connsiteX2" fmla="*/ 7713692 w 7713692"/>
+                <a:gd name="connsiteY2" fmla="*/ 1944224 h 1944224"/>
+                <a:gd name="connsiteX3" fmla="*/ 0 w 7713692"/>
+                <a:gd name="connsiteY3" fmla="*/ 1944224 h 1944224"/>
+                <a:gd name="connsiteX4" fmla="*/ 0 w 7713692"/>
+                <a:gd name="connsiteY4" fmla="*/ 0 h 1944224"/>
+              </a:gdLst>
+              <a:ahLst/>
+              <a:cxnLst>
+                <a:cxn ang="0">
+                  <a:pos x="connsiteX0" y="connsiteY0"/>
+                </a:cxn>
+                <a:cxn ang="0">
+                  <a:pos x="connsiteX1" y="connsiteY1"/>
+                </a:cxn>
+                <a:cxn ang="0">
+                  <a:pos x="connsiteX2" y="connsiteY2"/>
+                </a:cxn>
+                <a:cxn ang="0">
+                  <a:pos x="connsiteX3" y="connsiteY3"/>
+                </a:cxn>
+                <a:cxn ang="0">
+                  <a:pos x="connsiteX4" y="connsiteY4"/>
+                </a:cxn>
+              </a:cxnLst>
+              <a:rect l="l" t="t" r="r" b="b"/>
+              <a:pathLst>
+                <a:path w="7713692" h="1944224">
+                  <a:moveTo>
+                    <a:pt x="0" y="0"/>
+                  </a:moveTo>
+                  <a:lnTo>
+                    <a:pt x="7713692" y="0"/>
+                  </a:lnTo>
+                  <a:lnTo>
+                    <a:pt x="7713692" y="1944224"/>
+                  </a:lnTo>
+                  <a:lnTo>
+                    <a:pt x="0" y="1944224"/>
+                  </a:lnTo>
+                  <a:lnTo>
+                    <a:pt x="0" y="0"/>
+                  </a:lnTo>
+                  <a:close/>
+                </a:path>
+              </a:pathLst>
+            </a:custGeom>
+          </p:spPr>
+          <p:style>
+            <a:lnRef idx="2">
+              <a:schemeClr val="accent1">
+                <a:hueOff val="0"/>
+                <a:satOff val="0"/>
+                <a:lumOff val="0"/>
+                <a:alphaOff val="0"/>
+              </a:schemeClr>
+            </a:lnRef>
+            <a:fillRef idx="1">
+              <a:schemeClr val="lt1">
+                <a:alpha val="90000"/>
+                <a:hueOff val="0"/>
+                <a:satOff val="0"/>
+                <a:lumOff val="0"/>
+                <a:alphaOff val="0"/>
+              </a:schemeClr>
+            </a:fillRef>
+            <a:effectRef idx="0">
+              <a:schemeClr val="lt1">
+                <a:alpha val="90000"/>
+                <a:hueOff val="0"/>
+                <a:satOff val="0"/>
+                <a:lumOff val="0"/>
+                <a:alphaOff val="0"/>
+              </a:schemeClr>
+            </a:effectRef>
+            <a:fontRef idx="minor">
+              <a:schemeClr val="dk1">
+                <a:hueOff val="0"/>
+                <a:satOff val="0"/>
+                <a:lumOff val="0"/>
+                <a:alphaOff val="0"/>
+              </a:schemeClr>
+            </a:fontRef>
+          </p:style>
+          <p:txBody>
+            <a:bodyPr spcFirstLastPara="0" vert="horz" wrap="square" lIns="180000" tIns="324000" rIns="180000" bIns="180000" numCol="1" spcCol="1270" anchor="t" anchorCtr="0">
+              <a:noAutofit/>
+            </a:bodyPr>
+            <a:lstStyle/>
+            <a:p>
+              <a:pPr>
+                <a:lnSpc>
+                  <a:spcPts val="2400"/>
+                </a:lnSpc>
+              </a:pPr>
+              <a:endParaRPr lang="en-US" sz="2200" dirty="0">
+                <a:latin typeface="Consolas" pitchFamily="49" charset="0"/>
+                <a:cs typeface="Consolas" pitchFamily="49" charset="0"/>
+              </a:endParaRPr>
+            </a:p>
+          </p:txBody>
+        </p:sp>
+        <p:sp>
+          <p:nvSpPr>
+            <p:cNvPr id="9" name="Freeform 8"/>
+            <p:cNvSpPr/>
+            <p:nvPr/>
+          </p:nvSpPr>
+          <p:spPr>
+            <a:xfrm>
+              <a:off x="709212" y="2660605"/>
+              <a:ext cx="1558532" cy="444358"/>
+            </a:xfrm>
+            <a:custGeom>
+              <a:avLst/>
+              <a:gdLst>
+                <a:gd name="connsiteX0" fmla="*/ 0 w 2483862"/>
+                <a:gd name="connsiteY0" fmla="*/ 74061 h 444358"/>
+                <a:gd name="connsiteX1" fmla="*/ 74061 w 2483862"/>
+                <a:gd name="connsiteY1" fmla="*/ 0 h 444358"/>
+                <a:gd name="connsiteX2" fmla="*/ 2409801 w 2483862"/>
+                <a:gd name="connsiteY2" fmla="*/ 0 h 444358"/>
+                <a:gd name="connsiteX3" fmla="*/ 2483862 w 2483862"/>
+                <a:gd name="connsiteY3" fmla="*/ 74061 h 444358"/>
+                <a:gd name="connsiteX4" fmla="*/ 2483862 w 2483862"/>
+                <a:gd name="connsiteY4" fmla="*/ 370297 h 444358"/>
+                <a:gd name="connsiteX5" fmla="*/ 2409801 w 2483862"/>
+                <a:gd name="connsiteY5" fmla="*/ 444358 h 444358"/>
+                <a:gd name="connsiteX6" fmla="*/ 74061 w 2483862"/>
+                <a:gd name="connsiteY6" fmla="*/ 444358 h 444358"/>
+                <a:gd name="connsiteX7" fmla="*/ 0 w 2483862"/>
+                <a:gd name="connsiteY7" fmla="*/ 370297 h 444358"/>
+                <a:gd name="connsiteX8" fmla="*/ 0 w 2483862"/>
+                <a:gd name="connsiteY8" fmla="*/ 74061 h 444358"/>
+              </a:gdLst>
+              <a:ahLst/>
+              <a:cxnLst>
+                <a:cxn ang="0">
+                  <a:pos x="connsiteX0" y="connsiteY0"/>
+                </a:cxn>
+                <a:cxn ang="0">
+                  <a:pos x="connsiteX1" y="connsiteY1"/>
+                </a:cxn>
+                <a:cxn ang="0">
+                  <a:pos x="connsiteX2" y="connsiteY2"/>
+                </a:cxn>
+                <a:cxn ang="0">
+                  <a:pos x="connsiteX3" y="connsiteY3"/>
+                </a:cxn>
+                <a:cxn ang="0">
+                  <a:pos x="connsiteX4" y="connsiteY4"/>
+                </a:cxn>
+                <a:cxn ang="0">
+                  <a:pos x="connsiteX5" y="connsiteY5"/>
+                </a:cxn>
+                <a:cxn ang="0">
+                  <a:pos x="connsiteX6" y="connsiteY6"/>
+                </a:cxn>
+                <a:cxn ang="0">
+                  <a:pos x="connsiteX7" y="connsiteY7"/>
+                </a:cxn>
+                <a:cxn ang="0">
+                  <a:pos x="connsiteX8" y="connsiteY8"/>
+                </a:cxn>
+              </a:cxnLst>
+              <a:rect l="l" t="t" r="r" b="b"/>
+              <a:pathLst>
+                <a:path w="2483862" h="444358">
+                  <a:moveTo>
+                    <a:pt x="0" y="74061"/>
+                  </a:moveTo>
+                  <a:cubicBezTo>
+                    <a:pt x="0" y="33158"/>
+                    <a:pt x="33158" y="0"/>
+                    <a:pt x="74061" y="0"/>
+                  </a:cubicBezTo>
+                  <a:lnTo>
+                    <a:pt x="2409801" y="0"/>
+                  </a:lnTo>
+                  <a:cubicBezTo>
+                    <a:pt x="2450704" y="0"/>
+                    <a:pt x="2483862" y="33158"/>
+                    <a:pt x="2483862" y="74061"/>
+                  </a:cubicBezTo>
+                  <a:lnTo>
+                    <a:pt x="2483862" y="370297"/>
+                  </a:lnTo>
+                  <a:cubicBezTo>
+                    <a:pt x="2483862" y="411200"/>
+                    <a:pt x="2450704" y="444358"/>
+                    <a:pt x="2409801" y="444358"/>
+                  </a:cubicBezTo>
+                  <a:lnTo>
+                    <a:pt x="74061" y="444358"/>
+                  </a:lnTo>
+                  <a:cubicBezTo>
+                    <a:pt x="33158" y="444358"/>
+                    <a:pt x="0" y="411200"/>
+                    <a:pt x="0" y="370297"/>
+                  </a:cubicBezTo>
+                  <a:lnTo>
+                    <a:pt x="0" y="74061"/>
+                  </a:lnTo>
+                  <a:close/>
+                </a:path>
+              </a:pathLst>
+            </a:custGeom>
+          </p:spPr>
+          <p:style>
+            <a:lnRef idx="2">
+              <a:schemeClr val="lt1">
+                <a:hueOff val="0"/>
+                <a:satOff val="0"/>
+                <a:lumOff val="0"/>
+                <a:alphaOff val="0"/>
+              </a:schemeClr>
+            </a:lnRef>
+            <a:fillRef idx="1">
+              <a:schemeClr val="accent1">
+                <a:hueOff val="0"/>
+                <a:satOff val="0"/>
+                <a:lumOff val="0"/>
+                <a:alphaOff val="0"/>
+              </a:schemeClr>
+            </a:fillRef>
+            <a:effectRef idx="0">
+              <a:schemeClr val="accent1">
+                <a:hueOff val="0"/>
+                <a:satOff val="0"/>
+                <a:lumOff val="0"/>
+                <a:alphaOff val="0"/>
+              </a:schemeClr>
+            </a:effectRef>
+            <a:fontRef idx="minor">
+              <a:schemeClr val="lt1"/>
+            </a:fontRef>
+          </p:style>
+          <p:txBody>
+            <a:bodyPr spcFirstLastPara="0" vert="horz" wrap="square" lIns="225783" tIns="21692" rIns="225783" bIns="21692" numCol="1" spcCol="1270" anchor="ctr" anchorCtr="0">
+              <a:noAutofit/>
+            </a:bodyPr>
+            <a:lstStyle/>
+            <a:p>
+              <a:pPr lvl="0" algn="l" defTabSz="1066800">
+                <a:lnSpc>
+                  <a:spcPct val="90000"/>
+                </a:lnSpc>
+                <a:spcBef>
+                  <a:spcPct val="0"/>
+                </a:spcBef>
+                <a:spcAft>
+                  <a:spcPct val="35000"/>
+                </a:spcAft>
+              </a:pPr>
+              <a:r>
+                <a:rPr lang="pl-PL" sz="2400" i="1" dirty="0" smtClean="0">
+                  <a:effectLst>
+                    <a:outerShdw blurRad="38100" dist="38100" dir="2700000" algn="tl">
+                      <a:srgbClr val="000000">
+                        <a:alpha val="43137"/>
+                      </a:srgbClr>
+                    </a:outerShdw>
+                  </a:effectLst>
+                </a:rPr>
+                <a:t>Przykład</a:t>
+              </a:r>
+              <a:endParaRPr lang="pl-PL" sz="2400" i="1" kern="1200" dirty="0">
+                <a:effectLst>
+                  <a:outerShdw blurRad="38100" dist="38100" dir="2700000" algn="tl">
+                    <a:srgbClr val="000000">
+                      <a:alpha val="43137"/>
+                    </a:srgbClr>
+                  </a:outerShdw>
+                </a:effectLst>
+              </a:endParaRPr>
+            </a:p>
+          </p:txBody>
+        </p:sp>
+      </p:grpSp>
+      <p:pic>
+        <p:nvPicPr>
+          <p:cNvPr id="2051" name="Picture 3" descr="D:\Studia magisterskie\Praca magisterska\repo\Placeholder\seminar1\prezentacja\canny\3.1. piksele.png"/>
+          <p:cNvPicPr>
+            <a:picLocks noChangeAspect="1" noChangeArrowheads="1"/>
+          </p:cNvPicPr>
+          <p:nvPr/>
+        </p:nvPicPr>
+        <p:blipFill>
+          <a:blip r:embed="rId2">
+            <a:extLst>
+              <a:ext uri="{28A0092B-C50C-407E-A947-70E740481C1C}">
+                <a14:useLocalDpi xmlns:a14="http://schemas.microsoft.com/office/drawing/2010/main" val="0"/>
+              </a:ext>
+            </a:extLst>
+          </a:blip>
+          <a:srcRect/>
+          <a:stretch>
+            <a:fillRect/>
+          </a:stretch>
+        </p:blipFill>
+        <p:spPr bwMode="auto">
+          <a:xfrm>
+            <a:off x="1547664" y="3956007"/>
+            <a:ext cx="5391150" cy="1933575"/>
+          </a:xfrm>
+          <a:prstGeom prst="rect">
+            <a:avLst/>
+          </a:prstGeom>
+          <a:noFill/>
+          <a:extLst>
+            <a:ext uri="{909E8E84-426E-40DD-AFC4-6F175D3DCCD1}">
+              <a14:hiddenFill xmlns:a14="http://schemas.microsoft.com/office/drawing/2010/main">
+                <a:solidFill>
+                  <a:srgbClr val="FFFFFF"/>
+                </a:solidFill>
+              </a14:hiddenFill>
+            </a:ext>
+          </a:extLst>
+        </p:spPr>
+      </p:pic>
+    </p:spTree>
+    <p:extLst>
+      <p:ext uri="{BB962C8B-B14F-4D97-AF65-F5344CB8AC3E}">
+        <p14:creationId xmlns:p14="http://schemas.microsoft.com/office/powerpoint/2010/main" val="3087322603"/>
+      </p:ext>
+    </p:extLst>
+  </p:cSld>
+  <p:clrMapOvr>
+    <a:masterClrMapping/>
+  </p:clrMapOvr>
+  <p:timing>
+    <p:tnLst>
+      <p:par>
+        <p:cTn id="1" dur="indefinite" restart="never" nodeType="tmRoot"/>
+      </p:par>
+    </p:tnLst>
+  </p:timing>
+</p:sld>
+</file>
+
+<file path=ppt/slides/slide12.xml><?xml version="1.0" encoding="utf-8"?>
+<p:sld xmlns:a="http://schemas.openxmlformats.org/drawingml/2006/main" xmlns:r="http://schemas.openxmlformats.org/officeDocument/2006/relationships" xmlns:p="http://schemas.openxmlformats.org/presentationml/2006/main">
+  <p:cSld>
+    <p:spTree>
+      <p:nvGrpSpPr>
+        <p:cNvPr id="1" name=""/>
+        <p:cNvGrpSpPr/>
+        <p:nvPr/>
+      </p:nvGrpSpPr>
+      <p:grpSpPr>
+        <a:xfrm>
+          <a:off x="0" y="0"/>
+          <a:ext cx="0" cy="0"/>
+          <a:chOff x="0" y="0"/>
+          <a:chExt cx="0" cy="0"/>
+        </a:xfrm>
+      </p:grpSpPr>
+      <p:sp>
+        <p:nvSpPr>
+          <p:cNvPr id="2" name="Title 1"/>
+          <p:cNvSpPr>
+            <a:spLocks noGrp="1"/>
+          </p:cNvSpPr>
+          <p:nvPr>
+            <p:ph type="title"/>
+          </p:nvPr>
+        </p:nvSpPr>
+        <p:spPr>
+          <a:xfrm>
+            <a:off x="457200" y="44624"/>
+            <a:ext cx="7620000" cy="1143000"/>
+          </a:xfrm>
+        </p:spPr>
+        <p:txBody>
+          <a:bodyPr/>
+          <a:lstStyle/>
+          <a:p>
+            <a:r>
+              <a:rPr lang="pl-PL" sz="4000" dirty="0" smtClean="0">
+                <a:effectLst>
+                  <a:outerShdw blurRad="38100" dist="38100" dir="2700000" algn="tl">
+                    <a:srgbClr val="000000">
+                      <a:alpha val="43137"/>
+                    </a:srgbClr>
+                  </a:outerShdw>
+                </a:effectLst>
+              </a:rPr>
+              <a:t>Canny – usunięcie zbędnych pikseli</a:t>
+            </a:r>
+            <a:endParaRPr lang="pl-PL" sz="4000" dirty="0">
+              <a:effectLst>
+                <a:outerShdw blurRad="38100" dist="38100" dir="2700000" algn="tl">
+                  <a:srgbClr val="000000">
+                    <a:alpha val="43137"/>
+                  </a:srgbClr>
+                </a:outerShdw>
+              </a:effectLst>
+            </a:endParaRPr>
+          </a:p>
+        </p:txBody>
+      </p:sp>
+      <p:sp>
+        <p:nvSpPr>
+          <p:cNvPr id="3" name="Content Placeholder 2"/>
+          <p:cNvSpPr>
+            <a:spLocks noGrp="1"/>
+          </p:cNvSpPr>
+          <p:nvPr>
+            <p:ph idx="1"/>
+          </p:nvPr>
+        </p:nvSpPr>
+        <p:spPr>
+          <a:xfrm>
+            <a:off x="457200" y="1124744"/>
+            <a:ext cx="7630886" cy="4800600"/>
+          </a:xfrm>
+        </p:spPr>
+        <p:txBody>
+          <a:bodyPr>
+            <a:normAutofit/>
+          </a:bodyPr>
+          <a:lstStyle/>
+          <a:p>
+            <a:pPr marL="571500" indent="-457200">
+              <a:buFont typeface="+mj-lt"/>
+              <a:buAutoNum type="arabicPeriod" startAt="3"/>
+            </a:pPr>
+            <a:r>
+              <a:rPr lang="pl-PL" sz="2400" dirty="0" smtClean="0"/>
+              <a:t>Jeśli jasność piksela nie jest większa od jasności obu sąsiadów, piksel ten jest zerowany</a:t>
+            </a:r>
+          </a:p>
+          <a:p>
+            <a:pPr marL="571500" indent="-457200">
+              <a:buAutoNum type="arabicPeriod" startAt="3"/>
+            </a:pPr>
+            <a:r>
+              <a:rPr lang="pl-PL" sz="2400" dirty="0" smtClean="0"/>
+              <a:t>Cel: uzyskanie linii o grubości 1px</a:t>
+            </a:r>
+          </a:p>
+          <a:p>
+            <a:pPr marL="571500" indent="-457200">
+              <a:buAutoNum type="arabicPeriod" startAt="3"/>
+            </a:pPr>
+            <a:r>
+              <a:rPr lang="pl-PL" sz="2400" dirty="0" smtClean="0"/>
+              <a:t>Pozostaje pozbyć się zbyt ciemnych krawędzi</a:t>
+            </a:r>
+          </a:p>
+        </p:txBody>
+      </p:sp>
+      <p:sp>
+        <p:nvSpPr>
+          <p:cNvPr id="6" name="Footer Placeholder 7"/>
+          <p:cNvSpPr>
+            <a:spLocks noGrp="1"/>
+          </p:cNvSpPr>
+          <p:nvPr>
+            <p:ph type="ftr" sz="quarter" idx="11"/>
+          </p:nvPr>
+        </p:nvSpPr>
+        <p:spPr>
+          <a:xfrm rot="5400000">
+            <a:off x="6951124" y="1841964"/>
+            <a:ext cx="3672408" cy="365760"/>
+          </a:xfrm>
+        </p:spPr>
+        <p:txBody>
+          <a:bodyPr/>
+          <a:lstStyle/>
+          <a:p>
+            <a:pPr algn="l"/>
+            <a:r>
+              <a:rPr lang="pl-PL" sz="1600" dirty="0">
+                <a:effectLst>
+                  <a:outerShdw blurRad="38100" dist="38100" dir="2700000" algn="tl">
+                    <a:srgbClr val="000000">
+                      <a:alpha val="43137"/>
+                    </a:srgbClr>
+                  </a:outerShdw>
+                </a:effectLst>
+              </a:rPr>
+              <a:t>Seminarium dyplomowe magisterskie 1</a:t>
+            </a:r>
+          </a:p>
+        </p:txBody>
+      </p:sp>
+      <p:sp>
+        <p:nvSpPr>
+          <p:cNvPr id="5" name="Slide Number Placeholder 4"/>
+          <p:cNvSpPr>
+            <a:spLocks noGrp="1"/>
+          </p:cNvSpPr>
+          <p:nvPr>
+            <p:ph type="sldNum" sz="quarter" idx="12"/>
+          </p:nvPr>
+        </p:nvSpPr>
+        <p:spPr/>
+        <p:txBody>
+          <a:bodyPr/>
+          <a:lstStyle/>
+          <a:p>
+            <a:fld id="{A9560CCA-E071-4361-AF3D-B0CE296716D1}" type="slidenum">
+              <a:rPr lang="pl-PL" smtClean="0"/>
+              <a:t>12</a:t>
+            </a:fld>
+            <a:endParaRPr lang="pl-PL"/>
+          </a:p>
+        </p:txBody>
+      </p:sp>
+      <p:grpSp>
+        <p:nvGrpSpPr>
+          <p:cNvPr id="10" name="Group 9"/>
+          <p:cNvGrpSpPr/>
+          <p:nvPr/>
+        </p:nvGrpSpPr>
+        <p:grpSpPr>
+          <a:xfrm>
+            <a:off x="251520" y="3128658"/>
+            <a:ext cx="8064896" cy="3540702"/>
+            <a:chOff x="323528" y="2660605"/>
+            <a:chExt cx="8064896" cy="3540702"/>
+          </a:xfrm>
+        </p:grpSpPr>
+        <p:sp>
+          <p:nvSpPr>
+            <p:cNvPr id="11" name="Freeform 10"/>
+            <p:cNvSpPr/>
+            <p:nvPr/>
+          </p:nvSpPr>
+          <p:spPr>
+            <a:xfrm>
+              <a:off x="323528" y="2888939"/>
+              <a:ext cx="8064896" cy="3312368"/>
+            </a:xfrm>
+            <a:custGeom>
+              <a:avLst/>
+              <a:gdLst>
+                <a:gd name="connsiteX0" fmla="*/ 0 w 7713692"/>
+                <a:gd name="connsiteY0" fmla="*/ 0 h 1944224"/>
+                <a:gd name="connsiteX1" fmla="*/ 7713692 w 7713692"/>
+                <a:gd name="connsiteY1" fmla="*/ 0 h 1944224"/>
+                <a:gd name="connsiteX2" fmla="*/ 7713692 w 7713692"/>
+                <a:gd name="connsiteY2" fmla="*/ 1944224 h 1944224"/>
+                <a:gd name="connsiteX3" fmla="*/ 0 w 7713692"/>
+                <a:gd name="connsiteY3" fmla="*/ 1944224 h 1944224"/>
+                <a:gd name="connsiteX4" fmla="*/ 0 w 7713692"/>
+                <a:gd name="connsiteY4" fmla="*/ 0 h 1944224"/>
+              </a:gdLst>
+              <a:ahLst/>
+              <a:cxnLst>
+                <a:cxn ang="0">
+                  <a:pos x="connsiteX0" y="connsiteY0"/>
+                </a:cxn>
+                <a:cxn ang="0">
+                  <a:pos x="connsiteX1" y="connsiteY1"/>
+                </a:cxn>
+                <a:cxn ang="0">
+                  <a:pos x="connsiteX2" y="connsiteY2"/>
+                </a:cxn>
+                <a:cxn ang="0">
+                  <a:pos x="connsiteX3" y="connsiteY3"/>
+                </a:cxn>
+                <a:cxn ang="0">
+                  <a:pos x="connsiteX4" y="connsiteY4"/>
+                </a:cxn>
+              </a:cxnLst>
+              <a:rect l="l" t="t" r="r" b="b"/>
+              <a:pathLst>
+                <a:path w="7713692" h="1944224">
+                  <a:moveTo>
+                    <a:pt x="0" y="0"/>
+                  </a:moveTo>
+                  <a:lnTo>
+                    <a:pt x="7713692" y="0"/>
+                  </a:lnTo>
+                  <a:lnTo>
+                    <a:pt x="7713692" y="1944224"/>
+                  </a:lnTo>
+                  <a:lnTo>
+                    <a:pt x="0" y="1944224"/>
+                  </a:lnTo>
+                  <a:lnTo>
+                    <a:pt x="0" y="0"/>
+                  </a:lnTo>
+                  <a:close/>
+                </a:path>
+              </a:pathLst>
+            </a:custGeom>
+          </p:spPr>
+          <p:style>
+            <a:lnRef idx="2">
+              <a:schemeClr val="accent1">
+                <a:hueOff val="0"/>
+                <a:satOff val="0"/>
+                <a:lumOff val="0"/>
+                <a:alphaOff val="0"/>
+              </a:schemeClr>
+            </a:lnRef>
+            <a:fillRef idx="1">
+              <a:schemeClr val="lt1">
+                <a:alpha val="90000"/>
+                <a:hueOff val="0"/>
+                <a:satOff val="0"/>
+                <a:lumOff val="0"/>
+                <a:alphaOff val="0"/>
+              </a:schemeClr>
+            </a:fillRef>
+            <a:effectRef idx="0">
+              <a:schemeClr val="lt1">
+                <a:alpha val="90000"/>
+                <a:hueOff val="0"/>
+                <a:satOff val="0"/>
+                <a:lumOff val="0"/>
+                <a:alphaOff val="0"/>
+              </a:schemeClr>
+            </a:effectRef>
+            <a:fontRef idx="minor">
+              <a:schemeClr val="dk1">
+                <a:hueOff val="0"/>
+                <a:satOff val="0"/>
+                <a:lumOff val="0"/>
+                <a:alphaOff val="0"/>
+              </a:schemeClr>
+            </a:fontRef>
+          </p:style>
+          <p:txBody>
+            <a:bodyPr spcFirstLastPara="0" vert="horz" wrap="square" lIns="180000" tIns="324000" rIns="180000" bIns="180000" numCol="1" spcCol="1270" anchor="t" anchorCtr="0">
+              <a:noAutofit/>
+            </a:bodyPr>
+            <a:lstStyle/>
+            <a:p>
+              <a:pPr>
+                <a:lnSpc>
+                  <a:spcPts val="2400"/>
+                </a:lnSpc>
+              </a:pPr>
+              <a:endParaRPr lang="en-US" sz="2200" dirty="0">
+                <a:latin typeface="Consolas" pitchFamily="49" charset="0"/>
+                <a:cs typeface="Consolas" pitchFamily="49" charset="0"/>
+              </a:endParaRPr>
+            </a:p>
+          </p:txBody>
+        </p:sp>
+        <p:sp>
+          <p:nvSpPr>
+            <p:cNvPr id="12" name="Freeform 11"/>
+            <p:cNvSpPr/>
+            <p:nvPr/>
+          </p:nvSpPr>
+          <p:spPr>
+            <a:xfrm>
+              <a:off x="709212" y="2660605"/>
+              <a:ext cx="3070700" cy="444358"/>
+            </a:xfrm>
+            <a:custGeom>
+              <a:avLst/>
+              <a:gdLst>
+                <a:gd name="connsiteX0" fmla="*/ 0 w 2483862"/>
+                <a:gd name="connsiteY0" fmla="*/ 74061 h 444358"/>
+                <a:gd name="connsiteX1" fmla="*/ 74061 w 2483862"/>
+                <a:gd name="connsiteY1" fmla="*/ 0 h 444358"/>
+                <a:gd name="connsiteX2" fmla="*/ 2409801 w 2483862"/>
+                <a:gd name="connsiteY2" fmla="*/ 0 h 444358"/>
+                <a:gd name="connsiteX3" fmla="*/ 2483862 w 2483862"/>
+                <a:gd name="connsiteY3" fmla="*/ 74061 h 444358"/>
+                <a:gd name="connsiteX4" fmla="*/ 2483862 w 2483862"/>
+                <a:gd name="connsiteY4" fmla="*/ 370297 h 444358"/>
+                <a:gd name="connsiteX5" fmla="*/ 2409801 w 2483862"/>
+                <a:gd name="connsiteY5" fmla="*/ 444358 h 444358"/>
+                <a:gd name="connsiteX6" fmla="*/ 74061 w 2483862"/>
+                <a:gd name="connsiteY6" fmla="*/ 444358 h 444358"/>
+                <a:gd name="connsiteX7" fmla="*/ 0 w 2483862"/>
+                <a:gd name="connsiteY7" fmla="*/ 370297 h 444358"/>
+                <a:gd name="connsiteX8" fmla="*/ 0 w 2483862"/>
+                <a:gd name="connsiteY8" fmla="*/ 74061 h 444358"/>
+              </a:gdLst>
+              <a:ahLst/>
+              <a:cxnLst>
+                <a:cxn ang="0">
+                  <a:pos x="connsiteX0" y="connsiteY0"/>
+                </a:cxn>
+                <a:cxn ang="0">
+                  <a:pos x="connsiteX1" y="connsiteY1"/>
+                </a:cxn>
+                <a:cxn ang="0">
+                  <a:pos x="connsiteX2" y="connsiteY2"/>
+                </a:cxn>
+                <a:cxn ang="0">
+                  <a:pos x="connsiteX3" y="connsiteY3"/>
+                </a:cxn>
+                <a:cxn ang="0">
+                  <a:pos x="connsiteX4" y="connsiteY4"/>
+                </a:cxn>
+                <a:cxn ang="0">
+                  <a:pos x="connsiteX5" y="connsiteY5"/>
+                </a:cxn>
+                <a:cxn ang="0">
+                  <a:pos x="connsiteX6" y="connsiteY6"/>
+                </a:cxn>
+                <a:cxn ang="0">
+                  <a:pos x="connsiteX7" y="connsiteY7"/>
+                </a:cxn>
+                <a:cxn ang="0">
+                  <a:pos x="connsiteX8" y="connsiteY8"/>
+                </a:cxn>
+              </a:cxnLst>
+              <a:rect l="l" t="t" r="r" b="b"/>
+              <a:pathLst>
+                <a:path w="2483862" h="444358">
+                  <a:moveTo>
+                    <a:pt x="0" y="74061"/>
+                  </a:moveTo>
+                  <a:cubicBezTo>
+                    <a:pt x="0" y="33158"/>
+                    <a:pt x="33158" y="0"/>
+                    <a:pt x="74061" y="0"/>
+                  </a:cubicBezTo>
+                  <a:lnTo>
+                    <a:pt x="2409801" y="0"/>
+                  </a:lnTo>
+                  <a:cubicBezTo>
+                    <a:pt x="2450704" y="0"/>
+                    <a:pt x="2483862" y="33158"/>
+                    <a:pt x="2483862" y="74061"/>
+                  </a:cubicBezTo>
+                  <a:lnTo>
+                    <a:pt x="2483862" y="370297"/>
+                  </a:lnTo>
+                  <a:cubicBezTo>
+                    <a:pt x="2483862" y="411200"/>
+                    <a:pt x="2450704" y="444358"/>
+                    <a:pt x="2409801" y="444358"/>
+                  </a:cubicBezTo>
+                  <a:lnTo>
+                    <a:pt x="74061" y="444358"/>
+                  </a:lnTo>
+                  <a:cubicBezTo>
+                    <a:pt x="33158" y="444358"/>
+                    <a:pt x="0" y="411200"/>
+                    <a:pt x="0" y="370297"/>
+                  </a:cubicBezTo>
+                  <a:lnTo>
+                    <a:pt x="0" y="74061"/>
+                  </a:lnTo>
+                  <a:close/>
+                </a:path>
+              </a:pathLst>
+            </a:custGeom>
+          </p:spPr>
+          <p:style>
+            <a:lnRef idx="2">
+              <a:schemeClr val="lt1">
+                <a:hueOff val="0"/>
+                <a:satOff val="0"/>
+                <a:lumOff val="0"/>
+                <a:alphaOff val="0"/>
+              </a:schemeClr>
+            </a:lnRef>
+            <a:fillRef idx="1">
+              <a:schemeClr val="accent1">
+                <a:hueOff val="0"/>
+                <a:satOff val="0"/>
+                <a:lumOff val="0"/>
+                <a:alphaOff val="0"/>
+              </a:schemeClr>
+            </a:fillRef>
+            <a:effectRef idx="0">
+              <a:schemeClr val="accent1">
+                <a:hueOff val="0"/>
+                <a:satOff val="0"/>
+                <a:lumOff val="0"/>
+                <a:alphaOff val="0"/>
+              </a:schemeClr>
+            </a:effectRef>
+            <a:fontRef idx="minor">
+              <a:schemeClr val="lt1"/>
+            </a:fontRef>
+          </p:style>
+          <p:txBody>
+            <a:bodyPr spcFirstLastPara="0" vert="horz" wrap="square" lIns="225783" tIns="21692" rIns="225783" bIns="21692" numCol="1" spcCol="1270" anchor="ctr" anchorCtr="0">
+              <a:noAutofit/>
+            </a:bodyPr>
+            <a:lstStyle/>
+            <a:p>
+              <a:pPr lvl="0" defTabSz="1066800">
+                <a:lnSpc>
+                  <a:spcPct val="90000"/>
+                </a:lnSpc>
+                <a:spcBef>
+                  <a:spcPct val="0"/>
+                </a:spcBef>
+                <a:spcAft>
+                  <a:spcPct val="35000"/>
+                </a:spcAft>
+              </a:pPr>
+              <a:r>
+                <a:rPr lang="pl-PL" sz="2400" i="1" dirty="0" smtClean="0">
+                  <a:effectLst>
+                    <a:outerShdw blurRad="38100" dist="38100" dir="2700000" algn="tl">
+                      <a:srgbClr val="000000">
+                        <a:alpha val="43137"/>
+                      </a:srgbClr>
+                    </a:outerShdw>
+                  </a:effectLst>
+                </a:rPr>
+                <a:t>Przykładowy rezultat</a:t>
+              </a:r>
+              <a:endParaRPr lang="pl-PL" sz="2400" i="1" kern="1200" dirty="0">
+                <a:effectLst>
+                  <a:outerShdw blurRad="38100" dist="38100" dir="2700000" algn="tl">
+                    <a:srgbClr val="000000">
+                      <a:alpha val="43137"/>
+                    </a:srgbClr>
+                  </a:outerShdw>
+                </a:effectLst>
+              </a:endParaRPr>
+            </a:p>
+          </p:txBody>
+        </p:sp>
+      </p:grpSp>
       <p:sp>
         <p:nvSpPr>
           <p:cNvPr id="14" name="Right Arrow 13"/>
@@ -4490,7 +6487,7 @@
 </p:sld>
 </file>
 
-<file path=ppt/slides/slide11.xml><?xml version="1.0" encoding="utf-8"?>
+<file path=ppt/slides/slide13.xml><?xml version="1.0" encoding="utf-8"?>
 <p:sld xmlns:a="http://schemas.openxmlformats.org/drawingml/2006/main" xmlns:r="http://schemas.openxmlformats.org/officeDocument/2006/relationships" xmlns:p="http://schemas.openxmlformats.org/presentationml/2006/main">
   <p:cSld>
     <p:spTree>
@@ -4537,19 +6534,7 @@
                   </a:outerShdw>
                 </a:effectLst>
               </a:rPr>
-              <a:t>Canny – </a:t>
-            </a:r>
-            <a:r>
-              <a:rPr lang="pl-PL" sz="4000" dirty="0" smtClean="0">
-                <a:effectLst>
-                  <a:outerShdw blurRad="38100" dist="38100" dir="2700000" algn="tl">
-                    <a:srgbClr val="000000">
-                      <a:alpha val="43137"/>
-                    </a:srgbClr>
-                  </a:outerShdw>
-                </a:effectLst>
-              </a:rPr>
-              <a:t>progowanie z histerezą</a:t>
+              <a:t>Canny – progowanie z histerezą</a:t>
             </a:r>
             <a:endParaRPr lang="pl-PL" sz="4000" dirty="0">
               <a:effectLst>
@@ -4667,11 +6652,7 @@
             </a:pPr>
             <a:r>
               <a:rPr lang="pl-PL" sz="2400" dirty="0" smtClean="0"/>
-              <a:t>Usunięcie krawędzi, dla których moduł gradientu jest </a:t>
-            </a:r>
-            <a:r>
-              <a:rPr lang="pl-PL" sz="2400" dirty="0" smtClean="0"/>
-              <a:t>&lt; T</a:t>
+              <a:t>Usunięcie krawędzi, dla których moduł gradientu jest &lt; T</a:t>
             </a:r>
             <a:r>
               <a:rPr lang="pl-PL" sz="2400" baseline="-25000" dirty="0" smtClean="0"/>
@@ -4704,7 +6685,6 @@
               <a:rPr lang="pl-PL" sz="2400" dirty="0" smtClean="0"/>
               <a:t>, i które nie przylegają do już zaakceptowanej krawędzi</a:t>
             </a:r>
-            <a:endParaRPr lang="pl-PL" sz="2400" dirty="0" smtClean="0"/>
           </a:p>
           <a:p>
             <a:pPr marL="571500" indent="-457200">
@@ -4751,15 +6731,6 @@
               </a:rPr>
               <a:t>Seminarium dyplomowe magisterskie 1</a:t>
             </a:r>
-            <a:endParaRPr lang="pl-PL" sz="1600" dirty="0">
-              <a:effectLst>
-                <a:outerShdw blurRad="38100" dist="38100" dir="2700000" algn="tl">
-                  <a:srgbClr val="000000">
-                    <a:alpha val="43137"/>
-                  </a:srgbClr>
-                </a:outerShdw>
-              </a:effectLst>
-            </a:endParaRPr>
           </a:p>
         </p:txBody>
       </p:sp>
@@ -4780,7 +6751,7 @@
           <a:p>
             <a:fld id="{A9560CCA-E071-4361-AF3D-B0CE296716D1}" type="slidenum">
               <a:rPr lang="pl-PL" smtClean="0"/>
-              <a:t>11</a:t>
+              <a:t>13</a:t>
             </a:fld>
             <a:endParaRPr lang="pl-PL"/>
           </a:p>
@@ -4806,7 +6777,7 @@
 </p:sld>
 </file>
 
-<file path=ppt/slides/slide12.xml><?xml version="1.0" encoding="utf-8"?>
+<file path=ppt/slides/slide14.xml><?xml version="1.0" encoding="utf-8"?>
 <p:sld xmlns:a="http://schemas.openxmlformats.org/drawingml/2006/main" xmlns:r="http://schemas.openxmlformats.org/officeDocument/2006/relationships" xmlns:p="http://schemas.openxmlformats.org/presentationml/2006/main">
   <p:cSld>
     <p:spTree>
@@ -4853,19 +6824,7 @@
                   </a:outerShdw>
                 </a:effectLst>
               </a:rPr>
-              <a:t>Canny – </a:t>
-            </a:r>
-            <a:r>
-              <a:rPr lang="pl-PL" sz="4000" dirty="0" smtClean="0">
-                <a:effectLst>
-                  <a:outerShdw blurRad="38100" dist="38100" dir="2700000" algn="tl">
-                    <a:srgbClr val="000000">
-                      <a:alpha val="43137"/>
-                    </a:srgbClr>
-                  </a:outerShdw>
-                </a:effectLst>
-              </a:rPr>
-              <a:t>progowanie z histerezą</a:t>
+              <a:t>Canny – progowanie z histerezą</a:t>
             </a:r>
             <a:endParaRPr lang="pl-PL" sz="4000" dirty="0">
               <a:effectLst>
@@ -4912,15 +6871,6 @@
               </a:rPr>
               <a:t>Seminarium dyplomowe magisterskie 1</a:t>
             </a:r>
-            <a:endParaRPr lang="pl-PL" sz="1600" dirty="0">
-              <a:effectLst>
-                <a:outerShdw blurRad="38100" dist="38100" dir="2700000" algn="tl">
-                  <a:srgbClr val="000000">
-                    <a:alpha val="43137"/>
-                  </a:srgbClr>
-                </a:outerShdw>
-              </a:effectLst>
-            </a:endParaRPr>
           </a:p>
         </p:txBody>
       </p:sp>
@@ -4941,7 +6891,7 @@
           <a:p>
             <a:fld id="{A9560CCA-E071-4361-AF3D-B0CE296716D1}" type="slidenum">
               <a:rPr lang="pl-PL" smtClean="0"/>
-              <a:t>12</a:t>
+              <a:t>14</a:t>
             </a:fld>
             <a:endParaRPr lang="pl-PL"/>
           </a:p>
@@ -5243,7 +7193,19 @@
                     </a:outerShdw>
                   </a:effectLst>
                 </a:rPr>
-                <a:t>Przykładowe rezultay</a:t>
+                <a:t>Przykładowe </a:t>
+              </a:r>
+              <a:r>
+                <a:rPr lang="pl-PL" sz="2400" i="1" dirty="0" smtClean="0">
+                  <a:effectLst>
+                    <a:outerShdw blurRad="38100" dist="38100" dir="2700000" algn="tl">
+                      <a:srgbClr val="000000">
+                        <a:alpha val="43137"/>
+                      </a:srgbClr>
+                    </a:outerShdw>
+                  </a:effectLst>
+                </a:rPr>
+                <a:t>rezultaty</a:t>
               </a:r>
               <a:endParaRPr lang="pl-PL" sz="2400" i="1" kern="1200" dirty="0">
                 <a:effectLst>
@@ -6285,7 +8247,7 @@
 </p:sld>
 </file>
 
-<file path=ppt/slides/slide13.xml><?xml version="1.0" encoding="utf-8"?>
+<file path=ppt/slides/slide15.xml><?xml version="1.0" encoding="utf-8"?>
 <p:sld xmlns:a="http://schemas.openxmlformats.org/drawingml/2006/main" xmlns:r="http://schemas.openxmlformats.org/officeDocument/2006/relationships" xmlns:p="http://schemas.openxmlformats.org/presentationml/2006/main">
   <p:cSld>
     <p:spTree>
@@ -6366,7 +8328,7 @@
           <a:p>
             <a:fld id="{A9560CCA-E071-4361-AF3D-B0CE296716D1}" type="slidenum">
               <a:rPr lang="pl-PL" smtClean="0"/>
-              <a:t>13</a:t>
+              <a:t>15</a:t>
             </a:fld>
             <a:endParaRPr lang="pl-PL"/>
           </a:p>
@@ -6405,15 +8367,6 @@
               </a:rPr>
               <a:t>Seminarium dyplomowe magisterskie 1</a:t>
             </a:r>
-            <a:endParaRPr lang="pl-PL" sz="1600" dirty="0">
-              <a:effectLst>
-                <a:outerShdw blurRad="38100" dist="38100" dir="2700000" algn="tl">
-                  <a:srgbClr val="000000">
-                    <a:alpha val="43137"/>
-                  </a:srgbClr>
-                </a:outerShdw>
-              </a:effectLst>
-            </a:endParaRPr>
           </a:p>
         </p:txBody>
       </p:sp>
@@ -6869,7 +8822,7 @@
 </p:sld>
 </file>
 
-<file path=ppt/slides/slide14.xml><?xml version="1.0" encoding="utf-8"?>
+<file path=ppt/slides/slide16.xml><?xml version="1.0" encoding="utf-8"?>
 <p:sld xmlns:a="http://schemas.openxmlformats.org/drawingml/2006/main" xmlns:r="http://schemas.openxmlformats.org/officeDocument/2006/relationships" xmlns:p="http://schemas.openxmlformats.org/presentationml/2006/main">
   <p:cSld>
     <p:spTree>
@@ -6950,15 +8903,6 @@
               </a:rPr>
               <a:t>Seminarium dyplomowe magisterskie 1</a:t>
             </a:r>
-            <a:endParaRPr lang="pl-PL" sz="1600" dirty="0">
-              <a:effectLst>
-                <a:outerShdw blurRad="38100" dist="38100" dir="2700000" algn="tl">
-                  <a:srgbClr val="000000">
-                    <a:alpha val="43137"/>
-                  </a:srgbClr>
-                </a:outerShdw>
-              </a:effectLst>
-            </a:endParaRPr>
           </a:p>
         </p:txBody>
       </p:sp>
@@ -6979,7 +8923,7 @@
           <a:p>
             <a:fld id="{A9560CCA-E071-4361-AF3D-B0CE296716D1}" type="slidenum">
               <a:rPr lang="pl-PL" smtClean="0"/>
-              <a:t>14</a:t>
+              <a:t>16</a:t>
             </a:fld>
             <a:endParaRPr lang="pl-PL"/>
           </a:p>
@@ -7212,15 +9156,6 @@
               </a:rPr>
               <a:t>Seminarium dyplomowe magisterskie 1</a:t>
             </a:r>
-            <a:endParaRPr lang="pl-PL" sz="1600" dirty="0">
-              <a:effectLst>
-                <a:outerShdw blurRad="38100" dist="38100" dir="2700000" algn="tl">
-                  <a:srgbClr val="000000">
-                    <a:alpha val="43137"/>
-                  </a:srgbClr>
-                </a:outerShdw>
-              </a:effectLst>
-            </a:endParaRPr>
           </a:p>
         </p:txBody>
       </p:sp>
@@ -7422,15 +9357,6 @@
               </a:rPr>
               <a:t>Seminarium dyplomowe magisterskie 1</a:t>
             </a:r>
-            <a:endParaRPr lang="pl-PL" sz="1600" dirty="0">
-              <a:effectLst>
-                <a:outerShdw blurRad="38100" dist="38100" dir="2700000" algn="tl">
-                  <a:srgbClr val="000000">
-                    <a:alpha val="43137"/>
-                  </a:srgbClr>
-                </a:outerShdw>
-              </a:effectLst>
-            </a:endParaRPr>
           </a:p>
         </p:txBody>
       </p:sp>
@@ -7524,7 +9450,31 @@
                   </a:outerShdw>
                 </a:effectLst>
               </a:rPr>
-              <a:t>Detekcja krawędzi: Canny</a:t>
+              <a:t>Filtrowanie </a:t>
+            </a:r>
+            <a:r>
+              <a:rPr lang="pl-PL" sz="4000" dirty="0" smtClean="0">
+                <a:effectLst>
+                  <a:outerShdw blurRad="38100" dist="38100" dir="2700000" algn="tl">
+                    <a:srgbClr val="000000">
+                      <a:alpha val="43137"/>
+                    </a:srgbClr>
+                  </a:outerShdw>
+                </a:effectLst>
+              </a:rPr>
+              <a:t>– </a:t>
+            </a:r>
+            <a:r>
+              <a:rPr lang="pl-PL" sz="4000" dirty="0" smtClean="0">
+                <a:effectLst>
+                  <a:outerShdw blurRad="38100" dist="38100" dir="2700000" algn="tl">
+                    <a:srgbClr val="000000">
+                      <a:alpha val="43137"/>
+                    </a:srgbClr>
+                  </a:outerShdw>
+                </a:effectLst>
+              </a:rPr>
+              <a:t>splot obrazów</a:t>
             </a:r>
             <a:endParaRPr lang="pl-PL" sz="4000" dirty="0">
               <a:effectLst>
@@ -7560,57 +9510,18 @@
           </a:bodyPr>
           <a:lstStyle/>
           <a:p>
+            <a:pPr marL="571500" indent="-457200">
+              <a:buAutoNum type="arabicPeriod"/>
+            </a:pPr>
             <a:r>
               <a:rPr lang="pl-PL" sz="2400" dirty="0" smtClean="0"/>
-              <a:t>John </a:t>
-            </a:r>
-            <a:r>
-              <a:rPr lang="pl-PL" sz="2400" dirty="0"/>
-              <a:t>F. </a:t>
+              <a:t>Wygładzenie </a:t>
             </a:r>
             <a:r>
               <a:rPr lang="pl-PL" sz="2400" dirty="0" smtClean="0"/>
-              <a:t>Canny, 1986</a:t>
-            </a:r>
-          </a:p>
-          <a:p>
-            <a:r>
-              <a:rPr lang="pl-PL" sz="2400" dirty="0" smtClean="0"/>
-              <a:t>Cele:</a:t>
-            </a:r>
-          </a:p>
-          <a:p>
-            <a:pPr lvl="1"/>
-            <a:r>
-              <a:rPr lang="pl-PL" sz="2400" dirty="0"/>
-              <a:t>d</a:t>
-            </a:r>
-            <a:r>
-              <a:rPr lang="pl-PL" sz="2400" dirty="0" smtClean="0"/>
-              <a:t>obra detekcja – wykrycie jak największej liczby rzeczywistych krawędzi</a:t>
-            </a:r>
-          </a:p>
-          <a:p>
-            <a:pPr lvl="1"/>
-            <a:r>
-              <a:rPr lang="pl-PL" sz="2400" dirty="0"/>
-              <a:t>d</a:t>
-            </a:r>
-            <a:r>
-              <a:rPr lang="pl-PL" sz="2400" dirty="0" smtClean="0"/>
-              <a:t>obra lokalizacja – oznaczenie danej krawędzi jak najbliżej jej rzeczywistego położenia</a:t>
-            </a:r>
-          </a:p>
-          <a:p>
-            <a:pPr lvl="1"/>
-            <a:r>
-              <a:rPr lang="pl-PL" sz="2400" dirty="0"/>
-              <a:t>m</a:t>
-            </a:r>
-            <a:r>
-              <a:rPr lang="pl-PL" sz="2400" dirty="0" smtClean="0"/>
-              <a:t>inimalna odpowiedź – oznaczenie danej krawędzi tylko raz, brak krawędzi powstałych w wyniku zakłóceń</a:t>
-            </a:r>
+              <a:t>obrazu</a:t>
+            </a:r>
+            <a:endParaRPr lang="pl-PL" sz="2400" dirty="0" smtClean="0"/>
           </a:p>
         </p:txBody>
       </p:sp>
@@ -7647,15 +9558,6 @@
               </a:rPr>
               <a:t>Seminarium dyplomowe magisterskie 1</a:t>
             </a:r>
-            <a:endParaRPr lang="pl-PL" sz="1600" dirty="0">
-              <a:effectLst>
-                <a:outerShdw blurRad="38100" dist="38100" dir="2700000" algn="tl">
-                  <a:srgbClr val="000000">
-                    <a:alpha val="43137"/>
-                  </a:srgbClr>
-                </a:outerShdw>
-              </a:effectLst>
-            </a:endParaRPr>
           </a:p>
         </p:txBody>
       </p:sp>
@@ -7682,10 +9584,362 @@
           </a:p>
         </p:txBody>
       </p:sp>
+      <p:grpSp>
+        <p:nvGrpSpPr>
+          <p:cNvPr id="7" name="Group 6"/>
+          <p:cNvGrpSpPr/>
+          <p:nvPr/>
+        </p:nvGrpSpPr>
+        <p:grpSpPr>
+          <a:xfrm>
+            <a:off x="1907704" y="3056650"/>
+            <a:ext cx="4456924" cy="3540702"/>
+            <a:chOff x="323528" y="2660605"/>
+            <a:chExt cx="4456924" cy="3540702"/>
+          </a:xfrm>
+        </p:grpSpPr>
+        <p:sp>
+          <p:nvSpPr>
+            <p:cNvPr id="8" name="Freeform 7"/>
+            <p:cNvSpPr/>
+            <p:nvPr/>
+          </p:nvSpPr>
+          <p:spPr>
+            <a:xfrm>
+              <a:off x="323528" y="2888939"/>
+              <a:ext cx="4456924" cy="3312368"/>
+            </a:xfrm>
+            <a:custGeom>
+              <a:avLst/>
+              <a:gdLst>
+                <a:gd name="connsiteX0" fmla="*/ 0 w 7713692"/>
+                <a:gd name="connsiteY0" fmla="*/ 0 h 1944224"/>
+                <a:gd name="connsiteX1" fmla="*/ 7713692 w 7713692"/>
+                <a:gd name="connsiteY1" fmla="*/ 0 h 1944224"/>
+                <a:gd name="connsiteX2" fmla="*/ 7713692 w 7713692"/>
+                <a:gd name="connsiteY2" fmla="*/ 1944224 h 1944224"/>
+                <a:gd name="connsiteX3" fmla="*/ 0 w 7713692"/>
+                <a:gd name="connsiteY3" fmla="*/ 1944224 h 1944224"/>
+                <a:gd name="connsiteX4" fmla="*/ 0 w 7713692"/>
+                <a:gd name="connsiteY4" fmla="*/ 0 h 1944224"/>
+              </a:gdLst>
+              <a:ahLst/>
+              <a:cxnLst>
+                <a:cxn ang="0">
+                  <a:pos x="connsiteX0" y="connsiteY0"/>
+                </a:cxn>
+                <a:cxn ang="0">
+                  <a:pos x="connsiteX1" y="connsiteY1"/>
+                </a:cxn>
+                <a:cxn ang="0">
+                  <a:pos x="connsiteX2" y="connsiteY2"/>
+                </a:cxn>
+                <a:cxn ang="0">
+                  <a:pos x="connsiteX3" y="connsiteY3"/>
+                </a:cxn>
+                <a:cxn ang="0">
+                  <a:pos x="connsiteX4" y="connsiteY4"/>
+                </a:cxn>
+              </a:cxnLst>
+              <a:rect l="l" t="t" r="r" b="b"/>
+              <a:pathLst>
+                <a:path w="7713692" h="1944224">
+                  <a:moveTo>
+                    <a:pt x="0" y="0"/>
+                  </a:moveTo>
+                  <a:lnTo>
+                    <a:pt x="7713692" y="0"/>
+                  </a:lnTo>
+                  <a:lnTo>
+                    <a:pt x="7713692" y="1944224"/>
+                  </a:lnTo>
+                  <a:lnTo>
+                    <a:pt x="0" y="1944224"/>
+                  </a:lnTo>
+                  <a:lnTo>
+                    <a:pt x="0" y="0"/>
+                  </a:lnTo>
+                  <a:close/>
+                </a:path>
+              </a:pathLst>
+            </a:custGeom>
+          </p:spPr>
+          <p:style>
+            <a:lnRef idx="2">
+              <a:schemeClr val="accent1">
+                <a:hueOff val="0"/>
+                <a:satOff val="0"/>
+                <a:lumOff val="0"/>
+                <a:alphaOff val="0"/>
+              </a:schemeClr>
+            </a:lnRef>
+            <a:fillRef idx="1">
+              <a:schemeClr val="lt1">
+                <a:alpha val="90000"/>
+                <a:hueOff val="0"/>
+                <a:satOff val="0"/>
+                <a:lumOff val="0"/>
+                <a:alphaOff val="0"/>
+              </a:schemeClr>
+            </a:fillRef>
+            <a:effectRef idx="0">
+              <a:schemeClr val="lt1">
+                <a:alpha val="90000"/>
+                <a:hueOff val="0"/>
+                <a:satOff val="0"/>
+                <a:lumOff val="0"/>
+                <a:alphaOff val="0"/>
+              </a:schemeClr>
+            </a:effectRef>
+            <a:fontRef idx="minor">
+              <a:schemeClr val="dk1">
+                <a:hueOff val="0"/>
+                <a:satOff val="0"/>
+                <a:lumOff val="0"/>
+                <a:alphaOff val="0"/>
+              </a:schemeClr>
+            </a:fontRef>
+          </p:style>
+          <p:txBody>
+            <a:bodyPr spcFirstLastPara="0" vert="horz" wrap="square" lIns="180000" tIns="324000" rIns="180000" bIns="180000" numCol="1" spcCol="1270" anchor="t" anchorCtr="0">
+              <a:noAutofit/>
+            </a:bodyPr>
+            <a:lstStyle/>
+            <a:p>
+              <a:pPr>
+                <a:lnSpc>
+                  <a:spcPts val="2400"/>
+                </a:lnSpc>
+              </a:pPr>
+              <a:endParaRPr lang="en-US" sz="2200" dirty="0">
+                <a:latin typeface="Consolas" pitchFamily="49" charset="0"/>
+                <a:cs typeface="Consolas" pitchFamily="49" charset="0"/>
+              </a:endParaRPr>
+            </a:p>
+          </p:txBody>
+        </p:sp>
+        <p:sp>
+          <p:nvSpPr>
+            <p:cNvPr id="9" name="Freeform 8"/>
+            <p:cNvSpPr/>
+            <p:nvPr/>
+          </p:nvSpPr>
+          <p:spPr>
+            <a:xfrm>
+              <a:off x="709212" y="2660605"/>
+              <a:ext cx="2847104" cy="444358"/>
+            </a:xfrm>
+            <a:custGeom>
+              <a:avLst/>
+              <a:gdLst>
+                <a:gd name="connsiteX0" fmla="*/ 0 w 2483862"/>
+                <a:gd name="connsiteY0" fmla="*/ 74061 h 444358"/>
+                <a:gd name="connsiteX1" fmla="*/ 74061 w 2483862"/>
+                <a:gd name="connsiteY1" fmla="*/ 0 h 444358"/>
+                <a:gd name="connsiteX2" fmla="*/ 2409801 w 2483862"/>
+                <a:gd name="connsiteY2" fmla="*/ 0 h 444358"/>
+                <a:gd name="connsiteX3" fmla="*/ 2483862 w 2483862"/>
+                <a:gd name="connsiteY3" fmla="*/ 74061 h 444358"/>
+                <a:gd name="connsiteX4" fmla="*/ 2483862 w 2483862"/>
+                <a:gd name="connsiteY4" fmla="*/ 370297 h 444358"/>
+                <a:gd name="connsiteX5" fmla="*/ 2409801 w 2483862"/>
+                <a:gd name="connsiteY5" fmla="*/ 444358 h 444358"/>
+                <a:gd name="connsiteX6" fmla="*/ 74061 w 2483862"/>
+                <a:gd name="connsiteY6" fmla="*/ 444358 h 444358"/>
+                <a:gd name="connsiteX7" fmla="*/ 0 w 2483862"/>
+                <a:gd name="connsiteY7" fmla="*/ 370297 h 444358"/>
+                <a:gd name="connsiteX8" fmla="*/ 0 w 2483862"/>
+                <a:gd name="connsiteY8" fmla="*/ 74061 h 444358"/>
+              </a:gdLst>
+              <a:ahLst/>
+              <a:cxnLst>
+                <a:cxn ang="0">
+                  <a:pos x="connsiteX0" y="connsiteY0"/>
+                </a:cxn>
+                <a:cxn ang="0">
+                  <a:pos x="connsiteX1" y="connsiteY1"/>
+                </a:cxn>
+                <a:cxn ang="0">
+                  <a:pos x="connsiteX2" y="connsiteY2"/>
+                </a:cxn>
+                <a:cxn ang="0">
+                  <a:pos x="connsiteX3" y="connsiteY3"/>
+                </a:cxn>
+                <a:cxn ang="0">
+                  <a:pos x="connsiteX4" y="connsiteY4"/>
+                </a:cxn>
+                <a:cxn ang="0">
+                  <a:pos x="connsiteX5" y="connsiteY5"/>
+                </a:cxn>
+                <a:cxn ang="0">
+                  <a:pos x="connsiteX6" y="connsiteY6"/>
+                </a:cxn>
+                <a:cxn ang="0">
+                  <a:pos x="connsiteX7" y="connsiteY7"/>
+                </a:cxn>
+                <a:cxn ang="0">
+                  <a:pos x="connsiteX8" y="connsiteY8"/>
+                </a:cxn>
+              </a:cxnLst>
+              <a:rect l="l" t="t" r="r" b="b"/>
+              <a:pathLst>
+                <a:path w="2483862" h="444358">
+                  <a:moveTo>
+                    <a:pt x="0" y="74061"/>
+                  </a:moveTo>
+                  <a:cubicBezTo>
+                    <a:pt x="0" y="33158"/>
+                    <a:pt x="33158" y="0"/>
+                    <a:pt x="74061" y="0"/>
+                  </a:cubicBezTo>
+                  <a:lnTo>
+                    <a:pt x="2409801" y="0"/>
+                  </a:lnTo>
+                  <a:cubicBezTo>
+                    <a:pt x="2450704" y="0"/>
+                    <a:pt x="2483862" y="33158"/>
+                    <a:pt x="2483862" y="74061"/>
+                  </a:cubicBezTo>
+                  <a:lnTo>
+                    <a:pt x="2483862" y="370297"/>
+                  </a:lnTo>
+                  <a:cubicBezTo>
+                    <a:pt x="2483862" y="411200"/>
+                    <a:pt x="2450704" y="444358"/>
+                    <a:pt x="2409801" y="444358"/>
+                  </a:cubicBezTo>
+                  <a:lnTo>
+                    <a:pt x="74061" y="444358"/>
+                  </a:lnTo>
+                  <a:cubicBezTo>
+                    <a:pt x="33158" y="444358"/>
+                    <a:pt x="0" y="411200"/>
+                    <a:pt x="0" y="370297"/>
+                  </a:cubicBezTo>
+                  <a:lnTo>
+                    <a:pt x="0" y="74061"/>
+                  </a:lnTo>
+                  <a:close/>
+                </a:path>
+              </a:pathLst>
+            </a:custGeom>
+          </p:spPr>
+          <p:style>
+            <a:lnRef idx="2">
+              <a:schemeClr val="lt1">
+                <a:hueOff val="0"/>
+                <a:satOff val="0"/>
+                <a:lumOff val="0"/>
+                <a:alphaOff val="0"/>
+              </a:schemeClr>
+            </a:lnRef>
+            <a:fillRef idx="1">
+              <a:schemeClr val="accent1">
+                <a:hueOff val="0"/>
+                <a:satOff val="0"/>
+                <a:lumOff val="0"/>
+                <a:alphaOff val="0"/>
+              </a:schemeClr>
+            </a:fillRef>
+            <a:effectRef idx="0">
+              <a:schemeClr val="accent1">
+                <a:hueOff val="0"/>
+                <a:satOff val="0"/>
+                <a:lumOff val="0"/>
+                <a:alphaOff val="0"/>
+              </a:schemeClr>
+            </a:effectRef>
+            <a:fontRef idx="minor">
+              <a:schemeClr val="lt1"/>
+            </a:fontRef>
+          </p:style>
+          <p:txBody>
+            <a:bodyPr spcFirstLastPara="0" vert="horz" wrap="square" lIns="225783" tIns="21692" rIns="225783" bIns="21692" numCol="1" spcCol="1270" anchor="ctr" anchorCtr="0">
+              <a:noAutofit/>
+            </a:bodyPr>
+            <a:lstStyle/>
+            <a:p>
+              <a:pPr lvl="0" algn="l" defTabSz="1066800">
+                <a:lnSpc>
+                  <a:spcPct val="90000"/>
+                </a:lnSpc>
+                <a:spcBef>
+                  <a:spcPct val="0"/>
+                </a:spcBef>
+                <a:spcAft>
+                  <a:spcPct val="35000"/>
+                </a:spcAft>
+              </a:pPr>
+              <a:r>
+                <a:rPr lang="pl-PL" sz="2400" i="1" dirty="0" smtClean="0">
+                  <a:effectLst>
+                    <a:outerShdw blurRad="38100" dist="38100" dir="2700000" algn="tl">
+                      <a:srgbClr val="000000">
+                        <a:alpha val="43137"/>
+                      </a:srgbClr>
+                    </a:outerShdw>
+                  </a:effectLst>
+                </a:rPr>
+                <a:t>Przykładowy obraz</a:t>
+              </a:r>
+              <a:endParaRPr lang="pl-PL" sz="2400" i="1" kern="1200" dirty="0">
+                <a:effectLst>
+                  <a:outerShdw blurRad="38100" dist="38100" dir="2700000" algn="tl">
+                    <a:srgbClr val="000000">
+                      <a:alpha val="43137"/>
+                    </a:srgbClr>
+                  </a:outerShdw>
+                </a:effectLst>
+              </a:endParaRPr>
+            </a:p>
+          </p:txBody>
+        </p:sp>
+      </p:grpSp>
+      <p:pic>
+        <p:nvPicPr>
+          <p:cNvPr id="1026" name="Picture 2" descr="D:\Studia magisterskie\Praca magisterska\repo\Placeholder\seminar1\prezentacja\filtry\init.png"/>
+          <p:cNvPicPr>
+            <a:picLocks noChangeAspect="1" noChangeArrowheads="1"/>
+          </p:cNvPicPr>
+          <p:nvPr/>
+        </p:nvPicPr>
+        <p:blipFill>
+          <a:blip r:embed="rId2">
+            <a:extLst>
+              <a:ext uri="{28A0092B-C50C-407E-A947-70E740481C1C}">
+                <a14:useLocalDpi xmlns:a14="http://schemas.microsoft.com/office/drawing/2010/main" val="0"/>
+              </a:ext>
+            </a:extLst>
+          </a:blip>
+          <a:srcRect/>
+          <a:stretch>
+            <a:fillRect/>
+          </a:stretch>
+        </p:blipFill>
+        <p:spPr bwMode="auto">
+          <a:xfrm>
+            <a:off x="2411760" y="4149080"/>
+            <a:ext cx="809625" cy="914400"/>
+          </a:xfrm>
+          <a:prstGeom prst="rect">
+            <a:avLst/>
+          </a:prstGeom>
+          <a:noFill/>
+          <a:extLst>
+            <a:ext uri="{909E8E84-426E-40DD-AFC4-6F175D3DCCD1}">
+              <a14:hiddenFill xmlns:a14="http://schemas.microsoft.com/office/drawing/2010/main">
+                <a:solidFill>
+                  <a:srgbClr val="FFFFFF"/>
+                </a:solidFill>
+              </a14:hiddenFill>
+            </a:ext>
+          </a:extLst>
+        </p:spPr>
+      </p:pic>
     </p:spTree>
     <p:extLst>
       <p:ext uri="{BB962C8B-B14F-4D97-AF65-F5344CB8AC3E}">
-        <p14:creationId xmlns:p14="http://schemas.microsoft.com/office/powerpoint/2010/main" val="1865430074"/>
+        <p14:creationId xmlns:p14="http://schemas.microsoft.com/office/powerpoint/2010/main" val="4231431870"/>
       </p:ext>
     </p:extLst>
   </p:cSld>
@@ -7749,7 +10003,7 @@
                   </a:outerShdw>
                 </a:effectLst>
               </a:rPr>
-              <a:t>Canny – kroki algorytmu</a:t>
+              <a:t>Filtrowanie - porównanie</a:t>
             </a:r>
             <a:endParaRPr lang="pl-PL" sz="4000" dirty="0">
               <a:effectLst>
@@ -7760,75 +10014,6 @@
                 </a:outerShdw>
               </a:effectLst>
             </a:endParaRPr>
-          </a:p>
-        </p:txBody>
-      </p:sp>
-      <p:sp>
-        <p:nvSpPr>
-          <p:cNvPr id="3" name="Content Placeholder 2"/>
-          <p:cNvSpPr>
-            <a:spLocks noGrp="1"/>
-          </p:cNvSpPr>
-          <p:nvPr>
-            <p:ph idx="1"/>
-          </p:nvPr>
-        </p:nvSpPr>
-        <p:spPr>
-          <a:xfrm>
-            <a:off x="457200" y="1124744"/>
-            <a:ext cx="7620000" cy="4800600"/>
-          </a:xfrm>
-        </p:spPr>
-        <p:txBody>
-          <a:bodyPr>
-            <a:normAutofit/>
-          </a:bodyPr>
-          <a:lstStyle/>
-          <a:p>
-            <a:pPr marL="571500" indent="-457200">
-              <a:buAutoNum type="arabicPeriod"/>
-            </a:pPr>
-            <a:r>
-              <a:rPr lang="pl-PL" sz="2400" dirty="0" smtClean="0"/>
-              <a:t>Wygładzenie obrazu</a:t>
-            </a:r>
-          </a:p>
-          <a:p>
-            <a:pPr marL="571500" indent="-457200">
-              <a:buAutoNum type="arabicPeriod"/>
-            </a:pPr>
-            <a:r>
-              <a:rPr lang="pl-PL" sz="2400" dirty="0" smtClean="0"/>
-              <a:t>Obliczenie modułu gradientu obrazu</a:t>
-            </a:r>
-          </a:p>
-          <a:p>
-            <a:pPr marL="571500" indent="-457200">
-              <a:buAutoNum type="arabicPeriod"/>
-            </a:pPr>
-            <a:r>
-              <a:rPr lang="pl-PL" sz="2400" dirty="0" smtClean="0"/>
-              <a:t>Usunięcie </a:t>
-            </a:r>
-            <a:r>
-              <a:rPr lang="pl-PL" sz="2400" dirty="0"/>
-              <a:t>niemaksymalnych </a:t>
-            </a:r>
-            <a:r>
-              <a:rPr lang="pl-PL" sz="2400" dirty="0" smtClean="0"/>
-              <a:t>pikseli</a:t>
-            </a:r>
-            <a:endParaRPr lang="pl-PL" sz="2400" dirty="0"/>
-          </a:p>
-          <a:p>
-            <a:pPr marL="571500" indent="-457200">
-              <a:buAutoNum type="arabicPeriod"/>
-            </a:pPr>
-            <a:r>
-              <a:rPr lang="pl-PL" sz="2400" dirty="0"/>
-              <a:t>Progowanie z histerezą</a:t>
-            </a:r>
-            <a:endParaRPr lang="pl-PL" sz="2400" dirty="0" smtClean="0"/>
           </a:p>
         </p:txBody>
       </p:sp>
@@ -7865,7 +10050,565 @@
               </a:rPr>
               <a:t>Seminarium dyplomowe magisterskie 1</a:t>
             </a:r>
-            <a:endParaRPr lang="pl-PL" sz="1600" dirty="0">
+          </a:p>
+        </p:txBody>
+      </p:sp>
+      <p:sp>
+        <p:nvSpPr>
+          <p:cNvPr id="5" name="Slide Number Placeholder 4"/>
+          <p:cNvSpPr>
+            <a:spLocks noGrp="1"/>
+          </p:cNvSpPr>
+          <p:nvPr>
+            <p:ph type="sldNum" sz="quarter" idx="12"/>
+          </p:nvPr>
+        </p:nvSpPr>
+        <p:spPr/>
+        <p:txBody>
+          <a:bodyPr/>
+          <a:lstStyle/>
+          <a:p>
+            <a:fld id="{A9560CCA-E071-4361-AF3D-B0CE296716D1}" type="slidenum">
+              <a:rPr lang="pl-PL" smtClean="0"/>
+              <a:t>5</a:t>
+            </a:fld>
+            <a:endParaRPr lang="pl-PL"/>
+          </a:p>
+        </p:txBody>
+      </p:sp>
+      <p:grpSp>
+        <p:nvGrpSpPr>
+          <p:cNvPr id="10" name="Group 9"/>
+          <p:cNvGrpSpPr/>
+          <p:nvPr/>
+        </p:nvGrpSpPr>
+        <p:grpSpPr>
+          <a:xfrm>
+            <a:off x="285055" y="1034033"/>
+            <a:ext cx="8064896" cy="5688632"/>
+            <a:chOff x="323528" y="2660605"/>
+            <a:chExt cx="8064896" cy="5688632"/>
+          </a:xfrm>
+        </p:grpSpPr>
+        <p:sp>
+          <p:nvSpPr>
+            <p:cNvPr id="11" name="Freeform 10"/>
+            <p:cNvSpPr/>
+            <p:nvPr/>
+          </p:nvSpPr>
+          <p:spPr>
+            <a:xfrm>
+              <a:off x="323528" y="2888939"/>
+              <a:ext cx="8064896" cy="5460298"/>
+            </a:xfrm>
+            <a:custGeom>
+              <a:avLst/>
+              <a:gdLst>
+                <a:gd name="connsiteX0" fmla="*/ 0 w 7713692"/>
+                <a:gd name="connsiteY0" fmla="*/ 0 h 1944224"/>
+                <a:gd name="connsiteX1" fmla="*/ 7713692 w 7713692"/>
+                <a:gd name="connsiteY1" fmla="*/ 0 h 1944224"/>
+                <a:gd name="connsiteX2" fmla="*/ 7713692 w 7713692"/>
+                <a:gd name="connsiteY2" fmla="*/ 1944224 h 1944224"/>
+                <a:gd name="connsiteX3" fmla="*/ 0 w 7713692"/>
+                <a:gd name="connsiteY3" fmla="*/ 1944224 h 1944224"/>
+                <a:gd name="connsiteX4" fmla="*/ 0 w 7713692"/>
+                <a:gd name="connsiteY4" fmla="*/ 0 h 1944224"/>
+              </a:gdLst>
+              <a:ahLst/>
+              <a:cxnLst>
+                <a:cxn ang="0">
+                  <a:pos x="connsiteX0" y="connsiteY0"/>
+                </a:cxn>
+                <a:cxn ang="0">
+                  <a:pos x="connsiteX1" y="connsiteY1"/>
+                </a:cxn>
+                <a:cxn ang="0">
+                  <a:pos x="connsiteX2" y="connsiteY2"/>
+                </a:cxn>
+                <a:cxn ang="0">
+                  <a:pos x="connsiteX3" y="connsiteY3"/>
+                </a:cxn>
+                <a:cxn ang="0">
+                  <a:pos x="connsiteX4" y="connsiteY4"/>
+                </a:cxn>
+              </a:cxnLst>
+              <a:rect l="l" t="t" r="r" b="b"/>
+              <a:pathLst>
+                <a:path w="7713692" h="1944224">
+                  <a:moveTo>
+                    <a:pt x="0" y="0"/>
+                  </a:moveTo>
+                  <a:lnTo>
+                    <a:pt x="7713692" y="0"/>
+                  </a:lnTo>
+                  <a:lnTo>
+                    <a:pt x="7713692" y="1944224"/>
+                  </a:lnTo>
+                  <a:lnTo>
+                    <a:pt x="0" y="1944224"/>
+                  </a:lnTo>
+                  <a:lnTo>
+                    <a:pt x="0" y="0"/>
+                  </a:lnTo>
+                  <a:close/>
+                </a:path>
+              </a:pathLst>
+            </a:custGeom>
+          </p:spPr>
+          <p:style>
+            <a:lnRef idx="2">
+              <a:schemeClr val="accent1">
+                <a:hueOff val="0"/>
+                <a:satOff val="0"/>
+                <a:lumOff val="0"/>
+                <a:alphaOff val="0"/>
+              </a:schemeClr>
+            </a:lnRef>
+            <a:fillRef idx="1">
+              <a:schemeClr val="lt1">
+                <a:alpha val="90000"/>
+                <a:hueOff val="0"/>
+                <a:satOff val="0"/>
+                <a:lumOff val="0"/>
+                <a:alphaOff val="0"/>
+              </a:schemeClr>
+            </a:fillRef>
+            <a:effectRef idx="0">
+              <a:schemeClr val="lt1">
+                <a:alpha val="90000"/>
+                <a:hueOff val="0"/>
+                <a:satOff val="0"/>
+                <a:lumOff val="0"/>
+                <a:alphaOff val="0"/>
+              </a:schemeClr>
+            </a:effectRef>
+            <a:fontRef idx="minor">
+              <a:schemeClr val="dk1">
+                <a:hueOff val="0"/>
+                <a:satOff val="0"/>
+                <a:lumOff val="0"/>
+                <a:alphaOff val="0"/>
+              </a:schemeClr>
+            </a:fontRef>
+          </p:style>
+          <p:txBody>
+            <a:bodyPr spcFirstLastPara="0" vert="horz" wrap="square" lIns="180000" tIns="324000" rIns="180000" bIns="180000" numCol="1" spcCol="1270" anchor="t" anchorCtr="0">
+              <a:noAutofit/>
+            </a:bodyPr>
+            <a:lstStyle/>
+            <a:p>
+              <a:pPr>
+                <a:lnSpc>
+                  <a:spcPts val="2400"/>
+                </a:lnSpc>
+              </a:pPr>
+              <a:endParaRPr lang="en-US" sz="2200" dirty="0">
+                <a:latin typeface="Consolas" pitchFamily="49" charset="0"/>
+                <a:cs typeface="Consolas" pitchFamily="49" charset="0"/>
+              </a:endParaRPr>
+            </a:p>
+          </p:txBody>
+        </p:sp>
+        <p:sp>
+          <p:nvSpPr>
+            <p:cNvPr id="12" name="Freeform 11"/>
+            <p:cNvSpPr/>
+            <p:nvPr/>
+          </p:nvSpPr>
+          <p:spPr>
+            <a:xfrm>
+              <a:off x="709211" y="2660605"/>
+              <a:ext cx="3181181" cy="444358"/>
+            </a:xfrm>
+            <a:custGeom>
+              <a:avLst/>
+              <a:gdLst>
+                <a:gd name="connsiteX0" fmla="*/ 0 w 2483862"/>
+                <a:gd name="connsiteY0" fmla="*/ 74061 h 444358"/>
+                <a:gd name="connsiteX1" fmla="*/ 74061 w 2483862"/>
+                <a:gd name="connsiteY1" fmla="*/ 0 h 444358"/>
+                <a:gd name="connsiteX2" fmla="*/ 2409801 w 2483862"/>
+                <a:gd name="connsiteY2" fmla="*/ 0 h 444358"/>
+                <a:gd name="connsiteX3" fmla="*/ 2483862 w 2483862"/>
+                <a:gd name="connsiteY3" fmla="*/ 74061 h 444358"/>
+                <a:gd name="connsiteX4" fmla="*/ 2483862 w 2483862"/>
+                <a:gd name="connsiteY4" fmla="*/ 370297 h 444358"/>
+                <a:gd name="connsiteX5" fmla="*/ 2409801 w 2483862"/>
+                <a:gd name="connsiteY5" fmla="*/ 444358 h 444358"/>
+                <a:gd name="connsiteX6" fmla="*/ 74061 w 2483862"/>
+                <a:gd name="connsiteY6" fmla="*/ 444358 h 444358"/>
+                <a:gd name="connsiteX7" fmla="*/ 0 w 2483862"/>
+                <a:gd name="connsiteY7" fmla="*/ 370297 h 444358"/>
+                <a:gd name="connsiteX8" fmla="*/ 0 w 2483862"/>
+                <a:gd name="connsiteY8" fmla="*/ 74061 h 444358"/>
+              </a:gdLst>
+              <a:ahLst/>
+              <a:cxnLst>
+                <a:cxn ang="0">
+                  <a:pos x="connsiteX0" y="connsiteY0"/>
+                </a:cxn>
+                <a:cxn ang="0">
+                  <a:pos x="connsiteX1" y="connsiteY1"/>
+                </a:cxn>
+                <a:cxn ang="0">
+                  <a:pos x="connsiteX2" y="connsiteY2"/>
+                </a:cxn>
+                <a:cxn ang="0">
+                  <a:pos x="connsiteX3" y="connsiteY3"/>
+                </a:cxn>
+                <a:cxn ang="0">
+                  <a:pos x="connsiteX4" y="connsiteY4"/>
+                </a:cxn>
+                <a:cxn ang="0">
+                  <a:pos x="connsiteX5" y="connsiteY5"/>
+                </a:cxn>
+                <a:cxn ang="0">
+                  <a:pos x="connsiteX6" y="connsiteY6"/>
+                </a:cxn>
+                <a:cxn ang="0">
+                  <a:pos x="connsiteX7" y="connsiteY7"/>
+                </a:cxn>
+                <a:cxn ang="0">
+                  <a:pos x="connsiteX8" y="connsiteY8"/>
+                </a:cxn>
+              </a:cxnLst>
+              <a:rect l="l" t="t" r="r" b="b"/>
+              <a:pathLst>
+                <a:path w="2483862" h="444358">
+                  <a:moveTo>
+                    <a:pt x="0" y="74061"/>
+                  </a:moveTo>
+                  <a:cubicBezTo>
+                    <a:pt x="0" y="33158"/>
+                    <a:pt x="33158" y="0"/>
+                    <a:pt x="74061" y="0"/>
+                  </a:cubicBezTo>
+                  <a:lnTo>
+                    <a:pt x="2409801" y="0"/>
+                  </a:lnTo>
+                  <a:cubicBezTo>
+                    <a:pt x="2450704" y="0"/>
+                    <a:pt x="2483862" y="33158"/>
+                    <a:pt x="2483862" y="74061"/>
+                  </a:cubicBezTo>
+                  <a:lnTo>
+                    <a:pt x="2483862" y="370297"/>
+                  </a:lnTo>
+                  <a:cubicBezTo>
+                    <a:pt x="2483862" y="411200"/>
+                    <a:pt x="2450704" y="444358"/>
+                    <a:pt x="2409801" y="444358"/>
+                  </a:cubicBezTo>
+                  <a:lnTo>
+                    <a:pt x="74061" y="444358"/>
+                  </a:lnTo>
+                  <a:cubicBezTo>
+                    <a:pt x="33158" y="444358"/>
+                    <a:pt x="0" y="411200"/>
+                    <a:pt x="0" y="370297"/>
+                  </a:cubicBezTo>
+                  <a:lnTo>
+                    <a:pt x="0" y="74061"/>
+                  </a:lnTo>
+                  <a:close/>
+                </a:path>
+              </a:pathLst>
+            </a:custGeom>
+          </p:spPr>
+          <p:style>
+            <a:lnRef idx="2">
+              <a:schemeClr val="lt1">
+                <a:hueOff val="0"/>
+                <a:satOff val="0"/>
+                <a:lumOff val="0"/>
+                <a:alphaOff val="0"/>
+              </a:schemeClr>
+            </a:lnRef>
+            <a:fillRef idx="1">
+              <a:schemeClr val="accent1">
+                <a:hueOff val="0"/>
+                <a:satOff val="0"/>
+                <a:lumOff val="0"/>
+                <a:alphaOff val="0"/>
+              </a:schemeClr>
+            </a:fillRef>
+            <a:effectRef idx="0">
+              <a:schemeClr val="accent1">
+                <a:hueOff val="0"/>
+                <a:satOff val="0"/>
+                <a:lumOff val="0"/>
+                <a:alphaOff val="0"/>
+              </a:schemeClr>
+            </a:effectRef>
+            <a:fontRef idx="minor">
+              <a:schemeClr val="lt1"/>
+            </a:fontRef>
+          </p:style>
+          <p:txBody>
+            <a:bodyPr spcFirstLastPara="0" vert="horz" wrap="square" lIns="225783" tIns="21692" rIns="225783" bIns="21692" numCol="1" spcCol="1270" anchor="ctr" anchorCtr="0">
+              <a:noAutofit/>
+            </a:bodyPr>
+            <a:lstStyle/>
+            <a:p>
+              <a:pPr lvl="0" defTabSz="1066800">
+                <a:lnSpc>
+                  <a:spcPct val="90000"/>
+                </a:lnSpc>
+                <a:spcBef>
+                  <a:spcPct val="0"/>
+                </a:spcBef>
+                <a:spcAft>
+                  <a:spcPct val="35000"/>
+                </a:spcAft>
+              </a:pPr>
+              <a:r>
+                <a:rPr lang="pl-PL" sz="2400" i="1" dirty="0" smtClean="0">
+                  <a:effectLst>
+                    <a:outerShdw blurRad="38100" dist="38100" dir="2700000" algn="tl">
+                      <a:srgbClr val="000000">
+                        <a:alpha val="43137"/>
+                      </a:srgbClr>
+                    </a:outerShdw>
+                  </a:effectLst>
+                </a:rPr>
+                <a:t>Przykładowe </a:t>
+              </a:r>
+              <a:r>
+                <a:rPr lang="pl-PL" sz="2400" i="1" dirty="0" smtClean="0">
+                  <a:effectLst>
+                    <a:outerShdw blurRad="38100" dist="38100" dir="2700000" algn="tl">
+                      <a:srgbClr val="000000">
+                        <a:alpha val="43137"/>
+                      </a:srgbClr>
+                    </a:outerShdw>
+                  </a:effectLst>
+                </a:rPr>
+                <a:t>rezultaty</a:t>
+              </a:r>
+              <a:endParaRPr lang="pl-PL" sz="2400" i="1" kern="1200" dirty="0">
+                <a:effectLst>
+                  <a:outerShdw blurRad="38100" dist="38100" dir="2700000" algn="tl">
+                    <a:srgbClr val="000000">
+                      <a:alpha val="43137"/>
+                    </a:srgbClr>
+                  </a:outerShdw>
+                </a:effectLst>
+              </a:endParaRPr>
+            </a:p>
+          </p:txBody>
+        </p:sp>
+      </p:grpSp>
+      <p:sp>
+        <p:nvSpPr>
+          <p:cNvPr id="14" name="Right Arrow 13"/>
+          <p:cNvSpPr/>
+          <p:nvPr/>
+        </p:nvSpPr>
+        <p:spPr>
+          <a:xfrm rot="7653897">
+            <a:off x="2690054" y="3693772"/>
+            <a:ext cx="489204" cy="484632"/>
+          </a:xfrm>
+          <a:prstGeom prst="rightArrow">
+            <a:avLst/>
+          </a:prstGeom>
+          <a:ln>
+            <a:solidFill>
+              <a:schemeClr val="bg1"/>
+            </a:solidFill>
+          </a:ln>
+        </p:spPr>
+        <p:style>
+          <a:lnRef idx="2">
+            <a:schemeClr val="accent1">
+              <a:shade val="50000"/>
+            </a:schemeClr>
+          </a:lnRef>
+          <a:fillRef idx="1">
+            <a:schemeClr val="accent1"/>
+          </a:fillRef>
+          <a:effectRef idx="0">
+            <a:schemeClr val="accent1"/>
+          </a:effectRef>
+          <a:fontRef idx="minor">
+            <a:schemeClr val="lt1"/>
+          </a:fontRef>
+        </p:style>
+        <p:txBody>
+          <a:bodyPr rtlCol="0" anchor="ctr"/>
+          <a:lstStyle/>
+          <a:p>
+            <a:pPr algn="ctr"/>
+            <a:endParaRPr lang="pl-PL"/>
+          </a:p>
+        </p:txBody>
+      </p:sp>
+      <p:sp>
+        <p:nvSpPr>
+          <p:cNvPr id="18" name="Freeform 17"/>
+          <p:cNvSpPr/>
+          <p:nvPr/>
+        </p:nvSpPr>
+        <p:spPr>
+          <a:xfrm>
+            <a:off x="755576" y="6344131"/>
+            <a:ext cx="1728192" cy="325229"/>
+          </a:xfrm>
+          <a:custGeom>
+            <a:avLst/>
+            <a:gdLst>
+              <a:gd name="connsiteX0" fmla="*/ 0 w 2483862"/>
+              <a:gd name="connsiteY0" fmla="*/ 74061 h 444358"/>
+              <a:gd name="connsiteX1" fmla="*/ 74061 w 2483862"/>
+              <a:gd name="connsiteY1" fmla="*/ 0 h 444358"/>
+              <a:gd name="connsiteX2" fmla="*/ 2409801 w 2483862"/>
+              <a:gd name="connsiteY2" fmla="*/ 0 h 444358"/>
+              <a:gd name="connsiteX3" fmla="*/ 2483862 w 2483862"/>
+              <a:gd name="connsiteY3" fmla="*/ 74061 h 444358"/>
+              <a:gd name="connsiteX4" fmla="*/ 2483862 w 2483862"/>
+              <a:gd name="connsiteY4" fmla="*/ 370297 h 444358"/>
+              <a:gd name="connsiteX5" fmla="*/ 2409801 w 2483862"/>
+              <a:gd name="connsiteY5" fmla="*/ 444358 h 444358"/>
+              <a:gd name="connsiteX6" fmla="*/ 74061 w 2483862"/>
+              <a:gd name="connsiteY6" fmla="*/ 444358 h 444358"/>
+              <a:gd name="connsiteX7" fmla="*/ 0 w 2483862"/>
+              <a:gd name="connsiteY7" fmla="*/ 370297 h 444358"/>
+              <a:gd name="connsiteX8" fmla="*/ 0 w 2483862"/>
+              <a:gd name="connsiteY8" fmla="*/ 74061 h 444358"/>
+            </a:gdLst>
+            <a:ahLst/>
+            <a:cxnLst>
+              <a:cxn ang="0">
+                <a:pos x="connsiteX0" y="connsiteY0"/>
+              </a:cxn>
+              <a:cxn ang="0">
+                <a:pos x="connsiteX1" y="connsiteY1"/>
+              </a:cxn>
+              <a:cxn ang="0">
+                <a:pos x="connsiteX2" y="connsiteY2"/>
+              </a:cxn>
+              <a:cxn ang="0">
+                <a:pos x="connsiteX3" y="connsiteY3"/>
+              </a:cxn>
+              <a:cxn ang="0">
+                <a:pos x="connsiteX4" y="connsiteY4"/>
+              </a:cxn>
+              <a:cxn ang="0">
+                <a:pos x="connsiteX5" y="connsiteY5"/>
+              </a:cxn>
+              <a:cxn ang="0">
+                <a:pos x="connsiteX6" y="connsiteY6"/>
+              </a:cxn>
+              <a:cxn ang="0">
+                <a:pos x="connsiteX7" y="connsiteY7"/>
+              </a:cxn>
+              <a:cxn ang="0">
+                <a:pos x="connsiteX8" y="connsiteY8"/>
+              </a:cxn>
+            </a:cxnLst>
+            <a:rect l="l" t="t" r="r" b="b"/>
+            <a:pathLst>
+              <a:path w="2483862" h="444358">
+                <a:moveTo>
+                  <a:pt x="0" y="74061"/>
+                </a:moveTo>
+                <a:cubicBezTo>
+                  <a:pt x="0" y="33158"/>
+                  <a:pt x="33158" y="0"/>
+                  <a:pt x="74061" y="0"/>
+                </a:cubicBezTo>
+                <a:lnTo>
+                  <a:pt x="2409801" y="0"/>
+                </a:lnTo>
+                <a:cubicBezTo>
+                  <a:pt x="2450704" y="0"/>
+                  <a:pt x="2483862" y="33158"/>
+                  <a:pt x="2483862" y="74061"/>
+                </a:cubicBezTo>
+                <a:lnTo>
+                  <a:pt x="2483862" y="370297"/>
+                </a:lnTo>
+                <a:cubicBezTo>
+                  <a:pt x="2483862" y="411200"/>
+                  <a:pt x="2450704" y="444358"/>
+                  <a:pt x="2409801" y="444358"/>
+                </a:cubicBezTo>
+                <a:lnTo>
+                  <a:pt x="74061" y="444358"/>
+                </a:lnTo>
+                <a:cubicBezTo>
+                  <a:pt x="33158" y="444358"/>
+                  <a:pt x="0" y="411200"/>
+                  <a:pt x="0" y="370297"/>
+                </a:cubicBezTo>
+                <a:lnTo>
+                  <a:pt x="0" y="74061"/>
+                </a:lnTo>
+                <a:close/>
+              </a:path>
+            </a:pathLst>
+          </a:custGeom>
+        </p:spPr>
+        <p:style>
+          <a:lnRef idx="2">
+            <a:schemeClr val="lt1">
+              <a:hueOff val="0"/>
+              <a:satOff val="0"/>
+              <a:lumOff val="0"/>
+              <a:alphaOff val="0"/>
+            </a:schemeClr>
+          </a:lnRef>
+          <a:fillRef idx="1">
+            <a:schemeClr val="accent1">
+              <a:hueOff val="0"/>
+              <a:satOff val="0"/>
+              <a:lumOff val="0"/>
+              <a:alphaOff val="0"/>
+            </a:schemeClr>
+          </a:fillRef>
+          <a:effectRef idx="0">
+            <a:schemeClr val="accent1">
+              <a:hueOff val="0"/>
+              <a:satOff val="0"/>
+              <a:lumOff val="0"/>
+              <a:alphaOff val="0"/>
+            </a:schemeClr>
+          </a:effectRef>
+          <a:fontRef idx="minor">
+            <a:schemeClr val="lt1"/>
+          </a:fontRef>
+        </p:style>
+        <p:txBody>
+          <a:bodyPr spcFirstLastPara="0" vert="horz" wrap="square" lIns="225783" tIns="21692" rIns="225783" bIns="21692" numCol="1" spcCol="1270" anchor="ctr" anchorCtr="0">
+            <a:noAutofit/>
+          </a:bodyPr>
+          <a:lstStyle/>
+          <a:p>
+            <a:pPr lvl="0" defTabSz="1066800">
+              <a:lnSpc>
+                <a:spcPct val="90000"/>
+              </a:lnSpc>
+              <a:spcBef>
+                <a:spcPct val="0"/>
+              </a:spcBef>
+              <a:spcAft>
+                <a:spcPct val="35000"/>
+              </a:spcAft>
+            </a:pPr>
+            <a:r>
+              <a:rPr lang="pl-PL" sz="1600" dirty="0" smtClean="0">
+                <a:effectLst>
+                  <a:outerShdw blurRad="38100" dist="38100" dir="2700000" algn="tl">
+                    <a:srgbClr val="000000">
+                      <a:alpha val="43137"/>
+                    </a:srgbClr>
+                  </a:outerShdw>
+                </a:effectLst>
+              </a:rPr>
+              <a:t>Krzyż Robertsa</a:t>
+            </a:r>
+            <a:endParaRPr lang="pl-PL" sz="1600" kern="1200" dirty="0">
               <a:effectLst>
                 <a:outerShdw blurRad="38100" dist="38100" dir="2700000" algn="tl">
                   <a:srgbClr val="000000">
@@ -7879,6 +10622,805 @@
       </p:sp>
       <p:sp>
         <p:nvSpPr>
+          <p:cNvPr id="19" name="Freeform 18"/>
+          <p:cNvSpPr/>
+          <p:nvPr/>
+        </p:nvSpPr>
+        <p:spPr>
+          <a:xfrm>
+            <a:off x="3724191" y="6344130"/>
+            <a:ext cx="1114547" cy="325229"/>
+          </a:xfrm>
+          <a:custGeom>
+            <a:avLst/>
+            <a:gdLst>
+              <a:gd name="connsiteX0" fmla="*/ 0 w 2483862"/>
+              <a:gd name="connsiteY0" fmla="*/ 74061 h 444358"/>
+              <a:gd name="connsiteX1" fmla="*/ 74061 w 2483862"/>
+              <a:gd name="connsiteY1" fmla="*/ 0 h 444358"/>
+              <a:gd name="connsiteX2" fmla="*/ 2409801 w 2483862"/>
+              <a:gd name="connsiteY2" fmla="*/ 0 h 444358"/>
+              <a:gd name="connsiteX3" fmla="*/ 2483862 w 2483862"/>
+              <a:gd name="connsiteY3" fmla="*/ 74061 h 444358"/>
+              <a:gd name="connsiteX4" fmla="*/ 2483862 w 2483862"/>
+              <a:gd name="connsiteY4" fmla="*/ 370297 h 444358"/>
+              <a:gd name="connsiteX5" fmla="*/ 2409801 w 2483862"/>
+              <a:gd name="connsiteY5" fmla="*/ 444358 h 444358"/>
+              <a:gd name="connsiteX6" fmla="*/ 74061 w 2483862"/>
+              <a:gd name="connsiteY6" fmla="*/ 444358 h 444358"/>
+              <a:gd name="connsiteX7" fmla="*/ 0 w 2483862"/>
+              <a:gd name="connsiteY7" fmla="*/ 370297 h 444358"/>
+              <a:gd name="connsiteX8" fmla="*/ 0 w 2483862"/>
+              <a:gd name="connsiteY8" fmla="*/ 74061 h 444358"/>
+            </a:gdLst>
+            <a:ahLst/>
+            <a:cxnLst>
+              <a:cxn ang="0">
+                <a:pos x="connsiteX0" y="connsiteY0"/>
+              </a:cxn>
+              <a:cxn ang="0">
+                <a:pos x="connsiteX1" y="connsiteY1"/>
+              </a:cxn>
+              <a:cxn ang="0">
+                <a:pos x="connsiteX2" y="connsiteY2"/>
+              </a:cxn>
+              <a:cxn ang="0">
+                <a:pos x="connsiteX3" y="connsiteY3"/>
+              </a:cxn>
+              <a:cxn ang="0">
+                <a:pos x="connsiteX4" y="connsiteY4"/>
+              </a:cxn>
+              <a:cxn ang="0">
+                <a:pos x="connsiteX5" y="connsiteY5"/>
+              </a:cxn>
+              <a:cxn ang="0">
+                <a:pos x="connsiteX6" y="connsiteY6"/>
+              </a:cxn>
+              <a:cxn ang="0">
+                <a:pos x="connsiteX7" y="connsiteY7"/>
+              </a:cxn>
+              <a:cxn ang="0">
+                <a:pos x="connsiteX8" y="connsiteY8"/>
+              </a:cxn>
+            </a:cxnLst>
+            <a:rect l="l" t="t" r="r" b="b"/>
+            <a:pathLst>
+              <a:path w="2483862" h="444358">
+                <a:moveTo>
+                  <a:pt x="0" y="74061"/>
+                </a:moveTo>
+                <a:cubicBezTo>
+                  <a:pt x="0" y="33158"/>
+                  <a:pt x="33158" y="0"/>
+                  <a:pt x="74061" y="0"/>
+                </a:cubicBezTo>
+                <a:lnTo>
+                  <a:pt x="2409801" y="0"/>
+                </a:lnTo>
+                <a:cubicBezTo>
+                  <a:pt x="2450704" y="0"/>
+                  <a:pt x="2483862" y="33158"/>
+                  <a:pt x="2483862" y="74061"/>
+                </a:cubicBezTo>
+                <a:lnTo>
+                  <a:pt x="2483862" y="370297"/>
+                </a:lnTo>
+                <a:cubicBezTo>
+                  <a:pt x="2483862" y="411200"/>
+                  <a:pt x="2450704" y="444358"/>
+                  <a:pt x="2409801" y="444358"/>
+                </a:cubicBezTo>
+                <a:lnTo>
+                  <a:pt x="74061" y="444358"/>
+                </a:lnTo>
+                <a:cubicBezTo>
+                  <a:pt x="33158" y="444358"/>
+                  <a:pt x="0" y="411200"/>
+                  <a:pt x="0" y="370297"/>
+                </a:cubicBezTo>
+                <a:lnTo>
+                  <a:pt x="0" y="74061"/>
+                </a:lnTo>
+                <a:close/>
+              </a:path>
+            </a:pathLst>
+          </a:custGeom>
+        </p:spPr>
+        <p:style>
+          <a:lnRef idx="2">
+            <a:schemeClr val="lt1">
+              <a:hueOff val="0"/>
+              <a:satOff val="0"/>
+              <a:lumOff val="0"/>
+              <a:alphaOff val="0"/>
+            </a:schemeClr>
+          </a:lnRef>
+          <a:fillRef idx="1">
+            <a:schemeClr val="accent1">
+              <a:hueOff val="0"/>
+              <a:satOff val="0"/>
+              <a:lumOff val="0"/>
+              <a:alphaOff val="0"/>
+            </a:schemeClr>
+          </a:fillRef>
+          <a:effectRef idx="0">
+            <a:schemeClr val="accent1">
+              <a:hueOff val="0"/>
+              <a:satOff val="0"/>
+              <a:lumOff val="0"/>
+              <a:alphaOff val="0"/>
+            </a:schemeClr>
+          </a:effectRef>
+          <a:fontRef idx="minor">
+            <a:schemeClr val="lt1"/>
+          </a:fontRef>
+        </p:style>
+        <p:txBody>
+          <a:bodyPr spcFirstLastPara="0" vert="horz" wrap="square" lIns="225783" tIns="21692" rIns="225783" bIns="21692" numCol="1" spcCol="1270" anchor="ctr" anchorCtr="0">
+            <a:noAutofit/>
+          </a:bodyPr>
+          <a:lstStyle/>
+          <a:p>
+            <a:pPr lvl="0" defTabSz="1066800">
+              <a:lnSpc>
+                <a:spcPct val="90000"/>
+              </a:lnSpc>
+              <a:spcBef>
+                <a:spcPct val="0"/>
+              </a:spcBef>
+              <a:spcAft>
+                <a:spcPct val="35000"/>
+              </a:spcAft>
+            </a:pPr>
+            <a:r>
+              <a:rPr lang="pl-PL" sz="1600" dirty="0" smtClean="0">
+                <a:effectLst>
+                  <a:outerShdw blurRad="38100" dist="38100" dir="2700000" algn="tl">
+                    <a:srgbClr val="000000">
+                      <a:alpha val="43137"/>
+                    </a:srgbClr>
+                  </a:outerShdw>
+                </a:effectLst>
+              </a:rPr>
+              <a:t>Prewitt</a:t>
+            </a:r>
+            <a:endParaRPr lang="pl-PL" sz="1600" kern="1200" dirty="0">
+              <a:effectLst>
+                <a:outerShdw blurRad="38100" dist="38100" dir="2700000" algn="tl">
+                  <a:srgbClr val="000000">
+                    <a:alpha val="43137"/>
+                  </a:srgbClr>
+                </a:outerShdw>
+              </a:effectLst>
+            </a:endParaRPr>
+          </a:p>
+        </p:txBody>
+      </p:sp>
+      <p:sp>
+        <p:nvSpPr>
+          <p:cNvPr id="20" name="Freeform 19"/>
+          <p:cNvSpPr/>
+          <p:nvPr/>
+        </p:nvSpPr>
+        <p:spPr>
+          <a:xfrm>
+            <a:off x="6552221" y="6330333"/>
+            <a:ext cx="972107" cy="325229"/>
+          </a:xfrm>
+          <a:custGeom>
+            <a:avLst/>
+            <a:gdLst>
+              <a:gd name="connsiteX0" fmla="*/ 0 w 2483862"/>
+              <a:gd name="connsiteY0" fmla="*/ 74061 h 444358"/>
+              <a:gd name="connsiteX1" fmla="*/ 74061 w 2483862"/>
+              <a:gd name="connsiteY1" fmla="*/ 0 h 444358"/>
+              <a:gd name="connsiteX2" fmla="*/ 2409801 w 2483862"/>
+              <a:gd name="connsiteY2" fmla="*/ 0 h 444358"/>
+              <a:gd name="connsiteX3" fmla="*/ 2483862 w 2483862"/>
+              <a:gd name="connsiteY3" fmla="*/ 74061 h 444358"/>
+              <a:gd name="connsiteX4" fmla="*/ 2483862 w 2483862"/>
+              <a:gd name="connsiteY4" fmla="*/ 370297 h 444358"/>
+              <a:gd name="connsiteX5" fmla="*/ 2409801 w 2483862"/>
+              <a:gd name="connsiteY5" fmla="*/ 444358 h 444358"/>
+              <a:gd name="connsiteX6" fmla="*/ 74061 w 2483862"/>
+              <a:gd name="connsiteY6" fmla="*/ 444358 h 444358"/>
+              <a:gd name="connsiteX7" fmla="*/ 0 w 2483862"/>
+              <a:gd name="connsiteY7" fmla="*/ 370297 h 444358"/>
+              <a:gd name="connsiteX8" fmla="*/ 0 w 2483862"/>
+              <a:gd name="connsiteY8" fmla="*/ 74061 h 444358"/>
+            </a:gdLst>
+            <a:ahLst/>
+            <a:cxnLst>
+              <a:cxn ang="0">
+                <a:pos x="connsiteX0" y="connsiteY0"/>
+              </a:cxn>
+              <a:cxn ang="0">
+                <a:pos x="connsiteX1" y="connsiteY1"/>
+              </a:cxn>
+              <a:cxn ang="0">
+                <a:pos x="connsiteX2" y="connsiteY2"/>
+              </a:cxn>
+              <a:cxn ang="0">
+                <a:pos x="connsiteX3" y="connsiteY3"/>
+              </a:cxn>
+              <a:cxn ang="0">
+                <a:pos x="connsiteX4" y="connsiteY4"/>
+              </a:cxn>
+              <a:cxn ang="0">
+                <a:pos x="connsiteX5" y="connsiteY5"/>
+              </a:cxn>
+              <a:cxn ang="0">
+                <a:pos x="connsiteX6" y="connsiteY6"/>
+              </a:cxn>
+              <a:cxn ang="0">
+                <a:pos x="connsiteX7" y="connsiteY7"/>
+              </a:cxn>
+              <a:cxn ang="0">
+                <a:pos x="connsiteX8" y="connsiteY8"/>
+              </a:cxn>
+            </a:cxnLst>
+            <a:rect l="l" t="t" r="r" b="b"/>
+            <a:pathLst>
+              <a:path w="2483862" h="444358">
+                <a:moveTo>
+                  <a:pt x="0" y="74061"/>
+                </a:moveTo>
+                <a:cubicBezTo>
+                  <a:pt x="0" y="33158"/>
+                  <a:pt x="33158" y="0"/>
+                  <a:pt x="74061" y="0"/>
+                </a:cubicBezTo>
+                <a:lnTo>
+                  <a:pt x="2409801" y="0"/>
+                </a:lnTo>
+                <a:cubicBezTo>
+                  <a:pt x="2450704" y="0"/>
+                  <a:pt x="2483862" y="33158"/>
+                  <a:pt x="2483862" y="74061"/>
+                </a:cubicBezTo>
+                <a:lnTo>
+                  <a:pt x="2483862" y="370297"/>
+                </a:lnTo>
+                <a:cubicBezTo>
+                  <a:pt x="2483862" y="411200"/>
+                  <a:pt x="2450704" y="444358"/>
+                  <a:pt x="2409801" y="444358"/>
+                </a:cubicBezTo>
+                <a:lnTo>
+                  <a:pt x="74061" y="444358"/>
+                </a:lnTo>
+                <a:cubicBezTo>
+                  <a:pt x="33158" y="444358"/>
+                  <a:pt x="0" y="411200"/>
+                  <a:pt x="0" y="370297"/>
+                </a:cubicBezTo>
+                <a:lnTo>
+                  <a:pt x="0" y="74061"/>
+                </a:lnTo>
+                <a:close/>
+              </a:path>
+            </a:pathLst>
+          </a:custGeom>
+        </p:spPr>
+        <p:style>
+          <a:lnRef idx="2">
+            <a:schemeClr val="lt1">
+              <a:hueOff val="0"/>
+              <a:satOff val="0"/>
+              <a:lumOff val="0"/>
+              <a:alphaOff val="0"/>
+            </a:schemeClr>
+          </a:lnRef>
+          <a:fillRef idx="1">
+            <a:schemeClr val="accent1">
+              <a:hueOff val="0"/>
+              <a:satOff val="0"/>
+              <a:lumOff val="0"/>
+              <a:alphaOff val="0"/>
+            </a:schemeClr>
+          </a:fillRef>
+          <a:effectRef idx="0">
+            <a:schemeClr val="accent1">
+              <a:hueOff val="0"/>
+              <a:satOff val="0"/>
+              <a:lumOff val="0"/>
+              <a:alphaOff val="0"/>
+            </a:schemeClr>
+          </a:effectRef>
+          <a:fontRef idx="minor">
+            <a:schemeClr val="lt1"/>
+          </a:fontRef>
+        </p:style>
+        <p:txBody>
+          <a:bodyPr spcFirstLastPara="0" vert="horz" wrap="square" lIns="225783" tIns="21692" rIns="225783" bIns="21692" numCol="1" spcCol="1270" anchor="ctr" anchorCtr="0">
+            <a:noAutofit/>
+          </a:bodyPr>
+          <a:lstStyle/>
+          <a:p>
+            <a:pPr lvl="0" defTabSz="1066800">
+              <a:lnSpc>
+                <a:spcPct val="90000"/>
+              </a:lnSpc>
+              <a:spcBef>
+                <a:spcPct val="0"/>
+              </a:spcBef>
+              <a:spcAft>
+                <a:spcPct val="35000"/>
+              </a:spcAft>
+            </a:pPr>
+            <a:r>
+              <a:rPr lang="pl-PL" sz="1600" dirty="0" smtClean="0">
+                <a:effectLst>
+                  <a:outerShdw blurRad="38100" dist="38100" dir="2700000" algn="tl">
+                    <a:srgbClr val="000000">
+                      <a:alpha val="43137"/>
+                    </a:srgbClr>
+                  </a:outerShdw>
+                </a:effectLst>
+              </a:rPr>
+              <a:t>Sobel</a:t>
+            </a:r>
+            <a:endParaRPr lang="pl-PL" sz="1600" kern="1200" dirty="0">
+              <a:effectLst>
+                <a:outerShdw blurRad="38100" dist="38100" dir="2700000" algn="tl">
+                  <a:srgbClr val="000000">
+                    <a:alpha val="43137"/>
+                  </a:srgbClr>
+                </a:outerShdw>
+              </a:effectLst>
+            </a:endParaRPr>
+          </a:p>
+        </p:txBody>
+      </p:sp>
+      <p:sp>
+        <p:nvSpPr>
+          <p:cNvPr id="21" name="Right Arrow 20"/>
+          <p:cNvSpPr/>
+          <p:nvPr/>
+        </p:nvSpPr>
+        <p:spPr>
+          <a:xfrm rot="5400000">
+            <a:off x="4074026" y="3679392"/>
+            <a:ext cx="409352" cy="484632"/>
+          </a:xfrm>
+          <a:prstGeom prst="rightArrow">
+            <a:avLst/>
+          </a:prstGeom>
+          <a:ln>
+            <a:solidFill>
+              <a:schemeClr val="bg1"/>
+            </a:solidFill>
+          </a:ln>
+        </p:spPr>
+        <p:style>
+          <a:lnRef idx="2">
+            <a:schemeClr val="accent1">
+              <a:shade val="50000"/>
+            </a:schemeClr>
+          </a:lnRef>
+          <a:fillRef idx="1">
+            <a:schemeClr val="accent1"/>
+          </a:fillRef>
+          <a:effectRef idx="0">
+            <a:schemeClr val="accent1"/>
+          </a:effectRef>
+          <a:fontRef idx="minor">
+            <a:schemeClr val="lt1"/>
+          </a:fontRef>
+        </p:style>
+        <p:txBody>
+          <a:bodyPr rtlCol="0" anchor="ctr"/>
+          <a:lstStyle/>
+          <a:p>
+            <a:pPr algn="ctr"/>
+            <a:endParaRPr lang="pl-PL"/>
+          </a:p>
+        </p:txBody>
+      </p:sp>
+      <p:sp>
+        <p:nvSpPr>
+          <p:cNvPr id="22" name="Right Arrow 21"/>
+          <p:cNvSpPr/>
+          <p:nvPr/>
+        </p:nvSpPr>
+        <p:spPr>
+          <a:xfrm rot="2434950">
+            <a:off x="5390883" y="3707624"/>
+            <a:ext cx="489204" cy="484632"/>
+          </a:xfrm>
+          <a:prstGeom prst="rightArrow">
+            <a:avLst/>
+          </a:prstGeom>
+          <a:ln>
+            <a:solidFill>
+              <a:schemeClr val="bg1"/>
+            </a:solidFill>
+          </a:ln>
+        </p:spPr>
+        <p:style>
+          <a:lnRef idx="2">
+            <a:schemeClr val="accent1">
+              <a:shade val="50000"/>
+            </a:schemeClr>
+          </a:lnRef>
+          <a:fillRef idx="1">
+            <a:schemeClr val="accent1"/>
+          </a:fillRef>
+          <a:effectRef idx="0">
+            <a:schemeClr val="accent1"/>
+          </a:effectRef>
+          <a:fontRef idx="minor">
+            <a:schemeClr val="lt1"/>
+          </a:fontRef>
+        </p:style>
+        <p:txBody>
+          <a:bodyPr rtlCol="0" anchor="ctr"/>
+          <a:lstStyle/>
+          <a:p>
+            <a:pPr algn="ctr"/>
+            <a:endParaRPr lang="pl-PL"/>
+          </a:p>
+        </p:txBody>
+      </p:sp>
+      <p:pic>
+        <p:nvPicPr>
+          <p:cNvPr id="2054" name="Picture 6" descr="D:\Studia magisterskie\Praca magisterska\repo\Placeholder\seminar1\prezentacja\filtry\init.png"/>
+          <p:cNvPicPr>
+            <a:picLocks noChangeAspect="1" noChangeArrowheads="1"/>
+          </p:cNvPicPr>
+          <p:nvPr/>
+        </p:nvPicPr>
+        <p:blipFill>
+          <a:blip r:embed="rId2" cstate="print">
+            <a:extLst>
+              <a:ext uri="{28A0092B-C50C-407E-A947-70E740481C1C}">
+                <a14:useLocalDpi xmlns:a14="http://schemas.microsoft.com/office/drawing/2010/main" val="0"/>
+              </a:ext>
+            </a:extLst>
+          </a:blip>
+          <a:srcRect/>
+          <a:stretch>
+            <a:fillRect/>
+          </a:stretch>
+        </p:blipFill>
+        <p:spPr bwMode="auto">
+          <a:xfrm>
+            <a:off x="3107076" y="1527893"/>
+            <a:ext cx="2356942" cy="2117131"/>
+          </a:xfrm>
+          <a:prstGeom prst="rect">
+            <a:avLst/>
+          </a:prstGeom>
+          <a:noFill/>
+          <a:extLst>
+            <a:ext uri="{909E8E84-426E-40DD-AFC4-6F175D3DCCD1}">
+              <a14:hiddenFill xmlns:a14="http://schemas.microsoft.com/office/drawing/2010/main">
+                <a:solidFill>
+                  <a:srgbClr val="FFFFFF"/>
+                </a:solidFill>
+              </a14:hiddenFill>
+            </a:ext>
+          </a:extLst>
+        </p:spPr>
+      </p:pic>
+      <p:pic>
+        <p:nvPicPr>
+          <p:cNvPr id="2055" name="Picture 7" descr="D:\Studia magisterskie\Praca magisterska\repo\Placeholder\seminar1\prezentacja\filtry\roberts.png"/>
+          <p:cNvPicPr>
+            <a:picLocks noChangeAspect="1" noChangeArrowheads="1"/>
+          </p:cNvPicPr>
+          <p:nvPr/>
+        </p:nvPicPr>
+        <p:blipFill>
+          <a:blip r:embed="rId3" cstate="print">
+            <a:extLst>
+              <a:ext uri="{28A0092B-C50C-407E-A947-70E740481C1C}">
+                <a14:useLocalDpi xmlns:a14="http://schemas.microsoft.com/office/drawing/2010/main" val="0"/>
+              </a:ext>
+            </a:extLst>
+          </a:blip>
+          <a:srcRect/>
+          <a:stretch>
+            <a:fillRect/>
+          </a:stretch>
+        </p:blipFill>
+        <p:spPr bwMode="auto">
+          <a:xfrm>
+            <a:off x="467544" y="4179956"/>
+            <a:ext cx="2300172" cy="2129365"/>
+          </a:xfrm>
+          <a:prstGeom prst="rect">
+            <a:avLst/>
+          </a:prstGeom>
+          <a:noFill/>
+          <a:extLst>
+            <a:ext uri="{909E8E84-426E-40DD-AFC4-6F175D3DCCD1}">
+              <a14:hiddenFill xmlns:a14="http://schemas.microsoft.com/office/drawing/2010/main">
+                <a:solidFill>
+                  <a:srgbClr val="FFFFFF"/>
+                </a:solidFill>
+              </a14:hiddenFill>
+            </a:ext>
+          </a:extLst>
+        </p:spPr>
+      </p:pic>
+      <p:pic>
+        <p:nvPicPr>
+          <p:cNvPr id="2056" name="Picture 8" descr="D:\Studia magisterskie\Praca magisterska\repo\Placeholder\seminar1\prezentacja\filtry\prewitt.png"/>
+          <p:cNvPicPr>
+            <a:picLocks noChangeAspect="1" noChangeArrowheads="1"/>
+          </p:cNvPicPr>
+          <p:nvPr/>
+        </p:nvPicPr>
+        <p:blipFill>
+          <a:blip r:embed="rId4" cstate="print">
+            <a:extLst>
+              <a:ext uri="{28A0092B-C50C-407E-A947-70E740481C1C}">
+                <a14:useLocalDpi xmlns:a14="http://schemas.microsoft.com/office/drawing/2010/main" val="0"/>
+              </a:ext>
+            </a:extLst>
+          </a:blip>
+          <a:srcRect/>
+          <a:stretch>
+            <a:fillRect/>
+          </a:stretch>
+        </p:blipFill>
+        <p:spPr bwMode="auto">
+          <a:xfrm>
+            <a:off x="3131840" y="4149080"/>
+            <a:ext cx="2282577" cy="2160239"/>
+          </a:xfrm>
+          <a:prstGeom prst="rect">
+            <a:avLst/>
+          </a:prstGeom>
+          <a:noFill/>
+          <a:extLst>
+            <a:ext uri="{909E8E84-426E-40DD-AFC4-6F175D3DCCD1}">
+              <a14:hiddenFill xmlns:a14="http://schemas.microsoft.com/office/drawing/2010/main">
+                <a:solidFill>
+                  <a:srgbClr val="FFFFFF"/>
+                </a:solidFill>
+              </a14:hiddenFill>
+            </a:ext>
+          </a:extLst>
+        </p:spPr>
+      </p:pic>
+      <p:pic>
+        <p:nvPicPr>
+          <p:cNvPr id="2057" name="Picture 9" descr="D:\Studia magisterskie\Praca magisterska\repo\Placeholder\seminar1\prezentacja\filtry\sobel.png"/>
+          <p:cNvPicPr>
+            <a:picLocks noChangeAspect="1" noChangeArrowheads="1"/>
+          </p:cNvPicPr>
+          <p:nvPr/>
+        </p:nvPicPr>
+        <p:blipFill>
+          <a:blip r:embed="rId5" cstate="print">
+            <a:extLst>
+              <a:ext uri="{28A0092B-C50C-407E-A947-70E740481C1C}">
+                <a14:useLocalDpi xmlns:a14="http://schemas.microsoft.com/office/drawing/2010/main" val="0"/>
+              </a:ext>
+            </a:extLst>
+          </a:blip>
+          <a:srcRect/>
+          <a:stretch>
+            <a:fillRect/>
+          </a:stretch>
+        </p:blipFill>
+        <p:spPr bwMode="auto">
+          <a:xfrm>
+            <a:off x="5796136" y="4180987"/>
+            <a:ext cx="2376263" cy="2128332"/>
+          </a:xfrm>
+          <a:prstGeom prst="rect">
+            <a:avLst/>
+          </a:prstGeom>
+          <a:noFill/>
+          <a:extLst>
+            <a:ext uri="{909E8E84-426E-40DD-AFC4-6F175D3DCCD1}">
+              <a14:hiddenFill xmlns:a14="http://schemas.microsoft.com/office/drawing/2010/main">
+                <a:solidFill>
+                  <a:srgbClr val="FFFFFF"/>
+                </a:solidFill>
+              </a14:hiddenFill>
+            </a:ext>
+          </a:extLst>
+        </p:spPr>
+      </p:pic>
+    </p:spTree>
+    <p:extLst>
+      <p:ext uri="{BB962C8B-B14F-4D97-AF65-F5344CB8AC3E}">
+        <p14:creationId xmlns:p14="http://schemas.microsoft.com/office/powerpoint/2010/main" val="4018074105"/>
+      </p:ext>
+    </p:extLst>
+  </p:cSld>
+  <p:clrMapOvr>
+    <a:masterClrMapping/>
+  </p:clrMapOvr>
+  <p:timing>
+    <p:tnLst>
+      <p:par>
+        <p:cTn id="1" dur="indefinite" restart="never" nodeType="tmRoot"/>
+      </p:par>
+    </p:tnLst>
+  </p:timing>
+</p:sld>
+</file>
+
+<file path=ppt/slides/slide6.xml><?xml version="1.0" encoding="utf-8"?>
+<p:sld xmlns:a="http://schemas.openxmlformats.org/drawingml/2006/main" xmlns:r="http://schemas.openxmlformats.org/officeDocument/2006/relationships" xmlns:p="http://schemas.openxmlformats.org/presentationml/2006/main">
+  <p:cSld>
+    <p:spTree>
+      <p:nvGrpSpPr>
+        <p:cNvPr id="1" name=""/>
+        <p:cNvGrpSpPr/>
+        <p:nvPr/>
+      </p:nvGrpSpPr>
+      <p:grpSpPr>
+        <a:xfrm>
+          <a:off x="0" y="0"/>
+          <a:ext cx="0" cy="0"/>
+          <a:chOff x="0" y="0"/>
+          <a:chExt cx="0" cy="0"/>
+        </a:xfrm>
+      </p:grpSpPr>
+      <p:sp>
+        <p:nvSpPr>
+          <p:cNvPr id="2" name="Title 1"/>
+          <p:cNvSpPr>
+            <a:spLocks noGrp="1"/>
+          </p:cNvSpPr>
+          <p:nvPr>
+            <p:ph type="title"/>
+          </p:nvPr>
+        </p:nvSpPr>
+        <p:spPr>
+          <a:xfrm>
+            <a:off x="457200" y="44624"/>
+            <a:ext cx="7620000" cy="1143000"/>
+          </a:xfrm>
+        </p:spPr>
+        <p:txBody>
+          <a:bodyPr/>
+          <a:lstStyle/>
+          <a:p>
+            <a:r>
+              <a:rPr lang="pl-PL" sz="4000" dirty="0" smtClean="0">
+                <a:effectLst>
+                  <a:outerShdw blurRad="38100" dist="38100" dir="2700000" algn="tl">
+                    <a:srgbClr val="000000">
+                      <a:alpha val="43137"/>
+                    </a:srgbClr>
+                  </a:outerShdw>
+                </a:effectLst>
+              </a:rPr>
+              <a:t>Detekcja krawędzi: Canny</a:t>
+            </a:r>
+            <a:endParaRPr lang="pl-PL" sz="4000" dirty="0">
+              <a:effectLst>
+                <a:outerShdw blurRad="38100" dist="38100" dir="2700000" algn="tl">
+                  <a:srgbClr val="000000">
+                    <a:alpha val="43137"/>
+                  </a:srgbClr>
+                </a:outerShdw>
+              </a:effectLst>
+            </a:endParaRPr>
+          </a:p>
+        </p:txBody>
+      </p:sp>
+      <p:sp>
+        <p:nvSpPr>
+          <p:cNvPr id="3" name="Content Placeholder 2"/>
+          <p:cNvSpPr>
+            <a:spLocks noGrp="1"/>
+          </p:cNvSpPr>
+          <p:nvPr>
+            <p:ph idx="1"/>
+          </p:nvPr>
+        </p:nvSpPr>
+        <p:spPr>
+          <a:xfrm>
+            <a:off x="457200" y="1124744"/>
+            <a:ext cx="7620000" cy="4800600"/>
+          </a:xfrm>
+        </p:spPr>
+        <p:txBody>
+          <a:bodyPr>
+            <a:normAutofit/>
+          </a:bodyPr>
+          <a:lstStyle/>
+          <a:p>
+            <a:r>
+              <a:rPr lang="pl-PL" sz="2400" dirty="0" smtClean="0"/>
+              <a:t>John </a:t>
+            </a:r>
+            <a:r>
+              <a:rPr lang="pl-PL" sz="2400" dirty="0"/>
+              <a:t>F. </a:t>
+            </a:r>
+            <a:r>
+              <a:rPr lang="pl-PL" sz="2400" dirty="0" smtClean="0"/>
+              <a:t>Canny, 1986</a:t>
+            </a:r>
+          </a:p>
+          <a:p>
+            <a:r>
+              <a:rPr lang="pl-PL" sz="2400" dirty="0" smtClean="0"/>
+              <a:t>Cele:</a:t>
+            </a:r>
+          </a:p>
+          <a:p>
+            <a:pPr lvl="1"/>
+            <a:r>
+              <a:rPr lang="pl-PL" sz="2400" dirty="0"/>
+              <a:t>d</a:t>
+            </a:r>
+            <a:r>
+              <a:rPr lang="pl-PL" sz="2400" dirty="0" smtClean="0"/>
+              <a:t>obra detekcja – wykrycie jak największej liczby rzeczywistych krawędzi</a:t>
+            </a:r>
+          </a:p>
+          <a:p>
+            <a:pPr lvl="1"/>
+            <a:r>
+              <a:rPr lang="pl-PL" sz="2400" dirty="0"/>
+              <a:t>d</a:t>
+            </a:r>
+            <a:r>
+              <a:rPr lang="pl-PL" sz="2400" dirty="0" smtClean="0"/>
+              <a:t>obra lokalizacja – oznaczenie danej krawędzi jak najbliżej jej rzeczywistego położenia</a:t>
+            </a:r>
+          </a:p>
+          <a:p>
+            <a:pPr lvl="1"/>
+            <a:r>
+              <a:rPr lang="pl-PL" sz="2400" dirty="0"/>
+              <a:t>m</a:t>
+            </a:r>
+            <a:r>
+              <a:rPr lang="pl-PL" sz="2400" dirty="0" smtClean="0"/>
+              <a:t>inimalna odpowiedź – oznaczenie danej krawędzi tylko raz, brak krawędzi powstałych w wyniku zakłóceń</a:t>
+            </a:r>
+          </a:p>
+        </p:txBody>
+      </p:sp>
+      <p:sp>
+        <p:nvSpPr>
+          <p:cNvPr id="6" name="Footer Placeholder 7"/>
+          <p:cNvSpPr>
+            <a:spLocks noGrp="1"/>
+          </p:cNvSpPr>
+          <p:nvPr>
+            <p:ph type="ftr" sz="quarter" idx="11"/>
+          </p:nvPr>
+        </p:nvSpPr>
+        <p:spPr>
+          <a:xfrm rot="5400000">
+            <a:off x="6951124" y="1841964"/>
+            <a:ext cx="3672408" cy="365760"/>
+          </a:xfrm>
+        </p:spPr>
+        <p:txBody>
+          <a:bodyPr/>
+          <a:lstStyle/>
+          <a:p>
+            <a:pPr algn="l"/>
+            <a:r>
+              <a:rPr lang="pl-PL" sz="1600" dirty="0">
+                <a:effectLst>
+                  <a:outerShdw blurRad="38100" dist="38100" dir="2700000" algn="tl">
+                    <a:srgbClr val="000000">
+                      <a:alpha val="43137"/>
+                    </a:srgbClr>
+                  </a:outerShdw>
+                </a:effectLst>
+              </a:rPr>
+              <a:t>Seminarium dyplomowe magisterskie 1</a:t>
+            </a:r>
+          </a:p>
+        </p:txBody>
+      </p:sp>
+      <p:sp>
+        <p:nvSpPr>
           <p:cNvPr id="5" name="Slide Number Placeholder 4"/>
           <p:cNvSpPr>
             <a:spLocks noGrp="1"/>
@@ -7894,7 +11436,216 @@
           <a:p>
             <a:fld id="{A9560CCA-E071-4361-AF3D-B0CE296716D1}" type="slidenum">
               <a:rPr lang="pl-PL" smtClean="0"/>
-              <a:t>5</a:t>
+              <a:t>6</a:t>
+            </a:fld>
+            <a:endParaRPr lang="pl-PL"/>
+          </a:p>
+        </p:txBody>
+      </p:sp>
+    </p:spTree>
+    <p:extLst>
+      <p:ext uri="{BB962C8B-B14F-4D97-AF65-F5344CB8AC3E}">
+        <p14:creationId xmlns:p14="http://schemas.microsoft.com/office/powerpoint/2010/main" val="1865430074"/>
+      </p:ext>
+    </p:extLst>
+  </p:cSld>
+  <p:clrMapOvr>
+    <a:masterClrMapping/>
+  </p:clrMapOvr>
+  <p:timing>
+    <p:tnLst>
+      <p:par>
+        <p:cTn id="1" dur="indefinite" restart="never" nodeType="tmRoot"/>
+      </p:par>
+    </p:tnLst>
+  </p:timing>
+</p:sld>
+</file>
+
+<file path=ppt/slides/slide7.xml><?xml version="1.0" encoding="utf-8"?>
+<p:sld xmlns:a="http://schemas.openxmlformats.org/drawingml/2006/main" xmlns:r="http://schemas.openxmlformats.org/officeDocument/2006/relationships" xmlns:p="http://schemas.openxmlformats.org/presentationml/2006/main">
+  <p:cSld>
+    <p:spTree>
+      <p:nvGrpSpPr>
+        <p:cNvPr id="1" name=""/>
+        <p:cNvGrpSpPr/>
+        <p:nvPr/>
+      </p:nvGrpSpPr>
+      <p:grpSpPr>
+        <a:xfrm>
+          <a:off x="0" y="0"/>
+          <a:ext cx="0" cy="0"/>
+          <a:chOff x="0" y="0"/>
+          <a:chExt cx="0" cy="0"/>
+        </a:xfrm>
+      </p:grpSpPr>
+      <p:sp>
+        <p:nvSpPr>
+          <p:cNvPr id="2" name="Title 1"/>
+          <p:cNvSpPr>
+            <a:spLocks noGrp="1"/>
+          </p:cNvSpPr>
+          <p:nvPr>
+            <p:ph type="title"/>
+          </p:nvPr>
+        </p:nvSpPr>
+        <p:spPr>
+          <a:xfrm>
+            <a:off x="457200" y="44624"/>
+            <a:ext cx="7620000" cy="1143000"/>
+          </a:xfrm>
+        </p:spPr>
+        <p:txBody>
+          <a:bodyPr/>
+          <a:lstStyle/>
+          <a:p>
+            <a:r>
+              <a:rPr lang="pl-PL" sz="4000" dirty="0" smtClean="0">
+                <a:effectLst>
+                  <a:outerShdw blurRad="38100" dist="38100" dir="2700000" algn="tl">
+                    <a:srgbClr val="000000">
+                      <a:alpha val="43137"/>
+                    </a:srgbClr>
+                  </a:outerShdw>
+                </a:effectLst>
+              </a:rPr>
+              <a:t>Canny – kroki algorytmu</a:t>
+            </a:r>
+            <a:endParaRPr lang="pl-PL" sz="4000" dirty="0">
+              <a:effectLst>
+                <a:outerShdw blurRad="38100" dist="38100" dir="2700000" algn="tl">
+                  <a:srgbClr val="000000">
+                    <a:alpha val="43137"/>
+                  </a:srgbClr>
+                </a:outerShdw>
+              </a:effectLst>
+            </a:endParaRPr>
+          </a:p>
+        </p:txBody>
+      </p:sp>
+      <p:sp>
+        <p:nvSpPr>
+          <p:cNvPr id="3" name="Content Placeholder 2"/>
+          <p:cNvSpPr>
+            <a:spLocks noGrp="1"/>
+          </p:cNvSpPr>
+          <p:nvPr>
+            <p:ph idx="1"/>
+          </p:nvPr>
+        </p:nvSpPr>
+        <p:spPr>
+          <a:xfrm>
+            <a:off x="457200" y="1124744"/>
+            <a:ext cx="7620000" cy="4800600"/>
+          </a:xfrm>
+        </p:spPr>
+        <p:txBody>
+          <a:bodyPr>
+            <a:normAutofit/>
+          </a:bodyPr>
+          <a:lstStyle/>
+          <a:p>
+            <a:pPr marL="571500" indent="-457200">
+              <a:buAutoNum type="arabicPeriod"/>
+            </a:pPr>
+            <a:r>
+              <a:rPr lang="pl-PL" sz="2400" dirty="0" smtClean="0"/>
+              <a:t>Wygładzenie obrazu</a:t>
+            </a:r>
+          </a:p>
+          <a:p>
+            <a:pPr marL="571500" indent="-457200">
+              <a:buAutoNum type="arabicPeriod"/>
+            </a:pPr>
+            <a:r>
+              <a:rPr lang="pl-PL" sz="2400" dirty="0" smtClean="0"/>
+              <a:t>Obliczenie modułu gradientu obrazu</a:t>
+            </a:r>
+          </a:p>
+          <a:p>
+            <a:pPr marL="571500" indent="-457200">
+              <a:buAutoNum type="arabicPeriod"/>
+            </a:pPr>
+            <a:r>
+              <a:rPr lang="pl-PL" sz="2400" dirty="0" smtClean="0"/>
+              <a:t>Usunięcie </a:t>
+            </a:r>
+            <a:r>
+              <a:rPr lang="pl-PL" sz="2400" dirty="0"/>
+              <a:t>niemaksymalnych </a:t>
+            </a:r>
+            <a:r>
+              <a:rPr lang="pl-PL" sz="2400" dirty="0" smtClean="0"/>
+              <a:t>pikseli</a:t>
+            </a:r>
+            <a:endParaRPr lang="pl-PL" sz="2400" dirty="0"/>
+          </a:p>
+          <a:p>
+            <a:pPr marL="571500" indent="-457200">
+              <a:buAutoNum type="arabicPeriod"/>
+            </a:pPr>
+            <a:r>
+              <a:rPr lang="pl-PL" sz="2400" dirty="0"/>
+              <a:t>Progowanie z histerezą</a:t>
+            </a:r>
+            <a:endParaRPr lang="pl-PL" sz="2400" dirty="0" smtClean="0"/>
+          </a:p>
+        </p:txBody>
+      </p:sp>
+      <p:sp>
+        <p:nvSpPr>
+          <p:cNvPr id="6" name="Footer Placeholder 7"/>
+          <p:cNvSpPr>
+            <a:spLocks noGrp="1"/>
+          </p:cNvSpPr>
+          <p:nvPr>
+            <p:ph type="ftr" sz="quarter" idx="11"/>
+          </p:nvPr>
+        </p:nvSpPr>
+        <p:spPr>
+          <a:xfrm rot="5400000">
+            <a:off x="6951124" y="1841964"/>
+            <a:ext cx="3672408" cy="365760"/>
+          </a:xfrm>
+        </p:spPr>
+        <p:txBody>
+          <a:bodyPr/>
+          <a:lstStyle/>
+          <a:p>
+            <a:pPr algn="l"/>
+            <a:r>
+              <a:rPr lang="pl-PL" sz="1600" dirty="0">
+                <a:effectLst>
+                  <a:outerShdw blurRad="38100" dist="38100" dir="2700000" algn="tl">
+                    <a:srgbClr val="000000">
+                      <a:alpha val="43137"/>
+                    </a:srgbClr>
+                  </a:outerShdw>
+                </a:effectLst>
+              </a:rPr>
+              <a:t>Seminarium dyplomowe magisterskie 1</a:t>
+            </a:r>
+          </a:p>
+        </p:txBody>
+      </p:sp>
+      <p:sp>
+        <p:nvSpPr>
+          <p:cNvPr id="5" name="Slide Number Placeholder 4"/>
+          <p:cNvSpPr>
+            <a:spLocks noGrp="1"/>
+          </p:cNvSpPr>
+          <p:nvPr>
+            <p:ph type="sldNum" sz="quarter" idx="12"/>
+          </p:nvPr>
+        </p:nvSpPr>
+        <p:spPr/>
+        <p:txBody>
+          <a:bodyPr/>
+          <a:lstStyle/>
+          <a:p>
+            <a:fld id="{A9560CCA-E071-4361-AF3D-B0CE296716D1}" type="slidenum">
+              <a:rPr lang="pl-PL" smtClean="0"/>
+              <a:t>7</a:t>
             </a:fld>
             <a:endParaRPr lang="pl-PL"/>
           </a:p>
@@ -8272,7 +12023,7 @@
 </p:sld>
 </file>
 
-<file path=ppt/slides/slide6.xml><?xml version="1.0" encoding="utf-8"?>
+<file path=ppt/slides/slide8.xml><?xml version="1.0" encoding="utf-8"?>
 <p:sld xmlns:a="http://schemas.openxmlformats.org/drawingml/2006/main" xmlns:r="http://schemas.openxmlformats.org/officeDocument/2006/relationships" xmlns:p="http://schemas.openxmlformats.org/presentationml/2006/main">
   <p:cSld>
     <p:spTree>
@@ -8457,15 +12208,6 @@
               </a:rPr>
               <a:t>Seminarium dyplomowe magisterskie 1</a:t>
             </a:r>
-            <a:endParaRPr lang="pl-PL" sz="1600" dirty="0">
-              <a:effectLst>
-                <a:outerShdw blurRad="38100" dist="38100" dir="2700000" algn="tl">
-                  <a:srgbClr val="000000">
-                    <a:alpha val="43137"/>
-                  </a:srgbClr>
-                </a:outerShdw>
-              </a:effectLst>
-            </a:endParaRPr>
           </a:p>
         </p:txBody>
       </p:sp>
@@ -8486,7 +12228,7 @@
           <a:p>
             <a:fld id="{A9560CCA-E071-4361-AF3D-B0CE296716D1}" type="slidenum">
               <a:rPr lang="pl-PL" smtClean="0"/>
-              <a:t>6</a:t>
+              <a:t>8</a:t>
             </a:fld>
             <a:endParaRPr lang="pl-PL"/>
           </a:p>
@@ -8974,7 +12716,7 @@
 </p:sld>
 </file>
 
-<file path=ppt/slides/slide7.xml><?xml version="1.0" encoding="utf-8"?>
+<file path=ppt/slides/slide9.xml><?xml version="1.0" encoding="utf-8"?>
 <p:sld xmlns:a="http://schemas.openxmlformats.org/drawingml/2006/main" xmlns:r="http://schemas.openxmlformats.org/officeDocument/2006/relationships" xmlns:p="http://schemas.openxmlformats.org/presentationml/2006/main">
   <p:cSld>
     <p:spTree>
@@ -9103,15 +12845,7 @@
             </a:pPr>
             <a:r>
               <a:rPr lang="pl-PL" sz="2400" dirty="0" smtClean="0"/>
-              <a:t>Cel: </a:t>
-            </a:r>
-            <a:r>
-              <a:rPr lang="pl-PL" sz="2400" dirty="0" smtClean="0"/>
-              <a:t>znalezienie potencjalnych</a:t>
-            </a:r>
-            <a:r>
-              <a:rPr lang="pl-PL" sz="2400" dirty="0" smtClean="0"/>
-              <a:t> krawędzi</a:t>
+              <a:t>Cel: znalezienie potencjalnych krawędzi</a:t>
             </a:r>
           </a:p>
           <a:p>
@@ -9122,7 +12856,6 @@
               <a:rPr lang="pl-PL" sz="2400" dirty="0" smtClean="0"/>
               <a:t>Należy zapamiętać kierunek gradientu</a:t>
             </a:r>
-            <a:endParaRPr lang="pl-PL" sz="2400" dirty="0" smtClean="0"/>
           </a:p>
         </p:txBody>
       </p:sp>
@@ -9159,15 +12892,6 @@
               </a:rPr>
               <a:t>Seminarium dyplomowe magisterskie 1</a:t>
             </a:r>
-            <a:endParaRPr lang="pl-PL" sz="1600" dirty="0">
-              <a:effectLst>
-                <a:outerShdw blurRad="38100" dist="38100" dir="2700000" algn="tl">
-                  <a:srgbClr val="000000">
-                    <a:alpha val="43137"/>
-                  </a:srgbClr>
-                </a:outerShdw>
-              </a:effectLst>
-            </a:endParaRPr>
           </a:p>
         </p:txBody>
       </p:sp>
@@ -9188,7 +12912,7 @@
           <a:p>
             <a:fld id="{A9560CCA-E071-4361-AF3D-B0CE296716D1}" type="slidenum">
               <a:rPr lang="pl-PL" smtClean="0"/>
-              <a:t>7</a:t>
+              <a:t>9</a:t>
             </a:fld>
             <a:endParaRPr lang="pl-PL"/>
           </a:p>
@@ -9636,2066 +13360,6 @@
     <p:extLst>
       <p:ext uri="{BB962C8B-B14F-4D97-AF65-F5344CB8AC3E}">
         <p14:creationId xmlns:p14="http://schemas.microsoft.com/office/powerpoint/2010/main" val="323157067"/>
-      </p:ext>
-    </p:extLst>
-  </p:cSld>
-  <p:clrMapOvr>
-    <a:masterClrMapping/>
-  </p:clrMapOvr>
-  <p:timing>
-    <p:tnLst>
-      <p:par>
-        <p:cTn id="1" dur="indefinite" restart="never" nodeType="tmRoot"/>
-      </p:par>
-    </p:tnLst>
-  </p:timing>
-</p:sld>
-</file>
-
-<file path=ppt/slides/slide8.xml><?xml version="1.0" encoding="utf-8"?>
-<p:sld xmlns:a="http://schemas.openxmlformats.org/drawingml/2006/main" xmlns:r="http://schemas.openxmlformats.org/officeDocument/2006/relationships" xmlns:p="http://schemas.openxmlformats.org/presentationml/2006/main">
-  <p:cSld>
-    <p:spTree>
-      <p:nvGrpSpPr>
-        <p:cNvPr id="1" name=""/>
-        <p:cNvGrpSpPr/>
-        <p:nvPr/>
-      </p:nvGrpSpPr>
-      <p:grpSpPr>
-        <a:xfrm>
-          <a:off x="0" y="0"/>
-          <a:ext cx="0" cy="0"/>
-          <a:chOff x="0" y="0"/>
-          <a:chExt cx="0" cy="0"/>
-        </a:xfrm>
-      </p:grpSpPr>
-      <p:sp>
-        <p:nvSpPr>
-          <p:cNvPr id="2" name="Title 1"/>
-          <p:cNvSpPr>
-            <a:spLocks noGrp="1"/>
-          </p:cNvSpPr>
-          <p:nvPr>
-            <p:ph type="title"/>
-          </p:nvPr>
-        </p:nvSpPr>
-        <p:spPr>
-          <a:xfrm>
-            <a:off x="457200" y="44624"/>
-            <a:ext cx="7620000" cy="1143000"/>
-          </a:xfrm>
-        </p:spPr>
-        <p:txBody>
-          <a:bodyPr/>
-          <a:lstStyle/>
-          <a:p>
-            <a:r>
-              <a:rPr lang="pl-PL" sz="4000" dirty="0" smtClean="0">
-                <a:effectLst>
-                  <a:outerShdw blurRad="38100" dist="38100" dir="2700000" algn="tl">
-                    <a:srgbClr val="000000">
-                      <a:alpha val="43137"/>
-                    </a:srgbClr>
-                  </a:outerShdw>
-                </a:effectLst>
-              </a:rPr>
-              <a:t>Canny – obliczenie gradientu</a:t>
-            </a:r>
-            <a:endParaRPr lang="pl-PL" sz="4000" dirty="0">
-              <a:effectLst>
-                <a:outerShdw blurRad="38100" dist="38100" dir="2700000" algn="tl">
-                  <a:srgbClr val="000000">
-                    <a:alpha val="43137"/>
-                  </a:srgbClr>
-                </a:outerShdw>
-              </a:effectLst>
-            </a:endParaRPr>
-          </a:p>
-        </p:txBody>
-      </p:sp>
-      <p:sp>
-        <p:nvSpPr>
-          <p:cNvPr id="3" name="Content Placeholder 2"/>
-          <p:cNvSpPr>
-            <a:spLocks noGrp="1"/>
-          </p:cNvSpPr>
-          <p:nvPr>
-            <p:ph idx="1"/>
-          </p:nvPr>
-        </p:nvSpPr>
-        <p:spPr>
-          <a:xfrm>
-            <a:off x="457200" y="1124744"/>
-            <a:ext cx="7620000" cy="4800600"/>
-          </a:xfrm>
-        </p:spPr>
-        <p:txBody>
-          <a:bodyPr>
-            <a:normAutofit/>
-          </a:bodyPr>
-          <a:lstStyle/>
-          <a:p>
-            <a:pPr marL="571500" indent="-457200">
-              <a:buFont typeface="+mj-lt"/>
-              <a:buAutoNum type="arabicPeriod" startAt="4"/>
-            </a:pPr>
-            <a:r>
-              <a:rPr lang="pl-PL" sz="2400" dirty="0" smtClean="0"/>
-              <a:t>Kierunek wyznacza się z dokładnością do 45° (pion, poziom, skosy)</a:t>
-            </a:r>
-          </a:p>
-          <a:p>
-            <a:pPr marL="571500" indent="-457200">
-              <a:buAutoNum type="arabicPeriod" startAt="4"/>
-            </a:pPr>
-            <a:endParaRPr lang="pl-PL" sz="2400" dirty="0" smtClean="0"/>
-          </a:p>
-        </p:txBody>
-      </p:sp>
-      <p:sp>
-        <p:nvSpPr>
-          <p:cNvPr id="6" name="Footer Placeholder 7"/>
-          <p:cNvSpPr>
-            <a:spLocks noGrp="1"/>
-          </p:cNvSpPr>
-          <p:nvPr>
-            <p:ph type="ftr" sz="quarter" idx="11"/>
-          </p:nvPr>
-        </p:nvSpPr>
-        <p:spPr>
-          <a:xfrm rot="5400000">
-            <a:off x="6951124" y="1841964"/>
-            <a:ext cx="3672408" cy="365760"/>
-          </a:xfrm>
-        </p:spPr>
-        <p:txBody>
-          <a:bodyPr/>
-          <a:lstStyle/>
-          <a:p>
-            <a:pPr algn="l"/>
-            <a:r>
-              <a:rPr lang="pl-PL" sz="1600" dirty="0">
-                <a:effectLst>
-                  <a:outerShdw blurRad="38100" dist="38100" dir="2700000" algn="tl">
-                    <a:srgbClr val="000000">
-                      <a:alpha val="43137"/>
-                    </a:srgbClr>
-                  </a:outerShdw>
-                </a:effectLst>
-              </a:rPr>
-              <a:t>Seminarium dyplomowe magisterskie 1</a:t>
-            </a:r>
-            <a:endParaRPr lang="pl-PL" sz="1600" dirty="0">
-              <a:effectLst>
-                <a:outerShdw blurRad="38100" dist="38100" dir="2700000" algn="tl">
-                  <a:srgbClr val="000000">
-                    <a:alpha val="43137"/>
-                  </a:srgbClr>
-                </a:outerShdw>
-              </a:effectLst>
-            </a:endParaRPr>
-          </a:p>
-        </p:txBody>
-      </p:sp>
-      <p:sp>
-        <p:nvSpPr>
-          <p:cNvPr id="5" name="Slide Number Placeholder 4"/>
-          <p:cNvSpPr>
-            <a:spLocks noGrp="1"/>
-          </p:cNvSpPr>
-          <p:nvPr>
-            <p:ph type="sldNum" sz="quarter" idx="12"/>
-          </p:nvPr>
-        </p:nvSpPr>
-        <p:spPr/>
-        <p:txBody>
-          <a:bodyPr/>
-          <a:lstStyle/>
-          <a:p>
-            <a:fld id="{A9560CCA-E071-4361-AF3D-B0CE296716D1}" type="slidenum">
-              <a:rPr lang="pl-PL" smtClean="0"/>
-              <a:t>8</a:t>
-            </a:fld>
-            <a:endParaRPr lang="pl-PL"/>
-          </a:p>
-        </p:txBody>
-      </p:sp>
-      <p:grpSp>
-        <p:nvGrpSpPr>
-          <p:cNvPr id="7" name="Group 6"/>
-          <p:cNvGrpSpPr/>
-          <p:nvPr/>
-        </p:nvGrpSpPr>
-        <p:grpSpPr>
-          <a:xfrm>
-            <a:off x="323528" y="2102860"/>
-            <a:ext cx="8064896" cy="4536504"/>
-            <a:chOff x="323528" y="2660605"/>
-            <a:chExt cx="8064896" cy="4536504"/>
-          </a:xfrm>
-        </p:grpSpPr>
-        <p:sp>
-          <p:nvSpPr>
-            <p:cNvPr id="8" name="Freeform 7"/>
-            <p:cNvSpPr/>
-            <p:nvPr/>
-          </p:nvSpPr>
-          <p:spPr>
-            <a:xfrm>
-              <a:off x="323528" y="2888939"/>
-              <a:ext cx="8064896" cy="4308170"/>
-            </a:xfrm>
-            <a:custGeom>
-              <a:avLst/>
-              <a:gdLst>
-                <a:gd name="connsiteX0" fmla="*/ 0 w 7713692"/>
-                <a:gd name="connsiteY0" fmla="*/ 0 h 1944224"/>
-                <a:gd name="connsiteX1" fmla="*/ 7713692 w 7713692"/>
-                <a:gd name="connsiteY1" fmla="*/ 0 h 1944224"/>
-                <a:gd name="connsiteX2" fmla="*/ 7713692 w 7713692"/>
-                <a:gd name="connsiteY2" fmla="*/ 1944224 h 1944224"/>
-                <a:gd name="connsiteX3" fmla="*/ 0 w 7713692"/>
-                <a:gd name="connsiteY3" fmla="*/ 1944224 h 1944224"/>
-                <a:gd name="connsiteX4" fmla="*/ 0 w 7713692"/>
-                <a:gd name="connsiteY4" fmla="*/ 0 h 1944224"/>
-              </a:gdLst>
-              <a:ahLst/>
-              <a:cxnLst>
-                <a:cxn ang="0">
-                  <a:pos x="connsiteX0" y="connsiteY0"/>
-                </a:cxn>
-                <a:cxn ang="0">
-                  <a:pos x="connsiteX1" y="connsiteY1"/>
-                </a:cxn>
-                <a:cxn ang="0">
-                  <a:pos x="connsiteX2" y="connsiteY2"/>
-                </a:cxn>
-                <a:cxn ang="0">
-                  <a:pos x="connsiteX3" y="connsiteY3"/>
-                </a:cxn>
-                <a:cxn ang="0">
-                  <a:pos x="connsiteX4" y="connsiteY4"/>
-                </a:cxn>
-              </a:cxnLst>
-              <a:rect l="l" t="t" r="r" b="b"/>
-              <a:pathLst>
-                <a:path w="7713692" h="1944224">
-                  <a:moveTo>
-                    <a:pt x="0" y="0"/>
-                  </a:moveTo>
-                  <a:lnTo>
-                    <a:pt x="7713692" y="0"/>
-                  </a:lnTo>
-                  <a:lnTo>
-                    <a:pt x="7713692" y="1944224"/>
-                  </a:lnTo>
-                  <a:lnTo>
-                    <a:pt x="0" y="1944224"/>
-                  </a:lnTo>
-                  <a:lnTo>
-                    <a:pt x="0" y="0"/>
-                  </a:lnTo>
-                  <a:close/>
-                </a:path>
-              </a:pathLst>
-            </a:custGeom>
-          </p:spPr>
-          <p:style>
-            <a:lnRef idx="2">
-              <a:schemeClr val="accent1">
-                <a:hueOff val="0"/>
-                <a:satOff val="0"/>
-                <a:lumOff val="0"/>
-                <a:alphaOff val="0"/>
-              </a:schemeClr>
-            </a:lnRef>
-            <a:fillRef idx="1">
-              <a:schemeClr val="lt1">
-                <a:alpha val="90000"/>
-                <a:hueOff val="0"/>
-                <a:satOff val="0"/>
-                <a:lumOff val="0"/>
-                <a:alphaOff val="0"/>
-              </a:schemeClr>
-            </a:fillRef>
-            <a:effectRef idx="0">
-              <a:schemeClr val="lt1">
-                <a:alpha val="90000"/>
-                <a:hueOff val="0"/>
-                <a:satOff val="0"/>
-                <a:lumOff val="0"/>
-                <a:alphaOff val="0"/>
-              </a:schemeClr>
-            </a:effectRef>
-            <a:fontRef idx="minor">
-              <a:schemeClr val="dk1">
-                <a:hueOff val="0"/>
-                <a:satOff val="0"/>
-                <a:lumOff val="0"/>
-                <a:alphaOff val="0"/>
-              </a:schemeClr>
-            </a:fontRef>
-          </p:style>
-          <p:txBody>
-            <a:bodyPr spcFirstLastPara="0" vert="horz" wrap="square" lIns="180000" tIns="324000" rIns="180000" bIns="180000" numCol="1" spcCol="1270" anchor="t" anchorCtr="0">
-              <a:noAutofit/>
-            </a:bodyPr>
-            <a:lstStyle/>
-            <a:p>
-              <a:pPr>
-                <a:lnSpc>
-                  <a:spcPts val="2400"/>
-                </a:lnSpc>
-              </a:pPr>
-              <a:endParaRPr lang="en-US" sz="2200" dirty="0">
-                <a:latin typeface="Consolas" pitchFamily="49" charset="0"/>
-                <a:cs typeface="Consolas" pitchFamily="49" charset="0"/>
-              </a:endParaRPr>
-            </a:p>
-          </p:txBody>
-        </p:sp>
-        <p:sp>
-          <p:nvSpPr>
-            <p:cNvPr id="9" name="Freeform 8"/>
-            <p:cNvSpPr/>
-            <p:nvPr/>
-          </p:nvSpPr>
-          <p:spPr>
-            <a:xfrm>
-              <a:off x="709212" y="2660605"/>
-              <a:ext cx="3070700" cy="444358"/>
-            </a:xfrm>
-            <a:custGeom>
-              <a:avLst/>
-              <a:gdLst>
-                <a:gd name="connsiteX0" fmla="*/ 0 w 2483862"/>
-                <a:gd name="connsiteY0" fmla="*/ 74061 h 444358"/>
-                <a:gd name="connsiteX1" fmla="*/ 74061 w 2483862"/>
-                <a:gd name="connsiteY1" fmla="*/ 0 h 444358"/>
-                <a:gd name="connsiteX2" fmla="*/ 2409801 w 2483862"/>
-                <a:gd name="connsiteY2" fmla="*/ 0 h 444358"/>
-                <a:gd name="connsiteX3" fmla="*/ 2483862 w 2483862"/>
-                <a:gd name="connsiteY3" fmla="*/ 74061 h 444358"/>
-                <a:gd name="connsiteX4" fmla="*/ 2483862 w 2483862"/>
-                <a:gd name="connsiteY4" fmla="*/ 370297 h 444358"/>
-                <a:gd name="connsiteX5" fmla="*/ 2409801 w 2483862"/>
-                <a:gd name="connsiteY5" fmla="*/ 444358 h 444358"/>
-                <a:gd name="connsiteX6" fmla="*/ 74061 w 2483862"/>
-                <a:gd name="connsiteY6" fmla="*/ 444358 h 444358"/>
-                <a:gd name="connsiteX7" fmla="*/ 0 w 2483862"/>
-                <a:gd name="connsiteY7" fmla="*/ 370297 h 444358"/>
-                <a:gd name="connsiteX8" fmla="*/ 0 w 2483862"/>
-                <a:gd name="connsiteY8" fmla="*/ 74061 h 444358"/>
-              </a:gdLst>
-              <a:ahLst/>
-              <a:cxnLst>
-                <a:cxn ang="0">
-                  <a:pos x="connsiteX0" y="connsiteY0"/>
-                </a:cxn>
-                <a:cxn ang="0">
-                  <a:pos x="connsiteX1" y="connsiteY1"/>
-                </a:cxn>
-                <a:cxn ang="0">
-                  <a:pos x="connsiteX2" y="connsiteY2"/>
-                </a:cxn>
-                <a:cxn ang="0">
-                  <a:pos x="connsiteX3" y="connsiteY3"/>
-                </a:cxn>
-                <a:cxn ang="0">
-                  <a:pos x="connsiteX4" y="connsiteY4"/>
-                </a:cxn>
-                <a:cxn ang="0">
-                  <a:pos x="connsiteX5" y="connsiteY5"/>
-                </a:cxn>
-                <a:cxn ang="0">
-                  <a:pos x="connsiteX6" y="connsiteY6"/>
-                </a:cxn>
-                <a:cxn ang="0">
-                  <a:pos x="connsiteX7" y="connsiteY7"/>
-                </a:cxn>
-                <a:cxn ang="0">
-                  <a:pos x="connsiteX8" y="connsiteY8"/>
-                </a:cxn>
-              </a:cxnLst>
-              <a:rect l="l" t="t" r="r" b="b"/>
-              <a:pathLst>
-                <a:path w="2483862" h="444358">
-                  <a:moveTo>
-                    <a:pt x="0" y="74061"/>
-                  </a:moveTo>
-                  <a:cubicBezTo>
-                    <a:pt x="0" y="33158"/>
-                    <a:pt x="33158" y="0"/>
-                    <a:pt x="74061" y="0"/>
-                  </a:cubicBezTo>
-                  <a:lnTo>
-                    <a:pt x="2409801" y="0"/>
-                  </a:lnTo>
-                  <a:cubicBezTo>
-                    <a:pt x="2450704" y="0"/>
-                    <a:pt x="2483862" y="33158"/>
-                    <a:pt x="2483862" y="74061"/>
-                  </a:cubicBezTo>
-                  <a:lnTo>
-                    <a:pt x="2483862" y="370297"/>
-                  </a:lnTo>
-                  <a:cubicBezTo>
-                    <a:pt x="2483862" y="411200"/>
-                    <a:pt x="2450704" y="444358"/>
-                    <a:pt x="2409801" y="444358"/>
-                  </a:cubicBezTo>
-                  <a:lnTo>
-                    <a:pt x="74061" y="444358"/>
-                  </a:lnTo>
-                  <a:cubicBezTo>
-                    <a:pt x="33158" y="444358"/>
-                    <a:pt x="0" y="411200"/>
-                    <a:pt x="0" y="370297"/>
-                  </a:cubicBezTo>
-                  <a:lnTo>
-                    <a:pt x="0" y="74061"/>
-                  </a:lnTo>
-                  <a:close/>
-                </a:path>
-              </a:pathLst>
-            </a:custGeom>
-          </p:spPr>
-          <p:style>
-            <a:lnRef idx="2">
-              <a:schemeClr val="lt1">
-                <a:hueOff val="0"/>
-                <a:satOff val="0"/>
-                <a:lumOff val="0"/>
-                <a:alphaOff val="0"/>
-              </a:schemeClr>
-            </a:lnRef>
-            <a:fillRef idx="1">
-              <a:schemeClr val="accent1">
-                <a:hueOff val="0"/>
-                <a:satOff val="0"/>
-                <a:lumOff val="0"/>
-                <a:alphaOff val="0"/>
-              </a:schemeClr>
-            </a:fillRef>
-            <a:effectRef idx="0">
-              <a:schemeClr val="accent1">
-                <a:hueOff val="0"/>
-                <a:satOff val="0"/>
-                <a:lumOff val="0"/>
-                <a:alphaOff val="0"/>
-              </a:schemeClr>
-            </a:effectRef>
-            <a:fontRef idx="minor">
-              <a:schemeClr val="lt1"/>
-            </a:fontRef>
-          </p:style>
-          <p:txBody>
-            <a:bodyPr spcFirstLastPara="0" vert="horz" wrap="square" lIns="225783" tIns="21692" rIns="225783" bIns="21692" numCol="1" spcCol="1270" anchor="ctr" anchorCtr="0">
-              <a:noAutofit/>
-            </a:bodyPr>
-            <a:lstStyle/>
-            <a:p>
-              <a:pPr lvl="0" defTabSz="1066800">
-                <a:lnSpc>
-                  <a:spcPct val="90000"/>
-                </a:lnSpc>
-                <a:spcBef>
-                  <a:spcPct val="0"/>
-                </a:spcBef>
-                <a:spcAft>
-                  <a:spcPct val="35000"/>
-                </a:spcAft>
-              </a:pPr>
-              <a:r>
-                <a:rPr lang="pl-PL" sz="2400" i="1" dirty="0" smtClean="0">
-                  <a:effectLst>
-                    <a:outerShdw blurRad="38100" dist="38100" dir="2700000" algn="tl">
-                      <a:srgbClr val="000000">
-                        <a:alpha val="43137"/>
-                      </a:srgbClr>
-                    </a:outerShdw>
-                  </a:effectLst>
-                </a:rPr>
-                <a:t>Przykładowy rezultat</a:t>
-              </a:r>
-              <a:endParaRPr lang="pl-PL" sz="2400" i="1" kern="1200" dirty="0">
-                <a:effectLst>
-                  <a:outerShdw blurRad="38100" dist="38100" dir="2700000" algn="tl">
-                    <a:srgbClr val="000000">
-                      <a:alpha val="43137"/>
-                    </a:srgbClr>
-                  </a:outerShdw>
-                </a:effectLst>
-              </a:endParaRPr>
-            </a:p>
-          </p:txBody>
-        </p:sp>
-      </p:grpSp>
-      <p:pic>
-        <p:nvPicPr>
-          <p:cNvPr id="2050" name="Picture 2" descr="D:\Studia magisterskie\Praca magisterska\repo\Placeholder\seminar1\prezentacja\canny\1. gauss.png"/>
-          <p:cNvPicPr>
-            <a:picLocks noChangeAspect="1" noChangeArrowheads="1"/>
-          </p:cNvPicPr>
-          <p:nvPr/>
-        </p:nvPicPr>
-        <p:blipFill>
-          <a:blip r:embed="rId2">
-            <a:extLst>
-              <a:ext uri="{28A0092B-C50C-407E-A947-70E740481C1C}">
-                <a14:useLocalDpi xmlns:a14="http://schemas.microsoft.com/office/drawing/2010/main" val="0"/>
-              </a:ext>
-            </a:extLst>
-          </a:blip>
-          <a:srcRect/>
-          <a:stretch>
-            <a:fillRect/>
-          </a:stretch>
-        </p:blipFill>
-        <p:spPr bwMode="auto">
-          <a:xfrm>
-            <a:off x="462161" y="2800059"/>
-            <a:ext cx="3533775" cy="2657475"/>
-          </a:xfrm>
-          <a:prstGeom prst="rect">
-            <a:avLst/>
-          </a:prstGeom>
-          <a:noFill/>
-          <a:extLst>
-            <a:ext uri="{909E8E84-426E-40DD-AFC4-6F175D3DCCD1}">
-              <a14:hiddenFill xmlns:a14="http://schemas.microsoft.com/office/drawing/2010/main">
-                <a:solidFill>
-                  <a:srgbClr val="FFFFFF"/>
-                </a:solidFill>
-              </a14:hiddenFill>
-            </a:ext>
-          </a:extLst>
-        </p:spPr>
-      </p:pic>
-      <p:sp>
-        <p:nvSpPr>
-          <p:cNvPr id="4" name="Right Arrow 3"/>
-          <p:cNvSpPr/>
-          <p:nvPr/>
-        </p:nvSpPr>
-        <p:spPr>
-          <a:xfrm>
-            <a:off x="4039366" y="3886480"/>
-            <a:ext cx="489204" cy="484632"/>
-          </a:xfrm>
-          <a:prstGeom prst="rightArrow">
-            <a:avLst/>
-          </a:prstGeom>
-          <a:ln>
-            <a:solidFill>
-              <a:schemeClr val="bg1"/>
-            </a:solidFill>
-          </a:ln>
-        </p:spPr>
-        <p:style>
-          <a:lnRef idx="2">
-            <a:schemeClr val="accent1">
-              <a:shade val="50000"/>
-            </a:schemeClr>
-          </a:lnRef>
-          <a:fillRef idx="1">
-            <a:schemeClr val="accent1"/>
-          </a:fillRef>
-          <a:effectRef idx="0">
-            <a:schemeClr val="accent1"/>
-          </a:effectRef>
-          <a:fontRef idx="minor">
-            <a:schemeClr val="lt1"/>
-          </a:fontRef>
-        </p:style>
-        <p:txBody>
-          <a:bodyPr rtlCol="0" anchor="ctr"/>
-          <a:lstStyle/>
-          <a:p>
-            <a:pPr algn="ctr"/>
-            <a:endParaRPr lang="pl-PL"/>
-          </a:p>
-        </p:txBody>
-      </p:sp>
-      <p:pic>
-        <p:nvPicPr>
-          <p:cNvPr id="1026" name="Picture 2" descr="D:\Studia magisterskie\Praca magisterska\repo\Placeholder\seminar1\prezentacja\canny\2.2. kierunek gradientu.png"/>
-          <p:cNvPicPr>
-            <a:picLocks noChangeAspect="1" noChangeArrowheads="1"/>
-          </p:cNvPicPr>
-          <p:nvPr/>
-        </p:nvPicPr>
-        <p:blipFill>
-          <a:blip r:embed="rId3">
-            <a:extLst>
-              <a:ext uri="{28A0092B-C50C-407E-A947-70E740481C1C}">
-                <a14:useLocalDpi xmlns:a14="http://schemas.microsoft.com/office/drawing/2010/main" val="0"/>
-              </a:ext>
-            </a:extLst>
-          </a:blip>
-          <a:srcRect/>
-          <a:stretch>
-            <a:fillRect/>
-          </a:stretch>
-        </p:blipFill>
-        <p:spPr bwMode="auto">
-          <a:xfrm>
-            <a:off x="4555547" y="2800059"/>
-            <a:ext cx="3533775" cy="2643976"/>
-          </a:xfrm>
-          <a:prstGeom prst="rect">
-            <a:avLst/>
-          </a:prstGeom>
-          <a:noFill/>
-          <a:extLst>
-            <a:ext uri="{909E8E84-426E-40DD-AFC4-6F175D3DCCD1}">
-              <a14:hiddenFill xmlns:a14="http://schemas.microsoft.com/office/drawing/2010/main">
-                <a:solidFill>
-                  <a:srgbClr val="FFFFFF"/>
-                </a:solidFill>
-              </a14:hiddenFill>
-            </a:ext>
-          </a:extLst>
-        </p:spPr>
-      </p:pic>
-      <p:pic>
-        <p:nvPicPr>
-          <p:cNvPr id="1027" name="Picture 3" descr="D:\Studia magisterskie\Praca magisterska\repo\Placeholder\seminar1\prezentacja\canny\2.2. kierunek gradientu_SW_NE.png"/>
-          <p:cNvPicPr>
-            <a:picLocks noChangeAspect="1" noChangeArrowheads="1"/>
-          </p:cNvPicPr>
-          <p:nvPr/>
-        </p:nvPicPr>
-        <p:blipFill>
-          <a:blip r:embed="rId4">
-            <a:extLst>
-              <a:ext uri="{28A0092B-C50C-407E-A947-70E740481C1C}">
-                <a14:useLocalDpi xmlns:a14="http://schemas.microsoft.com/office/drawing/2010/main" val="0"/>
-              </a:ext>
-            </a:extLst>
-          </a:blip>
-          <a:srcRect/>
-          <a:stretch>
-            <a:fillRect/>
-          </a:stretch>
-        </p:blipFill>
-        <p:spPr bwMode="auto">
-          <a:xfrm>
-            <a:off x="4778432" y="5568280"/>
-            <a:ext cx="371475" cy="381000"/>
-          </a:xfrm>
-          <a:prstGeom prst="rect">
-            <a:avLst/>
-          </a:prstGeom>
-          <a:noFill/>
-          <a:extLst>
-            <a:ext uri="{909E8E84-426E-40DD-AFC4-6F175D3DCCD1}">
-              <a14:hiddenFill xmlns:a14="http://schemas.microsoft.com/office/drawing/2010/main">
-                <a:solidFill>
-                  <a:srgbClr val="FFFFFF"/>
-                </a:solidFill>
-              </a14:hiddenFill>
-            </a:ext>
-          </a:extLst>
-        </p:spPr>
-      </p:pic>
-      <p:sp>
-        <p:nvSpPr>
-          <p:cNvPr id="14" name="Freeform 13"/>
-          <p:cNvSpPr/>
-          <p:nvPr/>
-        </p:nvSpPr>
-        <p:spPr>
-          <a:xfrm>
-            <a:off x="5210480" y="5568280"/>
-            <a:ext cx="1257448" cy="381000"/>
-          </a:xfrm>
-          <a:custGeom>
-            <a:avLst/>
-            <a:gdLst>
-              <a:gd name="connsiteX0" fmla="*/ 0 w 2483862"/>
-              <a:gd name="connsiteY0" fmla="*/ 74061 h 444358"/>
-              <a:gd name="connsiteX1" fmla="*/ 74061 w 2483862"/>
-              <a:gd name="connsiteY1" fmla="*/ 0 h 444358"/>
-              <a:gd name="connsiteX2" fmla="*/ 2409801 w 2483862"/>
-              <a:gd name="connsiteY2" fmla="*/ 0 h 444358"/>
-              <a:gd name="connsiteX3" fmla="*/ 2483862 w 2483862"/>
-              <a:gd name="connsiteY3" fmla="*/ 74061 h 444358"/>
-              <a:gd name="connsiteX4" fmla="*/ 2483862 w 2483862"/>
-              <a:gd name="connsiteY4" fmla="*/ 370297 h 444358"/>
-              <a:gd name="connsiteX5" fmla="*/ 2409801 w 2483862"/>
-              <a:gd name="connsiteY5" fmla="*/ 444358 h 444358"/>
-              <a:gd name="connsiteX6" fmla="*/ 74061 w 2483862"/>
-              <a:gd name="connsiteY6" fmla="*/ 444358 h 444358"/>
-              <a:gd name="connsiteX7" fmla="*/ 0 w 2483862"/>
-              <a:gd name="connsiteY7" fmla="*/ 370297 h 444358"/>
-              <a:gd name="connsiteX8" fmla="*/ 0 w 2483862"/>
-              <a:gd name="connsiteY8" fmla="*/ 74061 h 444358"/>
-            </a:gdLst>
-            <a:ahLst/>
-            <a:cxnLst>
-              <a:cxn ang="0">
-                <a:pos x="connsiteX0" y="connsiteY0"/>
-              </a:cxn>
-              <a:cxn ang="0">
-                <a:pos x="connsiteX1" y="connsiteY1"/>
-              </a:cxn>
-              <a:cxn ang="0">
-                <a:pos x="connsiteX2" y="connsiteY2"/>
-              </a:cxn>
-              <a:cxn ang="0">
-                <a:pos x="connsiteX3" y="connsiteY3"/>
-              </a:cxn>
-              <a:cxn ang="0">
-                <a:pos x="connsiteX4" y="connsiteY4"/>
-              </a:cxn>
-              <a:cxn ang="0">
-                <a:pos x="connsiteX5" y="connsiteY5"/>
-              </a:cxn>
-              <a:cxn ang="0">
-                <a:pos x="connsiteX6" y="connsiteY6"/>
-              </a:cxn>
-              <a:cxn ang="0">
-                <a:pos x="connsiteX7" y="connsiteY7"/>
-              </a:cxn>
-              <a:cxn ang="0">
-                <a:pos x="connsiteX8" y="connsiteY8"/>
-              </a:cxn>
-            </a:cxnLst>
-            <a:rect l="l" t="t" r="r" b="b"/>
-            <a:pathLst>
-              <a:path w="2483862" h="444358">
-                <a:moveTo>
-                  <a:pt x="0" y="74061"/>
-                </a:moveTo>
-                <a:cubicBezTo>
-                  <a:pt x="0" y="33158"/>
-                  <a:pt x="33158" y="0"/>
-                  <a:pt x="74061" y="0"/>
-                </a:cubicBezTo>
-                <a:lnTo>
-                  <a:pt x="2409801" y="0"/>
-                </a:lnTo>
-                <a:cubicBezTo>
-                  <a:pt x="2450704" y="0"/>
-                  <a:pt x="2483862" y="33158"/>
-                  <a:pt x="2483862" y="74061"/>
-                </a:cubicBezTo>
-                <a:lnTo>
-                  <a:pt x="2483862" y="370297"/>
-                </a:lnTo>
-                <a:cubicBezTo>
-                  <a:pt x="2483862" y="411200"/>
-                  <a:pt x="2450704" y="444358"/>
-                  <a:pt x="2409801" y="444358"/>
-                </a:cubicBezTo>
-                <a:lnTo>
-                  <a:pt x="74061" y="444358"/>
-                </a:lnTo>
-                <a:cubicBezTo>
-                  <a:pt x="33158" y="444358"/>
-                  <a:pt x="0" y="411200"/>
-                  <a:pt x="0" y="370297"/>
-                </a:cubicBezTo>
-                <a:lnTo>
-                  <a:pt x="0" y="74061"/>
-                </a:lnTo>
-                <a:close/>
-              </a:path>
-            </a:pathLst>
-          </a:custGeom>
-        </p:spPr>
-        <p:style>
-          <a:lnRef idx="2">
-            <a:schemeClr val="lt1">
-              <a:hueOff val="0"/>
-              <a:satOff val="0"/>
-              <a:lumOff val="0"/>
-              <a:alphaOff val="0"/>
-            </a:schemeClr>
-          </a:lnRef>
-          <a:fillRef idx="1">
-            <a:schemeClr val="accent1">
-              <a:hueOff val="0"/>
-              <a:satOff val="0"/>
-              <a:lumOff val="0"/>
-              <a:alphaOff val="0"/>
-            </a:schemeClr>
-          </a:fillRef>
-          <a:effectRef idx="0">
-            <a:schemeClr val="accent1">
-              <a:hueOff val="0"/>
-              <a:satOff val="0"/>
-              <a:lumOff val="0"/>
-              <a:alphaOff val="0"/>
-            </a:schemeClr>
-          </a:effectRef>
-          <a:fontRef idx="minor">
-            <a:schemeClr val="lt1"/>
-          </a:fontRef>
-        </p:style>
-        <p:txBody>
-          <a:bodyPr spcFirstLastPara="0" vert="horz" wrap="square" lIns="225783" tIns="21692" rIns="225783" bIns="21692" numCol="1" spcCol="1270" anchor="ctr" anchorCtr="0">
-            <a:noAutofit/>
-          </a:bodyPr>
-          <a:lstStyle/>
-          <a:p>
-            <a:pPr lvl="0" defTabSz="1066800">
-              <a:lnSpc>
-                <a:spcPct val="90000"/>
-              </a:lnSpc>
-              <a:spcBef>
-                <a:spcPct val="0"/>
-              </a:spcBef>
-              <a:spcAft>
-                <a:spcPct val="35000"/>
-              </a:spcAft>
-            </a:pPr>
-            <a:r>
-              <a:rPr lang="pl-PL" sz="2000" dirty="0" smtClean="0">
-                <a:effectLst>
-                  <a:outerShdw blurRad="38100" dist="38100" dir="2700000" algn="tl">
-                    <a:srgbClr val="000000">
-                      <a:alpha val="43137"/>
-                    </a:srgbClr>
-                  </a:outerShdw>
-                </a:effectLst>
-              </a:rPr>
-              <a:t>SW-NE</a:t>
-            </a:r>
-            <a:endParaRPr lang="pl-PL" sz="2000" kern="1200" dirty="0">
-              <a:effectLst>
-                <a:outerShdw blurRad="38100" dist="38100" dir="2700000" algn="tl">
-                  <a:srgbClr val="000000">
-                    <a:alpha val="43137"/>
-                  </a:srgbClr>
-                </a:outerShdw>
-              </a:effectLst>
-            </a:endParaRPr>
-          </a:p>
-        </p:txBody>
-      </p:sp>
-      <p:pic>
-        <p:nvPicPr>
-          <p:cNvPr id="1028" name="Picture 4" descr="D:\Studia magisterskie\Praca magisterska\repo\Placeholder\seminar1\prezentacja\canny\2.2. kierunek gradientu_E_W.png"/>
-          <p:cNvPicPr>
-            <a:picLocks noChangeAspect="1" noChangeArrowheads="1"/>
-          </p:cNvPicPr>
-          <p:nvPr/>
-        </p:nvPicPr>
-        <p:blipFill>
-          <a:blip r:embed="rId5">
-            <a:extLst>
-              <a:ext uri="{28A0092B-C50C-407E-A947-70E740481C1C}">
-                <a14:useLocalDpi xmlns:a14="http://schemas.microsoft.com/office/drawing/2010/main" val="0"/>
-              </a:ext>
-            </a:extLst>
-          </a:blip>
-          <a:srcRect/>
-          <a:stretch>
-            <a:fillRect/>
-          </a:stretch>
-        </p:blipFill>
-        <p:spPr bwMode="auto">
-          <a:xfrm>
-            <a:off x="6664966" y="5568280"/>
-            <a:ext cx="371475" cy="381000"/>
-          </a:xfrm>
-          <a:prstGeom prst="rect">
-            <a:avLst/>
-          </a:prstGeom>
-          <a:noFill/>
-          <a:extLst>
-            <a:ext uri="{909E8E84-426E-40DD-AFC4-6F175D3DCCD1}">
-              <a14:hiddenFill xmlns:a14="http://schemas.microsoft.com/office/drawing/2010/main">
-                <a:solidFill>
-                  <a:srgbClr val="FFFFFF"/>
-                </a:solidFill>
-              </a14:hiddenFill>
-            </a:ext>
-          </a:extLst>
-        </p:spPr>
-      </p:pic>
-      <p:pic>
-        <p:nvPicPr>
-          <p:cNvPr id="1029" name="Picture 5" descr="D:\Studia magisterskie\Praca magisterska\repo\Placeholder\seminar1\prezentacja\canny\2.2. kierunek gradientu_SE_NW.png"/>
-          <p:cNvPicPr>
-            <a:picLocks noChangeAspect="1" noChangeArrowheads="1"/>
-          </p:cNvPicPr>
-          <p:nvPr/>
-        </p:nvPicPr>
-        <p:blipFill>
-          <a:blip r:embed="rId6">
-            <a:extLst>
-              <a:ext uri="{28A0092B-C50C-407E-A947-70E740481C1C}">
-                <a14:useLocalDpi xmlns:a14="http://schemas.microsoft.com/office/drawing/2010/main" val="0"/>
-              </a:ext>
-            </a:extLst>
-          </a:blip>
-          <a:srcRect/>
-          <a:stretch>
-            <a:fillRect/>
-          </a:stretch>
-        </p:blipFill>
-        <p:spPr bwMode="auto">
-          <a:xfrm>
-            <a:off x="4778432" y="6072336"/>
-            <a:ext cx="371475" cy="381000"/>
-          </a:xfrm>
-          <a:prstGeom prst="rect">
-            <a:avLst/>
-          </a:prstGeom>
-          <a:noFill/>
-          <a:extLst>
-            <a:ext uri="{909E8E84-426E-40DD-AFC4-6F175D3DCCD1}">
-              <a14:hiddenFill xmlns:a14="http://schemas.microsoft.com/office/drawing/2010/main">
-                <a:solidFill>
-                  <a:srgbClr val="FFFFFF"/>
-                </a:solidFill>
-              </a14:hiddenFill>
-            </a:ext>
-          </a:extLst>
-        </p:spPr>
-      </p:pic>
-      <p:pic>
-        <p:nvPicPr>
-          <p:cNvPr id="1030" name="Picture 6" descr="D:\Studia magisterskie\Praca magisterska\repo\Placeholder\seminar1\prezentacja\canny\2.2. kierunek gradientu_N_S.png"/>
-          <p:cNvPicPr>
-            <a:picLocks noChangeAspect="1" noChangeArrowheads="1"/>
-          </p:cNvPicPr>
-          <p:nvPr/>
-        </p:nvPicPr>
-        <p:blipFill>
-          <a:blip r:embed="rId7">
-            <a:extLst>
-              <a:ext uri="{28A0092B-C50C-407E-A947-70E740481C1C}">
-                <a14:useLocalDpi xmlns:a14="http://schemas.microsoft.com/office/drawing/2010/main" val="0"/>
-              </a:ext>
-            </a:extLst>
-          </a:blip>
-          <a:srcRect/>
-          <a:stretch>
-            <a:fillRect/>
-          </a:stretch>
-        </p:blipFill>
-        <p:spPr bwMode="auto">
-          <a:xfrm>
-            <a:off x="6660232" y="6072336"/>
-            <a:ext cx="371475" cy="381000"/>
-          </a:xfrm>
-          <a:prstGeom prst="rect">
-            <a:avLst/>
-          </a:prstGeom>
-          <a:noFill/>
-          <a:extLst>
-            <a:ext uri="{909E8E84-426E-40DD-AFC4-6F175D3DCCD1}">
-              <a14:hiddenFill xmlns:a14="http://schemas.microsoft.com/office/drawing/2010/main">
-                <a:solidFill>
-                  <a:srgbClr val="FFFFFF"/>
-                </a:solidFill>
-              </a14:hiddenFill>
-            </a:ext>
-          </a:extLst>
-        </p:spPr>
-      </p:pic>
-      <p:sp>
-        <p:nvSpPr>
-          <p:cNvPr id="18" name="Freeform 17"/>
-          <p:cNvSpPr/>
-          <p:nvPr/>
-        </p:nvSpPr>
-        <p:spPr>
-          <a:xfrm>
-            <a:off x="7092280" y="5568280"/>
-            <a:ext cx="897408" cy="381000"/>
-          </a:xfrm>
-          <a:custGeom>
-            <a:avLst/>
-            <a:gdLst>
-              <a:gd name="connsiteX0" fmla="*/ 0 w 2483862"/>
-              <a:gd name="connsiteY0" fmla="*/ 74061 h 444358"/>
-              <a:gd name="connsiteX1" fmla="*/ 74061 w 2483862"/>
-              <a:gd name="connsiteY1" fmla="*/ 0 h 444358"/>
-              <a:gd name="connsiteX2" fmla="*/ 2409801 w 2483862"/>
-              <a:gd name="connsiteY2" fmla="*/ 0 h 444358"/>
-              <a:gd name="connsiteX3" fmla="*/ 2483862 w 2483862"/>
-              <a:gd name="connsiteY3" fmla="*/ 74061 h 444358"/>
-              <a:gd name="connsiteX4" fmla="*/ 2483862 w 2483862"/>
-              <a:gd name="connsiteY4" fmla="*/ 370297 h 444358"/>
-              <a:gd name="connsiteX5" fmla="*/ 2409801 w 2483862"/>
-              <a:gd name="connsiteY5" fmla="*/ 444358 h 444358"/>
-              <a:gd name="connsiteX6" fmla="*/ 74061 w 2483862"/>
-              <a:gd name="connsiteY6" fmla="*/ 444358 h 444358"/>
-              <a:gd name="connsiteX7" fmla="*/ 0 w 2483862"/>
-              <a:gd name="connsiteY7" fmla="*/ 370297 h 444358"/>
-              <a:gd name="connsiteX8" fmla="*/ 0 w 2483862"/>
-              <a:gd name="connsiteY8" fmla="*/ 74061 h 444358"/>
-            </a:gdLst>
-            <a:ahLst/>
-            <a:cxnLst>
-              <a:cxn ang="0">
-                <a:pos x="connsiteX0" y="connsiteY0"/>
-              </a:cxn>
-              <a:cxn ang="0">
-                <a:pos x="connsiteX1" y="connsiteY1"/>
-              </a:cxn>
-              <a:cxn ang="0">
-                <a:pos x="connsiteX2" y="connsiteY2"/>
-              </a:cxn>
-              <a:cxn ang="0">
-                <a:pos x="connsiteX3" y="connsiteY3"/>
-              </a:cxn>
-              <a:cxn ang="0">
-                <a:pos x="connsiteX4" y="connsiteY4"/>
-              </a:cxn>
-              <a:cxn ang="0">
-                <a:pos x="connsiteX5" y="connsiteY5"/>
-              </a:cxn>
-              <a:cxn ang="0">
-                <a:pos x="connsiteX6" y="connsiteY6"/>
-              </a:cxn>
-              <a:cxn ang="0">
-                <a:pos x="connsiteX7" y="connsiteY7"/>
-              </a:cxn>
-              <a:cxn ang="0">
-                <a:pos x="connsiteX8" y="connsiteY8"/>
-              </a:cxn>
-            </a:cxnLst>
-            <a:rect l="l" t="t" r="r" b="b"/>
-            <a:pathLst>
-              <a:path w="2483862" h="444358">
-                <a:moveTo>
-                  <a:pt x="0" y="74061"/>
-                </a:moveTo>
-                <a:cubicBezTo>
-                  <a:pt x="0" y="33158"/>
-                  <a:pt x="33158" y="0"/>
-                  <a:pt x="74061" y="0"/>
-                </a:cubicBezTo>
-                <a:lnTo>
-                  <a:pt x="2409801" y="0"/>
-                </a:lnTo>
-                <a:cubicBezTo>
-                  <a:pt x="2450704" y="0"/>
-                  <a:pt x="2483862" y="33158"/>
-                  <a:pt x="2483862" y="74061"/>
-                </a:cubicBezTo>
-                <a:lnTo>
-                  <a:pt x="2483862" y="370297"/>
-                </a:lnTo>
-                <a:cubicBezTo>
-                  <a:pt x="2483862" y="411200"/>
-                  <a:pt x="2450704" y="444358"/>
-                  <a:pt x="2409801" y="444358"/>
-                </a:cubicBezTo>
-                <a:lnTo>
-                  <a:pt x="74061" y="444358"/>
-                </a:lnTo>
-                <a:cubicBezTo>
-                  <a:pt x="33158" y="444358"/>
-                  <a:pt x="0" y="411200"/>
-                  <a:pt x="0" y="370297"/>
-                </a:cubicBezTo>
-                <a:lnTo>
-                  <a:pt x="0" y="74061"/>
-                </a:lnTo>
-                <a:close/>
-              </a:path>
-            </a:pathLst>
-          </a:custGeom>
-        </p:spPr>
-        <p:style>
-          <a:lnRef idx="2">
-            <a:schemeClr val="lt1">
-              <a:hueOff val="0"/>
-              <a:satOff val="0"/>
-              <a:lumOff val="0"/>
-              <a:alphaOff val="0"/>
-            </a:schemeClr>
-          </a:lnRef>
-          <a:fillRef idx="1">
-            <a:schemeClr val="accent1">
-              <a:hueOff val="0"/>
-              <a:satOff val="0"/>
-              <a:lumOff val="0"/>
-              <a:alphaOff val="0"/>
-            </a:schemeClr>
-          </a:fillRef>
-          <a:effectRef idx="0">
-            <a:schemeClr val="accent1">
-              <a:hueOff val="0"/>
-              <a:satOff val="0"/>
-              <a:lumOff val="0"/>
-              <a:alphaOff val="0"/>
-            </a:schemeClr>
-          </a:effectRef>
-          <a:fontRef idx="minor">
-            <a:schemeClr val="lt1"/>
-          </a:fontRef>
-        </p:style>
-        <p:txBody>
-          <a:bodyPr spcFirstLastPara="0" vert="horz" wrap="square" lIns="225783" tIns="21692" rIns="225783" bIns="21692" numCol="1" spcCol="1270" anchor="ctr" anchorCtr="0">
-            <a:noAutofit/>
-          </a:bodyPr>
-          <a:lstStyle/>
-          <a:p>
-            <a:pPr lvl="0" defTabSz="1066800">
-              <a:lnSpc>
-                <a:spcPct val="90000"/>
-              </a:lnSpc>
-              <a:spcBef>
-                <a:spcPct val="0"/>
-              </a:spcBef>
-              <a:spcAft>
-                <a:spcPct val="35000"/>
-              </a:spcAft>
-            </a:pPr>
-            <a:r>
-              <a:rPr lang="pl-PL" sz="2000" dirty="0" smtClean="0">
-                <a:effectLst>
-                  <a:outerShdw blurRad="38100" dist="38100" dir="2700000" algn="tl">
-                    <a:srgbClr val="000000">
-                      <a:alpha val="43137"/>
-                    </a:srgbClr>
-                  </a:outerShdw>
-                </a:effectLst>
-              </a:rPr>
-              <a:t>E-W</a:t>
-            </a:r>
-            <a:endParaRPr lang="pl-PL" sz="2000" kern="1200" dirty="0">
-              <a:effectLst>
-                <a:outerShdw blurRad="38100" dist="38100" dir="2700000" algn="tl">
-                  <a:srgbClr val="000000">
-                    <a:alpha val="43137"/>
-                  </a:srgbClr>
-                </a:outerShdw>
-              </a:effectLst>
-            </a:endParaRPr>
-          </a:p>
-        </p:txBody>
-      </p:sp>
-      <p:sp>
-        <p:nvSpPr>
-          <p:cNvPr id="19" name="Freeform 18"/>
-          <p:cNvSpPr/>
-          <p:nvPr/>
-        </p:nvSpPr>
-        <p:spPr>
-          <a:xfrm>
-            <a:off x="5210480" y="6072336"/>
-            <a:ext cx="1257448" cy="381000"/>
-          </a:xfrm>
-          <a:custGeom>
-            <a:avLst/>
-            <a:gdLst>
-              <a:gd name="connsiteX0" fmla="*/ 0 w 2483862"/>
-              <a:gd name="connsiteY0" fmla="*/ 74061 h 444358"/>
-              <a:gd name="connsiteX1" fmla="*/ 74061 w 2483862"/>
-              <a:gd name="connsiteY1" fmla="*/ 0 h 444358"/>
-              <a:gd name="connsiteX2" fmla="*/ 2409801 w 2483862"/>
-              <a:gd name="connsiteY2" fmla="*/ 0 h 444358"/>
-              <a:gd name="connsiteX3" fmla="*/ 2483862 w 2483862"/>
-              <a:gd name="connsiteY3" fmla="*/ 74061 h 444358"/>
-              <a:gd name="connsiteX4" fmla="*/ 2483862 w 2483862"/>
-              <a:gd name="connsiteY4" fmla="*/ 370297 h 444358"/>
-              <a:gd name="connsiteX5" fmla="*/ 2409801 w 2483862"/>
-              <a:gd name="connsiteY5" fmla="*/ 444358 h 444358"/>
-              <a:gd name="connsiteX6" fmla="*/ 74061 w 2483862"/>
-              <a:gd name="connsiteY6" fmla="*/ 444358 h 444358"/>
-              <a:gd name="connsiteX7" fmla="*/ 0 w 2483862"/>
-              <a:gd name="connsiteY7" fmla="*/ 370297 h 444358"/>
-              <a:gd name="connsiteX8" fmla="*/ 0 w 2483862"/>
-              <a:gd name="connsiteY8" fmla="*/ 74061 h 444358"/>
-            </a:gdLst>
-            <a:ahLst/>
-            <a:cxnLst>
-              <a:cxn ang="0">
-                <a:pos x="connsiteX0" y="connsiteY0"/>
-              </a:cxn>
-              <a:cxn ang="0">
-                <a:pos x="connsiteX1" y="connsiteY1"/>
-              </a:cxn>
-              <a:cxn ang="0">
-                <a:pos x="connsiteX2" y="connsiteY2"/>
-              </a:cxn>
-              <a:cxn ang="0">
-                <a:pos x="connsiteX3" y="connsiteY3"/>
-              </a:cxn>
-              <a:cxn ang="0">
-                <a:pos x="connsiteX4" y="connsiteY4"/>
-              </a:cxn>
-              <a:cxn ang="0">
-                <a:pos x="connsiteX5" y="connsiteY5"/>
-              </a:cxn>
-              <a:cxn ang="0">
-                <a:pos x="connsiteX6" y="connsiteY6"/>
-              </a:cxn>
-              <a:cxn ang="0">
-                <a:pos x="connsiteX7" y="connsiteY7"/>
-              </a:cxn>
-              <a:cxn ang="0">
-                <a:pos x="connsiteX8" y="connsiteY8"/>
-              </a:cxn>
-            </a:cxnLst>
-            <a:rect l="l" t="t" r="r" b="b"/>
-            <a:pathLst>
-              <a:path w="2483862" h="444358">
-                <a:moveTo>
-                  <a:pt x="0" y="74061"/>
-                </a:moveTo>
-                <a:cubicBezTo>
-                  <a:pt x="0" y="33158"/>
-                  <a:pt x="33158" y="0"/>
-                  <a:pt x="74061" y="0"/>
-                </a:cubicBezTo>
-                <a:lnTo>
-                  <a:pt x="2409801" y="0"/>
-                </a:lnTo>
-                <a:cubicBezTo>
-                  <a:pt x="2450704" y="0"/>
-                  <a:pt x="2483862" y="33158"/>
-                  <a:pt x="2483862" y="74061"/>
-                </a:cubicBezTo>
-                <a:lnTo>
-                  <a:pt x="2483862" y="370297"/>
-                </a:lnTo>
-                <a:cubicBezTo>
-                  <a:pt x="2483862" y="411200"/>
-                  <a:pt x="2450704" y="444358"/>
-                  <a:pt x="2409801" y="444358"/>
-                </a:cubicBezTo>
-                <a:lnTo>
-                  <a:pt x="74061" y="444358"/>
-                </a:lnTo>
-                <a:cubicBezTo>
-                  <a:pt x="33158" y="444358"/>
-                  <a:pt x="0" y="411200"/>
-                  <a:pt x="0" y="370297"/>
-                </a:cubicBezTo>
-                <a:lnTo>
-                  <a:pt x="0" y="74061"/>
-                </a:lnTo>
-                <a:close/>
-              </a:path>
-            </a:pathLst>
-          </a:custGeom>
-        </p:spPr>
-        <p:style>
-          <a:lnRef idx="2">
-            <a:schemeClr val="lt1">
-              <a:hueOff val="0"/>
-              <a:satOff val="0"/>
-              <a:lumOff val="0"/>
-              <a:alphaOff val="0"/>
-            </a:schemeClr>
-          </a:lnRef>
-          <a:fillRef idx="1">
-            <a:schemeClr val="accent1">
-              <a:hueOff val="0"/>
-              <a:satOff val="0"/>
-              <a:lumOff val="0"/>
-              <a:alphaOff val="0"/>
-            </a:schemeClr>
-          </a:fillRef>
-          <a:effectRef idx="0">
-            <a:schemeClr val="accent1">
-              <a:hueOff val="0"/>
-              <a:satOff val="0"/>
-              <a:lumOff val="0"/>
-              <a:alphaOff val="0"/>
-            </a:schemeClr>
-          </a:effectRef>
-          <a:fontRef idx="minor">
-            <a:schemeClr val="lt1"/>
-          </a:fontRef>
-        </p:style>
-        <p:txBody>
-          <a:bodyPr spcFirstLastPara="0" vert="horz" wrap="square" lIns="225783" tIns="21692" rIns="225783" bIns="21692" numCol="1" spcCol="1270" anchor="ctr" anchorCtr="0">
-            <a:noAutofit/>
-          </a:bodyPr>
-          <a:lstStyle/>
-          <a:p>
-            <a:pPr lvl="0" defTabSz="1066800">
-              <a:lnSpc>
-                <a:spcPct val="90000"/>
-              </a:lnSpc>
-              <a:spcBef>
-                <a:spcPct val="0"/>
-              </a:spcBef>
-              <a:spcAft>
-                <a:spcPct val="35000"/>
-              </a:spcAft>
-            </a:pPr>
-            <a:r>
-              <a:rPr lang="pl-PL" sz="2000" dirty="0" smtClean="0">
-                <a:effectLst>
-                  <a:outerShdw blurRad="38100" dist="38100" dir="2700000" algn="tl">
-                    <a:srgbClr val="000000">
-                      <a:alpha val="43137"/>
-                    </a:srgbClr>
-                  </a:outerShdw>
-                </a:effectLst>
-              </a:rPr>
-              <a:t>SE-NW</a:t>
-            </a:r>
-            <a:endParaRPr lang="pl-PL" sz="2000" kern="1200" dirty="0">
-              <a:effectLst>
-                <a:outerShdw blurRad="38100" dist="38100" dir="2700000" algn="tl">
-                  <a:srgbClr val="000000">
-                    <a:alpha val="43137"/>
-                  </a:srgbClr>
-                </a:outerShdw>
-              </a:effectLst>
-            </a:endParaRPr>
-          </a:p>
-        </p:txBody>
-      </p:sp>
-      <p:sp>
-        <p:nvSpPr>
-          <p:cNvPr id="20" name="Freeform 19"/>
-          <p:cNvSpPr/>
-          <p:nvPr/>
-        </p:nvSpPr>
-        <p:spPr>
-          <a:xfrm>
-            <a:off x="7092280" y="6072336"/>
-            <a:ext cx="897408" cy="381000"/>
-          </a:xfrm>
-          <a:custGeom>
-            <a:avLst/>
-            <a:gdLst>
-              <a:gd name="connsiteX0" fmla="*/ 0 w 2483862"/>
-              <a:gd name="connsiteY0" fmla="*/ 74061 h 444358"/>
-              <a:gd name="connsiteX1" fmla="*/ 74061 w 2483862"/>
-              <a:gd name="connsiteY1" fmla="*/ 0 h 444358"/>
-              <a:gd name="connsiteX2" fmla="*/ 2409801 w 2483862"/>
-              <a:gd name="connsiteY2" fmla="*/ 0 h 444358"/>
-              <a:gd name="connsiteX3" fmla="*/ 2483862 w 2483862"/>
-              <a:gd name="connsiteY3" fmla="*/ 74061 h 444358"/>
-              <a:gd name="connsiteX4" fmla="*/ 2483862 w 2483862"/>
-              <a:gd name="connsiteY4" fmla="*/ 370297 h 444358"/>
-              <a:gd name="connsiteX5" fmla="*/ 2409801 w 2483862"/>
-              <a:gd name="connsiteY5" fmla="*/ 444358 h 444358"/>
-              <a:gd name="connsiteX6" fmla="*/ 74061 w 2483862"/>
-              <a:gd name="connsiteY6" fmla="*/ 444358 h 444358"/>
-              <a:gd name="connsiteX7" fmla="*/ 0 w 2483862"/>
-              <a:gd name="connsiteY7" fmla="*/ 370297 h 444358"/>
-              <a:gd name="connsiteX8" fmla="*/ 0 w 2483862"/>
-              <a:gd name="connsiteY8" fmla="*/ 74061 h 444358"/>
-            </a:gdLst>
-            <a:ahLst/>
-            <a:cxnLst>
-              <a:cxn ang="0">
-                <a:pos x="connsiteX0" y="connsiteY0"/>
-              </a:cxn>
-              <a:cxn ang="0">
-                <a:pos x="connsiteX1" y="connsiteY1"/>
-              </a:cxn>
-              <a:cxn ang="0">
-                <a:pos x="connsiteX2" y="connsiteY2"/>
-              </a:cxn>
-              <a:cxn ang="0">
-                <a:pos x="connsiteX3" y="connsiteY3"/>
-              </a:cxn>
-              <a:cxn ang="0">
-                <a:pos x="connsiteX4" y="connsiteY4"/>
-              </a:cxn>
-              <a:cxn ang="0">
-                <a:pos x="connsiteX5" y="connsiteY5"/>
-              </a:cxn>
-              <a:cxn ang="0">
-                <a:pos x="connsiteX6" y="connsiteY6"/>
-              </a:cxn>
-              <a:cxn ang="0">
-                <a:pos x="connsiteX7" y="connsiteY7"/>
-              </a:cxn>
-              <a:cxn ang="0">
-                <a:pos x="connsiteX8" y="connsiteY8"/>
-              </a:cxn>
-            </a:cxnLst>
-            <a:rect l="l" t="t" r="r" b="b"/>
-            <a:pathLst>
-              <a:path w="2483862" h="444358">
-                <a:moveTo>
-                  <a:pt x="0" y="74061"/>
-                </a:moveTo>
-                <a:cubicBezTo>
-                  <a:pt x="0" y="33158"/>
-                  <a:pt x="33158" y="0"/>
-                  <a:pt x="74061" y="0"/>
-                </a:cubicBezTo>
-                <a:lnTo>
-                  <a:pt x="2409801" y="0"/>
-                </a:lnTo>
-                <a:cubicBezTo>
-                  <a:pt x="2450704" y="0"/>
-                  <a:pt x="2483862" y="33158"/>
-                  <a:pt x="2483862" y="74061"/>
-                </a:cubicBezTo>
-                <a:lnTo>
-                  <a:pt x="2483862" y="370297"/>
-                </a:lnTo>
-                <a:cubicBezTo>
-                  <a:pt x="2483862" y="411200"/>
-                  <a:pt x="2450704" y="444358"/>
-                  <a:pt x="2409801" y="444358"/>
-                </a:cubicBezTo>
-                <a:lnTo>
-                  <a:pt x="74061" y="444358"/>
-                </a:lnTo>
-                <a:cubicBezTo>
-                  <a:pt x="33158" y="444358"/>
-                  <a:pt x="0" y="411200"/>
-                  <a:pt x="0" y="370297"/>
-                </a:cubicBezTo>
-                <a:lnTo>
-                  <a:pt x="0" y="74061"/>
-                </a:lnTo>
-                <a:close/>
-              </a:path>
-            </a:pathLst>
-          </a:custGeom>
-        </p:spPr>
-        <p:style>
-          <a:lnRef idx="2">
-            <a:schemeClr val="lt1">
-              <a:hueOff val="0"/>
-              <a:satOff val="0"/>
-              <a:lumOff val="0"/>
-              <a:alphaOff val="0"/>
-            </a:schemeClr>
-          </a:lnRef>
-          <a:fillRef idx="1">
-            <a:schemeClr val="accent1">
-              <a:hueOff val="0"/>
-              <a:satOff val="0"/>
-              <a:lumOff val="0"/>
-              <a:alphaOff val="0"/>
-            </a:schemeClr>
-          </a:fillRef>
-          <a:effectRef idx="0">
-            <a:schemeClr val="accent1">
-              <a:hueOff val="0"/>
-              <a:satOff val="0"/>
-              <a:lumOff val="0"/>
-              <a:alphaOff val="0"/>
-            </a:schemeClr>
-          </a:effectRef>
-          <a:fontRef idx="minor">
-            <a:schemeClr val="lt1"/>
-          </a:fontRef>
-        </p:style>
-        <p:txBody>
-          <a:bodyPr spcFirstLastPara="0" vert="horz" wrap="square" lIns="225783" tIns="21692" rIns="225783" bIns="21692" numCol="1" spcCol="1270" anchor="ctr" anchorCtr="0">
-            <a:noAutofit/>
-          </a:bodyPr>
-          <a:lstStyle/>
-          <a:p>
-            <a:pPr lvl="0" defTabSz="1066800">
-              <a:lnSpc>
-                <a:spcPct val="90000"/>
-              </a:lnSpc>
-              <a:spcBef>
-                <a:spcPct val="0"/>
-              </a:spcBef>
-              <a:spcAft>
-                <a:spcPct val="35000"/>
-              </a:spcAft>
-            </a:pPr>
-            <a:r>
-              <a:rPr lang="pl-PL" sz="2000" dirty="0" smtClean="0">
-                <a:effectLst>
-                  <a:outerShdw blurRad="38100" dist="38100" dir="2700000" algn="tl">
-                    <a:srgbClr val="000000">
-                      <a:alpha val="43137"/>
-                    </a:srgbClr>
-                  </a:outerShdw>
-                </a:effectLst>
-              </a:rPr>
-              <a:t>N</a:t>
-            </a:r>
-            <a:r>
-              <a:rPr lang="pl-PL" sz="2000" dirty="0" smtClean="0">
-                <a:effectLst>
-                  <a:outerShdw blurRad="38100" dist="38100" dir="2700000" algn="tl">
-                    <a:srgbClr val="000000">
-                      <a:alpha val="43137"/>
-                    </a:srgbClr>
-                  </a:outerShdw>
-                </a:effectLst>
-              </a:rPr>
-              <a:t>-S</a:t>
-            </a:r>
-            <a:endParaRPr lang="pl-PL" sz="2000" kern="1200" dirty="0">
-              <a:effectLst>
-                <a:outerShdw blurRad="38100" dist="38100" dir="2700000" algn="tl">
-                  <a:srgbClr val="000000">
-                    <a:alpha val="43137"/>
-                  </a:srgbClr>
-                </a:outerShdw>
-              </a:effectLst>
-            </a:endParaRPr>
-          </a:p>
-        </p:txBody>
-      </p:sp>
-    </p:spTree>
-    <p:extLst>
-      <p:ext uri="{BB962C8B-B14F-4D97-AF65-F5344CB8AC3E}">
-        <p14:creationId xmlns:p14="http://schemas.microsoft.com/office/powerpoint/2010/main" val="2857580261"/>
-      </p:ext>
-    </p:extLst>
-  </p:cSld>
-  <p:clrMapOvr>
-    <a:masterClrMapping/>
-  </p:clrMapOvr>
-  <p:timing>
-    <p:tnLst>
-      <p:par>
-        <p:cTn id="1" dur="indefinite" restart="never" nodeType="tmRoot"/>
-      </p:par>
-    </p:tnLst>
-  </p:timing>
-</p:sld>
-</file>
-
-<file path=ppt/slides/slide9.xml><?xml version="1.0" encoding="utf-8"?>
-<p:sld xmlns:a="http://schemas.openxmlformats.org/drawingml/2006/main" xmlns:r="http://schemas.openxmlformats.org/officeDocument/2006/relationships" xmlns:p="http://schemas.openxmlformats.org/presentationml/2006/main">
-  <p:cSld>
-    <p:spTree>
-      <p:nvGrpSpPr>
-        <p:cNvPr id="1" name=""/>
-        <p:cNvGrpSpPr/>
-        <p:nvPr/>
-      </p:nvGrpSpPr>
-      <p:grpSpPr>
-        <a:xfrm>
-          <a:off x="0" y="0"/>
-          <a:ext cx="0" cy="0"/>
-          <a:chOff x="0" y="0"/>
-          <a:chExt cx="0" cy="0"/>
-        </a:xfrm>
-      </p:grpSpPr>
-      <p:sp>
-        <p:nvSpPr>
-          <p:cNvPr id="2" name="Title 1"/>
-          <p:cNvSpPr>
-            <a:spLocks noGrp="1"/>
-          </p:cNvSpPr>
-          <p:nvPr>
-            <p:ph type="title"/>
-          </p:nvPr>
-        </p:nvSpPr>
-        <p:spPr>
-          <a:xfrm>
-            <a:off x="457200" y="44624"/>
-            <a:ext cx="7620000" cy="1143000"/>
-          </a:xfrm>
-        </p:spPr>
-        <p:txBody>
-          <a:bodyPr/>
-          <a:lstStyle/>
-          <a:p>
-            <a:r>
-              <a:rPr lang="pl-PL" sz="4000" dirty="0" smtClean="0">
-                <a:effectLst>
-                  <a:outerShdw blurRad="38100" dist="38100" dir="2700000" algn="tl">
-                    <a:srgbClr val="000000">
-                      <a:alpha val="43137"/>
-                    </a:srgbClr>
-                  </a:outerShdw>
-                </a:effectLst>
-              </a:rPr>
-              <a:t>Canny – </a:t>
-            </a:r>
-            <a:r>
-              <a:rPr lang="pl-PL" sz="4000" dirty="0" smtClean="0">
-                <a:effectLst>
-                  <a:outerShdw blurRad="38100" dist="38100" dir="2700000" algn="tl">
-                    <a:srgbClr val="000000">
-                      <a:alpha val="43137"/>
-                    </a:srgbClr>
-                  </a:outerShdw>
-                </a:effectLst>
-              </a:rPr>
-              <a:t>usunięcie zbędnych pikseli</a:t>
-            </a:r>
-            <a:endParaRPr lang="pl-PL" sz="4000" dirty="0">
-              <a:effectLst>
-                <a:outerShdw blurRad="38100" dist="38100" dir="2700000" algn="tl">
-                  <a:srgbClr val="000000">
-                    <a:alpha val="43137"/>
-                  </a:srgbClr>
-                </a:outerShdw>
-              </a:effectLst>
-            </a:endParaRPr>
-          </a:p>
-        </p:txBody>
-      </p:sp>
-      <p:sp>
-        <p:nvSpPr>
-          <p:cNvPr id="3" name="Content Placeholder 2"/>
-          <p:cNvSpPr>
-            <a:spLocks noGrp="1"/>
-          </p:cNvSpPr>
-          <p:nvPr>
-            <p:ph idx="1"/>
-          </p:nvPr>
-        </p:nvSpPr>
-        <p:spPr>
-          <a:xfrm>
-            <a:off x="457200" y="1124744"/>
-            <a:ext cx="7630886" cy="4800600"/>
-          </a:xfrm>
-        </p:spPr>
-        <p:txBody>
-          <a:bodyPr>
-            <a:normAutofit/>
-          </a:bodyPr>
-          <a:lstStyle/>
-          <a:p>
-            <a:pPr marL="571500" indent="-457200">
-              <a:buAutoNum type="arabicPeriod"/>
-            </a:pPr>
-            <a:r>
-              <a:rPr lang="pl-PL" sz="2400" dirty="0" smtClean="0"/>
-              <a:t>Porównanie każdego pikela z dwoma pikselami sąsiednimi</a:t>
-            </a:r>
-          </a:p>
-          <a:p>
-            <a:pPr marL="571500" indent="-457200">
-              <a:buAutoNum type="arabicPeriod"/>
-            </a:pPr>
-            <a:r>
-              <a:rPr lang="pl-PL" sz="2400" dirty="0" smtClean="0"/>
-              <a:t>Piksele sąsiednie wyznaczane na podstawie informacji o kierunku gradientu</a:t>
-            </a:r>
-          </a:p>
-        </p:txBody>
-      </p:sp>
-      <p:sp>
-        <p:nvSpPr>
-          <p:cNvPr id="6" name="Footer Placeholder 7"/>
-          <p:cNvSpPr>
-            <a:spLocks noGrp="1"/>
-          </p:cNvSpPr>
-          <p:nvPr>
-            <p:ph type="ftr" sz="quarter" idx="11"/>
-          </p:nvPr>
-        </p:nvSpPr>
-        <p:spPr>
-          <a:xfrm rot="5400000">
-            <a:off x="6951124" y="1841964"/>
-            <a:ext cx="3672408" cy="365760"/>
-          </a:xfrm>
-        </p:spPr>
-        <p:txBody>
-          <a:bodyPr/>
-          <a:lstStyle/>
-          <a:p>
-            <a:pPr algn="l"/>
-            <a:r>
-              <a:rPr lang="pl-PL" sz="1600" dirty="0">
-                <a:effectLst>
-                  <a:outerShdw blurRad="38100" dist="38100" dir="2700000" algn="tl">
-                    <a:srgbClr val="000000">
-                      <a:alpha val="43137"/>
-                    </a:srgbClr>
-                  </a:outerShdw>
-                </a:effectLst>
-              </a:rPr>
-              <a:t>Seminarium dyplomowe magisterskie 1</a:t>
-            </a:r>
-            <a:endParaRPr lang="pl-PL" sz="1600" dirty="0">
-              <a:effectLst>
-                <a:outerShdw blurRad="38100" dist="38100" dir="2700000" algn="tl">
-                  <a:srgbClr val="000000">
-                    <a:alpha val="43137"/>
-                  </a:srgbClr>
-                </a:outerShdw>
-              </a:effectLst>
-            </a:endParaRPr>
-          </a:p>
-        </p:txBody>
-      </p:sp>
-      <p:sp>
-        <p:nvSpPr>
-          <p:cNvPr id="5" name="Slide Number Placeholder 4"/>
-          <p:cNvSpPr>
-            <a:spLocks noGrp="1"/>
-          </p:cNvSpPr>
-          <p:nvPr>
-            <p:ph type="sldNum" sz="quarter" idx="12"/>
-          </p:nvPr>
-        </p:nvSpPr>
-        <p:spPr/>
-        <p:txBody>
-          <a:bodyPr/>
-          <a:lstStyle/>
-          <a:p>
-            <a:fld id="{A9560CCA-E071-4361-AF3D-B0CE296716D1}" type="slidenum">
-              <a:rPr lang="pl-PL" smtClean="0"/>
-              <a:t>9</a:t>
-            </a:fld>
-            <a:endParaRPr lang="pl-PL"/>
-          </a:p>
-        </p:txBody>
-      </p:sp>
-      <p:grpSp>
-        <p:nvGrpSpPr>
-          <p:cNvPr id="7" name="Group 6"/>
-          <p:cNvGrpSpPr/>
-          <p:nvPr/>
-        </p:nvGrpSpPr>
-        <p:grpSpPr>
-          <a:xfrm>
-            <a:off x="1475656" y="3356992"/>
-            <a:ext cx="5544616" cy="2748614"/>
-            <a:chOff x="323528" y="2660605"/>
-            <a:chExt cx="5544616" cy="2748614"/>
-          </a:xfrm>
-        </p:grpSpPr>
-        <p:sp>
-          <p:nvSpPr>
-            <p:cNvPr id="8" name="Freeform 7"/>
-            <p:cNvSpPr/>
-            <p:nvPr/>
-          </p:nvSpPr>
-          <p:spPr>
-            <a:xfrm>
-              <a:off x="323528" y="2888939"/>
-              <a:ext cx="5544616" cy="2520280"/>
-            </a:xfrm>
-            <a:custGeom>
-              <a:avLst/>
-              <a:gdLst>
-                <a:gd name="connsiteX0" fmla="*/ 0 w 7713692"/>
-                <a:gd name="connsiteY0" fmla="*/ 0 h 1944224"/>
-                <a:gd name="connsiteX1" fmla="*/ 7713692 w 7713692"/>
-                <a:gd name="connsiteY1" fmla="*/ 0 h 1944224"/>
-                <a:gd name="connsiteX2" fmla="*/ 7713692 w 7713692"/>
-                <a:gd name="connsiteY2" fmla="*/ 1944224 h 1944224"/>
-                <a:gd name="connsiteX3" fmla="*/ 0 w 7713692"/>
-                <a:gd name="connsiteY3" fmla="*/ 1944224 h 1944224"/>
-                <a:gd name="connsiteX4" fmla="*/ 0 w 7713692"/>
-                <a:gd name="connsiteY4" fmla="*/ 0 h 1944224"/>
-              </a:gdLst>
-              <a:ahLst/>
-              <a:cxnLst>
-                <a:cxn ang="0">
-                  <a:pos x="connsiteX0" y="connsiteY0"/>
-                </a:cxn>
-                <a:cxn ang="0">
-                  <a:pos x="connsiteX1" y="connsiteY1"/>
-                </a:cxn>
-                <a:cxn ang="0">
-                  <a:pos x="connsiteX2" y="connsiteY2"/>
-                </a:cxn>
-                <a:cxn ang="0">
-                  <a:pos x="connsiteX3" y="connsiteY3"/>
-                </a:cxn>
-                <a:cxn ang="0">
-                  <a:pos x="connsiteX4" y="connsiteY4"/>
-                </a:cxn>
-              </a:cxnLst>
-              <a:rect l="l" t="t" r="r" b="b"/>
-              <a:pathLst>
-                <a:path w="7713692" h="1944224">
-                  <a:moveTo>
-                    <a:pt x="0" y="0"/>
-                  </a:moveTo>
-                  <a:lnTo>
-                    <a:pt x="7713692" y="0"/>
-                  </a:lnTo>
-                  <a:lnTo>
-                    <a:pt x="7713692" y="1944224"/>
-                  </a:lnTo>
-                  <a:lnTo>
-                    <a:pt x="0" y="1944224"/>
-                  </a:lnTo>
-                  <a:lnTo>
-                    <a:pt x="0" y="0"/>
-                  </a:lnTo>
-                  <a:close/>
-                </a:path>
-              </a:pathLst>
-            </a:custGeom>
-          </p:spPr>
-          <p:style>
-            <a:lnRef idx="2">
-              <a:schemeClr val="accent1">
-                <a:hueOff val="0"/>
-                <a:satOff val="0"/>
-                <a:lumOff val="0"/>
-                <a:alphaOff val="0"/>
-              </a:schemeClr>
-            </a:lnRef>
-            <a:fillRef idx="1">
-              <a:schemeClr val="lt1">
-                <a:alpha val="90000"/>
-                <a:hueOff val="0"/>
-                <a:satOff val="0"/>
-                <a:lumOff val="0"/>
-                <a:alphaOff val="0"/>
-              </a:schemeClr>
-            </a:fillRef>
-            <a:effectRef idx="0">
-              <a:schemeClr val="lt1">
-                <a:alpha val="90000"/>
-                <a:hueOff val="0"/>
-                <a:satOff val="0"/>
-                <a:lumOff val="0"/>
-                <a:alphaOff val="0"/>
-              </a:schemeClr>
-            </a:effectRef>
-            <a:fontRef idx="minor">
-              <a:schemeClr val="dk1">
-                <a:hueOff val="0"/>
-                <a:satOff val="0"/>
-                <a:lumOff val="0"/>
-                <a:alphaOff val="0"/>
-              </a:schemeClr>
-            </a:fontRef>
-          </p:style>
-          <p:txBody>
-            <a:bodyPr spcFirstLastPara="0" vert="horz" wrap="square" lIns="180000" tIns="324000" rIns="180000" bIns="180000" numCol="1" spcCol="1270" anchor="t" anchorCtr="0">
-              <a:noAutofit/>
-            </a:bodyPr>
-            <a:lstStyle/>
-            <a:p>
-              <a:pPr>
-                <a:lnSpc>
-                  <a:spcPts val="2400"/>
-                </a:lnSpc>
-              </a:pPr>
-              <a:endParaRPr lang="en-US" sz="2200" dirty="0">
-                <a:latin typeface="Consolas" pitchFamily="49" charset="0"/>
-                <a:cs typeface="Consolas" pitchFamily="49" charset="0"/>
-              </a:endParaRPr>
-            </a:p>
-          </p:txBody>
-        </p:sp>
-        <p:sp>
-          <p:nvSpPr>
-            <p:cNvPr id="9" name="Freeform 8"/>
-            <p:cNvSpPr/>
-            <p:nvPr/>
-          </p:nvSpPr>
-          <p:spPr>
-            <a:xfrm>
-              <a:off x="709212" y="2660605"/>
-              <a:ext cx="1558532" cy="444358"/>
-            </a:xfrm>
-            <a:custGeom>
-              <a:avLst/>
-              <a:gdLst>
-                <a:gd name="connsiteX0" fmla="*/ 0 w 2483862"/>
-                <a:gd name="connsiteY0" fmla="*/ 74061 h 444358"/>
-                <a:gd name="connsiteX1" fmla="*/ 74061 w 2483862"/>
-                <a:gd name="connsiteY1" fmla="*/ 0 h 444358"/>
-                <a:gd name="connsiteX2" fmla="*/ 2409801 w 2483862"/>
-                <a:gd name="connsiteY2" fmla="*/ 0 h 444358"/>
-                <a:gd name="connsiteX3" fmla="*/ 2483862 w 2483862"/>
-                <a:gd name="connsiteY3" fmla="*/ 74061 h 444358"/>
-                <a:gd name="connsiteX4" fmla="*/ 2483862 w 2483862"/>
-                <a:gd name="connsiteY4" fmla="*/ 370297 h 444358"/>
-                <a:gd name="connsiteX5" fmla="*/ 2409801 w 2483862"/>
-                <a:gd name="connsiteY5" fmla="*/ 444358 h 444358"/>
-                <a:gd name="connsiteX6" fmla="*/ 74061 w 2483862"/>
-                <a:gd name="connsiteY6" fmla="*/ 444358 h 444358"/>
-                <a:gd name="connsiteX7" fmla="*/ 0 w 2483862"/>
-                <a:gd name="connsiteY7" fmla="*/ 370297 h 444358"/>
-                <a:gd name="connsiteX8" fmla="*/ 0 w 2483862"/>
-                <a:gd name="connsiteY8" fmla="*/ 74061 h 444358"/>
-              </a:gdLst>
-              <a:ahLst/>
-              <a:cxnLst>
-                <a:cxn ang="0">
-                  <a:pos x="connsiteX0" y="connsiteY0"/>
-                </a:cxn>
-                <a:cxn ang="0">
-                  <a:pos x="connsiteX1" y="connsiteY1"/>
-                </a:cxn>
-                <a:cxn ang="0">
-                  <a:pos x="connsiteX2" y="connsiteY2"/>
-                </a:cxn>
-                <a:cxn ang="0">
-                  <a:pos x="connsiteX3" y="connsiteY3"/>
-                </a:cxn>
-                <a:cxn ang="0">
-                  <a:pos x="connsiteX4" y="connsiteY4"/>
-                </a:cxn>
-                <a:cxn ang="0">
-                  <a:pos x="connsiteX5" y="connsiteY5"/>
-                </a:cxn>
-                <a:cxn ang="0">
-                  <a:pos x="connsiteX6" y="connsiteY6"/>
-                </a:cxn>
-                <a:cxn ang="0">
-                  <a:pos x="connsiteX7" y="connsiteY7"/>
-                </a:cxn>
-                <a:cxn ang="0">
-                  <a:pos x="connsiteX8" y="connsiteY8"/>
-                </a:cxn>
-              </a:cxnLst>
-              <a:rect l="l" t="t" r="r" b="b"/>
-              <a:pathLst>
-                <a:path w="2483862" h="444358">
-                  <a:moveTo>
-                    <a:pt x="0" y="74061"/>
-                  </a:moveTo>
-                  <a:cubicBezTo>
-                    <a:pt x="0" y="33158"/>
-                    <a:pt x="33158" y="0"/>
-                    <a:pt x="74061" y="0"/>
-                  </a:cubicBezTo>
-                  <a:lnTo>
-                    <a:pt x="2409801" y="0"/>
-                  </a:lnTo>
-                  <a:cubicBezTo>
-                    <a:pt x="2450704" y="0"/>
-                    <a:pt x="2483862" y="33158"/>
-                    <a:pt x="2483862" y="74061"/>
-                  </a:cubicBezTo>
-                  <a:lnTo>
-                    <a:pt x="2483862" y="370297"/>
-                  </a:lnTo>
-                  <a:cubicBezTo>
-                    <a:pt x="2483862" y="411200"/>
-                    <a:pt x="2450704" y="444358"/>
-                    <a:pt x="2409801" y="444358"/>
-                  </a:cubicBezTo>
-                  <a:lnTo>
-                    <a:pt x="74061" y="444358"/>
-                  </a:lnTo>
-                  <a:cubicBezTo>
-                    <a:pt x="33158" y="444358"/>
-                    <a:pt x="0" y="411200"/>
-                    <a:pt x="0" y="370297"/>
-                  </a:cubicBezTo>
-                  <a:lnTo>
-                    <a:pt x="0" y="74061"/>
-                  </a:lnTo>
-                  <a:close/>
-                </a:path>
-              </a:pathLst>
-            </a:custGeom>
-          </p:spPr>
-          <p:style>
-            <a:lnRef idx="2">
-              <a:schemeClr val="lt1">
-                <a:hueOff val="0"/>
-                <a:satOff val="0"/>
-                <a:lumOff val="0"/>
-                <a:alphaOff val="0"/>
-              </a:schemeClr>
-            </a:lnRef>
-            <a:fillRef idx="1">
-              <a:schemeClr val="accent1">
-                <a:hueOff val="0"/>
-                <a:satOff val="0"/>
-                <a:lumOff val="0"/>
-                <a:alphaOff val="0"/>
-              </a:schemeClr>
-            </a:fillRef>
-            <a:effectRef idx="0">
-              <a:schemeClr val="accent1">
-                <a:hueOff val="0"/>
-                <a:satOff val="0"/>
-                <a:lumOff val="0"/>
-                <a:alphaOff val="0"/>
-              </a:schemeClr>
-            </a:effectRef>
-            <a:fontRef idx="minor">
-              <a:schemeClr val="lt1"/>
-            </a:fontRef>
-          </p:style>
-          <p:txBody>
-            <a:bodyPr spcFirstLastPara="0" vert="horz" wrap="square" lIns="225783" tIns="21692" rIns="225783" bIns="21692" numCol="1" spcCol="1270" anchor="ctr" anchorCtr="0">
-              <a:noAutofit/>
-            </a:bodyPr>
-            <a:lstStyle/>
-            <a:p>
-              <a:pPr lvl="0" algn="l" defTabSz="1066800">
-                <a:lnSpc>
-                  <a:spcPct val="90000"/>
-                </a:lnSpc>
-                <a:spcBef>
-                  <a:spcPct val="0"/>
-                </a:spcBef>
-                <a:spcAft>
-                  <a:spcPct val="35000"/>
-                </a:spcAft>
-              </a:pPr>
-              <a:r>
-                <a:rPr lang="pl-PL" sz="2400" i="1" dirty="0" smtClean="0">
-                  <a:effectLst>
-                    <a:outerShdw blurRad="38100" dist="38100" dir="2700000" algn="tl">
-                      <a:srgbClr val="000000">
-                        <a:alpha val="43137"/>
-                      </a:srgbClr>
-                    </a:outerShdw>
-                  </a:effectLst>
-                </a:rPr>
-                <a:t>Przykład</a:t>
-              </a:r>
-              <a:endParaRPr lang="pl-PL" sz="2400" i="1" kern="1200" dirty="0">
-                <a:effectLst>
-                  <a:outerShdw blurRad="38100" dist="38100" dir="2700000" algn="tl">
-                    <a:srgbClr val="000000">
-                      <a:alpha val="43137"/>
-                    </a:srgbClr>
-                  </a:outerShdw>
-                </a:effectLst>
-              </a:endParaRPr>
-            </a:p>
-          </p:txBody>
-        </p:sp>
-      </p:grpSp>
-      <p:pic>
-        <p:nvPicPr>
-          <p:cNvPr id="2051" name="Picture 3" descr="D:\Studia magisterskie\Praca magisterska\repo\Placeholder\seminar1\prezentacja\canny\3.1. piksele.png"/>
-          <p:cNvPicPr>
-            <a:picLocks noChangeAspect="1" noChangeArrowheads="1"/>
-          </p:cNvPicPr>
-          <p:nvPr/>
-        </p:nvPicPr>
-        <p:blipFill>
-          <a:blip r:embed="rId2">
-            <a:extLst>
-              <a:ext uri="{28A0092B-C50C-407E-A947-70E740481C1C}">
-                <a14:useLocalDpi xmlns:a14="http://schemas.microsoft.com/office/drawing/2010/main" val="0"/>
-              </a:ext>
-            </a:extLst>
-          </a:blip>
-          <a:srcRect/>
-          <a:stretch>
-            <a:fillRect/>
-          </a:stretch>
-        </p:blipFill>
-        <p:spPr bwMode="auto">
-          <a:xfrm>
-            <a:off x="1547664" y="3956007"/>
-            <a:ext cx="5391150" cy="1933575"/>
-          </a:xfrm>
-          <a:prstGeom prst="rect">
-            <a:avLst/>
-          </a:prstGeom>
-          <a:noFill/>
-          <a:extLst>
-            <a:ext uri="{909E8E84-426E-40DD-AFC4-6F175D3DCCD1}">
-              <a14:hiddenFill xmlns:a14="http://schemas.microsoft.com/office/drawing/2010/main">
-                <a:solidFill>
-                  <a:srgbClr val="FFFFFF"/>
-                </a:solidFill>
-              </a14:hiddenFill>
-            </a:ext>
-          </a:extLst>
-        </p:spPr>
-      </p:pic>
-    </p:spTree>
-    <p:extLst>
-      <p:ext uri="{BB962C8B-B14F-4D97-AF65-F5344CB8AC3E}">
-        <p14:creationId xmlns:p14="http://schemas.microsoft.com/office/powerpoint/2010/main" val="3087322603"/>
       </p:ext>
     </p:extLst>
   </p:cSld>

--- a/Placeholder/seminar1/prezentacja/sdm1_Aniserowicz_Michal.pptx
+++ b/Placeholder/seminar1/prezentacja/sdm1_Aniserowicz_Michal.pptx
@@ -5,7 +5,7 @@
     <p:sldMasterId id="2147483660" r:id="rId1"/>
   </p:sldMasterIdLst>
   <p:notesMasterIdLst>
-    <p:notesMasterId r:id="rId18"/>
+    <p:notesMasterId r:id="rId19"/>
   </p:notesMasterIdLst>
   <p:sldIdLst>
     <p:sldId id="256" r:id="rId2"/>
@@ -23,7 +23,8 @@
     <p:sldId id="290" r:id="rId14"/>
     <p:sldId id="291" r:id="rId15"/>
     <p:sldId id="271" r:id="rId16"/>
-    <p:sldId id="258" r:id="rId17"/>
+    <p:sldId id="294" r:id="rId17"/>
+    <p:sldId id="258" r:id="rId18"/>
   </p:sldIdLst>
   <p:sldSz cx="9144000" cy="6858000" type="screen4x3"/>
   <p:notesSz cx="6858000" cy="9144000"/>
@@ -207,7 +208,7 @@
           <a:p>
             <a:fld id="{8B2438A0-9889-4524-A836-B1F16A347C9A}" type="datetimeFigureOut">
               <a:rPr lang="pl-PL" smtClean="0"/>
-              <a:t>2013-11-11</a:t>
+              <a:t>2013-11-20</a:t>
             </a:fld>
             <a:endParaRPr lang="pl-PL"/>
           </a:p>
@@ -753,7 +754,7 @@
           <a:p>
             <a:fld id="{DF8502F3-6FCB-4412-BC1B-6BD1E19AD95B}" type="datetime1">
               <a:rPr lang="pl-PL" smtClean="0"/>
-              <a:t>2013-11-11</a:t>
+              <a:t>2013-11-20</a:t>
             </a:fld>
             <a:endParaRPr lang="pl-PL"/>
           </a:p>
@@ -922,7 +923,7 @@
           <a:p>
             <a:fld id="{2C3A9CA8-94EC-4527-8F8B-DBD707D01242}" type="datetime1">
               <a:rPr lang="pl-PL" smtClean="0"/>
-              <a:t>2013-11-11</a:t>
+              <a:t>2013-11-20</a:t>
             </a:fld>
             <a:endParaRPr lang="pl-PL"/>
           </a:p>
@@ -1101,7 +1102,7 @@
           <a:p>
             <a:fld id="{B6CEB1C5-C0C6-4424-A29E-91E4E3F5914E}" type="datetime1">
               <a:rPr lang="pl-PL" smtClean="0"/>
-              <a:t>2013-11-11</a:t>
+              <a:t>2013-11-20</a:t>
             </a:fld>
             <a:endParaRPr lang="pl-PL"/>
           </a:p>
@@ -1270,7 +1271,7 @@
           <a:p>
             <a:fld id="{72A5EE3F-7E13-4B6A-B05F-2A1CC7201CC3}" type="datetime1">
               <a:rPr lang="pl-PL" smtClean="0"/>
-              <a:t>2013-11-11</a:t>
+              <a:t>2013-11-20</a:t>
             </a:fld>
             <a:endParaRPr lang="pl-PL"/>
           </a:p>
@@ -1515,7 +1516,7 @@
           <a:p>
             <a:fld id="{E9E8B4A4-D862-4963-A883-5BE55689752D}" type="datetime1">
               <a:rPr lang="pl-PL" smtClean="0"/>
-              <a:t>2013-11-11</a:t>
+              <a:t>2013-11-20</a:t>
             </a:fld>
             <a:endParaRPr lang="pl-PL"/>
           </a:p>
@@ -1802,7 +1803,7 @@
           <a:p>
             <a:fld id="{F83EA0BF-0AC4-4E7D-86B2-1B30987E526B}" type="datetime1">
               <a:rPr lang="pl-PL" smtClean="0"/>
-              <a:t>2013-11-11</a:t>
+              <a:t>2013-11-20</a:t>
             </a:fld>
             <a:endParaRPr lang="pl-PL"/>
           </a:p>
@@ -2235,7 +2236,7 @@
           <a:p>
             <a:fld id="{CEDF3D31-0660-41AD-834D-9D9D939F4607}" type="datetime1">
               <a:rPr lang="pl-PL" smtClean="0"/>
-              <a:t>2013-11-11</a:t>
+              <a:t>2013-11-20</a:t>
             </a:fld>
             <a:endParaRPr lang="pl-PL"/>
           </a:p>
@@ -2352,7 +2353,7 @@
           <a:p>
             <a:fld id="{C26B2FC2-C779-4CA5-A028-34554AA059CA}" type="datetime1">
               <a:rPr lang="pl-PL" smtClean="0"/>
-              <a:t>2013-11-11</a:t>
+              <a:t>2013-11-20</a:t>
             </a:fld>
             <a:endParaRPr lang="pl-PL"/>
           </a:p>
@@ -2446,7 +2447,7 @@
           <a:p>
             <a:fld id="{7290F76F-7CB7-4392-91ED-3475F360F105}" type="datetime1">
               <a:rPr lang="pl-PL" smtClean="0"/>
-              <a:t>2013-11-11</a:t>
+              <a:t>2013-11-20</a:t>
             </a:fld>
             <a:endParaRPr lang="pl-PL"/>
           </a:p>
@@ -2639,7 +2640,7 @@
           <a:p>
             <a:fld id="{DBB97A76-55E0-441A-BB3A-40C4EB3C696C}" type="datetime1">
               <a:rPr lang="pl-PL" smtClean="0"/>
-              <a:t>2013-11-11</a:t>
+              <a:t>2013-11-20</a:t>
             </a:fld>
             <a:endParaRPr lang="pl-PL"/>
           </a:p>
@@ -2961,7 +2962,7 @@
           <a:p>
             <a:fld id="{EA6D46FE-61EF-4578-81F4-2582C0B09E9B}" type="datetime1">
               <a:rPr lang="pl-PL" smtClean="0"/>
-              <a:t>2013-11-11</a:t>
+              <a:t>2013-11-20</a:t>
             </a:fld>
             <a:endParaRPr lang="pl-PL"/>
           </a:p>
@@ -3348,7 +3349,7 @@
           <a:p>
             <a:fld id="{52E6C93D-B0D7-4F37-81A4-6580E5D8BBFF}" type="datetime1">
               <a:rPr lang="pl-PL" smtClean="0"/>
-              <a:t>2013-11-11</a:t>
+              <a:t>2013-11-20</a:t>
             </a:fld>
             <a:endParaRPr lang="pl-PL"/>
           </a:p>
@@ -7193,19 +7194,7 @@
                     </a:outerShdw>
                   </a:effectLst>
                 </a:rPr>
-                <a:t>Przykładowe </a:t>
-              </a:r>
-              <a:r>
-                <a:rPr lang="pl-PL" sz="2400" i="1" dirty="0" smtClean="0">
-                  <a:effectLst>
-                    <a:outerShdw blurRad="38100" dist="38100" dir="2700000" algn="tl">
-                      <a:srgbClr val="000000">
-                        <a:alpha val="43137"/>
-                      </a:srgbClr>
-                    </a:outerShdw>
-                  </a:effectLst>
-                </a:rPr>
-                <a:t>rezultaty</a:t>
+                <a:t>Przykładowe rezultaty</a:t>
               </a:r>
               <a:endParaRPr lang="pl-PL" sz="2400" i="1" kern="1200" dirty="0">
                 <a:effectLst>
@@ -8851,8 +8840,8 @@
         </p:nvSpPr>
         <p:spPr>
           <a:xfrm>
-            <a:off x="696416" y="2420888"/>
-            <a:ext cx="6611888" cy="1143000"/>
+            <a:off x="457200" y="44624"/>
+            <a:ext cx="7620000" cy="1143000"/>
           </a:xfrm>
         </p:spPr>
         <p:txBody>
@@ -8860,13 +8849,49 @@
           <a:lstStyle/>
           <a:p>
             <a:r>
-              <a:rPr lang="pl-PL" sz="6000" dirty="0" smtClean="0"/>
-              <a:t>Dziękuję za </a:t>
-            </a:r>
-            <a:r>
-              <a:rPr lang="pl-PL" sz="6000" dirty="0"/>
-              <a:t>uwagę</a:t>
-            </a:r>
+              <a:rPr lang="pl-PL" sz="4000" dirty="0" smtClean="0">
+                <a:effectLst>
+                  <a:outerShdw blurRad="38100" dist="38100" dir="2700000" algn="tl">
+                    <a:srgbClr val="000000">
+                      <a:alpha val="43137"/>
+                    </a:srgbClr>
+                  </a:outerShdw>
+                </a:effectLst>
+              </a:rPr>
+              <a:t>Bibliografia</a:t>
+            </a:r>
+            <a:endParaRPr lang="pl-PL" sz="4000" dirty="0">
+              <a:effectLst>
+                <a:outerShdw blurRad="38100" dist="38100" dir="2700000" algn="tl">
+                  <a:srgbClr val="000000">
+                    <a:alpha val="43137"/>
+                  </a:srgbClr>
+                </a:outerShdw>
+              </a:effectLst>
+            </a:endParaRPr>
+          </a:p>
+        </p:txBody>
+      </p:sp>
+      <p:sp>
+        <p:nvSpPr>
+          <p:cNvPr id="5" name="Slide Number Placeholder 4"/>
+          <p:cNvSpPr>
+            <a:spLocks noGrp="1"/>
+          </p:cNvSpPr>
+          <p:nvPr>
+            <p:ph type="sldNum" sz="quarter" idx="12"/>
+          </p:nvPr>
+        </p:nvSpPr>
+        <p:spPr/>
+        <p:txBody>
+          <a:bodyPr/>
+          <a:lstStyle/>
+          <a:p>
+            <a:fld id="{A9560CCA-E071-4361-AF3D-B0CE296716D1}" type="slidenum">
+              <a:rPr lang="pl-PL" smtClean="0"/>
+              <a:t>16</a:t>
+            </a:fld>
+            <a:endParaRPr lang="pl-PL"/>
           </a:p>
         </p:txBody>
       </p:sp>
@@ -8908,6 +8933,243 @@
       </p:sp>
       <p:sp>
         <p:nvSpPr>
+          <p:cNvPr id="10" name="Content Placeholder 2"/>
+          <p:cNvSpPr>
+            <a:spLocks noGrp="1"/>
+          </p:cNvSpPr>
+          <p:nvPr>
+            <p:ph idx="1"/>
+          </p:nvPr>
+        </p:nvSpPr>
+        <p:spPr>
+          <a:xfrm>
+            <a:off x="467544" y="1124744"/>
+            <a:ext cx="7620000" cy="5184576"/>
+          </a:xfrm>
+        </p:spPr>
+        <p:txBody>
+          <a:bodyPr>
+            <a:normAutofit/>
+          </a:bodyPr>
+          <a:lstStyle/>
+          <a:p>
+            <a:r>
+              <a:rPr lang="en-US" sz="2400" dirty="0" err="1"/>
+              <a:t>Maini</a:t>
+            </a:r>
+            <a:r>
+              <a:rPr lang="en-US" sz="2400" dirty="0"/>
+              <a:t> R</a:t>
+            </a:r>
+            <a:r>
+              <a:rPr lang="en-US" sz="2400" dirty="0" smtClean="0"/>
+              <a:t>.</a:t>
+            </a:r>
+            <a:r>
+              <a:rPr lang="pl-PL" sz="2400" dirty="0" smtClean="0"/>
+              <a:t>,</a:t>
+            </a:r>
+            <a:r>
+              <a:rPr lang="en-US" sz="2400" dirty="0" smtClean="0"/>
+              <a:t> </a:t>
+            </a:r>
+            <a:r>
+              <a:rPr lang="en-US" sz="2400" dirty="0"/>
+              <a:t>Aggarwal </a:t>
+            </a:r>
+            <a:r>
+              <a:rPr lang="en-US" sz="2400" dirty="0" smtClean="0"/>
+              <a:t>H.</a:t>
+            </a:r>
+            <a:r>
+              <a:rPr lang="pl-PL" sz="2400" dirty="0"/>
+              <a:t>;</a:t>
+            </a:r>
+            <a:r>
+              <a:rPr lang="pl-PL" sz="2400" dirty="0" smtClean="0"/>
+              <a:t> </a:t>
+            </a:r>
+            <a:r>
+              <a:rPr lang="en-US" sz="2400" dirty="0" smtClean="0"/>
+              <a:t>Study </a:t>
+            </a:r>
+            <a:r>
+              <a:rPr lang="en-US" sz="2400" dirty="0"/>
+              <a:t>and Comparison of Various Image Edge Detection </a:t>
+            </a:r>
+            <a:r>
+              <a:rPr lang="en-US" sz="2400" dirty="0" smtClean="0"/>
+              <a:t>Techniques</a:t>
+            </a:r>
+            <a:r>
+              <a:rPr lang="pl-PL" sz="2400" dirty="0" smtClean="0"/>
+              <a:t>; </a:t>
+            </a:r>
+            <a:r>
+              <a:rPr lang="en-US" sz="2400" i="1" dirty="0" smtClean="0"/>
+              <a:t>http</a:t>
+            </a:r>
+            <a:r>
+              <a:rPr lang="en-US" sz="2400" i="1" dirty="0"/>
+              <a:t>://wwwmath.tau.ac.il/~</a:t>
+            </a:r>
+            <a:r>
+              <a:rPr lang="en-US" sz="2400" i="1" dirty="0" smtClean="0"/>
+              <a:t>turkel/notes/Maini.pdf</a:t>
+            </a:r>
+            <a:endParaRPr lang="pl-PL" sz="2400" i="1" dirty="0" smtClean="0"/>
+          </a:p>
+          <a:p>
+            <a:r>
+              <a:rPr lang="pl-PL" sz="2400" dirty="0" smtClean="0"/>
+              <a:t>Bołdak C.; Wykrywanie </a:t>
+            </a:r>
+            <a:r>
+              <a:rPr lang="pl-PL" sz="2400" dirty="0"/>
+              <a:t>cech w obrazach </a:t>
+            </a:r>
+            <a:r>
+              <a:rPr lang="pl-PL" sz="2400" dirty="0" smtClean="0"/>
+              <a:t>cyfrowych; </a:t>
+            </a:r>
+            <a:r>
+              <a:rPr lang="pl-PL" sz="2400" i="1" dirty="0" smtClean="0"/>
+              <a:t>http</a:t>
+            </a:r>
+            <a:r>
+              <a:rPr lang="pl-PL" sz="2400" i="1" dirty="0"/>
+              <a:t>://aragorn.pb.bialystok.pl/~</a:t>
+            </a:r>
+            <a:r>
+              <a:rPr lang="pl-PL" sz="2400" i="1" dirty="0" smtClean="0"/>
+              <a:t>boldak/DIP/CPO-W04-v01-50pr.pdf</a:t>
+            </a:r>
+            <a:endParaRPr lang="pl-PL" sz="2400" i="1" dirty="0"/>
+          </a:p>
+          <a:p>
+            <a:r>
+              <a:rPr lang="pl-PL" sz="2400" i="1" dirty="0"/>
+              <a:t>Tadeusiewicz R., Korohoda P.; Kraków 1997; Komputerowa analiza i przetwarzanie obrazów; Wydawnictwo Fundacji Postepu Telekomunikacji; ISBN </a:t>
+            </a:r>
+            <a:r>
+              <a:rPr lang="pl-PL" sz="2400" i="1" dirty="0" smtClean="0"/>
+              <a:t>83-86476-15-X</a:t>
+            </a:r>
+          </a:p>
+          <a:p>
+            <a:r>
+              <a:rPr lang="pl-PL" sz="2400" i="1" dirty="0"/>
+              <a:t>Tadeusiewicz R., Flasinski M.; Warszawa 1991; Rozpoznawanie obrazów; PWN; ISBN 83-01-10558-5</a:t>
+            </a:r>
+          </a:p>
+        </p:txBody>
+      </p:sp>
+    </p:spTree>
+    <p:extLst>
+      <p:ext uri="{BB962C8B-B14F-4D97-AF65-F5344CB8AC3E}">
+        <p14:creationId xmlns:p14="http://schemas.microsoft.com/office/powerpoint/2010/main" val="313516975"/>
+      </p:ext>
+    </p:extLst>
+  </p:cSld>
+  <p:clrMapOvr>
+    <a:masterClrMapping/>
+  </p:clrMapOvr>
+  <p:timing>
+    <p:tnLst>
+      <p:par>
+        <p:cTn id="1" dur="indefinite" restart="never" nodeType="tmRoot"/>
+      </p:par>
+    </p:tnLst>
+  </p:timing>
+</p:sld>
+</file>
+
+<file path=ppt/slides/slide17.xml><?xml version="1.0" encoding="utf-8"?>
+<p:sld xmlns:a="http://schemas.openxmlformats.org/drawingml/2006/main" xmlns:r="http://schemas.openxmlformats.org/officeDocument/2006/relationships" xmlns:p="http://schemas.openxmlformats.org/presentationml/2006/main">
+  <p:cSld>
+    <p:spTree>
+      <p:nvGrpSpPr>
+        <p:cNvPr id="1" name=""/>
+        <p:cNvGrpSpPr/>
+        <p:nvPr/>
+      </p:nvGrpSpPr>
+      <p:grpSpPr>
+        <a:xfrm>
+          <a:off x="0" y="0"/>
+          <a:ext cx="0" cy="0"/>
+          <a:chOff x="0" y="0"/>
+          <a:chExt cx="0" cy="0"/>
+        </a:xfrm>
+      </p:grpSpPr>
+      <p:sp>
+        <p:nvSpPr>
+          <p:cNvPr id="2" name="Title 1"/>
+          <p:cNvSpPr>
+            <a:spLocks noGrp="1"/>
+          </p:cNvSpPr>
+          <p:nvPr>
+            <p:ph type="title"/>
+          </p:nvPr>
+        </p:nvSpPr>
+        <p:spPr>
+          <a:xfrm>
+            <a:off x="696416" y="2420888"/>
+            <a:ext cx="6611888" cy="1143000"/>
+          </a:xfrm>
+        </p:spPr>
+        <p:txBody>
+          <a:bodyPr/>
+          <a:lstStyle/>
+          <a:p>
+            <a:r>
+              <a:rPr lang="pl-PL" sz="6000" dirty="0" smtClean="0"/>
+              <a:t>Dziękuję za </a:t>
+            </a:r>
+            <a:r>
+              <a:rPr lang="pl-PL" sz="6000" dirty="0"/>
+              <a:t>uwagę</a:t>
+            </a:r>
+          </a:p>
+        </p:txBody>
+      </p:sp>
+      <p:sp>
+        <p:nvSpPr>
+          <p:cNvPr id="6" name="Footer Placeholder 7"/>
+          <p:cNvSpPr>
+            <a:spLocks noGrp="1"/>
+          </p:cNvSpPr>
+          <p:nvPr>
+            <p:ph type="ftr" sz="quarter" idx="11"/>
+          </p:nvPr>
+        </p:nvSpPr>
+        <p:spPr>
+          <a:xfrm rot="5400000">
+            <a:off x="6951124" y="1841964"/>
+            <a:ext cx="3672408" cy="365760"/>
+          </a:xfrm>
+        </p:spPr>
+        <p:txBody>
+          <a:bodyPr/>
+          <a:lstStyle/>
+          <a:p>
+            <a:pPr algn="l"/>
+            <a:r>
+              <a:rPr lang="pl-PL" sz="1600" dirty="0">
+                <a:effectLst>
+                  <a:outerShdw blurRad="38100" dist="38100" dir="2700000" algn="tl">
+                    <a:srgbClr val="000000">
+                      <a:alpha val="43137"/>
+                    </a:srgbClr>
+                  </a:outerShdw>
+                </a:effectLst>
+              </a:rPr>
+              <a:t>Seminarium dyplomowe magisterskie 1</a:t>
+            </a:r>
+          </a:p>
+        </p:txBody>
+      </p:sp>
+      <p:sp>
+        <p:nvSpPr>
           <p:cNvPr id="5" name="Slide Number Placeholder 4"/>
           <p:cNvSpPr>
             <a:spLocks noGrp="1"/>
@@ -8923,70 +9185,9 @@
           <a:p>
             <a:fld id="{A9560CCA-E071-4361-AF3D-B0CE296716D1}" type="slidenum">
               <a:rPr lang="pl-PL" smtClean="0"/>
-              <a:t>16</a:t>
+              <a:t>17</a:t>
             </a:fld>
             <a:endParaRPr lang="pl-PL"/>
-          </a:p>
-        </p:txBody>
-      </p:sp>
-      <p:sp>
-        <p:nvSpPr>
-          <p:cNvPr id="4" name="TextBox 3"/>
-          <p:cNvSpPr txBox="1"/>
-          <p:nvPr/>
-        </p:nvSpPr>
-        <p:spPr>
-          <a:xfrm>
-            <a:off x="2771800" y="5674164"/>
-            <a:ext cx="5400600" cy="923330"/>
-          </a:xfrm>
-          <a:prstGeom prst="rect">
-            <a:avLst/>
-          </a:prstGeom>
-          <a:noFill/>
-        </p:spPr>
-        <p:txBody>
-          <a:bodyPr wrap="square" rtlCol="0">
-            <a:spAutoFit/>
-          </a:bodyPr>
-          <a:lstStyle/>
-          <a:p>
-            <a:r>
-              <a:rPr lang="pl-PL" i="1" dirty="0" smtClean="0">
-                <a:solidFill>
-                  <a:schemeClr val="tx2"/>
-                </a:solidFill>
-              </a:rPr>
-              <a:t>Zrzuty ekranu na slajdzie 7. pochodzą z programów:</a:t>
-            </a:r>
-          </a:p>
-          <a:p>
-            <a:pPr marL="285750" indent="-285750">
-              <a:buFontTx/>
-              <a:buChar char="-"/>
-            </a:pPr>
-            <a:r>
-              <a:rPr lang="pl-PL" i="1" dirty="0" smtClean="0">
-                <a:solidFill>
-                  <a:schemeClr val="tx2"/>
-                </a:solidFill>
-              </a:rPr>
-              <a:t>Eclipse SDK 3.7.2</a:t>
-            </a:r>
-          </a:p>
-          <a:p>
-            <a:pPr marL="285750" indent="-285750">
-              <a:buFontTx/>
-              <a:buChar char="-"/>
-            </a:pPr>
-            <a:r>
-              <a:rPr lang="pl-PL" i="1" dirty="0" smtClean="0">
-                <a:solidFill>
-                  <a:schemeClr val="tx2"/>
-                </a:solidFill>
-              </a:rPr>
-              <a:t>Microsoft Visual Studio 2010 Ultimate</a:t>
-            </a:r>
           </a:p>
         </p:txBody>
       </p:sp>
@@ -9052,20 +9253,17 @@
                   </a:outerShdw>
                 </a:effectLst>
               </a:rPr>
-              <a:t>[TODO] </a:t>
-            </a:r>
-            <a:r>
-              <a:rPr lang="pl-PL" dirty="0">
-                <a:effectLst>
-                  <a:outerShdw blurRad="38100" dist="38100" dir="2700000" algn="tl">
-                    <a:srgbClr val="000000">
-                      <a:alpha val="43137"/>
-                    </a:srgbClr>
-                  </a:outerShdw>
-                </a:effectLst>
-              </a:rPr>
               <a:t>Agenda</a:t>
             </a:r>
+            <a:endParaRPr lang="pl-PL" dirty="0">
+              <a:effectLst>
+                <a:outerShdw blurRad="38100" dist="38100" dir="2700000" algn="tl">
+                  <a:srgbClr val="000000">
+                    <a:alpha val="43137"/>
+                  </a:srgbClr>
+                </a:outerShdw>
+              </a:effectLst>
+            </a:endParaRPr>
           </a:p>
         </p:txBody>
       </p:sp>
@@ -9088,38 +9286,30 @@
           <a:p>
             <a:r>
               <a:rPr lang="pl-PL" sz="2800" dirty="0" smtClean="0"/>
-              <a:t>Java i C#</a:t>
-            </a:r>
+              <a:t>Splot obrazów</a:t>
+            </a:r>
+            <a:endParaRPr lang="pl-PL" sz="2800" dirty="0" smtClean="0"/>
           </a:p>
           <a:p>
             <a:r>
               <a:rPr lang="pl-PL" sz="2800" dirty="0" smtClean="0"/>
-              <a:t>Podobieństwa</a:t>
-            </a:r>
+              <a:t>Filtrowanie obrazów</a:t>
+            </a:r>
+            <a:endParaRPr lang="pl-PL" sz="2800" dirty="0" smtClean="0"/>
           </a:p>
           <a:p>
             <a:r>
               <a:rPr lang="pl-PL" sz="2800" dirty="0" smtClean="0"/>
-              <a:t>Przykładowy program</a:t>
-            </a:r>
-          </a:p>
-          <a:p>
-            <a:r>
-              <a:rPr lang="pl-PL" sz="2800" dirty="0" smtClean="0"/>
-              <a:t>Różnice</a:t>
-            </a:r>
-          </a:p>
-          <a:p>
-            <a:r>
-              <a:rPr lang="pl-PL" sz="2800" dirty="0" smtClean="0"/>
-              <a:t>Mechanizmy C#</a:t>
-            </a:r>
+              <a:t>Detekcja krawędzi</a:t>
+            </a:r>
+            <a:endParaRPr lang="pl-PL" sz="2800" dirty="0" smtClean="0"/>
           </a:p>
           <a:p>
             <a:r>
               <a:rPr lang="pl-PL" sz="2800" dirty="0" smtClean="0"/>
               <a:t>Podsumowanie</a:t>
             </a:r>
+            <a:endParaRPr lang="pl-PL" sz="2800" dirty="0" smtClean="0"/>
           </a:p>
         </p:txBody>
       </p:sp>
@@ -9450,31 +9640,7 @@
                   </a:outerShdw>
                 </a:effectLst>
               </a:rPr>
-              <a:t>Filtrowanie </a:t>
-            </a:r>
-            <a:r>
-              <a:rPr lang="pl-PL" sz="4000" dirty="0" smtClean="0">
-                <a:effectLst>
-                  <a:outerShdw blurRad="38100" dist="38100" dir="2700000" algn="tl">
-                    <a:srgbClr val="000000">
-                      <a:alpha val="43137"/>
-                    </a:srgbClr>
-                  </a:outerShdw>
-                </a:effectLst>
-              </a:rPr>
-              <a:t>– </a:t>
-            </a:r>
-            <a:r>
-              <a:rPr lang="pl-PL" sz="4000" dirty="0" smtClean="0">
-                <a:effectLst>
-                  <a:outerShdw blurRad="38100" dist="38100" dir="2700000" algn="tl">
-                    <a:srgbClr val="000000">
-                      <a:alpha val="43137"/>
-                    </a:srgbClr>
-                  </a:outerShdw>
-                </a:effectLst>
-              </a:rPr>
-              <a:t>splot obrazów</a:t>
+              <a:t>Filtrowanie – splot obrazów</a:t>
             </a:r>
             <a:endParaRPr lang="pl-PL" sz="4000" dirty="0">
               <a:effectLst>
@@ -9515,13 +9681,8 @@
             </a:pPr>
             <a:r>
               <a:rPr lang="pl-PL" sz="2400" dirty="0" smtClean="0"/>
-              <a:t>Wygładzenie </a:t>
-            </a:r>
-            <a:r>
-              <a:rPr lang="pl-PL" sz="2400" dirty="0" smtClean="0"/>
-              <a:t>obrazu</a:t>
-            </a:r>
-            <a:endParaRPr lang="pl-PL" sz="2400" dirty="0" smtClean="0"/>
+              <a:t>Wygładzenie obrazu</a:t>
+            </a:r>
           </a:p>
         </p:txBody>
       </p:sp>
@@ -10372,19 +10533,7 @@
                     </a:outerShdw>
                   </a:effectLst>
                 </a:rPr>
-                <a:t>Przykładowe </a:t>
-              </a:r>
-              <a:r>
-                <a:rPr lang="pl-PL" sz="2400" i="1" dirty="0" smtClean="0">
-                  <a:effectLst>
-                    <a:outerShdw blurRad="38100" dist="38100" dir="2700000" algn="tl">
-                      <a:srgbClr val="000000">
-                        <a:alpha val="43137"/>
-                      </a:srgbClr>
-                    </a:outerShdw>
-                  </a:effectLst>
-                </a:rPr>
-                <a:t>rezultaty</a:t>
+                <a:t>Przykładowe rezultaty</a:t>
               </a:r>
               <a:endParaRPr lang="pl-PL" sz="2400" i="1" kern="1200" dirty="0">
                 <a:effectLst>

--- a/Placeholder/seminar1/prezentacja/sdm1_Aniserowicz_Michal.pptx
+++ b/Placeholder/seminar1/prezentacja/sdm1_Aniserowicz_Michal.pptx
@@ -14232,11 +14232,7 @@
           <a:p>
             <a:r>
               <a:rPr lang="pl-PL" sz="2800" dirty="0" smtClean="0"/>
-              <a:t>Splot </a:t>
-            </a:r>
-            <a:r>
-              <a:rPr lang="pl-PL" sz="2800" dirty="0" smtClean="0"/>
-              <a:t>obrazów</a:t>
+              <a:t>Splot macierzy obrazów</a:t>
             </a:r>
           </a:p>
           <a:p>
@@ -16142,20 +16138,17 @@
                   </a:outerShdw>
                 </a:effectLst>
               </a:rPr>
-              <a:t>[TODO] </a:t>
-            </a:r>
-            <a:r>
-              <a:rPr lang="pl-PL" sz="4000" dirty="0">
-                <a:effectLst>
-                  <a:outerShdw blurRad="38100" dist="38100" dir="2700000" algn="tl">
-                    <a:srgbClr val="000000">
-                      <a:alpha val="43137"/>
-                    </a:srgbClr>
-                  </a:outerShdw>
-                </a:effectLst>
-              </a:rPr>
               <a:t>Podsumowanie</a:t>
             </a:r>
+            <a:endParaRPr lang="pl-PL" sz="4000" dirty="0">
+              <a:effectLst>
+                <a:outerShdw blurRad="38100" dist="38100" dir="2700000" algn="tl">
+                  <a:srgbClr val="000000">
+                    <a:alpha val="43137"/>
+                  </a:srgbClr>
+                </a:outerShdw>
+              </a:effectLst>
+            </a:endParaRPr>
           </a:p>
         </p:txBody>
       </p:sp>
@@ -16218,373 +16211,6 @@
           </a:p>
         </p:txBody>
       </p:sp>
-      <p:grpSp>
-        <p:nvGrpSpPr>
-          <p:cNvPr id="7" name="Group 6"/>
-          <p:cNvGrpSpPr/>
-          <p:nvPr/>
-        </p:nvGrpSpPr>
-        <p:grpSpPr>
-          <a:xfrm>
-            <a:off x="331100" y="1196752"/>
-            <a:ext cx="7713692" cy="1631365"/>
-            <a:chOff x="323528" y="2121670"/>
-            <a:chExt cx="7713692" cy="1631365"/>
-          </a:xfrm>
-        </p:grpSpPr>
-        <p:sp>
-          <p:nvSpPr>
-            <p:cNvPr id="8" name="Freeform 7"/>
-            <p:cNvSpPr/>
-            <p:nvPr/>
-          </p:nvSpPr>
-          <p:spPr>
-            <a:xfrm>
-              <a:off x="323528" y="2348875"/>
-              <a:ext cx="7713692" cy="1404160"/>
-            </a:xfrm>
-            <a:custGeom>
-              <a:avLst/>
-              <a:gdLst>
-                <a:gd name="connsiteX0" fmla="*/ 0 w 7713692"/>
-                <a:gd name="connsiteY0" fmla="*/ 0 h 1944224"/>
-                <a:gd name="connsiteX1" fmla="*/ 7713692 w 7713692"/>
-                <a:gd name="connsiteY1" fmla="*/ 0 h 1944224"/>
-                <a:gd name="connsiteX2" fmla="*/ 7713692 w 7713692"/>
-                <a:gd name="connsiteY2" fmla="*/ 1944224 h 1944224"/>
-                <a:gd name="connsiteX3" fmla="*/ 0 w 7713692"/>
-                <a:gd name="connsiteY3" fmla="*/ 1944224 h 1944224"/>
-                <a:gd name="connsiteX4" fmla="*/ 0 w 7713692"/>
-                <a:gd name="connsiteY4" fmla="*/ 0 h 1944224"/>
-              </a:gdLst>
-              <a:ahLst/>
-              <a:cxnLst>
-                <a:cxn ang="0">
-                  <a:pos x="connsiteX0" y="connsiteY0"/>
-                </a:cxn>
-                <a:cxn ang="0">
-                  <a:pos x="connsiteX1" y="connsiteY1"/>
-                </a:cxn>
-                <a:cxn ang="0">
-                  <a:pos x="connsiteX2" y="connsiteY2"/>
-                </a:cxn>
-                <a:cxn ang="0">
-                  <a:pos x="connsiteX3" y="connsiteY3"/>
-                </a:cxn>
-                <a:cxn ang="0">
-                  <a:pos x="connsiteX4" y="connsiteY4"/>
-                </a:cxn>
-              </a:cxnLst>
-              <a:rect l="l" t="t" r="r" b="b"/>
-              <a:pathLst>
-                <a:path w="7713692" h="1944224">
-                  <a:moveTo>
-                    <a:pt x="0" y="0"/>
-                  </a:moveTo>
-                  <a:lnTo>
-                    <a:pt x="7713692" y="0"/>
-                  </a:lnTo>
-                  <a:lnTo>
-                    <a:pt x="7713692" y="1944224"/>
-                  </a:lnTo>
-                  <a:lnTo>
-                    <a:pt x="0" y="1944224"/>
-                  </a:lnTo>
-                  <a:lnTo>
-                    <a:pt x="0" y="0"/>
-                  </a:lnTo>
-                  <a:close/>
-                </a:path>
-              </a:pathLst>
-            </a:custGeom>
-          </p:spPr>
-          <p:style>
-            <a:lnRef idx="2">
-              <a:schemeClr val="accent1">
-                <a:hueOff val="0"/>
-                <a:satOff val="0"/>
-                <a:lumOff val="0"/>
-                <a:alphaOff val="0"/>
-              </a:schemeClr>
-            </a:lnRef>
-            <a:fillRef idx="1">
-              <a:schemeClr val="lt1">
-                <a:alpha val="90000"/>
-                <a:hueOff val="0"/>
-                <a:satOff val="0"/>
-                <a:lumOff val="0"/>
-                <a:alphaOff val="0"/>
-              </a:schemeClr>
-            </a:fillRef>
-            <a:effectRef idx="0">
-              <a:schemeClr val="lt1">
-                <a:alpha val="90000"/>
-                <a:hueOff val="0"/>
-                <a:satOff val="0"/>
-                <a:lumOff val="0"/>
-                <a:alphaOff val="0"/>
-              </a:schemeClr>
-            </a:effectRef>
-            <a:fontRef idx="minor">
-              <a:schemeClr val="dk1">
-                <a:hueOff val="0"/>
-                <a:satOff val="0"/>
-                <a:lumOff val="0"/>
-                <a:alphaOff val="0"/>
-              </a:schemeClr>
-            </a:fontRef>
-          </p:style>
-          <p:txBody>
-            <a:bodyPr spcFirstLastPara="0" vert="horz" wrap="square" lIns="180000" tIns="324000" rIns="180000" bIns="180000" numCol="1" spcCol="1270" anchor="t" anchorCtr="0">
-              <a:noAutofit/>
-            </a:bodyPr>
-            <a:lstStyle/>
-            <a:p>
-              <a:pPr>
-                <a:lnSpc>
-                  <a:spcPts val="2400"/>
-                </a:lnSpc>
-              </a:pPr>
-              <a:r>
-                <a:rPr lang="pl-PL" sz="2200" dirty="0" smtClean="0">
-                  <a:latin typeface="Consolas" pitchFamily="49" charset="0"/>
-                  <a:cs typeface="Consolas" pitchFamily="49" charset="0"/>
-                </a:rPr>
-                <a:t>Adam Mickiewicz (57)</a:t>
-              </a:r>
-            </a:p>
-            <a:p>
-              <a:pPr>
-                <a:lnSpc>
-                  <a:spcPts val="2400"/>
-                </a:lnSpc>
-              </a:pPr>
-              <a:r>
-                <a:rPr lang="pl-PL" sz="2200" dirty="0" smtClean="0">
-                  <a:latin typeface="Consolas" pitchFamily="49" charset="0"/>
-                  <a:cs typeface="Consolas" pitchFamily="49" charset="0"/>
-                </a:rPr>
-                <a:t>Henryk Sienkiewicz </a:t>
-              </a:r>
-              <a:r>
-                <a:rPr lang="pl-PL" sz="2200" dirty="0">
-                  <a:latin typeface="Consolas" pitchFamily="49" charset="0"/>
-                  <a:cs typeface="Consolas" pitchFamily="49" charset="0"/>
-                </a:rPr>
-                <a:t>(</a:t>
-              </a:r>
-              <a:r>
-                <a:rPr lang="pl-PL" sz="2200" dirty="0" smtClean="0">
-                  <a:latin typeface="Consolas" pitchFamily="49" charset="0"/>
-                  <a:cs typeface="Consolas" pitchFamily="49" charset="0"/>
-                </a:rPr>
-                <a:t>70)</a:t>
-              </a:r>
-            </a:p>
-            <a:p>
-              <a:pPr>
-                <a:lnSpc>
-                  <a:spcPts val="2400"/>
-                </a:lnSpc>
-              </a:pPr>
-              <a:r>
-                <a:rPr lang="pl-PL" sz="2200" dirty="0" smtClean="0">
-                  <a:latin typeface="Consolas" pitchFamily="49" charset="0"/>
-                  <a:cs typeface="Consolas" pitchFamily="49" charset="0"/>
-                </a:rPr>
-                <a:t>Bolesław Prus </a:t>
-              </a:r>
-              <a:r>
-                <a:rPr lang="pl-PL" sz="2200" dirty="0">
-                  <a:latin typeface="Consolas" pitchFamily="49" charset="0"/>
-                  <a:cs typeface="Consolas" pitchFamily="49" charset="0"/>
-                </a:rPr>
-                <a:t>(65)</a:t>
-              </a:r>
-              <a:endParaRPr lang="en-US" sz="2200" dirty="0">
-                <a:latin typeface="Consolas" pitchFamily="49" charset="0"/>
-                <a:cs typeface="Consolas" pitchFamily="49" charset="0"/>
-              </a:endParaRPr>
-            </a:p>
-          </p:txBody>
-        </p:sp>
-        <p:sp>
-          <p:nvSpPr>
-            <p:cNvPr id="9" name="Freeform 8"/>
-            <p:cNvSpPr/>
-            <p:nvPr/>
-          </p:nvSpPr>
-          <p:spPr>
-            <a:xfrm>
-              <a:off x="709212" y="2121670"/>
-              <a:ext cx="5079352" cy="444358"/>
-            </a:xfrm>
-            <a:custGeom>
-              <a:avLst/>
-              <a:gdLst>
-                <a:gd name="connsiteX0" fmla="*/ 0 w 2483862"/>
-                <a:gd name="connsiteY0" fmla="*/ 74061 h 444358"/>
-                <a:gd name="connsiteX1" fmla="*/ 74061 w 2483862"/>
-                <a:gd name="connsiteY1" fmla="*/ 0 h 444358"/>
-                <a:gd name="connsiteX2" fmla="*/ 2409801 w 2483862"/>
-                <a:gd name="connsiteY2" fmla="*/ 0 h 444358"/>
-                <a:gd name="connsiteX3" fmla="*/ 2483862 w 2483862"/>
-                <a:gd name="connsiteY3" fmla="*/ 74061 h 444358"/>
-                <a:gd name="connsiteX4" fmla="*/ 2483862 w 2483862"/>
-                <a:gd name="connsiteY4" fmla="*/ 370297 h 444358"/>
-                <a:gd name="connsiteX5" fmla="*/ 2409801 w 2483862"/>
-                <a:gd name="connsiteY5" fmla="*/ 444358 h 444358"/>
-                <a:gd name="connsiteX6" fmla="*/ 74061 w 2483862"/>
-                <a:gd name="connsiteY6" fmla="*/ 444358 h 444358"/>
-                <a:gd name="connsiteX7" fmla="*/ 0 w 2483862"/>
-                <a:gd name="connsiteY7" fmla="*/ 370297 h 444358"/>
-                <a:gd name="connsiteX8" fmla="*/ 0 w 2483862"/>
-                <a:gd name="connsiteY8" fmla="*/ 74061 h 444358"/>
-              </a:gdLst>
-              <a:ahLst/>
-              <a:cxnLst>
-                <a:cxn ang="0">
-                  <a:pos x="connsiteX0" y="connsiteY0"/>
-                </a:cxn>
-                <a:cxn ang="0">
-                  <a:pos x="connsiteX1" y="connsiteY1"/>
-                </a:cxn>
-                <a:cxn ang="0">
-                  <a:pos x="connsiteX2" y="connsiteY2"/>
-                </a:cxn>
-                <a:cxn ang="0">
-                  <a:pos x="connsiteX3" y="connsiteY3"/>
-                </a:cxn>
-                <a:cxn ang="0">
-                  <a:pos x="connsiteX4" y="connsiteY4"/>
-                </a:cxn>
-                <a:cxn ang="0">
-                  <a:pos x="connsiteX5" y="connsiteY5"/>
-                </a:cxn>
-                <a:cxn ang="0">
-                  <a:pos x="connsiteX6" y="connsiteY6"/>
-                </a:cxn>
-                <a:cxn ang="0">
-                  <a:pos x="connsiteX7" y="connsiteY7"/>
-                </a:cxn>
-                <a:cxn ang="0">
-                  <a:pos x="connsiteX8" y="connsiteY8"/>
-                </a:cxn>
-              </a:cxnLst>
-              <a:rect l="l" t="t" r="r" b="b"/>
-              <a:pathLst>
-                <a:path w="2483862" h="444358">
-                  <a:moveTo>
-                    <a:pt x="0" y="74061"/>
-                  </a:moveTo>
-                  <a:cubicBezTo>
-                    <a:pt x="0" y="33158"/>
-                    <a:pt x="33158" y="0"/>
-                    <a:pt x="74061" y="0"/>
-                  </a:cubicBezTo>
-                  <a:lnTo>
-                    <a:pt x="2409801" y="0"/>
-                  </a:lnTo>
-                  <a:cubicBezTo>
-                    <a:pt x="2450704" y="0"/>
-                    <a:pt x="2483862" y="33158"/>
-                    <a:pt x="2483862" y="74061"/>
-                  </a:cubicBezTo>
-                  <a:lnTo>
-                    <a:pt x="2483862" y="370297"/>
-                  </a:lnTo>
-                  <a:cubicBezTo>
-                    <a:pt x="2483862" y="411200"/>
-                    <a:pt x="2450704" y="444358"/>
-                    <a:pt x="2409801" y="444358"/>
-                  </a:cubicBezTo>
-                  <a:lnTo>
-                    <a:pt x="74061" y="444358"/>
-                  </a:lnTo>
-                  <a:cubicBezTo>
-                    <a:pt x="33158" y="444358"/>
-                    <a:pt x="0" y="411200"/>
-                    <a:pt x="0" y="370297"/>
-                  </a:cubicBezTo>
-                  <a:lnTo>
-                    <a:pt x="0" y="74061"/>
-                  </a:lnTo>
-                  <a:close/>
-                </a:path>
-              </a:pathLst>
-            </a:custGeom>
-          </p:spPr>
-          <p:style>
-            <a:lnRef idx="2">
-              <a:schemeClr val="lt1">
-                <a:hueOff val="0"/>
-                <a:satOff val="0"/>
-                <a:lumOff val="0"/>
-                <a:alphaOff val="0"/>
-              </a:schemeClr>
-            </a:lnRef>
-            <a:fillRef idx="1">
-              <a:schemeClr val="accent1">
-                <a:hueOff val="0"/>
-                <a:satOff val="0"/>
-                <a:lumOff val="0"/>
-                <a:alphaOff val="0"/>
-              </a:schemeClr>
-            </a:fillRef>
-            <a:effectRef idx="0">
-              <a:schemeClr val="accent1">
-                <a:hueOff val="0"/>
-                <a:satOff val="0"/>
-                <a:lumOff val="0"/>
-                <a:alphaOff val="0"/>
-              </a:schemeClr>
-            </a:effectRef>
-            <a:fontRef idx="minor">
-              <a:schemeClr val="lt1"/>
-            </a:fontRef>
-          </p:style>
-          <p:txBody>
-            <a:bodyPr spcFirstLastPara="0" vert="horz" wrap="square" lIns="225783" tIns="21692" rIns="225783" bIns="21692" numCol="1" spcCol="1270" anchor="ctr" anchorCtr="0">
-              <a:noAutofit/>
-            </a:bodyPr>
-            <a:lstStyle/>
-            <a:p>
-              <a:pPr lvl="0" algn="l" defTabSz="1066800">
-                <a:lnSpc>
-                  <a:spcPct val="90000"/>
-                </a:lnSpc>
-                <a:spcBef>
-                  <a:spcPct val="0"/>
-                </a:spcBef>
-                <a:spcAft>
-                  <a:spcPct val="35000"/>
-                </a:spcAft>
-              </a:pPr>
-              <a:r>
-                <a:rPr lang="pl-PL" sz="2400" i="1" dirty="0" smtClean="0">
-                  <a:effectLst>
-                    <a:outerShdw blurRad="38100" dist="38100" dir="2700000" algn="tl">
-                      <a:srgbClr val="000000">
-                        <a:alpha val="43137"/>
-                      </a:srgbClr>
-                    </a:outerShdw>
-                  </a:effectLst>
-                </a:rPr>
-                <a:t>Przykładowy wynik działania aplikacji</a:t>
-              </a:r>
-              <a:endParaRPr lang="pl-PL" sz="2400" i="1" kern="1200" dirty="0">
-                <a:effectLst>
-                  <a:outerShdw blurRad="38100" dist="38100" dir="2700000" algn="tl">
-                    <a:srgbClr val="000000">
-                      <a:alpha val="43137"/>
-                    </a:srgbClr>
-                  </a:outerShdw>
-                </a:effectLst>
-              </a:endParaRPr>
-            </a:p>
-          </p:txBody>
-        </p:sp>
-      </p:grpSp>
       <p:sp>
         <p:nvSpPr>
           <p:cNvPr id="10" name="Content Placeholder 2"/>
@@ -16597,8 +16223,8 @@
         </p:nvSpPr>
         <p:spPr>
           <a:xfrm>
-            <a:off x="457200" y="3140968"/>
-            <a:ext cx="7620000" cy="2232248"/>
+            <a:off x="457200" y="1124744"/>
+            <a:ext cx="7620000" cy="4680520"/>
           </a:xfrm>
         </p:spPr>
         <p:txBody>
@@ -16609,44 +16235,22 @@
           <a:p>
             <a:r>
               <a:rPr lang="pl-PL" sz="2400" dirty="0" smtClean="0"/>
-              <a:t>Kod programu w Javie jest o ok. </a:t>
-            </a:r>
-            <a:r>
-              <a:rPr lang="pl-PL" sz="2400" b="1" dirty="0" smtClean="0"/>
-              <a:t>70%</a:t>
-            </a:r>
+              <a:t>Wykrywanie krawędzi (a także wiele innych operacji) sprowadza się do zastosowania dyskretnego splotu macierzy</a:t>
+            </a:r>
+          </a:p>
+          <a:p>
             <a:r>
               <a:rPr lang="pl-PL" sz="2400" dirty="0" smtClean="0"/>
-              <a:t> dłuższy niż w C#</a:t>
-            </a:r>
+              <a:t>Algorytmy zaproponowane w latach 60., czy 80. są nadal stosowane</a:t>
+            </a:r>
+            <a:endParaRPr lang="pl-PL" sz="2400" dirty="0" smtClean="0"/>
           </a:p>
           <a:p>
             <a:r>
               <a:rPr lang="pl-PL" sz="2400" dirty="0" smtClean="0"/>
-              <a:t>Kod C# lepiej wyraża intencje programisty – czytelnik skupia się na tym, „</a:t>
-            </a:r>
-            <a:r>
-              <a:rPr lang="pl-PL" sz="2400" b="1" dirty="0" smtClean="0"/>
-              <a:t>co</a:t>
-            </a:r>
-            <a:r>
-              <a:rPr lang="pl-PL" sz="2400" dirty="0" smtClean="0"/>
-              <a:t>” (a nie „</a:t>
-            </a:r>
-            <a:r>
-              <a:rPr lang="pl-PL" sz="2400" b="1" dirty="0" smtClean="0"/>
-              <a:t>jak</a:t>
-            </a:r>
-            <a:r>
-              <a:rPr lang="pl-PL" sz="2400" dirty="0" smtClean="0"/>
-              <a:t>”) się dzieje</a:t>
-            </a:r>
-          </a:p>
-          <a:p>
-            <a:r>
-              <a:rPr lang="pl-PL" sz="2400" dirty="0" smtClean="0"/>
-              <a:t>Zrozumienie działania kodu C# wymaga znajomości większej ilości mechanizmów</a:t>
-            </a:r>
+              <a:t>Operator Sobela i algorytm Canny’ego to obecnie najpopularniejsze metody wykrywania krawędzi</a:t>
+            </a:r>
+            <a:endParaRPr lang="pl-PL" sz="2400" dirty="0"/>
           </a:p>
         </p:txBody>
       </p:sp>
@@ -16813,22 +16417,18 @@
           <a:lstStyle/>
           <a:p>
             <a:r>
-              <a:rPr lang="pl-PL" sz="2400"/>
+              <a:rPr lang="pl-PL" sz="2400" dirty="0"/>
               <a:t>Steć P.; Filtracja obrazów rastrowych; </a:t>
             </a:r>
             <a:r>
-              <a:rPr lang="pl-PL" sz="2400" i="1"/>
-              <a:t>http://www.uz.zgora.pl</a:t>
-            </a:r>
-            <a:r>
-              <a:rPr lang="pl-PL" sz="2400" i="1"/>
-              <a:t>/~</a:t>
-            </a:r>
-            <a:r>
-              <a:rPr lang="pl-PL" sz="2400" i="1" smtClean="0"/>
+              <a:rPr lang="pl-PL" sz="2400" i="1" dirty="0"/>
+              <a:t>http://www.uz.zgora.pl/~</a:t>
+            </a:r>
+            <a:r>
+              <a:rPr lang="pl-PL" sz="2400" i="1" dirty="0" smtClean="0"/>
               <a:t>pstec/files/filtracja.pdf</a:t>
             </a:r>
-            <a:endParaRPr lang="pl-PL" sz="2400" smtClean="0"/>
+            <a:endParaRPr lang="pl-PL" sz="2400" dirty="0" smtClean="0"/>
           </a:p>
           <a:p>
             <a:r>
@@ -17122,7 +16722,7 @@
           <a:lstStyle/>
           <a:p>
             <a:r>
-              <a:rPr lang="pl-PL" sz="4000" dirty="0">
+              <a:rPr lang="pl-PL" sz="4000" dirty="0" smtClean="0">
                 <a:effectLst>
                   <a:outerShdw blurRad="38100" dist="38100" dir="2700000" algn="tl">
                     <a:srgbClr val="000000">
@@ -17143,7 +16743,7 @@
                   </a:outerShdw>
                 </a:effectLst>
               </a:rPr>
-              <a:t>plot </a:t>
+              <a:t>plot macierzy </a:t>
             </a:r>
             <a:r>
               <a:rPr lang="pl-PL" sz="4000" dirty="0" smtClean="0">
